--- a/Stories/Story Cards.pptx
+++ b/Stories/Story Cards.pptx
@@ -4,30 +4,36 @@
   <p:sldMasterIdLst>
     <p:sldMasterId id="2147483648" r:id="rId1"/>
   </p:sldMasterIdLst>
+  <p:notesMasterIdLst>
+    <p:notesMasterId r:id="rId28"/>
+  </p:notesMasterIdLst>
   <p:sldIdLst>
     <p:sldId id="258" r:id="rId2"/>
     <p:sldId id="260" r:id="rId3"/>
     <p:sldId id="259" r:id="rId4"/>
     <p:sldId id="256" r:id="rId5"/>
-    <p:sldId id="262" r:id="rId6"/>
-    <p:sldId id="268" r:id="rId7"/>
-    <p:sldId id="263" r:id="rId8"/>
-    <p:sldId id="264" r:id="rId9"/>
-    <p:sldId id="266" r:id="rId10"/>
-    <p:sldId id="274" r:id="rId11"/>
-    <p:sldId id="265" r:id="rId12"/>
-    <p:sldId id="279" r:id="rId13"/>
-    <p:sldId id="278" r:id="rId14"/>
-    <p:sldId id="271" r:id="rId15"/>
-    <p:sldId id="267" r:id="rId16"/>
-    <p:sldId id="270" r:id="rId17"/>
-    <p:sldId id="261" r:id="rId18"/>
-    <p:sldId id="275" r:id="rId19"/>
-    <p:sldId id="273" r:id="rId20"/>
-    <p:sldId id="276" r:id="rId21"/>
-    <p:sldId id="272" r:id="rId22"/>
-    <p:sldId id="269" r:id="rId23"/>
-    <p:sldId id="277" r:id="rId24"/>
+    <p:sldId id="268" r:id="rId6"/>
+    <p:sldId id="263" r:id="rId7"/>
+    <p:sldId id="264" r:id="rId8"/>
+    <p:sldId id="266" r:id="rId9"/>
+    <p:sldId id="274" r:id="rId10"/>
+    <p:sldId id="265" r:id="rId11"/>
+    <p:sldId id="279" r:id="rId12"/>
+    <p:sldId id="278" r:id="rId13"/>
+    <p:sldId id="271" r:id="rId14"/>
+    <p:sldId id="267" r:id="rId15"/>
+    <p:sldId id="270" r:id="rId16"/>
+    <p:sldId id="261" r:id="rId17"/>
+    <p:sldId id="275" r:id="rId18"/>
+    <p:sldId id="273" r:id="rId19"/>
+    <p:sldId id="276" r:id="rId20"/>
+    <p:sldId id="272" r:id="rId21"/>
+    <p:sldId id="269" r:id="rId22"/>
+    <p:sldId id="277" r:id="rId23"/>
+    <p:sldId id="280" r:id="rId24"/>
+    <p:sldId id="281" r:id="rId25"/>
+    <p:sldId id="282" r:id="rId26"/>
+    <p:sldId id="283" r:id="rId27"/>
   </p:sldIdLst>
   <p:sldSz cx="9906000" cy="6858000" type="A4"/>
   <p:notesSz cx="6858000" cy="9144000"/>
@@ -145,6 +151,356 @@
 </p:presentation>
 </file>
 
+<file path=ppt/notesMasters/notesMaster1.xml><?xml version="1.0" encoding="utf-8"?>
+<p:notesMaster xmlns:a="http://schemas.openxmlformats.org/drawingml/2006/main" xmlns:r="http://schemas.openxmlformats.org/officeDocument/2006/relationships" xmlns:p="http://schemas.openxmlformats.org/presentationml/2006/main">
+  <p:cSld>
+    <p:bg>
+      <p:bgRef idx="1001">
+        <a:schemeClr val="bg1"/>
+      </p:bgRef>
+    </p:bg>
+    <p:spTree>
+      <p:nvGrpSpPr>
+        <p:cNvPr id="1" name=""/>
+        <p:cNvGrpSpPr/>
+        <p:nvPr/>
+      </p:nvGrpSpPr>
+      <p:grpSpPr>
+        <a:xfrm>
+          <a:off x="0" y="0"/>
+          <a:ext cx="0" cy="0"/>
+          <a:chOff x="0" y="0"/>
+          <a:chExt cx="0" cy="0"/>
+        </a:xfrm>
+      </p:grpSpPr>
+      <p:sp>
+        <p:nvSpPr>
+          <p:cNvPr id="2" name="Header Placeholder 1"/>
+          <p:cNvSpPr>
+            <a:spLocks noGrp="1"/>
+          </p:cNvSpPr>
+          <p:nvPr>
+            <p:ph type="hdr" sz="quarter"/>
+          </p:nvPr>
+        </p:nvSpPr>
+        <p:spPr>
+          <a:xfrm>
+            <a:off x="0" y="0"/>
+            <a:ext cx="2971800" cy="458788"/>
+          </a:xfrm>
+          <a:prstGeom prst="rect">
+            <a:avLst/>
+          </a:prstGeom>
+        </p:spPr>
+        <p:txBody>
+          <a:bodyPr vert="horz" lIns="91440" tIns="45720" rIns="91440" bIns="45720" rtlCol="0"/>
+          <a:lstStyle>
+            <a:lvl1pPr algn="l">
+              <a:defRPr sz="1200"/>
+            </a:lvl1pPr>
+          </a:lstStyle>
+          <a:p>
+            <a:endParaRPr lang="en-US"/>
+          </a:p>
+        </p:txBody>
+      </p:sp>
+      <p:sp>
+        <p:nvSpPr>
+          <p:cNvPr id="3" name="Date Placeholder 2"/>
+          <p:cNvSpPr>
+            <a:spLocks noGrp="1"/>
+          </p:cNvSpPr>
+          <p:nvPr>
+            <p:ph type="dt" idx="1"/>
+          </p:nvPr>
+        </p:nvSpPr>
+        <p:spPr>
+          <a:xfrm>
+            <a:off x="3884613" y="0"/>
+            <a:ext cx="2971800" cy="458788"/>
+          </a:xfrm>
+          <a:prstGeom prst="rect">
+            <a:avLst/>
+          </a:prstGeom>
+        </p:spPr>
+        <p:txBody>
+          <a:bodyPr vert="horz" lIns="91440" tIns="45720" rIns="91440" bIns="45720" rtlCol="0"/>
+          <a:lstStyle>
+            <a:lvl1pPr algn="r">
+              <a:defRPr sz="1200"/>
+            </a:lvl1pPr>
+          </a:lstStyle>
+          <a:p>
+            <a:fld id="{D472050B-ACD1-334A-AA2C-2AACF631EB54}" type="datetimeFigureOut">
+              <a:rPr lang="en-US" smtClean="0"/>
+              <a:t>3/23/17</a:t>
+            </a:fld>
+            <a:endParaRPr lang="en-US"/>
+          </a:p>
+        </p:txBody>
+      </p:sp>
+      <p:sp>
+        <p:nvSpPr>
+          <p:cNvPr id="4" name="Slide Image Placeholder 3"/>
+          <p:cNvSpPr>
+            <a:spLocks noGrp="1" noRot="1" noChangeAspect="1"/>
+          </p:cNvSpPr>
+          <p:nvPr>
+            <p:ph type="sldImg" idx="2"/>
+          </p:nvPr>
+        </p:nvSpPr>
+        <p:spPr>
+          <a:xfrm>
+            <a:off x="1200150" y="1143000"/>
+            <a:ext cx="4457700" cy="3086100"/>
+          </a:xfrm>
+          <a:prstGeom prst="rect">
+            <a:avLst/>
+          </a:prstGeom>
+          <a:noFill/>
+          <a:ln w="12700">
+            <a:solidFill>
+              <a:prstClr val="black"/>
+            </a:solidFill>
+          </a:ln>
+        </p:spPr>
+        <p:txBody>
+          <a:bodyPr vert="horz" lIns="91440" tIns="45720" rIns="91440" bIns="45720" rtlCol="0" anchor="ctr"/>
+          <a:lstStyle/>
+          <a:p>
+            <a:endParaRPr lang="en-US"/>
+          </a:p>
+        </p:txBody>
+      </p:sp>
+      <p:sp>
+        <p:nvSpPr>
+          <p:cNvPr id="5" name="Notes Placeholder 4"/>
+          <p:cNvSpPr>
+            <a:spLocks noGrp="1"/>
+          </p:cNvSpPr>
+          <p:nvPr>
+            <p:ph type="body" sz="quarter" idx="3"/>
+          </p:nvPr>
+        </p:nvSpPr>
+        <p:spPr>
+          <a:xfrm>
+            <a:off x="685800" y="4400550"/>
+            <a:ext cx="5486400" cy="3600450"/>
+          </a:xfrm>
+          <a:prstGeom prst="rect">
+            <a:avLst/>
+          </a:prstGeom>
+        </p:spPr>
+        <p:txBody>
+          <a:bodyPr vert="horz" lIns="91440" tIns="45720" rIns="91440" bIns="45720" rtlCol="0"/>
+          <a:lstStyle/>
+          <a:p>
+            <a:pPr lvl="0"/>
+            <a:r>
+              <a:rPr lang="en-US" smtClean="0"/>
+              <a:t>Click to edit Master text styles</a:t>
+            </a:r>
+          </a:p>
+          <a:p>
+            <a:pPr lvl="1"/>
+            <a:r>
+              <a:rPr lang="en-US" smtClean="0"/>
+              <a:t>Second level</a:t>
+            </a:r>
+          </a:p>
+          <a:p>
+            <a:pPr lvl="2"/>
+            <a:r>
+              <a:rPr lang="en-US" smtClean="0"/>
+              <a:t>Third level</a:t>
+            </a:r>
+          </a:p>
+          <a:p>
+            <a:pPr lvl="3"/>
+            <a:r>
+              <a:rPr lang="en-US" smtClean="0"/>
+              <a:t>Fourth level</a:t>
+            </a:r>
+          </a:p>
+          <a:p>
+            <a:pPr lvl="4"/>
+            <a:r>
+              <a:rPr lang="en-US" smtClean="0"/>
+              <a:t>Fifth level</a:t>
+            </a:r>
+            <a:endParaRPr lang="en-US"/>
+          </a:p>
+        </p:txBody>
+      </p:sp>
+      <p:sp>
+        <p:nvSpPr>
+          <p:cNvPr id="6" name="Footer Placeholder 5"/>
+          <p:cNvSpPr>
+            <a:spLocks noGrp="1"/>
+          </p:cNvSpPr>
+          <p:nvPr>
+            <p:ph type="ftr" sz="quarter" idx="4"/>
+          </p:nvPr>
+        </p:nvSpPr>
+        <p:spPr>
+          <a:xfrm>
+            <a:off x="0" y="8685213"/>
+            <a:ext cx="2971800" cy="458787"/>
+          </a:xfrm>
+          <a:prstGeom prst="rect">
+            <a:avLst/>
+          </a:prstGeom>
+        </p:spPr>
+        <p:txBody>
+          <a:bodyPr vert="horz" lIns="91440" tIns="45720" rIns="91440" bIns="45720" rtlCol="0" anchor="b"/>
+          <a:lstStyle>
+            <a:lvl1pPr algn="l">
+              <a:defRPr sz="1200"/>
+            </a:lvl1pPr>
+          </a:lstStyle>
+          <a:p>
+            <a:endParaRPr lang="en-US"/>
+          </a:p>
+        </p:txBody>
+      </p:sp>
+      <p:sp>
+        <p:nvSpPr>
+          <p:cNvPr id="7" name="Slide Number Placeholder 6"/>
+          <p:cNvSpPr>
+            <a:spLocks noGrp="1"/>
+          </p:cNvSpPr>
+          <p:nvPr>
+            <p:ph type="sldNum" sz="quarter" idx="5"/>
+          </p:nvPr>
+        </p:nvSpPr>
+        <p:spPr>
+          <a:xfrm>
+            <a:off x="3884613" y="8685213"/>
+            <a:ext cx="2971800" cy="458787"/>
+          </a:xfrm>
+          <a:prstGeom prst="rect">
+            <a:avLst/>
+          </a:prstGeom>
+        </p:spPr>
+        <p:txBody>
+          <a:bodyPr vert="horz" lIns="91440" tIns="45720" rIns="91440" bIns="45720" rtlCol="0" anchor="b"/>
+          <a:lstStyle>
+            <a:lvl1pPr algn="r">
+              <a:defRPr sz="1200"/>
+            </a:lvl1pPr>
+          </a:lstStyle>
+          <a:p>
+            <a:fld id="{E2882D06-ED0C-5B4C-A22F-85EB2EBA2659}" type="slidenum">
+              <a:rPr lang="en-US" smtClean="0"/>
+              <a:t>‹#›</a:t>
+            </a:fld>
+            <a:endParaRPr lang="en-US"/>
+          </a:p>
+        </p:txBody>
+      </p:sp>
+    </p:spTree>
+    <p:extLst>
+      <p:ext uri="{BB962C8B-B14F-4D97-AF65-F5344CB8AC3E}">
+        <p14:creationId xmlns:p14="http://schemas.microsoft.com/office/powerpoint/2010/main" val="1183825092"/>
+      </p:ext>
+    </p:extLst>
+  </p:cSld>
+  <p:clrMap bg1="lt1" tx1="dk1" bg2="lt2" tx2="dk2" accent1="accent1" accent2="accent2" accent3="accent3" accent4="accent4" accent5="accent5" accent6="accent6" hlink="hlink" folHlink="folHlink"/>
+  <p:notesStyle>
+    <a:lvl1pPr marL="0" algn="l" defTabSz="914400" rtl="0" eaLnBrk="1" latinLnBrk="0" hangingPunct="1">
+      <a:defRPr sz="1200" kern="1200">
+        <a:solidFill>
+          <a:schemeClr val="tx1"/>
+        </a:solidFill>
+        <a:latin typeface="+mn-lt"/>
+        <a:ea typeface="+mn-ea"/>
+        <a:cs typeface="+mn-cs"/>
+      </a:defRPr>
+    </a:lvl1pPr>
+    <a:lvl2pPr marL="457200" algn="l" defTabSz="914400" rtl="0" eaLnBrk="1" latinLnBrk="0" hangingPunct="1">
+      <a:defRPr sz="1200" kern="1200">
+        <a:solidFill>
+          <a:schemeClr val="tx1"/>
+        </a:solidFill>
+        <a:latin typeface="+mn-lt"/>
+        <a:ea typeface="+mn-ea"/>
+        <a:cs typeface="+mn-cs"/>
+      </a:defRPr>
+    </a:lvl2pPr>
+    <a:lvl3pPr marL="914400" algn="l" defTabSz="914400" rtl="0" eaLnBrk="1" latinLnBrk="0" hangingPunct="1">
+      <a:defRPr sz="1200" kern="1200">
+        <a:solidFill>
+          <a:schemeClr val="tx1"/>
+        </a:solidFill>
+        <a:latin typeface="+mn-lt"/>
+        <a:ea typeface="+mn-ea"/>
+        <a:cs typeface="+mn-cs"/>
+      </a:defRPr>
+    </a:lvl3pPr>
+    <a:lvl4pPr marL="1371600" algn="l" defTabSz="914400" rtl="0" eaLnBrk="1" latinLnBrk="0" hangingPunct="1">
+      <a:defRPr sz="1200" kern="1200">
+        <a:solidFill>
+          <a:schemeClr val="tx1"/>
+        </a:solidFill>
+        <a:latin typeface="+mn-lt"/>
+        <a:ea typeface="+mn-ea"/>
+        <a:cs typeface="+mn-cs"/>
+      </a:defRPr>
+    </a:lvl4pPr>
+    <a:lvl5pPr marL="1828800" algn="l" defTabSz="914400" rtl="0" eaLnBrk="1" latinLnBrk="0" hangingPunct="1">
+      <a:defRPr sz="1200" kern="1200">
+        <a:solidFill>
+          <a:schemeClr val="tx1"/>
+        </a:solidFill>
+        <a:latin typeface="+mn-lt"/>
+        <a:ea typeface="+mn-ea"/>
+        <a:cs typeface="+mn-cs"/>
+      </a:defRPr>
+    </a:lvl5pPr>
+    <a:lvl6pPr marL="2286000" algn="l" defTabSz="914400" rtl="0" eaLnBrk="1" latinLnBrk="0" hangingPunct="1">
+      <a:defRPr sz="1200" kern="1200">
+        <a:solidFill>
+          <a:schemeClr val="tx1"/>
+        </a:solidFill>
+        <a:latin typeface="+mn-lt"/>
+        <a:ea typeface="+mn-ea"/>
+        <a:cs typeface="+mn-cs"/>
+      </a:defRPr>
+    </a:lvl6pPr>
+    <a:lvl7pPr marL="2743200" algn="l" defTabSz="914400" rtl="0" eaLnBrk="1" latinLnBrk="0" hangingPunct="1">
+      <a:defRPr sz="1200" kern="1200">
+        <a:solidFill>
+          <a:schemeClr val="tx1"/>
+        </a:solidFill>
+        <a:latin typeface="+mn-lt"/>
+        <a:ea typeface="+mn-ea"/>
+        <a:cs typeface="+mn-cs"/>
+      </a:defRPr>
+    </a:lvl7pPr>
+    <a:lvl8pPr marL="3200400" algn="l" defTabSz="914400" rtl="0" eaLnBrk="1" latinLnBrk="0" hangingPunct="1">
+      <a:defRPr sz="1200" kern="1200">
+        <a:solidFill>
+          <a:schemeClr val="tx1"/>
+        </a:solidFill>
+        <a:latin typeface="+mn-lt"/>
+        <a:ea typeface="+mn-ea"/>
+        <a:cs typeface="+mn-cs"/>
+      </a:defRPr>
+    </a:lvl8pPr>
+    <a:lvl9pPr marL="3657600" algn="l" defTabSz="914400" rtl="0" eaLnBrk="1" latinLnBrk="0" hangingPunct="1">
+      <a:defRPr sz="1200" kern="1200">
+        <a:solidFill>
+          <a:schemeClr val="tx1"/>
+        </a:solidFill>
+        <a:latin typeface="+mn-lt"/>
+        <a:ea typeface="+mn-ea"/>
+        <a:cs typeface="+mn-cs"/>
+      </a:defRPr>
+    </a:lvl9pPr>
+  </p:notesStyle>
+</p:notesMaster>
+</file>
+
 <file path=ppt/slideLayouts/slideLayout1.xml><?xml version="1.0" encoding="utf-8"?>
 <p:sldLayout xmlns:a="http://schemas.openxmlformats.org/drawingml/2006/main" xmlns:r="http://schemas.openxmlformats.org/officeDocument/2006/relationships" xmlns:p="http://schemas.openxmlformats.org/presentationml/2006/main" type="title" preserve="1">
   <p:cSld name="Title Slide">
@@ -3330,7 +3686,15 @@
                   <a:schemeClr val="tx1"/>
                 </a:solidFill>
               </a:rPr>
-              <a:t>Story ID</a:t>
+              <a:t>Story </a:t>
+            </a:r>
+            <a:r>
+              <a:rPr lang="en-AU" sz="2000" dirty="0" smtClean="0">
+                <a:solidFill>
+                  <a:schemeClr val="tx1"/>
+                </a:solidFill>
+              </a:rPr>
+              <a:t>8</a:t>
             </a:r>
             <a:endParaRPr lang="en-AU" sz="2000" dirty="0">
               <a:solidFill>
@@ -3388,7 +3752,7 @@
             <a:pPr algn="ctr"/>
             <a:r>
               <a:rPr lang="en-AU" sz="2800" dirty="0" smtClean="0"/>
-              <a:t>Add a folder</a:t>
+              <a:t>Open my PDF/eBook File</a:t>
             </a:r>
             <a:endParaRPr lang="en-AU" sz="2800" dirty="0"/>
           </a:p>
@@ -3448,7 +3812,7 @@
                   <a:schemeClr val="tx1"/>
                 </a:solidFill>
               </a:rPr>
-              <a:t>As a Media Vault user, I want to add a folder so that I can organise my files.</a:t>
+              <a:t>As a Media Vault user, I want to open my file so that I can read the contents</a:t>
             </a:r>
           </a:p>
           <a:p>
@@ -3539,7 +3903,7 @@
                   <a:schemeClr val="tx1"/>
                 </a:solidFill>
               </a:rPr>
-              <a:t>A file will appear, letting the user pick its name, once the user has clicked the option to create a folder.</a:t>
+              <a:t>The file will open once clicked, the eBook/pdf should display so that it can be read.</a:t>
             </a:r>
             <a:endParaRPr lang="en-AU" sz="2000" dirty="0" smtClean="0">
               <a:solidFill>
@@ -3603,7 +3967,7 @@
                   <a:schemeClr val="tx1"/>
                 </a:solidFill>
               </a:rPr>
-              <a:t>Story Points</a:t>
+              <a:t>8</a:t>
             </a:r>
             <a:endParaRPr lang="en-AU" sz="2000" dirty="0">
               <a:solidFill>
@@ -3668,7 +4032,7 @@
                   <a:schemeClr val="tx1"/>
                 </a:solidFill>
               </a:rPr>
-              <a:t>Priority</a:t>
+              <a:t>Could</a:t>
             </a:r>
             <a:endParaRPr lang="en-AU" sz="2000" dirty="0">
               <a:solidFill>
@@ -3742,7 +4106,7 @@
     </p:spTree>
     <p:extLst>
       <p:ext uri="{BB962C8B-B14F-4D97-AF65-F5344CB8AC3E}">
-        <p14:creationId xmlns:p14="http://schemas.microsoft.com/office/powerpoint/2010/main" val="542512747"/>
+        <p14:creationId xmlns:p14="http://schemas.microsoft.com/office/powerpoint/2010/main" val="771756051"/>
       </p:ext>
     </p:extLst>
   </p:cSld>
@@ -3824,7 +4188,15 @@
                   <a:schemeClr val="tx1"/>
                 </a:solidFill>
               </a:rPr>
-              <a:t>Story ID</a:t>
+              <a:t>Story </a:t>
+            </a:r>
+            <a:r>
+              <a:rPr lang="en-AU" sz="2000" dirty="0" smtClean="0">
+                <a:solidFill>
+                  <a:schemeClr val="tx1"/>
+                </a:solidFill>
+              </a:rPr>
+              <a:t>9</a:t>
             </a:r>
             <a:endParaRPr lang="en-AU" sz="2000" dirty="0">
               <a:solidFill>
@@ -3882,7 +4254,7 @@
             <a:pPr algn="ctr"/>
             <a:r>
               <a:rPr lang="en-AU" sz="2800" dirty="0" smtClean="0"/>
-              <a:t>Open my PDF/eBook File</a:t>
+              <a:t>Open my Audio File</a:t>
             </a:r>
             <a:endParaRPr lang="en-AU" sz="2800" dirty="0"/>
           </a:p>
@@ -3942,8 +4314,29 @@
                   <a:schemeClr val="tx1"/>
                 </a:solidFill>
               </a:rPr>
-              <a:t>As a Media Vault user, I want to open my file so that I can read the contents</a:t>
-            </a:r>
+              <a:t>As a Media Vault user, I want to open my file so that I can </a:t>
+            </a:r>
+            <a:r>
+              <a:rPr lang="en-AU" sz="2400" dirty="0">
+                <a:solidFill>
+                  <a:schemeClr val="tx1"/>
+                </a:solidFill>
+              </a:rPr>
+              <a:t>l</a:t>
+            </a:r>
+            <a:r>
+              <a:rPr lang="en-AU" sz="2400" dirty="0" smtClean="0">
+                <a:solidFill>
+                  <a:schemeClr val="tx1"/>
+                </a:solidFill>
+              </a:rPr>
+              <a:t>isten to it</a:t>
+            </a:r>
+            <a:endParaRPr lang="en-AU" sz="2400" dirty="0" smtClean="0">
+              <a:solidFill>
+                <a:schemeClr val="tx1"/>
+              </a:solidFill>
+            </a:endParaRPr>
           </a:p>
           <a:p>
             <a:endParaRPr lang="en-AU" sz="2400" dirty="0" smtClean="0">
@@ -4033,7 +4426,7 @@
                   <a:schemeClr val="tx1"/>
                 </a:solidFill>
               </a:rPr>
-              <a:t>The file will open once clicked, the eBook/pdf should display so that it can be read.</a:t>
+              <a:t>The file will open once clicked, music plays.</a:t>
             </a:r>
             <a:endParaRPr lang="en-AU" sz="2000" dirty="0" smtClean="0">
               <a:solidFill>
@@ -4097,7 +4490,7 @@
                   <a:schemeClr val="tx1"/>
                 </a:solidFill>
               </a:rPr>
-              <a:t>Story Points</a:t>
+              <a:t>4</a:t>
             </a:r>
             <a:endParaRPr lang="en-AU" sz="2000" dirty="0">
               <a:solidFill>
@@ -4162,7 +4555,7 @@
                   <a:schemeClr val="tx1"/>
                 </a:solidFill>
               </a:rPr>
-              <a:t>Priority</a:t>
+              <a:t>Should</a:t>
             </a:r>
             <a:endParaRPr lang="en-AU" sz="2000" dirty="0">
               <a:solidFill>
@@ -4236,7 +4629,7 @@
     </p:spTree>
     <p:extLst>
       <p:ext uri="{BB962C8B-B14F-4D97-AF65-F5344CB8AC3E}">
-        <p14:creationId xmlns:p14="http://schemas.microsoft.com/office/powerpoint/2010/main" val="771756051"/>
+        <p14:creationId xmlns:p14="http://schemas.microsoft.com/office/powerpoint/2010/main" val="441015736"/>
       </p:ext>
     </p:extLst>
   </p:cSld>
@@ -4318,7 +4711,15 @@
                   <a:schemeClr val="tx1"/>
                 </a:solidFill>
               </a:rPr>
-              <a:t>Story ID</a:t>
+              <a:t>Story </a:t>
+            </a:r>
+            <a:r>
+              <a:rPr lang="en-AU" sz="2000" dirty="0" smtClean="0">
+                <a:solidFill>
+                  <a:schemeClr val="tx1"/>
+                </a:solidFill>
+              </a:rPr>
+              <a:t>10</a:t>
             </a:r>
             <a:endParaRPr lang="en-AU" sz="2000" dirty="0">
               <a:solidFill>
@@ -4376,7 +4777,7 @@
             <a:pPr algn="ctr"/>
             <a:r>
               <a:rPr lang="en-AU" sz="2800" dirty="0" smtClean="0"/>
-              <a:t>Open my Audio File</a:t>
+              <a:t>Open my Picture File</a:t>
             </a:r>
             <a:endParaRPr lang="en-AU" sz="2800" dirty="0"/>
           </a:p>
@@ -4436,29 +4837,8 @@
                   <a:schemeClr val="tx1"/>
                 </a:solidFill>
               </a:rPr>
-              <a:t>As a Media Vault user, I want to open my file so that I can </a:t>
-            </a:r>
-            <a:r>
-              <a:rPr lang="en-AU" sz="2400" dirty="0">
-                <a:solidFill>
-                  <a:schemeClr val="tx1"/>
-                </a:solidFill>
-              </a:rPr>
-              <a:t>l</a:t>
-            </a:r>
-            <a:r>
-              <a:rPr lang="en-AU" sz="2400" dirty="0" smtClean="0">
-                <a:solidFill>
-                  <a:schemeClr val="tx1"/>
-                </a:solidFill>
-              </a:rPr>
-              <a:t>isten to it</a:t>
-            </a:r>
-            <a:endParaRPr lang="en-AU" sz="2400" dirty="0" smtClean="0">
-              <a:solidFill>
-                <a:schemeClr val="tx1"/>
-              </a:solidFill>
-            </a:endParaRPr>
+              <a:t>As a Media Vault user, I want to open my file so that I can view it.</a:t>
+            </a:r>
           </a:p>
           <a:p>
             <a:endParaRPr lang="en-AU" sz="2400" dirty="0" smtClean="0">
@@ -4548,7 +4928,7 @@
                   <a:schemeClr val="tx1"/>
                 </a:solidFill>
               </a:rPr>
-              <a:t>The file will open once clicked, music plays.</a:t>
+              <a:t>The file will open once clicked, a picture should display</a:t>
             </a:r>
             <a:endParaRPr lang="en-AU" sz="2000" dirty="0" smtClean="0">
               <a:solidFill>
@@ -4612,7 +4992,7 @@
                   <a:schemeClr val="tx1"/>
                 </a:solidFill>
               </a:rPr>
-              <a:t>Story Points</a:t>
+              <a:t>2</a:t>
             </a:r>
             <a:endParaRPr lang="en-AU" sz="2000" dirty="0">
               <a:solidFill>
@@ -4677,7 +5057,7 @@
                   <a:schemeClr val="tx1"/>
                 </a:solidFill>
               </a:rPr>
-              <a:t>Priority</a:t>
+              <a:t>Should</a:t>
             </a:r>
             <a:endParaRPr lang="en-AU" sz="2000" dirty="0">
               <a:solidFill>
@@ -4751,7 +5131,7 @@
     </p:spTree>
     <p:extLst>
       <p:ext uri="{BB962C8B-B14F-4D97-AF65-F5344CB8AC3E}">
-        <p14:creationId xmlns:p14="http://schemas.microsoft.com/office/powerpoint/2010/main" val="441015736"/>
+        <p14:creationId xmlns:p14="http://schemas.microsoft.com/office/powerpoint/2010/main" val="1520526948"/>
       </p:ext>
     </p:extLst>
   </p:cSld>
@@ -4833,7 +5213,15 @@
                   <a:schemeClr val="tx1"/>
                 </a:solidFill>
               </a:rPr>
-              <a:t>Story ID</a:t>
+              <a:t>Story </a:t>
+            </a:r>
+            <a:r>
+              <a:rPr lang="en-AU" sz="2000" dirty="0" smtClean="0">
+                <a:solidFill>
+                  <a:schemeClr val="tx1"/>
+                </a:solidFill>
+              </a:rPr>
+              <a:t>11</a:t>
             </a:r>
             <a:endParaRPr lang="en-AU" sz="2000" dirty="0">
               <a:solidFill>
@@ -4891,7 +5279,7 @@
             <a:pPr algn="ctr"/>
             <a:r>
               <a:rPr lang="en-AU" sz="2800" dirty="0" smtClean="0"/>
-              <a:t>Open my Picture File</a:t>
+              <a:t>Delete a File</a:t>
             </a:r>
             <a:endParaRPr lang="en-AU" sz="2800" dirty="0"/>
           </a:p>
@@ -4951,7 +5339,7 @@
                   <a:schemeClr val="tx1"/>
                 </a:solidFill>
               </a:rPr>
-              <a:t>As a Media Vault user, I want to open my file so that I can view it.</a:t>
+              <a:t>As a Media Vault user, I want to delete a file so that I can free up my storage space or remove the file if I no longer need it.</a:t>
             </a:r>
           </a:p>
           <a:p>
@@ -5042,7 +5430,7 @@
                   <a:schemeClr val="tx1"/>
                 </a:solidFill>
               </a:rPr>
-              <a:t>The file will open once clicked, a picture should display</a:t>
+              <a:t>The file no longer be in the Media Vault if the delete button is clicked.</a:t>
             </a:r>
             <a:endParaRPr lang="en-AU" sz="2000" dirty="0" smtClean="0">
               <a:solidFill>
@@ -5106,7 +5494,7 @@
                   <a:schemeClr val="tx1"/>
                 </a:solidFill>
               </a:rPr>
-              <a:t>Story Points</a:t>
+              <a:t>8</a:t>
             </a:r>
             <a:endParaRPr lang="en-AU" sz="2000" dirty="0">
               <a:solidFill>
@@ -5171,7 +5559,7 @@
                   <a:schemeClr val="tx1"/>
                 </a:solidFill>
               </a:rPr>
-              <a:t>Priority</a:t>
+              <a:t>Should</a:t>
             </a:r>
             <a:endParaRPr lang="en-AU" sz="2000" dirty="0">
               <a:solidFill>
@@ -5245,7 +5633,7 @@
     </p:spTree>
     <p:extLst>
       <p:ext uri="{BB962C8B-B14F-4D97-AF65-F5344CB8AC3E}">
-        <p14:creationId xmlns:p14="http://schemas.microsoft.com/office/powerpoint/2010/main" val="1520526948"/>
+        <p14:creationId xmlns:p14="http://schemas.microsoft.com/office/powerpoint/2010/main" val="1089856927"/>
       </p:ext>
     </p:extLst>
   </p:cSld>
@@ -5327,7 +5715,15 @@
                   <a:schemeClr val="tx1"/>
                 </a:solidFill>
               </a:rPr>
-              <a:t>Story ID</a:t>
+              <a:t>Story </a:t>
+            </a:r>
+            <a:r>
+              <a:rPr lang="en-AU" sz="2000" dirty="0" smtClean="0">
+                <a:solidFill>
+                  <a:schemeClr val="tx1"/>
+                </a:solidFill>
+              </a:rPr>
+              <a:t>12</a:t>
             </a:r>
             <a:endParaRPr lang="en-AU" sz="2000" dirty="0">
               <a:solidFill>
@@ -5385,7 +5781,7 @@
             <a:pPr algn="ctr"/>
             <a:r>
               <a:rPr lang="en-AU" sz="2800" dirty="0" smtClean="0"/>
-              <a:t>Delete a File</a:t>
+              <a:t>Edit a File Name</a:t>
             </a:r>
             <a:endParaRPr lang="en-AU" sz="2800" dirty="0"/>
           </a:p>
@@ -5445,7 +5841,35 @@
                   <a:schemeClr val="tx1"/>
                 </a:solidFill>
               </a:rPr>
-              <a:t>As a Media Vault user, I want to delete a file so that I can free up my storage space or remove the file if I no longer need it.</a:t>
+              <a:t>As a Media Vault user, I want to edit a file name so that:</a:t>
+            </a:r>
+          </a:p>
+          <a:p>
+            <a:pPr marL="342900" indent="-342900">
+              <a:buFont typeface="Arial" charset="0"/>
+              <a:buChar char="•"/>
+            </a:pPr>
+            <a:r>
+              <a:rPr lang="en-AU" sz="2400" dirty="0" smtClean="0">
+                <a:solidFill>
+                  <a:schemeClr val="tx1"/>
+                </a:solidFill>
+              </a:rPr>
+              <a:t>It can have the appropriate credentials; and</a:t>
+            </a:r>
+          </a:p>
+          <a:p>
+            <a:pPr marL="342900" indent="-342900">
+              <a:buFont typeface="Arial" charset="0"/>
+              <a:buChar char="•"/>
+            </a:pPr>
+            <a:r>
+              <a:rPr lang="en-AU" sz="2400" dirty="0" smtClean="0">
+                <a:solidFill>
+                  <a:schemeClr val="tx1"/>
+                </a:solidFill>
+              </a:rPr>
+              <a:t>Search and sort functionality will catch these files</a:t>
             </a:r>
           </a:p>
           <a:p>
@@ -5536,7 +5960,7 @@
                   <a:schemeClr val="tx1"/>
                 </a:solidFill>
               </a:rPr>
-              <a:t>The file no longer be in the Media Vault if the delete button is clicked.</a:t>
+              <a:t>The file name will change upon the user editing it.</a:t>
             </a:r>
             <a:endParaRPr lang="en-AU" sz="2000" dirty="0" smtClean="0">
               <a:solidFill>
@@ -5600,7 +6024,7 @@
                   <a:schemeClr val="tx1"/>
                 </a:solidFill>
               </a:rPr>
-              <a:t>Story Points</a:t>
+              <a:t>4</a:t>
             </a:r>
             <a:endParaRPr lang="en-AU" sz="2000" dirty="0">
               <a:solidFill>
@@ -5665,7 +6089,7 @@
                   <a:schemeClr val="tx1"/>
                 </a:solidFill>
               </a:rPr>
-              <a:t>Priority</a:t>
+              <a:t>Should</a:t>
             </a:r>
             <a:endParaRPr lang="en-AU" sz="2000" dirty="0">
               <a:solidFill>
@@ -5739,7 +6163,7 @@
     </p:spTree>
     <p:extLst>
       <p:ext uri="{BB962C8B-B14F-4D97-AF65-F5344CB8AC3E}">
-        <p14:creationId xmlns:p14="http://schemas.microsoft.com/office/powerpoint/2010/main" val="1089856927"/>
+        <p14:creationId xmlns:p14="http://schemas.microsoft.com/office/powerpoint/2010/main" val="1538368623"/>
       </p:ext>
     </p:extLst>
   </p:cSld>
@@ -5821,7 +6245,15 @@
                   <a:schemeClr val="tx1"/>
                 </a:solidFill>
               </a:rPr>
-              <a:t>Story ID</a:t>
+              <a:t>Story </a:t>
+            </a:r>
+            <a:r>
+              <a:rPr lang="en-AU" sz="2000" dirty="0" smtClean="0">
+                <a:solidFill>
+                  <a:schemeClr val="tx1"/>
+                </a:solidFill>
+              </a:rPr>
+              <a:t>13</a:t>
             </a:r>
             <a:endParaRPr lang="en-AU" sz="2000" dirty="0">
               <a:solidFill>
@@ -5879,7 +6311,7 @@
             <a:pPr algn="ctr"/>
             <a:r>
               <a:rPr lang="en-AU" sz="2800" dirty="0" smtClean="0"/>
-              <a:t>Edit a File Name</a:t>
+              <a:t>Search a File</a:t>
             </a:r>
             <a:endParaRPr lang="en-AU" sz="2800" dirty="0"/>
           </a:p>
@@ -5939,35 +6371,7 @@
                   <a:schemeClr val="tx1"/>
                 </a:solidFill>
               </a:rPr>
-              <a:t>As a Media Vault user, I want to edit a file name so that:</a:t>
-            </a:r>
-          </a:p>
-          <a:p>
-            <a:pPr marL="342900" indent="-342900">
-              <a:buFont typeface="Arial" charset="0"/>
-              <a:buChar char="•"/>
-            </a:pPr>
-            <a:r>
-              <a:rPr lang="en-AU" sz="2400" dirty="0" smtClean="0">
-                <a:solidFill>
-                  <a:schemeClr val="tx1"/>
-                </a:solidFill>
-              </a:rPr>
-              <a:t>It can have the appropriate credentials; and</a:t>
-            </a:r>
-          </a:p>
-          <a:p>
-            <a:pPr marL="342900" indent="-342900">
-              <a:buFont typeface="Arial" charset="0"/>
-              <a:buChar char="•"/>
-            </a:pPr>
-            <a:r>
-              <a:rPr lang="en-AU" sz="2400" dirty="0" smtClean="0">
-                <a:solidFill>
-                  <a:schemeClr val="tx1"/>
-                </a:solidFill>
-              </a:rPr>
-              <a:t>Search and sort functionality will catch these files</a:t>
+              <a:t>As a Media Vault user, I want to search through my files so that I can find specific files quicker.</a:t>
             </a:r>
           </a:p>
           <a:p>
@@ -6058,7 +6462,7 @@
                   <a:schemeClr val="tx1"/>
                 </a:solidFill>
               </a:rPr>
-              <a:t>The file name will change upon the user editing it.</a:t>
+              <a:t>The current view of the files will filter according to the user’s search terms</a:t>
             </a:r>
             <a:endParaRPr lang="en-AU" sz="2000" dirty="0" smtClean="0">
               <a:solidFill>
@@ -6122,7 +6526,7 @@
                   <a:schemeClr val="tx1"/>
                 </a:solidFill>
               </a:rPr>
-              <a:t>Story Points</a:t>
+              <a:t>4</a:t>
             </a:r>
             <a:endParaRPr lang="en-AU" sz="2000" dirty="0">
               <a:solidFill>
@@ -6187,7 +6591,7 @@
                   <a:schemeClr val="tx1"/>
                 </a:solidFill>
               </a:rPr>
-              <a:t>Priority</a:t>
+              <a:t>Should</a:t>
             </a:r>
             <a:endParaRPr lang="en-AU" sz="2000" dirty="0">
               <a:solidFill>
@@ -6261,7 +6665,7 @@
     </p:spTree>
     <p:extLst>
       <p:ext uri="{BB962C8B-B14F-4D97-AF65-F5344CB8AC3E}">
-        <p14:creationId xmlns:p14="http://schemas.microsoft.com/office/powerpoint/2010/main" val="1538368623"/>
+        <p14:creationId xmlns:p14="http://schemas.microsoft.com/office/powerpoint/2010/main" val="576746551"/>
       </p:ext>
     </p:extLst>
   </p:cSld>
@@ -6343,7 +6747,15 @@
                   <a:schemeClr val="tx1"/>
                 </a:solidFill>
               </a:rPr>
-              <a:t>Story ID</a:t>
+              <a:t>Story </a:t>
+            </a:r>
+            <a:r>
+              <a:rPr lang="en-AU" sz="2000" dirty="0" smtClean="0">
+                <a:solidFill>
+                  <a:schemeClr val="tx1"/>
+                </a:solidFill>
+              </a:rPr>
+              <a:t>14</a:t>
             </a:r>
             <a:endParaRPr lang="en-AU" sz="2000" dirty="0">
               <a:solidFill>
@@ -6367,9 +6779,6 @@
           <a:prstGeom prst="rect">
             <a:avLst/>
           </a:prstGeom>
-          <a:solidFill>
-            <a:schemeClr val="accent3"/>
-          </a:solidFill>
           <a:ln>
             <a:solidFill>
               <a:schemeClr val="accent1">
@@ -6401,7 +6810,7 @@
             <a:pPr algn="ctr"/>
             <a:r>
               <a:rPr lang="en-AU" sz="2800" dirty="0" smtClean="0"/>
-              <a:t>Search a File</a:t>
+              <a:t>Add Meta Data to Uploaded File</a:t>
             </a:r>
             <a:endParaRPr lang="en-AU" sz="2800" dirty="0"/>
           </a:p>
@@ -6461,27 +6870,14 @@
                   <a:schemeClr val="tx1"/>
                 </a:solidFill>
               </a:rPr>
-              <a:t>As a Media Vault user, I want to search through my files so that I can find specific files quicker.</a:t>
-            </a:r>
-          </a:p>
-          <a:p>
+              <a:t>As a Media Vault user, I want to add user friendly meta data to a file I have uploaded so that this file will appear when I search my files with similar meta data.</a:t>
+            </a:r>
             <a:endParaRPr lang="en-AU" sz="2400" dirty="0" smtClean="0">
               <a:solidFill>
                 <a:schemeClr val="tx1"/>
               </a:solidFill>
             </a:endParaRPr>
           </a:p>
-          <a:p>
-            <a:pPr marL="342900" indent="-342900">
-              <a:buFont typeface="Arial" charset="0"/>
-              <a:buChar char="•"/>
-            </a:pPr>
-            <a:endParaRPr lang="en-AU" sz="2400" dirty="0" smtClean="0">
-              <a:solidFill>
-                <a:schemeClr val="tx1"/>
-              </a:solidFill>
-            </a:endParaRPr>
-          </a:p>
         </p:txBody>
       </p:sp>
       <p:sp>
@@ -6552,7 +6948,21 @@
                   <a:schemeClr val="tx1"/>
                 </a:solidFill>
               </a:rPr>
-              <a:t>The current view of the files will filter according to the user’s search terms</a:t>
+              <a:t>The user can add certain information (meta data) to uploaded files</a:t>
+            </a:r>
+          </a:p>
+          <a:p>
+            <a:pPr marL="179388" indent="-179388">
+              <a:buFont typeface="Arial" pitchFamily="34" charset="0"/>
+              <a:buChar char="•"/>
+            </a:pPr>
+            <a:r>
+              <a:rPr lang="en-AU" sz="2000" dirty="0" smtClean="0">
+                <a:solidFill>
+                  <a:schemeClr val="tx1"/>
+                </a:solidFill>
+              </a:rPr>
+              <a:t>Performing a search with similar meta data should reveal the relevant files</a:t>
             </a:r>
             <a:endParaRPr lang="en-AU" sz="2000" dirty="0" smtClean="0">
               <a:solidFill>
@@ -6616,7 +7026,7 @@
                   <a:schemeClr val="tx1"/>
                 </a:solidFill>
               </a:rPr>
-              <a:t>Story Points</a:t>
+              <a:t>4</a:t>
             </a:r>
             <a:endParaRPr lang="en-AU" sz="2000" dirty="0">
               <a:solidFill>
@@ -6681,7 +7091,7 @@
                   <a:schemeClr val="tx1"/>
                 </a:solidFill>
               </a:rPr>
-              <a:t>Priority</a:t>
+              <a:t>Must</a:t>
             </a:r>
             <a:endParaRPr lang="en-AU" sz="2000" dirty="0">
               <a:solidFill>
@@ -6744,7 +7154,21 @@
               </a:rPr>
               <a:t>Notes</a:t>
             </a:r>
-            <a:endParaRPr lang="en-AU" sz="2000" dirty="0" smtClean="0">
+          </a:p>
+          <a:p>
+            <a:pPr marL="179388" indent="-179388">
+              <a:buFont typeface="Arial" pitchFamily="34" charset="0"/>
+              <a:buChar char="•"/>
+            </a:pPr>
+            <a:r>
+              <a:rPr lang="en-AU" sz="2000" dirty="0" smtClean="0">
+                <a:solidFill>
+                  <a:schemeClr val="tx1"/>
+                </a:solidFill>
+              </a:rPr>
+              <a:t> </a:t>
+            </a:r>
+            <a:endParaRPr lang="en-AU" sz="2000" dirty="0">
               <a:solidFill>
                 <a:schemeClr val="tx1"/>
               </a:solidFill>
@@ -6755,7 +7179,7 @@
     </p:spTree>
     <p:extLst>
       <p:ext uri="{BB962C8B-B14F-4D97-AF65-F5344CB8AC3E}">
-        <p14:creationId xmlns:p14="http://schemas.microsoft.com/office/powerpoint/2010/main" val="576746551"/>
+        <p14:creationId xmlns:p14="http://schemas.microsoft.com/office/powerpoint/2010/main" val="953932189"/>
       </p:ext>
     </p:extLst>
   </p:cSld>
@@ -6837,7 +7261,15 @@
                   <a:schemeClr val="tx1"/>
                 </a:solidFill>
               </a:rPr>
-              <a:t>Story ID</a:t>
+              <a:t>Story </a:t>
+            </a:r>
+            <a:r>
+              <a:rPr lang="en-AU" sz="2000" dirty="0" smtClean="0">
+                <a:solidFill>
+                  <a:schemeClr val="tx1"/>
+                </a:solidFill>
+              </a:rPr>
+              <a:t>15</a:t>
             </a:r>
             <a:endParaRPr lang="en-AU" sz="2000" dirty="0">
               <a:solidFill>
@@ -6892,7 +7324,7 @@
             <a:pPr algn="ctr"/>
             <a:r>
               <a:rPr lang="en-AU" sz="2800" dirty="0" smtClean="0"/>
-              <a:t>Add Meta Data to Uploaded File</a:t>
+              <a:t>Edit Meta Data from Uploaded File</a:t>
             </a:r>
             <a:endParaRPr lang="en-AU" sz="2800" dirty="0"/>
           </a:p>
@@ -6952,7 +7384,7 @@
                   <a:schemeClr val="tx1"/>
                 </a:solidFill>
               </a:rPr>
-              <a:t>As a Media Vault user, I want to add user friendly meta data to a file I have uploaded so that this file will appear when I search my files with similar meta data.</a:t>
+              <a:t>As a Media Vault user, I want to edit user friendly meta data to a file I have uploaded so that this file will appear when I search my files with similar meta data.</a:t>
             </a:r>
             <a:endParaRPr lang="en-AU" sz="2400" dirty="0" smtClean="0">
               <a:solidFill>
@@ -7108,7 +7540,7 @@
                   <a:schemeClr val="tx1"/>
                 </a:solidFill>
               </a:rPr>
-              <a:t>Story Points</a:t>
+              <a:t>2</a:t>
             </a:r>
             <a:endParaRPr lang="en-AU" sz="2000" dirty="0">
               <a:solidFill>
@@ -7173,7 +7605,7 @@
                   <a:schemeClr val="tx1"/>
                 </a:solidFill>
               </a:rPr>
-              <a:t>Priority</a:t>
+              <a:t>Should</a:t>
             </a:r>
             <a:endParaRPr lang="en-AU" sz="2000" dirty="0">
               <a:solidFill>
@@ -7261,7 +7693,7 @@
     </p:spTree>
     <p:extLst>
       <p:ext uri="{BB962C8B-B14F-4D97-AF65-F5344CB8AC3E}">
-        <p14:creationId xmlns:p14="http://schemas.microsoft.com/office/powerpoint/2010/main" val="953932189"/>
+        <p14:creationId xmlns:p14="http://schemas.microsoft.com/office/powerpoint/2010/main" val="318530055"/>
       </p:ext>
     </p:extLst>
   </p:cSld>
@@ -7343,7 +7775,15 @@
                   <a:schemeClr val="tx1"/>
                 </a:solidFill>
               </a:rPr>
-              <a:t>Story ID</a:t>
+              <a:t>Story </a:t>
+            </a:r>
+            <a:r>
+              <a:rPr lang="en-AU" sz="2000" dirty="0" smtClean="0">
+                <a:solidFill>
+                  <a:schemeClr val="tx1"/>
+                </a:solidFill>
+              </a:rPr>
+              <a:t>16</a:t>
             </a:r>
             <a:endParaRPr lang="en-AU" sz="2000" dirty="0">
               <a:solidFill>
@@ -7398,7 +7838,7 @@
             <a:pPr algn="ctr"/>
             <a:r>
               <a:rPr lang="en-AU" sz="2800" dirty="0" smtClean="0"/>
-              <a:t>Edit Meta Data from Uploaded File</a:t>
+              <a:t>Add Meta Data when Uploading File</a:t>
             </a:r>
             <a:endParaRPr lang="en-AU" sz="2800" dirty="0"/>
           </a:p>
@@ -7458,7 +7898,7 @@
                   <a:schemeClr val="tx1"/>
                 </a:solidFill>
               </a:rPr>
-              <a:t>As a Media Vault user, I want to edit user friendly meta data to a file I have uploaded so that this file will appear when I search my files with similar meta data.</a:t>
+              <a:t>As a Media Vault user, I want to add automatic or manual information (meta data) to a file that I am uploading, so that performing a search with similar meta data will reveal these files.</a:t>
             </a:r>
             <a:endParaRPr lang="en-AU" sz="2400" dirty="0" smtClean="0">
               <a:solidFill>
@@ -7550,7 +7990,15 @@
                   <a:schemeClr val="tx1"/>
                 </a:solidFill>
               </a:rPr>
-              <a:t>Performing a search with similar meta data should reveal the relevant files</a:t>
+              <a:t>Performing a search with similar meta data should reveal </a:t>
+            </a:r>
+            <a:r>
+              <a:rPr lang="en-AU" sz="2000" smtClean="0">
+                <a:solidFill>
+                  <a:schemeClr val="tx1"/>
+                </a:solidFill>
+              </a:rPr>
+              <a:t>the relevant files</a:t>
             </a:r>
             <a:endParaRPr lang="en-AU" sz="2000" dirty="0" smtClean="0">
               <a:solidFill>
@@ -7614,7 +8062,7 @@
                   <a:schemeClr val="tx1"/>
                 </a:solidFill>
               </a:rPr>
-              <a:t>Story Points</a:t>
+              <a:t>4</a:t>
             </a:r>
             <a:endParaRPr lang="en-AU" sz="2000" dirty="0">
               <a:solidFill>
@@ -7679,7 +8127,7 @@
                   <a:schemeClr val="tx1"/>
                 </a:solidFill>
               </a:rPr>
-              <a:t>Priority</a:t>
+              <a:t>Must</a:t>
             </a:r>
             <a:endParaRPr lang="en-AU" sz="2000" dirty="0">
               <a:solidFill>
@@ -7767,7 +8215,7 @@
     </p:spTree>
     <p:extLst>
       <p:ext uri="{BB962C8B-B14F-4D97-AF65-F5344CB8AC3E}">
-        <p14:creationId xmlns:p14="http://schemas.microsoft.com/office/powerpoint/2010/main" val="318530055"/>
+        <p14:creationId xmlns:p14="http://schemas.microsoft.com/office/powerpoint/2010/main" val="1524660529"/>
       </p:ext>
     </p:extLst>
   </p:cSld>
@@ -7849,7 +8297,15 @@
                   <a:schemeClr val="tx1"/>
                 </a:solidFill>
               </a:rPr>
-              <a:t>Story ID</a:t>
+              <a:t>Story </a:t>
+            </a:r>
+            <a:r>
+              <a:rPr lang="en-AU" sz="2000" dirty="0" smtClean="0">
+                <a:solidFill>
+                  <a:schemeClr val="tx1"/>
+                </a:solidFill>
+              </a:rPr>
+              <a:t>17</a:t>
             </a:r>
             <a:endParaRPr lang="en-AU" sz="2000" dirty="0">
               <a:solidFill>
@@ -7904,7 +8360,7 @@
             <a:pPr algn="ctr"/>
             <a:r>
               <a:rPr lang="en-AU" sz="2800" dirty="0" smtClean="0"/>
-              <a:t>Add Meta Data when Uploading File</a:t>
+              <a:t>Sort my Files</a:t>
             </a:r>
             <a:endParaRPr lang="en-AU" sz="2800" dirty="0"/>
           </a:p>
@@ -7964,7 +8420,7 @@
                   <a:schemeClr val="tx1"/>
                 </a:solidFill>
               </a:rPr>
-              <a:t>As a Media Vault user, I want to add automatic or manual information (meta data) to a file that I am uploading, so that performing a search with similar meta data will reveal these files.</a:t>
+              <a:t>As a Media Vault user, I want to sort my files by a specific criteria, so that I can organise and easily access specific files.</a:t>
             </a:r>
             <a:endParaRPr lang="en-AU" sz="2400" dirty="0" smtClean="0">
               <a:solidFill>
@@ -8042,11 +8498,11 @@
                   <a:schemeClr val="tx1"/>
                 </a:solidFill>
               </a:rPr>
-              <a:t>The user can add certain information (meta data) to uploaded files</a:t>
-            </a:r>
-          </a:p>
-          <a:p>
-            <a:pPr marL="179388" indent="-179388">
+              <a:t>The user can sort their files in ascending, descending or alphabetical by:</a:t>
+            </a:r>
+          </a:p>
+          <a:p>
+            <a:pPr marL="636588" lvl="1" indent="-179388">
               <a:buFont typeface="Arial" pitchFamily="34" charset="0"/>
               <a:buChar char="•"/>
             </a:pPr>
@@ -8056,15 +8512,7 @@
                   <a:schemeClr val="tx1"/>
                 </a:solidFill>
               </a:rPr>
-              <a:t>Performing a search with similar meta data should reveal </a:t>
-            </a:r>
-            <a:r>
-              <a:rPr lang="en-AU" sz="2000" smtClean="0">
-                <a:solidFill>
-                  <a:schemeClr val="tx1"/>
-                </a:solidFill>
-              </a:rPr>
-              <a:t>the relevant files</a:t>
+              <a:t>Date, name, file type or meta data</a:t>
             </a:r>
             <a:endParaRPr lang="en-AU" sz="2000" dirty="0" smtClean="0">
               <a:solidFill>
@@ -8128,7 +8576,7 @@
                   <a:schemeClr val="tx1"/>
                 </a:solidFill>
               </a:rPr>
-              <a:t>Story Points</a:t>
+              <a:t>4</a:t>
             </a:r>
             <a:endParaRPr lang="en-AU" sz="2000" dirty="0">
               <a:solidFill>
@@ -8193,7 +8641,7 @@
                   <a:schemeClr val="tx1"/>
                 </a:solidFill>
               </a:rPr>
-              <a:t>Priority</a:t>
+              <a:t>Should</a:t>
             </a:r>
             <a:endParaRPr lang="en-AU" sz="2000" dirty="0">
               <a:solidFill>
@@ -8281,7 +8729,7 @@
     </p:spTree>
     <p:extLst>
       <p:ext uri="{BB962C8B-B14F-4D97-AF65-F5344CB8AC3E}">
-        <p14:creationId xmlns:p14="http://schemas.microsoft.com/office/powerpoint/2010/main" val="1524660529"/>
+        <p14:creationId xmlns:p14="http://schemas.microsoft.com/office/powerpoint/2010/main" val="2005386061"/>
       </p:ext>
     </p:extLst>
   </p:cSld>
@@ -8382,7 +8830,15 @@
                   <a:schemeClr val="tx1"/>
                 </a:solidFill>
               </a:rPr>
-              <a:t>Story ID</a:t>
+              <a:t>Story </a:t>
+            </a:r>
+            <a:r>
+              <a:rPr lang="en-AU" sz="2000" dirty="0" smtClean="0">
+                <a:solidFill>
+                  <a:schemeClr val="tx1"/>
+                </a:solidFill>
+              </a:rPr>
+              <a:t>0</a:t>
             </a:r>
             <a:endParaRPr lang="en-AU" sz="2000" dirty="0">
               <a:solidFill>
@@ -8451,7 +8907,7 @@
         </p:nvSpPr>
         <p:spPr>
           <a:xfrm>
-            <a:off x="39153" y="822470"/>
+            <a:off x="48389" y="822470"/>
             <a:ext cx="9828000" cy="2340000"/>
           </a:xfrm>
           <a:prstGeom prst="rect">
@@ -8497,7 +8953,7 @@
                   <a:schemeClr val="tx1"/>
                 </a:solidFill>
               </a:rPr>
-              <a:t>As a Media Vault user, I want to register for an account so that I</a:t>
+              <a:t>As a Media Vault user, I want to use a website so that I can store my files on the cloud</a:t>
             </a:r>
             <a:endParaRPr lang="en-AU" sz="2400" dirty="0" smtClean="0">
               <a:solidFill>
@@ -8699,7 +9155,7 @@
                   <a:schemeClr val="tx1"/>
                 </a:solidFill>
               </a:rPr>
-              <a:t>Priority</a:t>
+              <a:t>Must</a:t>
             </a:r>
             <a:endParaRPr lang="en-AU" sz="2000" dirty="0">
               <a:solidFill>
@@ -8869,7 +9325,15 @@
                   <a:schemeClr val="tx1"/>
                 </a:solidFill>
               </a:rPr>
-              <a:t>Story ID</a:t>
+              <a:t>Story </a:t>
+            </a:r>
+            <a:r>
+              <a:rPr lang="en-AU" sz="2000" dirty="0" smtClean="0">
+                <a:solidFill>
+                  <a:schemeClr val="tx1"/>
+                </a:solidFill>
+              </a:rPr>
+              <a:t>18</a:t>
             </a:r>
             <a:endParaRPr lang="en-AU" sz="2000" dirty="0">
               <a:solidFill>
@@ -8924,7 +9388,7 @@
             <a:pPr algn="ctr"/>
             <a:r>
               <a:rPr lang="en-AU" sz="2800" dirty="0" smtClean="0"/>
-              <a:t>Sort my Files</a:t>
+              <a:t>View Account Details</a:t>
             </a:r>
             <a:endParaRPr lang="en-AU" sz="2800" dirty="0"/>
           </a:p>
@@ -8984,7 +9448,35 @@
                   <a:schemeClr val="tx1"/>
                 </a:solidFill>
               </a:rPr>
-              <a:t>As a Media Vault user, I want to sort my files by a specific criteria, so that I can organise and easily access specific files.</a:t>
+              <a:t>As a Media Vault user, I want to update my password and email, so that: </a:t>
+            </a:r>
+          </a:p>
+          <a:p>
+            <a:pPr marL="342900" indent="-342900">
+              <a:buFont typeface="Arial" charset="0"/>
+              <a:buChar char="•"/>
+            </a:pPr>
+            <a:r>
+              <a:rPr lang="en-AU" sz="2400" dirty="0" smtClean="0">
+                <a:solidFill>
+                  <a:schemeClr val="tx1"/>
+                </a:solidFill>
+              </a:rPr>
+              <a:t>I can keep my account secure; and </a:t>
+            </a:r>
+          </a:p>
+          <a:p>
+            <a:pPr marL="342900" indent="-342900">
+              <a:buFont typeface="Arial" charset="0"/>
+              <a:buChar char="•"/>
+            </a:pPr>
+            <a:r>
+              <a:rPr lang="en-AU" sz="2400" dirty="0" smtClean="0">
+                <a:solidFill>
+                  <a:schemeClr val="tx1"/>
+                </a:solidFill>
+              </a:rPr>
+              <a:t>Any email correspondence from Media Vault can be sent to the correct email</a:t>
             </a:r>
             <a:endParaRPr lang="en-AU" sz="2400" dirty="0" smtClean="0">
               <a:solidFill>
@@ -9062,11 +9554,19 @@
                   <a:schemeClr val="tx1"/>
                 </a:solidFill>
               </a:rPr>
-              <a:t>The user can sort their files in ascending, descending or alphabetical by:</a:t>
-            </a:r>
-          </a:p>
-          <a:p>
-            <a:pPr marL="636588" lvl="1" indent="-179388">
+              <a:t> </a:t>
+            </a:r>
+            <a:r>
+              <a:rPr lang="en-AU" sz="2000" dirty="0" smtClean="0">
+                <a:solidFill>
+                  <a:schemeClr val="tx1"/>
+                </a:solidFill>
+              </a:rPr>
+              <a:t>The home page has a register account button</a:t>
+            </a:r>
+          </a:p>
+          <a:p>
+            <a:pPr marL="179388" indent="-179388">
               <a:buFont typeface="Arial" pitchFamily="34" charset="0"/>
               <a:buChar char="•"/>
             </a:pPr>
@@ -9076,7 +9576,35 @@
                   <a:schemeClr val="tx1"/>
                 </a:solidFill>
               </a:rPr>
-              <a:t>Date, name, file type or meta data</a:t>
+              <a:t>The Media Vault user can enter in their email and password</a:t>
+            </a:r>
+          </a:p>
+          <a:p>
+            <a:pPr marL="179388" indent="-179388">
+              <a:buFont typeface="Arial" pitchFamily="34" charset="0"/>
+              <a:buChar char="•"/>
+            </a:pPr>
+            <a:r>
+              <a:rPr lang="en-AU" sz="2000" dirty="0" smtClean="0">
+                <a:solidFill>
+                  <a:schemeClr val="tx1"/>
+                </a:solidFill>
+              </a:rPr>
+              <a:t>A verification email will be sent to that email</a:t>
+            </a:r>
+          </a:p>
+          <a:p>
+            <a:pPr marL="179388" indent="-179388">
+              <a:buFont typeface="Arial" pitchFamily="34" charset="0"/>
+              <a:buChar char="•"/>
+            </a:pPr>
+            <a:r>
+              <a:rPr lang="en-AU" sz="2000" dirty="0" smtClean="0">
+                <a:solidFill>
+                  <a:schemeClr val="tx1"/>
+                </a:solidFill>
+              </a:rPr>
+              <a:t>The Media Vault user can log in</a:t>
             </a:r>
             <a:endParaRPr lang="en-AU" sz="2000" dirty="0" smtClean="0">
               <a:solidFill>
@@ -9140,7 +9668,7 @@
                   <a:schemeClr val="tx1"/>
                 </a:solidFill>
               </a:rPr>
-              <a:t>Story Points</a:t>
+              <a:t>4</a:t>
             </a:r>
             <a:endParaRPr lang="en-AU" sz="2000" dirty="0">
               <a:solidFill>
@@ -9205,7 +9733,7 @@
                   <a:schemeClr val="tx1"/>
                 </a:solidFill>
               </a:rPr>
-              <a:t>Priority</a:t>
+              <a:t>Could</a:t>
             </a:r>
             <a:endParaRPr lang="en-AU" sz="2000" dirty="0">
               <a:solidFill>
@@ -9293,7 +9821,7 @@
     </p:spTree>
     <p:extLst>
       <p:ext uri="{BB962C8B-B14F-4D97-AF65-F5344CB8AC3E}">
-        <p14:creationId xmlns:p14="http://schemas.microsoft.com/office/powerpoint/2010/main" val="2005386061"/>
+        <p14:creationId xmlns:p14="http://schemas.microsoft.com/office/powerpoint/2010/main" val="375447048"/>
       </p:ext>
     </p:extLst>
   </p:cSld>
@@ -9375,7 +9903,15 @@
                   <a:schemeClr val="tx1"/>
                 </a:solidFill>
               </a:rPr>
-              <a:t>Story ID</a:t>
+              <a:t>Story </a:t>
+            </a:r>
+            <a:r>
+              <a:rPr lang="en-AU" sz="2000" dirty="0" smtClean="0">
+                <a:solidFill>
+                  <a:schemeClr val="tx1"/>
+                </a:solidFill>
+              </a:rPr>
+              <a:t>19</a:t>
             </a:r>
             <a:endParaRPr lang="en-AU" sz="2000" dirty="0">
               <a:solidFill>
@@ -9430,7 +9966,7 @@
             <a:pPr algn="ctr"/>
             <a:r>
               <a:rPr lang="en-AU" sz="2800" dirty="0" smtClean="0"/>
-              <a:t>View Account Details</a:t>
+              <a:t>Reset my Password if Forgotten</a:t>
             </a:r>
             <a:endParaRPr lang="en-AU" sz="2800" dirty="0"/>
           </a:p>
@@ -9444,7 +9980,7 @@
         </p:nvSpPr>
         <p:spPr>
           <a:xfrm>
-            <a:off x="39153" y="822470"/>
+            <a:off x="39153" y="803997"/>
             <a:ext cx="9828000" cy="2340000"/>
           </a:xfrm>
           <a:prstGeom prst="rect">
@@ -9490,35 +10026,7 @@
                   <a:schemeClr val="tx1"/>
                 </a:solidFill>
               </a:rPr>
-              <a:t>As a Media Vault user, I want to update my password and email, so that: </a:t>
-            </a:r>
-          </a:p>
-          <a:p>
-            <a:pPr marL="342900" indent="-342900">
-              <a:buFont typeface="Arial" charset="0"/>
-              <a:buChar char="•"/>
-            </a:pPr>
-            <a:r>
-              <a:rPr lang="en-AU" sz="2400" dirty="0" smtClean="0">
-                <a:solidFill>
-                  <a:schemeClr val="tx1"/>
-                </a:solidFill>
-              </a:rPr>
-              <a:t>I can keep my account secure; and </a:t>
-            </a:r>
-          </a:p>
-          <a:p>
-            <a:pPr marL="342900" indent="-342900">
-              <a:buFont typeface="Arial" charset="0"/>
-              <a:buChar char="•"/>
-            </a:pPr>
-            <a:r>
-              <a:rPr lang="en-AU" sz="2400" dirty="0" smtClean="0">
-                <a:solidFill>
-                  <a:schemeClr val="tx1"/>
-                </a:solidFill>
-              </a:rPr>
-              <a:t>Any email correspondence from Media Vault can be sent to the correct email</a:t>
+              <a:t>As a Media Vault user, I want to reset my password if I have forgotten it, so I can change it to a new password and log into my Media Vault to access my files.</a:t>
             </a:r>
             <a:endParaRPr lang="en-AU" sz="2400" dirty="0" smtClean="0">
               <a:solidFill>
@@ -9604,7 +10112,7 @@
                   <a:schemeClr val="tx1"/>
                 </a:solidFill>
               </a:rPr>
-              <a:t>The home page has a register account button</a:t>
+              <a:t>The user will receive a reset password link to their email, letting them pick a new password</a:t>
             </a:r>
           </a:p>
           <a:p>
@@ -9618,35 +10126,7 @@
                   <a:schemeClr val="tx1"/>
                 </a:solidFill>
               </a:rPr>
-              <a:t>The Media Vault user can enter in their email and password</a:t>
-            </a:r>
-          </a:p>
-          <a:p>
-            <a:pPr marL="179388" indent="-179388">
-              <a:buFont typeface="Arial" pitchFamily="34" charset="0"/>
-              <a:buChar char="•"/>
-            </a:pPr>
-            <a:r>
-              <a:rPr lang="en-AU" sz="2000" dirty="0" smtClean="0">
-                <a:solidFill>
-                  <a:schemeClr val="tx1"/>
-                </a:solidFill>
-              </a:rPr>
-              <a:t>A verification email will be sent to that email</a:t>
-            </a:r>
-          </a:p>
-          <a:p>
-            <a:pPr marL="179388" indent="-179388">
-              <a:buFont typeface="Arial" pitchFamily="34" charset="0"/>
-              <a:buChar char="•"/>
-            </a:pPr>
-            <a:r>
-              <a:rPr lang="en-AU" sz="2000" dirty="0" smtClean="0">
-                <a:solidFill>
-                  <a:schemeClr val="tx1"/>
-                </a:solidFill>
-              </a:rPr>
-              <a:t>The Media Vault user can log in</a:t>
+              <a:t>They can then log in</a:t>
             </a:r>
             <a:endParaRPr lang="en-AU" sz="2000" dirty="0" smtClean="0">
               <a:solidFill>
@@ -9710,7 +10190,7 @@
                   <a:schemeClr val="tx1"/>
                 </a:solidFill>
               </a:rPr>
-              <a:t>Story Points</a:t>
+              <a:t>4</a:t>
             </a:r>
             <a:endParaRPr lang="en-AU" sz="2000" dirty="0">
               <a:solidFill>
@@ -9775,7 +10255,7 @@
                   <a:schemeClr val="tx1"/>
                 </a:solidFill>
               </a:rPr>
-              <a:t>Priority</a:t>
+              <a:t>Should</a:t>
             </a:r>
             <a:endParaRPr lang="en-AU" sz="2000" dirty="0">
               <a:solidFill>
@@ -9863,7 +10343,7 @@
     </p:spTree>
     <p:extLst>
       <p:ext uri="{BB962C8B-B14F-4D97-AF65-F5344CB8AC3E}">
-        <p14:creationId xmlns:p14="http://schemas.microsoft.com/office/powerpoint/2010/main" val="375447048"/>
+        <p14:creationId xmlns:p14="http://schemas.microsoft.com/office/powerpoint/2010/main" val="507449682"/>
       </p:ext>
     </p:extLst>
   </p:cSld>
@@ -9945,7 +10425,15 @@
                   <a:schemeClr val="tx1"/>
                 </a:solidFill>
               </a:rPr>
-              <a:t>Story ID</a:t>
+              <a:t>Story </a:t>
+            </a:r>
+            <a:r>
+              <a:rPr lang="en-AU" sz="2000" dirty="0" smtClean="0">
+                <a:solidFill>
+                  <a:schemeClr val="tx1"/>
+                </a:solidFill>
+              </a:rPr>
+              <a:t>20</a:t>
             </a:r>
             <a:endParaRPr lang="en-AU" sz="2000" dirty="0">
               <a:solidFill>
@@ -10000,7 +10488,7 @@
             <a:pPr algn="ctr"/>
             <a:r>
               <a:rPr lang="en-AU" sz="2800" dirty="0" smtClean="0"/>
-              <a:t>Reset my Password if Forgotten</a:t>
+              <a:t>Log Out</a:t>
             </a:r>
             <a:endParaRPr lang="en-AU" sz="2800" dirty="0"/>
           </a:p>
@@ -10014,7 +10502,7 @@
         </p:nvSpPr>
         <p:spPr>
           <a:xfrm>
-            <a:off x="39153" y="803997"/>
+            <a:off x="39153" y="822470"/>
             <a:ext cx="9828000" cy="2340000"/>
           </a:xfrm>
           <a:prstGeom prst="rect">
@@ -10060,7 +10548,7 @@
                   <a:schemeClr val="tx1"/>
                 </a:solidFill>
               </a:rPr>
-              <a:t>As a Media Vault user, I want to reset my password if I have forgotten it, so I can change it to a new password and log into my Media Vault to access my files.</a:t>
+              <a:t>As a Media Vault user, I want to log out of my account, so that nobody else can access my files when I have finished with Media Vault</a:t>
             </a:r>
             <a:endParaRPr lang="en-AU" sz="2400" dirty="0" smtClean="0">
               <a:solidFill>
@@ -10146,21 +10634,7 @@
                   <a:schemeClr val="tx1"/>
                 </a:solidFill>
               </a:rPr>
-              <a:t>The user will receive a reset password link to their email, letting them pick a new password</a:t>
-            </a:r>
-          </a:p>
-          <a:p>
-            <a:pPr marL="179388" indent="-179388">
-              <a:buFont typeface="Arial" pitchFamily="34" charset="0"/>
-              <a:buChar char="•"/>
-            </a:pPr>
-            <a:r>
-              <a:rPr lang="en-AU" sz="2000" dirty="0" smtClean="0">
-                <a:solidFill>
-                  <a:schemeClr val="tx1"/>
-                </a:solidFill>
-              </a:rPr>
-              <a:t>They can then log in</a:t>
+              <a:t>The User can no longer see their files once they have clicked a log out button</a:t>
             </a:r>
             <a:endParaRPr lang="en-AU" sz="2000" dirty="0" smtClean="0">
               <a:solidFill>
@@ -10224,7 +10698,7 @@
                   <a:schemeClr val="tx1"/>
                 </a:solidFill>
               </a:rPr>
-              <a:t>Story Points</a:t>
+              <a:t>2</a:t>
             </a:r>
             <a:endParaRPr lang="en-AU" sz="2000" dirty="0">
               <a:solidFill>
@@ -10289,7 +10763,7 @@
                   <a:schemeClr val="tx1"/>
                 </a:solidFill>
               </a:rPr>
-              <a:t>Priority</a:t>
+              <a:t>Should</a:t>
             </a:r>
             <a:endParaRPr lang="en-AU" sz="2000" dirty="0">
               <a:solidFill>
@@ -10377,7 +10851,7 @@
     </p:spTree>
     <p:extLst>
       <p:ext uri="{BB962C8B-B14F-4D97-AF65-F5344CB8AC3E}">
-        <p14:creationId xmlns:p14="http://schemas.microsoft.com/office/powerpoint/2010/main" val="507449682"/>
+        <p14:creationId xmlns:p14="http://schemas.microsoft.com/office/powerpoint/2010/main" val="693245224"/>
       </p:ext>
     </p:extLst>
   </p:cSld>
@@ -10406,6 +10880,64 @@
       </p:grpSpPr>
       <p:sp>
         <p:nvSpPr>
+          <p:cNvPr id="2" name="Title 1"/>
+          <p:cNvSpPr>
+            <a:spLocks noGrp="1"/>
+          </p:cNvSpPr>
+          <p:nvPr>
+            <p:ph type="title"/>
+          </p:nvPr>
+        </p:nvSpPr>
+        <p:spPr>
+          <a:xfrm>
+            <a:off x="529805" y="2370857"/>
+            <a:ext cx="8915400" cy="1143000"/>
+          </a:xfrm>
+        </p:spPr>
+        <p:txBody>
+          <a:bodyPr/>
+          <a:lstStyle/>
+          <a:p>
+            <a:r>
+              <a:rPr lang="en-US" dirty="0" smtClean="0"/>
+              <a:t>Media Vault Desktop User</a:t>
+            </a:r>
+            <a:endParaRPr lang="en-US" dirty="0"/>
+          </a:p>
+        </p:txBody>
+      </p:sp>
+    </p:spTree>
+    <p:extLst>
+      <p:ext uri="{BB962C8B-B14F-4D97-AF65-F5344CB8AC3E}">
+        <p14:creationId xmlns:p14="http://schemas.microsoft.com/office/powerpoint/2010/main" val="112331789"/>
+      </p:ext>
+    </p:extLst>
+  </p:cSld>
+  <p:clrMapOvr>
+    <a:masterClrMapping/>
+  </p:clrMapOvr>
+</p:sld>
+</file>
+
+<file path=ppt/slides/slide24.xml><?xml version="1.0" encoding="utf-8"?>
+<p:sld xmlns:a="http://schemas.openxmlformats.org/drawingml/2006/main" xmlns:r="http://schemas.openxmlformats.org/officeDocument/2006/relationships" xmlns:p="http://schemas.openxmlformats.org/presentationml/2006/main">
+  <p:cSld>
+    <p:spTree>
+      <p:nvGrpSpPr>
+        <p:cNvPr id="1" name=""/>
+        <p:cNvGrpSpPr/>
+        <p:nvPr/>
+      </p:nvGrpSpPr>
+      <p:grpSpPr>
+        <a:xfrm>
+          <a:off x="0" y="0"/>
+          <a:ext cx="0" cy="0"/>
+          <a:chOff x="0" y="0"/>
+          <a:chExt cx="0" cy="0"/>
+        </a:xfrm>
+      </p:grpSpPr>
+      <p:sp>
+        <p:nvSpPr>
           <p:cNvPr id="4" name="Rectangle 3"/>
           <p:cNvSpPr/>
           <p:nvPr/>
@@ -10459,7 +10991,15 @@
                   <a:schemeClr val="tx1"/>
                 </a:solidFill>
               </a:rPr>
-              <a:t>Story ID</a:t>
+              <a:t>Story </a:t>
+            </a:r>
+            <a:r>
+              <a:rPr lang="en-AU" sz="2000" dirty="0" smtClean="0">
+                <a:solidFill>
+                  <a:schemeClr val="tx1"/>
+                </a:solidFill>
+              </a:rPr>
+              <a:t>21</a:t>
             </a:r>
             <a:endParaRPr lang="en-AU" sz="2000" dirty="0">
               <a:solidFill>
@@ -10514,7 +11054,7 @@
             <a:pPr algn="ctr"/>
             <a:r>
               <a:rPr lang="en-AU" sz="2800" dirty="0" smtClean="0"/>
-              <a:t>Log Out</a:t>
+              <a:t>Access Website on Desktop</a:t>
             </a:r>
             <a:endParaRPr lang="en-AU" sz="2800" dirty="0"/>
           </a:p>
@@ -10574,7 +11114,7 @@
                   <a:schemeClr val="tx1"/>
                 </a:solidFill>
               </a:rPr>
-              <a:t>As a Media Vault user, I want to log out of my account, so that nobody else can access my files when I have finished with Media Vault</a:t>
+              <a:t>As a Media Vault user, I want to access the Media Vault website in a desktop browser friendly context, so that I can view my files</a:t>
             </a:r>
             <a:endParaRPr lang="en-AU" sz="2400" dirty="0" smtClean="0">
               <a:solidFill>
@@ -10660,7 +11200,7 @@
                   <a:schemeClr val="tx1"/>
                 </a:solidFill>
               </a:rPr>
-              <a:t>The User can no longer see their files once they have clicked a log out button</a:t>
+              <a:t>The flow of the website should be suitable for a desktop</a:t>
             </a:r>
             <a:endParaRPr lang="en-AU" sz="2000" dirty="0" smtClean="0">
               <a:solidFill>
@@ -10724,7 +11264,7 @@
                   <a:schemeClr val="tx1"/>
                 </a:solidFill>
               </a:rPr>
-              <a:t>Story Points</a:t>
+              <a:t>4</a:t>
             </a:r>
             <a:endParaRPr lang="en-AU" sz="2000" dirty="0">
               <a:solidFill>
@@ -10789,7 +11329,7 @@
                   <a:schemeClr val="tx1"/>
                 </a:solidFill>
               </a:rPr>
-              <a:t>Priority</a:t>
+              <a:t>Must</a:t>
             </a:r>
             <a:endParaRPr lang="en-AU" sz="2000" dirty="0">
               <a:solidFill>
@@ -10877,7 +11417,573 @@
     </p:spTree>
     <p:extLst>
       <p:ext uri="{BB962C8B-B14F-4D97-AF65-F5344CB8AC3E}">
-        <p14:creationId xmlns:p14="http://schemas.microsoft.com/office/powerpoint/2010/main" val="693245224"/>
+        <p14:creationId xmlns:p14="http://schemas.microsoft.com/office/powerpoint/2010/main" val="322252010"/>
+      </p:ext>
+    </p:extLst>
+  </p:cSld>
+  <p:clrMapOvr>
+    <a:masterClrMapping/>
+  </p:clrMapOvr>
+</p:sld>
+</file>
+
+<file path=ppt/slides/slide25.xml><?xml version="1.0" encoding="utf-8"?>
+<p:sld xmlns:a="http://schemas.openxmlformats.org/drawingml/2006/main" xmlns:r="http://schemas.openxmlformats.org/officeDocument/2006/relationships" xmlns:p="http://schemas.openxmlformats.org/presentationml/2006/main">
+  <p:cSld>
+    <p:spTree>
+      <p:nvGrpSpPr>
+        <p:cNvPr id="1" name=""/>
+        <p:cNvGrpSpPr/>
+        <p:nvPr/>
+      </p:nvGrpSpPr>
+      <p:grpSpPr>
+        <a:xfrm>
+          <a:off x="0" y="0"/>
+          <a:ext cx="0" cy="0"/>
+          <a:chOff x="0" y="0"/>
+          <a:chExt cx="0" cy="0"/>
+        </a:xfrm>
+      </p:grpSpPr>
+      <p:sp>
+        <p:nvSpPr>
+          <p:cNvPr id="2" name="Title 1"/>
+          <p:cNvSpPr>
+            <a:spLocks noGrp="1"/>
+          </p:cNvSpPr>
+          <p:nvPr>
+            <p:ph type="title"/>
+          </p:nvPr>
+        </p:nvSpPr>
+        <p:spPr>
+          <a:xfrm>
+            <a:off x="529805" y="2370857"/>
+            <a:ext cx="8915400" cy="1143000"/>
+          </a:xfrm>
+        </p:spPr>
+        <p:txBody>
+          <a:bodyPr/>
+          <a:lstStyle/>
+          <a:p>
+            <a:r>
+              <a:rPr lang="en-US" dirty="0" smtClean="0"/>
+              <a:t>Media Vault Mobile User</a:t>
+            </a:r>
+            <a:endParaRPr lang="en-US" dirty="0"/>
+          </a:p>
+        </p:txBody>
+      </p:sp>
+    </p:spTree>
+    <p:extLst>
+      <p:ext uri="{BB962C8B-B14F-4D97-AF65-F5344CB8AC3E}">
+        <p14:creationId xmlns:p14="http://schemas.microsoft.com/office/powerpoint/2010/main" val="230675416"/>
+      </p:ext>
+    </p:extLst>
+  </p:cSld>
+  <p:clrMapOvr>
+    <a:masterClrMapping/>
+  </p:clrMapOvr>
+</p:sld>
+</file>
+
+<file path=ppt/slides/slide26.xml><?xml version="1.0" encoding="utf-8"?>
+<p:sld xmlns:a="http://schemas.openxmlformats.org/drawingml/2006/main" xmlns:r="http://schemas.openxmlformats.org/officeDocument/2006/relationships" xmlns:p="http://schemas.openxmlformats.org/presentationml/2006/main">
+  <p:cSld>
+    <p:spTree>
+      <p:nvGrpSpPr>
+        <p:cNvPr id="1" name=""/>
+        <p:cNvGrpSpPr/>
+        <p:nvPr/>
+      </p:nvGrpSpPr>
+      <p:grpSpPr>
+        <a:xfrm>
+          <a:off x="0" y="0"/>
+          <a:ext cx="0" cy="0"/>
+          <a:chOff x="0" y="0"/>
+          <a:chExt cx="0" cy="0"/>
+        </a:xfrm>
+      </p:grpSpPr>
+      <p:sp>
+        <p:nvSpPr>
+          <p:cNvPr id="4" name="Rectangle 3"/>
+          <p:cNvSpPr/>
+          <p:nvPr/>
+        </p:nvSpPr>
+        <p:spPr>
+          <a:xfrm>
+            <a:off x="39153" y="109410"/>
+            <a:ext cx="720000" cy="540000"/>
+          </a:xfrm>
+          <a:prstGeom prst="rect">
+            <a:avLst/>
+          </a:prstGeom>
+          <a:solidFill>
+            <a:schemeClr val="accent1">
+              <a:lumMod val="40000"/>
+              <a:lumOff val="60000"/>
+            </a:schemeClr>
+          </a:solidFill>
+          <a:ln>
+            <a:solidFill>
+              <a:schemeClr val="accent1">
+                <a:lumMod val="50000"/>
+              </a:schemeClr>
+            </a:solidFill>
+          </a:ln>
+        </p:spPr>
+        <p:style>
+          <a:lnRef idx="2">
+            <a:schemeClr val="accent1">
+              <a:shade val="50000"/>
+            </a:schemeClr>
+          </a:lnRef>
+          <a:fillRef idx="1">
+            <a:schemeClr val="accent1"/>
+          </a:fillRef>
+          <a:effectRef idx="0">
+            <a:schemeClr val="accent1"/>
+          </a:effectRef>
+          <a:fontRef idx="minor">
+            <a:schemeClr val="lt1"/>
+          </a:fontRef>
+        </p:style>
+        <p:txBody>
+          <a:bodyPr wrap="square" lIns="0" rIns="0" rtlCol="0" anchor="ctr"/>
+          <a:lstStyle/>
+          <a:p>
+            <a:pPr algn="ctr"/>
+            <a:r>
+              <a:rPr lang="en-AU" sz="2000" dirty="0" smtClean="0">
+                <a:solidFill>
+                  <a:schemeClr val="tx1"/>
+                </a:solidFill>
+              </a:rPr>
+              <a:t>Story </a:t>
+            </a:r>
+            <a:r>
+              <a:rPr lang="en-AU" sz="2000" dirty="0" smtClean="0">
+                <a:solidFill>
+                  <a:schemeClr val="tx1"/>
+                </a:solidFill>
+              </a:rPr>
+              <a:t>22</a:t>
+            </a:r>
+            <a:endParaRPr lang="en-AU" sz="2000" dirty="0">
+              <a:solidFill>
+                <a:schemeClr val="tx1"/>
+              </a:solidFill>
+            </a:endParaRPr>
+          </a:p>
+        </p:txBody>
+      </p:sp>
+      <p:sp>
+        <p:nvSpPr>
+          <p:cNvPr id="6" name="Rectangle 5"/>
+          <p:cNvSpPr/>
+          <p:nvPr/>
+        </p:nvSpPr>
+        <p:spPr>
+          <a:xfrm>
+            <a:off x="831153" y="109410"/>
+            <a:ext cx="7380000" cy="540000"/>
+          </a:xfrm>
+          <a:prstGeom prst="rect">
+            <a:avLst/>
+          </a:prstGeom>
+          <a:ln>
+            <a:solidFill>
+              <a:schemeClr val="accent1">
+                <a:lumMod val="50000"/>
+              </a:schemeClr>
+            </a:solidFill>
+          </a:ln>
+        </p:spPr>
+        <p:style>
+          <a:lnRef idx="2">
+            <a:schemeClr val="accent1">
+              <a:shade val="50000"/>
+            </a:schemeClr>
+          </a:lnRef>
+          <a:fillRef idx="1">
+            <a:schemeClr val="accent1"/>
+          </a:fillRef>
+          <a:effectRef idx="0">
+            <a:schemeClr val="accent1"/>
+          </a:effectRef>
+          <a:fontRef idx="minor">
+            <a:schemeClr val="lt1"/>
+          </a:fontRef>
+        </p:style>
+        <p:txBody>
+          <a:bodyPr rtlCol="0" anchor="ctr"/>
+          <a:lstStyle/>
+          <a:p>
+            <a:pPr algn="ctr"/>
+            <a:r>
+              <a:rPr lang="en-AU" sz="2800" dirty="0" smtClean="0"/>
+              <a:t>Access Website on Mobile</a:t>
+            </a:r>
+            <a:endParaRPr lang="en-AU" sz="2800" dirty="0"/>
+          </a:p>
+        </p:txBody>
+      </p:sp>
+      <p:sp>
+        <p:nvSpPr>
+          <p:cNvPr id="7" name="Rectangle 6"/>
+          <p:cNvSpPr/>
+          <p:nvPr/>
+        </p:nvSpPr>
+        <p:spPr>
+          <a:xfrm>
+            <a:off x="39153" y="822470"/>
+            <a:ext cx="9828000" cy="2340000"/>
+          </a:xfrm>
+          <a:prstGeom prst="rect">
+            <a:avLst/>
+          </a:prstGeom>
+          <a:solidFill>
+            <a:schemeClr val="tx2">
+              <a:lumMod val="20000"/>
+              <a:lumOff val="80000"/>
+            </a:schemeClr>
+          </a:solidFill>
+          <a:ln>
+            <a:solidFill>
+              <a:schemeClr val="accent1">
+                <a:lumMod val="50000"/>
+              </a:schemeClr>
+            </a:solidFill>
+          </a:ln>
+        </p:spPr>
+        <p:style>
+          <a:lnRef idx="2">
+            <a:schemeClr val="accent1">
+              <a:shade val="50000"/>
+            </a:schemeClr>
+          </a:lnRef>
+          <a:fillRef idx="1">
+            <a:schemeClr val="accent1"/>
+          </a:fillRef>
+          <a:effectRef idx="0">
+            <a:schemeClr val="accent1"/>
+          </a:effectRef>
+          <a:fontRef idx="minor">
+            <a:schemeClr val="lt1"/>
+          </a:fontRef>
+        </p:style>
+        <p:txBody>
+          <a:bodyPr rtlCol="0" anchor="t" anchorCtr="0"/>
+          <a:lstStyle/>
+          <a:p>
+            <a:r>
+              <a:rPr lang="en-AU" sz="2400" dirty="0" smtClean="0">
+                <a:solidFill>
+                  <a:schemeClr val="tx1"/>
+                </a:solidFill>
+              </a:rPr>
+              <a:t>As a Media Vault user, I want to access the Media Vault website in a mobile browser friendly context, so that I can view my files</a:t>
+            </a:r>
+            <a:endParaRPr lang="en-AU" sz="2400" dirty="0" smtClean="0">
+              <a:solidFill>
+                <a:schemeClr val="tx1"/>
+              </a:solidFill>
+            </a:endParaRPr>
+          </a:p>
+        </p:txBody>
+      </p:sp>
+      <p:sp>
+        <p:nvSpPr>
+          <p:cNvPr id="8" name="Rectangle 7"/>
+          <p:cNvSpPr/>
+          <p:nvPr/>
+        </p:nvSpPr>
+        <p:spPr>
+          <a:xfrm>
+            <a:off x="39153" y="3335530"/>
+            <a:ext cx="9828000" cy="1620000"/>
+          </a:xfrm>
+          <a:prstGeom prst="rect">
+            <a:avLst/>
+          </a:prstGeom>
+          <a:solidFill>
+            <a:schemeClr val="accent1">
+              <a:lumMod val="20000"/>
+              <a:lumOff val="80000"/>
+            </a:schemeClr>
+          </a:solidFill>
+          <a:ln>
+            <a:solidFill>
+              <a:schemeClr val="accent1">
+                <a:lumMod val="50000"/>
+              </a:schemeClr>
+            </a:solidFill>
+          </a:ln>
+        </p:spPr>
+        <p:style>
+          <a:lnRef idx="2">
+            <a:schemeClr val="accent1">
+              <a:shade val="50000"/>
+            </a:schemeClr>
+          </a:lnRef>
+          <a:fillRef idx="1">
+            <a:schemeClr val="accent1"/>
+          </a:fillRef>
+          <a:effectRef idx="0">
+            <a:schemeClr val="accent1"/>
+          </a:effectRef>
+          <a:fontRef idx="minor">
+            <a:schemeClr val="lt1"/>
+          </a:fontRef>
+        </p:style>
+        <p:txBody>
+          <a:bodyPr tIns="36000" rtlCol="0" anchor="t" anchorCtr="0"/>
+          <a:lstStyle/>
+          <a:p>
+            <a:r>
+              <a:rPr lang="en-AU" sz="2000" dirty="0" smtClean="0">
+                <a:solidFill>
+                  <a:schemeClr val="tx1"/>
+                </a:solidFill>
+              </a:rPr>
+              <a:t>Acceptance Criteria</a:t>
+            </a:r>
+          </a:p>
+          <a:p>
+            <a:pPr marL="179388" indent="-179388">
+              <a:buFont typeface="Arial" pitchFamily="34" charset="0"/>
+              <a:buChar char="•"/>
+            </a:pPr>
+            <a:r>
+              <a:rPr lang="en-AU" sz="2000" dirty="0" smtClean="0">
+                <a:solidFill>
+                  <a:schemeClr val="tx1"/>
+                </a:solidFill>
+              </a:rPr>
+              <a:t> </a:t>
+            </a:r>
+            <a:r>
+              <a:rPr lang="en-AU" sz="2000" dirty="0" smtClean="0">
+                <a:solidFill>
+                  <a:schemeClr val="tx1"/>
+                </a:solidFill>
+              </a:rPr>
+              <a:t>The flow of the website will be suitable for a mobile phone</a:t>
+            </a:r>
+            <a:endParaRPr lang="en-AU" sz="2000" dirty="0" smtClean="0">
+              <a:solidFill>
+                <a:schemeClr val="tx1"/>
+              </a:solidFill>
+            </a:endParaRPr>
+          </a:p>
+        </p:txBody>
+      </p:sp>
+      <p:sp>
+        <p:nvSpPr>
+          <p:cNvPr id="11" name="Rectangle 10"/>
+          <p:cNvSpPr/>
+          <p:nvPr/>
+        </p:nvSpPr>
+        <p:spPr>
+          <a:xfrm>
+            <a:off x="9147153" y="109410"/>
+            <a:ext cx="720000" cy="540000"/>
+          </a:xfrm>
+          <a:prstGeom prst="rect">
+            <a:avLst/>
+          </a:prstGeom>
+          <a:solidFill>
+            <a:srgbClr val="CCF0CD">
+              <a:alpha val="20000"/>
+            </a:srgbClr>
+          </a:solidFill>
+          <a:ln>
+            <a:solidFill>
+              <a:schemeClr val="accent1">
+                <a:lumMod val="50000"/>
+              </a:schemeClr>
+            </a:solidFill>
+          </a:ln>
+        </p:spPr>
+        <p:style>
+          <a:lnRef idx="2">
+            <a:schemeClr val="accent1">
+              <a:shade val="50000"/>
+            </a:schemeClr>
+          </a:lnRef>
+          <a:fillRef idx="1">
+            <a:schemeClr val="accent1"/>
+          </a:fillRef>
+          <a:effectRef idx="0">
+            <a:schemeClr val="accent1"/>
+          </a:effectRef>
+          <a:fontRef idx="minor">
+            <a:schemeClr val="lt1"/>
+          </a:fontRef>
+        </p:style>
+        <p:txBody>
+          <a:bodyPr wrap="square" lIns="0" rIns="0" rtlCol="0" anchor="ctr"/>
+          <a:lstStyle/>
+          <a:p>
+            <a:pPr algn="ctr"/>
+            <a:r>
+              <a:rPr lang="en-AU" sz="2000" dirty="0" smtClean="0">
+                <a:solidFill>
+                  <a:schemeClr val="tx1"/>
+                </a:solidFill>
+              </a:rPr>
+              <a:t>4</a:t>
+            </a:r>
+            <a:endParaRPr lang="en-AU" sz="2000" dirty="0">
+              <a:solidFill>
+                <a:schemeClr val="tx1"/>
+              </a:solidFill>
+            </a:endParaRPr>
+          </a:p>
+        </p:txBody>
+      </p:sp>
+      <p:sp>
+        <p:nvSpPr>
+          <p:cNvPr id="12" name="Rectangle 11"/>
+          <p:cNvSpPr/>
+          <p:nvPr/>
+        </p:nvSpPr>
+        <p:spPr>
+          <a:xfrm>
+            <a:off x="8283153" y="109410"/>
+            <a:ext cx="792000" cy="540000"/>
+          </a:xfrm>
+          <a:prstGeom prst="rect">
+            <a:avLst/>
+          </a:prstGeom>
+          <a:solidFill>
+            <a:schemeClr val="accent4">
+              <a:lumMod val="20000"/>
+              <a:lumOff val="80000"/>
+            </a:schemeClr>
+          </a:solidFill>
+          <a:ln>
+            <a:solidFill>
+              <a:schemeClr val="accent1">
+                <a:lumMod val="50000"/>
+              </a:schemeClr>
+            </a:solidFill>
+          </a:ln>
+        </p:spPr>
+        <p:style>
+          <a:lnRef idx="2">
+            <a:schemeClr val="accent1">
+              <a:shade val="50000"/>
+            </a:schemeClr>
+          </a:lnRef>
+          <a:fillRef idx="1">
+            <a:schemeClr val="accent1"/>
+          </a:fillRef>
+          <a:effectRef idx="0">
+            <a:schemeClr val="accent1"/>
+          </a:effectRef>
+          <a:fontRef idx="minor">
+            <a:schemeClr val="lt1"/>
+          </a:fontRef>
+        </p:style>
+        <p:txBody>
+          <a:bodyPr wrap="none" lIns="0" rIns="0" rtlCol="0" anchor="ctr"/>
+          <a:lstStyle/>
+          <a:p>
+            <a:pPr algn="ctr"/>
+            <a:r>
+              <a:rPr lang="en-AU" sz="2000" dirty="0" smtClean="0">
+                <a:solidFill>
+                  <a:schemeClr val="tx1"/>
+                </a:solidFill>
+              </a:rPr>
+              <a:t>Must</a:t>
+            </a:r>
+            <a:endParaRPr lang="en-AU" sz="2000" dirty="0">
+              <a:solidFill>
+                <a:schemeClr val="tx1"/>
+              </a:solidFill>
+            </a:endParaRPr>
+          </a:p>
+        </p:txBody>
+      </p:sp>
+      <p:sp>
+        <p:nvSpPr>
+          <p:cNvPr id="13" name="Rectangle 12"/>
+          <p:cNvSpPr/>
+          <p:nvPr/>
+        </p:nvSpPr>
+        <p:spPr>
+          <a:xfrm>
+            <a:off x="39153" y="5128590"/>
+            <a:ext cx="9828000" cy="1620000"/>
+          </a:xfrm>
+          <a:prstGeom prst="rect">
+            <a:avLst/>
+          </a:prstGeom>
+          <a:solidFill>
+            <a:schemeClr val="bg1"/>
+          </a:solidFill>
+          <a:ln>
+            <a:solidFill>
+              <a:schemeClr val="accent1">
+                <a:lumMod val="50000"/>
+              </a:schemeClr>
+            </a:solidFill>
+          </a:ln>
+        </p:spPr>
+        <p:style>
+          <a:lnRef idx="2">
+            <a:schemeClr val="accent1">
+              <a:shade val="50000"/>
+            </a:schemeClr>
+          </a:lnRef>
+          <a:fillRef idx="1">
+            <a:schemeClr val="accent1"/>
+          </a:fillRef>
+          <a:effectRef idx="0">
+            <a:schemeClr val="accent1"/>
+          </a:effectRef>
+          <a:fontRef idx="minor">
+            <a:schemeClr val="lt1"/>
+          </a:fontRef>
+        </p:style>
+        <p:txBody>
+          <a:bodyPr tIns="36000" rtlCol="0" anchor="t" anchorCtr="0"/>
+          <a:lstStyle/>
+          <a:p>
+            <a:r>
+              <a:rPr lang="en-AU" sz="2000" dirty="0" smtClean="0">
+                <a:solidFill>
+                  <a:schemeClr val="tx1"/>
+                </a:solidFill>
+              </a:rPr>
+              <a:t>Notes</a:t>
+            </a:r>
+          </a:p>
+          <a:p>
+            <a:pPr marL="179388" indent="-179388">
+              <a:buFont typeface="Arial" pitchFamily="34" charset="0"/>
+              <a:buChar char="•"/>
+            </a:pPr>
+            <a:r>
+              <a:rPr lang="en-AU" sz="2000" dirty="0" smtClean="0">
+                <a:solidFill>
+                  <a:schemeClr val="tx1"/>
+                </a:solidFill>
+              </a:rPr>
+              <a:t> </a:t>
+            </a:r>
+            <a:endParaRPr lang="en-AU" sz="2000" dirty="0">
+              <a:solidFill>
+                <a:schemeClr val="tx1"/>
+              </a:solidFill>
+            </a:endParaRPr>
+          </a:p>
+        </p:txBody>
+      </p:sp>
+    </p:spTree>
+    <p:extLst>
+      <p:ext uri="{BB962C8B-B14F-4D97-AF65-F5344CB8AC3E}">
+        <p14:creationId xmlns:p14="http://schemas.microsoft.com/office/powerpoint/2010/main" val="753733877"/>
       </p:ext>
     </p:extLst>
   </p:cSld>
@@ -11017,7 +12123,15 @@
                   <a:schemeClr val="tx1"/>
                 </a:solidFill>
               </a:rPr>
-              <a:t>Story ID</a:t>
+              <a:t>Story </a:t>
+            </a:r>
+            <a:r>
+              <a:rPr lang="en-AU" sz="2000" dirty="0">
+                <a:solidFill>
+                  <a:schemeClr val="tx1"/>
+                </a:solidFill>
+              </a:rPr>
+              <a:t>1</a:t>
             </a:r>
             <a:endParaRPr lang="en-AU" sz="2000" dirty="0">
               <a:solidFill>
@@ -11324,7 +12438,7 @@
                   <a:schemeClr val="tx1"/>
                 </a:solidFill>
               </a:rPr>
-              <a:t>Story Points</a:t>
+              <a:t>4</a:t>
             </a:r>
             <a:endParaRPr lang="en-AU" sz="2000" dirty="0">
               <a:solidFill>
@@ -11389,7 +12503,7 @@
                   <a:schemeClr val="tx1"/>
                 </a:solidFill>
               </a:rPr>
-              <a:t>Priority</a:t>
+              <a:t>Must</a:t>
             </a:r>
             <a:endParaRPr lang="en-AU" sz="2000" dirty="0">
               <a:solidFill>
@@ -11562,7 +12676,15 @@
                   <a:schemeClr val="tx1"/>
                 </a:solidFill>
               </a:rPr>
-              <a:t>Story ID</a:t>
+              <a:t>Story </a:t>
+            </a:r>
+            <a:r>
+              <a:rPr lang="en-AU" sz="2000" dirty="0" smtClean="0">
+                <a:solidFill>
+                  <a:schemeClr val="tx1"/>
+                </a:solidFill>
+              </a:rPr>
+              <a:t>3</a:t>
             </a:r>
             <a:endParaRPr lang="en-AU" sz="2000" dirty="0">
               <a:solidFill>
@@ -11719,8 +12841,27 @@
                   <a:schemeClr val="tx1"/>
                 </a:solidFill>
               </a:rPr>
-              <a:t>View/Edit my account details</a:t>
-            </a:r>
+              <a:t>View/Edit my account details; and</a:t>
+            </a:r>
+          </a:p>
+          <a:p>
+            <a:pPr marL="342900" indent="-342900">
+              <a:buFont typeface="Arial" charset="0"/>
+              <a:buChar char="•"/>
+            </a:pPr>
+            <a:r>
+              <a:rPr lang="en-AU" sz="2400" dirty="0" smtClean="0">
+                <a:solidFill>
+                  <a:schemeClr val="tx1"/>
+                </a:solidFill>
+              </a:rPr>
+              <a:t>Log out of my Media Vault</a:t>
+            </a:r>
+            <a:endParaRPr lang="en-AU" sz="2400" dirty="0" smtClean="0">
+              <a:solidFill>
+                <a:schemeClr val="tx1"/>
+              </a:solidFill>
+            </a:endParaRPr>
           </a:p>
           <a:p>
             <a:pPr marL="342900" indent="-342900">
@@ -11875,7 +13016,7 @@
                   <a:schemeClr val="tx1"/>
                 </a:solidFill>
               </a:rPr>
-              <a:t>Story Points</a:t>
+              <a:t>1</a:t>
             </a:r>
             <a:endParaRPr lang="en-AU" sz="2000" dirty="0">
               <a:solidFill>
@@ -11940,7 +13081,7 @@
                   <a:schemeClr val="tx1"/>
                 </a:solidFill>
               </a:rPr>
-              <a:t>Priority</a:t>
+              <a:t>Must</a:t>
             </a:r>
             <a:endParaRPr lang="en-AU" sz="2000" dirty="0">
               <a:solidFill>
@@ -12014,7 +13155,7 @@
     </p:spTree>
     <p:extLst>
       <p:ext uri="{BB962C8B-B14F-4D97-AF65-F5344CB8AC3E}">
-        <p14:creationId xmlns:p14="http://schemas.microsoft.com/office/powerpoint/2010/main" val="1184346668"/>
+        <p14:creationId xmlns:p14="http://schemas.microsoft.com/office/powerpoint/2010/main" val="1478449238"/>
       </p:ext>
     </p:extLst>
   </p:cSld>
@@ -12096,7 +13237,15 @@
                   <a:schemeClr val="tx1"/>
                 </a:solidFill>
               </a:rPr>
-              <a:t>Story ID</a:t>
+              <a:t>Story </a:t>
+            </a:r>
+            <a:r>
+              <a:rPr lang="en-AU" sz="2000" dirty="0" smtClean="0">
+                <a:solidFill>
+                  <a:schemeClr val="tx1"/>
+                </a:solidFill>
+              </a:rPr>
+              <a:t>4</a:t>
             </a:r>
             <a:endParaRPr lang="en-AU" sz="2000" dirty="0">
               <a:solidFill>
@@ -12151,7 +13300,7 @@
             <a:pPr algn="ctr"/>
             <a:r>
               <a:rPr lang="en-AU" sz="2800" dirty="0" smtClean="0"/>
-              <a:t>Media Vault Login</a:t>
+              <a:t>View my Files</a:t>
             </a:r>
             <a:endParaRPr lang="en-AU" sz="2800" dirty="0"/>
           </a:p>
@@ -12166,7 +13315,7 @@
         <p:spPr>
           <a:xfrm>
             <a:off x="39153" y="822470"/>
-            <a:ext cx="9828000" cy="2340000"/>
+            <a:ext cx="9828000" cy="2772906"/>
           </a:xfrm>
           <a:prstGeom prst="rect">
             <a:avLst/>
@@ -12211,7 +13360,7 @@
                   <a:schemeClr val="tx1"/>
                 </a:solidFill>
               </a:rPr>
-              <a:t>As a Media Vault user, I want to sign in with my account, so that: </a:t>
+              <a:t>As a Media Vault user, I want to see all my files that I have uploaded to Media Vault, so that I can:</a:t>
             </a:r>
           </a:p>
           <a:p>
@@ -12225,7 +13374,7 @@
                   <a:schemeClr val="tx1"/>
                 </a:solidFill>
               </a:rPr>
-              <a:t>I can access my files on Media Vault;</a:t>
+              <a:t>Download a file; </a:t>
             </a:r>
           </a:p>
           <a:p>
@@ -12239,41 +13388,100 @@
                   <a:schemeClr val="tx1"/>
                 </a:solidFill>
               </a:rPr>
-              <a:t>Upload and Download files to and from Media Vault; and</a:t>
-            </a:r>
-          </a:p>
-          <a:p>
-            <a:pPr marL="342900" indent="-342900">
-              <a:buFont typeface="Arial" charset="0"/>
-              <a:buChar char="•"/>
-            </a:pPr>
-            <a:r>
-              <a:rPr lang="en-AU" sz="2400" dirty="0" smtClean="0">
-                <a:solidFill>
-                  <a:schemeClr val="tx1"/>
-                </a:solidFill>
-              </a:rPr>
-              <a:t>View/Edit my account details; and</a:t>
-            </a:r>
-          </a:p>
-          <a:p>
-            <a:pPr marL="342900" indent="-342900">
-              <a:buFont typeface="Arial" charset="0"/>
-              <a:buChar char="•"/>
-            </a:pPr>
-            <a:r>
-              <a:rPr lang="en-AU" sz="2400" dirty="0" smtClean="0">
-                <a:solidFill>
-                  <a:schemeClr val="tx1"/>
-                </a:solidFill>
-              </a:rPr>
-              <a:t>Log out of my Media Vault</a:t>
+              <a:t>Open a </a:t>
+            </a:r>
+            <a:r>
+              <a:rPr lang="en-AU" sz="2400" dirty="0">
+                <a:solidFill>
+                  <a:schemeClr val="tx1"/>
+                </a:solidFill>
+              </a:rPr>
+              <a:t>file;</a:t>
             </a:r>
             <a:endParaRPr lang="en-AU" sz="2400" dirty="0" smtClean="0">
               <a:solidFill>
                 <a:schemeClr val="tx1"/>
               </a:solidFill>
             </a:endParaRPr>
+          </a:p>
+          <a:p>
+            <a:pPr marL="342900" indent="-342900">
+              <a:buFont typeface="Arial" charset="0"/>
+              <a:buChar char="•"/>
+            </a:pPr>
+            <a:r>
+              <a:rPr lang="en-AU" sz="2400" dirty="0" smtClean="0">
+                <a:solidFill>
+                  <a:schemeClr val="tx1"/>
+                </a:solidFill>
+              </a:rPr>
+              <a:t>Delete</a:t>
+            </a:r>
+            <a:r>
+              <a:rPr lang="en-AU" sz="2400" dirty="0">
+                <a:solidFill>
+                  <a:schemeClr val="tx1"/>
+                </a:solidFill>
+              </a:rPr>
+              <a:t> a file</a:t>
+            </a:r>
+            <a:r>
+              <a:rPr lang="en-AU" sz="2400" dirty="0" smtClean="0">
+                <a:solidFill>
+                  <a:schemeClr val="tx1"/>
+                </a:solidFill>
+              </a:rPr>
+              <a:t>; </a:t>
+            </a:r>
+          </a:p>
+          <a:p>
+            <a:pPr marL="342900" indent="-342900">
+              <a:buFont typeface="Arial" charset="0"/>
+              <a:buChar char="•"/>
+            </a:pPr>
+            <a:r>
+              <a:rPr lang="en-AU" sz="2400" dirty="0">
+                <a:solidFill>
+                  <a:schemeClr val="tx1"/>
+                </a:solidFill>
+              </a:rPr>
+              <a:t>Edit a </a:t>
+            </a:r>
+            <a:r>
+              <a:rPr lang="en-AU" sz="2400" dirty="0" smtClean="0">
+                <a:solidFill>
+                  <a:schemeClr val="tx1"/>
+                </a:solidFill>
+              </a:rPr>
+              <a:t>file;</a:t>
+            </a:r>
+            <a:r>
+              <a:rPr lang="en-AU" sz="2400" dirty="0">
+                <a:solidFill>
+                  <a:schemeClr val="tx1"/>
+                </a:solidFill>
+              </a:rPr>
+              <a:t> or</a:t>
+            </a:r>
+            <a:endParaRPr lang="en-AU" sz="2400" dirty="0" smtClean="0">
+              <a:solidFill>
+                <a:schemeClr val="tx1"/>
+              </a:solidFill>
+            </a:endParaRPr>
+          </a:p>
+          <a:p>
+            <a:pPr marL="342900" indent="-342900">
+              <a:buFont typeface="Arial" charset="0"/>
+              <a:buChar char="•"/>
+            </a:pPr>
+            <a:r>
+              <a:rPr lang="en-AU" sz="2400" dirty="0" smtClean="0">
+                <a:solidFill>
+                  <a:schemeClr val="tx1"/>
+                </a:solidFill>
+              </a:rPr>
+              <a:t>Search and Sort</a:t>
+            </a:r>
           </a:p>
           <a:p>
             <a:pPr marL="342900" indent="-342900">
@@ -12296,8 +13504,8 @@
         </p:nvSpPr>
         <p:spPr>
           <a:xfrm>
-            <a:off x="39153" y="3335530"/>
-            <a:ext cx="9828000" cy="1620000"/>
+            <a:off x="39153" y="3768436"/>
+            <a:ext cx="9828000" cy="1187094"/>
           </a:xfrm>
           <a:prstGeom prst="rect">
             <a:avLst/>
@@ -12364,7 +13572,7 @@
                   <a:schemeClr val="tx1"/>
                 </a:solidFill>
               </a:rPr>
-              <a:t>The Media Vault user will be taken to the main dashboard after logging in with their username and password</a:t>
+              <a:t>After login, the Media Vault user will be taken to a webpage that will display all the files they have uploaded</a:t>
             </a:r>
             <a:endParaRPr lang="en-AU" sz="2000" dirty="0" smtClean="0">
               <a:solidFill>
@@ -12428,7 +13636,7 @@
                   <a:schemeClr val="tx1"/>
                 </a:solidFill>
               </a:rPr>
-              <a:t>Story Points</a:t>
+              <a:t>4</a:t>
             </a:r>
             <a:endParaRPr lang="en-AU" sz="2000" dirty="0">
               <a:solidFill>
@@ -12493,7 +13701,7 @@
                   <a:schemeClr val="tx1"/>
                 </a:solidFill>
               </a:rPr>
-              <a:t>Priority</a:t>
+              <a:t>Must</a:t>
             </a:r>
             <a:endParaRPr lang="en-AU" sz="2000" dirty="0">
               <a:solidFill>
@@ -12567,7 +13775,7 @@
     </p:spTree>
     <p:extLst>
       <p:ext uri="{BB962C8B-B14F-4D97-AF65-F5344CB8AC3E}">
-        <p14:creationId xmlns:p14="http://schemas.microsoft.com/office/powerpoint/2010/main" val="1478449238"/>
+        <p14:creationId xmlns:p14="http://schemas.microsoft.com/office/powerpoint/2010/main" val="784786289"/>
       </p:ext>
     </p:extLst>
   </p:cSld>
@@ -12649,7 +13857,15 @@
                   <a:schemeClr val="tx1"/>
                 </a:solidFill>
               </a:rPr>
-              <a:t>Story ID</a:t>
+              <a:t>Story </a:t>
+            </a:r>
+            <a:r>
+              <a:rPr lang="en-AU" sz="2000" dirty="0" smtClean="0">
+                <a:solidFill>
+                  <a:schemeClr val="tx1"/>
+                </a:solidFill>
+              </a:rPr>
+              <a:t>5</a:t>
             </a:r>
             <a:endParaRPr lang="en-AU" sz="2000" dirty="0">
               <a:solidFill>
@@ -12673,6 +13889,9 @@
           <a:prstGeom prst="rect">
             <a:avLst/>
           </a:prstGeom>
+          <a:solidFill>
+            <a:schemeClr val="accent3"/>
+          </a:solidFill>
           <a:ln>
             <a:solidFill>
               <a:schemeClr val="accent1">
@@ -12704,7 +13923,7 @@
             <a:pPr algn="ctr"/>
             <a:r>
               <a:rPr lang="en-AU" sz="2800" dirty="0" smtClean="0"/>
-              <a:t>View my Files</a:t>
+              <a:t>Download my File</a:t>
             </a:r>
             <a:endParaRPr lang="en-AU" sz="2800" dirty="0"/>
           </a:p>
@@ -12719,7 +13938,7 @@
         <p:spPr>
           <a:xfrm>
             <a:off x="39153" y="822470"/>
-            <a:ext cx="9828000" cy="2772906"/>
+            <a:ext cx="9828000" cy="2340000"/>
           </a:xfrm>
           <a:prstGeom prst="rect">
             <a:avLst/>
@@ -12764,128 +13983,21 @@
                   <a:schemeClr val="tx1"/>
                 </a:solidFill>
               </a:rPr>
-              <a:t>As a Media Vault user, I want to see all my files that I have uploaded to Media Vault, so that I can:</a:t>
-            </a:r>
-          </a:p>
-          <a:p>
-            <a:pPr marL="342900" indent="-342900">
-              <a:buFont typeface="Arial" charset="0"/>
-              <a:buChar char="•"/>
-            </a:pPr>
-            <a:r>
-              <a:rPr lang="en-AU" sz="2400" dirty="0" smtClean="0">
-                <a:solidFill>
-                  <a:schemeClr val="tx1"/>
-                </a:solidFill>
-              </a:rPr>
-              <a:t>Download a file; </a:t>
-            </a:r>
-          </a:p>
-          <a:p>
-            <a:pPr marL="342900" indent="-342900">
-              <a:buFont typeface="Arial" charset="0"/>
-              <a:buChar char="•"/>
-            </a:pPr>
-            <a:r>
-              <a:rPr lang="en-AU" sz="2400" dirty="0" smtClean="0">
-                <a:solidFill>
-                  <a:schemeClr val="tx1"/>
-                </a:solidFill>
-              </a:rPr>
-              <a:t>Open a </a:t>
-            </a:r>
-            <a:r>
-              <a:rPr lang="en-AU" sz="2400" dirty="0">
-                <a:solidFill>
-                  <a:schemeClr val="tx1"/>
-                </a:solidFill>
-              </a:rPr>
-              <a:t>file;</a:t>
+              <a:t>As a Media Vault user, I want to download a file that I have uploaded, so that I can keep a </a:t>
+            </a:r>
+            <a:r>
+              <a:rPr lang="en-AU" sz="2400" smtClean="0">
+                <a:solidFill>
+                  <a:schemeClr val="tx1"/>
+                </a:solidFill>
+              </a:rPr>
+              <a:t>local version for when I have no internet.</a:t>
             </a:r>
             <a:endParaRPr lang="en-AU" sz="2400" dirty="0" smtClean="0">
               <a:solidFill>
                 <a:schemeClr val="tx1"/>
               </a:solidFill>
             </a:endParaRPr>
-          </a:p>
-          <a:p>
-            <a:pPr marL="342900" indent="-342900">
-              <a:buFont typeface="Arial" charset="0"/>
-              <a:buChar char="•"/>
-            </a:pPr>
-            <a:r>
-              <a:rPr lang="en-AU" sz="2400" dirty="0" smtClean="0">
-                <a:solidFill>
-                  <a:schemeClr val="tx1"/>
-                </a:solidFill>
-              </a:rPr>
-              <a:t>Delete</a:t>
-            </a:r>
-            <a:r>
-              <a:rPr lang="en-AU" sz="2400" dirty="0">
-                <a:solidFill>
-                  <a:schemeClr val="tx1"/>
-                </a:solidFill>
-              </a:rPr>
-              <a:t> a file</a:t>
-            </a:r>
-            <a:r>
-              <a:rPr lang="en-AU" sz="2400" dirty="0" smtClean="0">
-                <a:solidFill>
-                  <a:schemeClr val="tx1"/>
-                </a:solidFill>
-              </a:rPr>
-              <a:t>; </a:t>
-            </a:r>
-          </a:p>
-          <a:p>
-            <a:pPr marL="342900" indent="-342900">
-              <a:buFont typeface="Arial" charset="0"/>
-              <a:buChar char="•"/>
-            </a:pPr>
-            <a:r>
-              <a:rPr lang="en-AU" sz="2400" dirty="0">
-                <a:solidFill>
-                  <a:schemeClr val="tx1"/>
-                </a:solidFill>
-              </a:rPr>
-              <a:t>Edit a </a:t>
-            </a:r>
-            <a:r>
-              <a:rPr lang="en-AU" sz="2400" dirty="0" smtClean="0">
-                <a:solidFill>
-                  <a:schemeClr val="tx1"/>
-                </a:solidFill>
-              </a:rPr>
-              <a:t>file;</a:t>
-            </a:r>
-            <a:r>
-              <a:rPr lang="en-AU" sz="2400" dirty="0">
-                <a:solidFill>
-                  <a:schemeClr val="tx1"/>
-                </a:solidFill>
-              </a:rPr>
-              <a:t> or</a:t>
-            </a:r>
-            <a:endParaRPr lang="en-AU" sz="2400" dirty="0" smtClean="0">
-              <a:solidFill>
-                <a:schemeClr val="tx1"/>
-              </a:solidFill>
-            </a:endParaRPr>
-          </a:p>
-          <a:p>
-            <a:pPr marL="342900" indent="-342900">
-              <a:buFont typeface="Arial" charset="0"/>
-              <a:buChar char="•"/>
-            </a:pPr>
-            <a:r>
-              <a:rPr lang="en-AU" sz="2400" dirty="0" smtClean="0">
-                <a:solidFill>
-                  <a:schemeClr val="tx1"/>
-                </a:solidFill>
-              </a:rPr>
-              <a:t>Search and Sort</a:t>
-            </a:r>
           </a:p>
           <a:p>
             <a:pPr marL="342900" indent="-342900">
@@ -12908,8 +14020,8 @@
         </p:nvSpPr>
         <p:spPr>
           <a:xfrm>
-            <a:off x="39153" y="3768436"/>
-            <a:ext cx="9828000" cy="1187094"/>
+            <a:off x="39153" y="3335530"/>
+            <a:ext cx="9828000" cy="1620000"/>
           </a:xfrm>
           <a:prstGeom prst="rect">
             <a:avLst/>
@@ -12976,7 +14088,21 @@
                   <a:schemeClr val="tx1"/>
                 </a:solidFill>
               </a:rPr>
-              <a:t>After login, the Media Vault user will be taken to a webpage that will display all the files they have uploaded</a:t>
+              <a:t>The file will have a download button</a:t>
+            </a:r>
+          </a:p>
+          <a:p>
+            <a:pPr marL="179388" indent="-179388">
+              <a:buFont typeface="Arial" pitchFamily="34" charset="0"/>
+              <a:buChar char="•"/>
+            </a:pPr>
+            <a:r>
+              <a:rPr lang="en-AU" sz="2000" dirty="0" smtClean="0">
+                <a:solidFill>
+                  <a:schemeClr val="tx1"/>
+                </a:solidFill>
+              </a:rPr>
+              <a:t>After clicking the download button, the file will download to the Media Vault user’s device</a:t>
             </a:r>
             <a:endParaRPr lang="en-AU" sz="2000" dirty="0" smtClean="0">
               <a:solidFill>
@@ -13040,7 +14166,7 @@
                   <a:schemeClr val="tx1"/>
                 </a:solidFill>
               </a:rPr>
-              <a:t>Story Points</a:t>
+              <a:t>1</a:t>
             </a:r>
             <a:endParaRPr lang="en-AU" sz="2000" dirty="0">
               <a:solidFill>
@@ -13105,7 +14231,7 @@
                   <a:schemeClr val="tx1"/>
                 </a:solidFill>
               </a:rPr>
-              <a:t>Priority</a:t>
+              <a:t>Must</a:t>
             </a:r>
             <a:endParaRPr lang="en-AU" sz="2000" dirty="0">
               <a:solidFill>
@@ -13179,7 +14305,7 @@
     </p:spTree>
     <p:extLst>
       <p:ext uri="{BB962C8B-B14F-4D97-AF65-F5344CB8AC3E}">
-        <p14:creationId xmlns:p14="http://schemas.microsoft.com/office/powerpoint/2010/main" val="784786289"/>
+        <p14:creationId xmlns:p14="http://schemas.microsoft.com/office/powerpoint/2010/main" val="1836719830"/>
       </p:ext>
     </p:extLst>
   </p:cSld>
@@ -13261,7 +14387,15 @@
                   <a:schemeClr val="tx1"/>
                 </a:solidFill>
               </a:rPr>
-              <a:t>Story ID</a:t>
+              <a:t>Story </a:t>
+            </a:r>
+            <a:r>
+              <a:rPr lang="en-AU" sz="2000" dirty="0" smtClean="0">
+                <a:solidFill>
+                  <a:schemeClr val="tx1"/>
+                </a:solidFill>
+              </a:rPr>
+              <a:t>6</a:t>
             </a:r>
             <a:endParaRPr lang="en-AU" sz="2000" dirty="0">
               <a:solidFill>
@@ -13319,7 +14453,7 @@
             <a:pPr algn="ctr"/>
             <a:r>
               <a:rPr lang="en-AU" sz="2800" dirty="0" smtClean="0"/>
-              <a:t>Download my File</a:t>
+              <a:t>Upload a File</a:t>
             </a:r>
             <a:endParaRPr lang="en-AU" sz="2800" dirty="0"/>
           </a:p>
@@ -13379,16 +14513,10 @@
                   <a:schemeClr val="tx1"/>
                 </a:solidFill>
               </a:rPr>
-              <a:t>As a Media Vault user, I want to download a file that I have uploaded, so that I can keep a </a:t>
-            </a:r>
-            <a:r>
-              <a:rPr lang="en-AU" sz="2400" smtClean="0">
-                <a:solidFill>
-                  <a:schemeClr val="tx1"/>
-                </a:solidFill>
-              </a:rPr>
-              <a:t>local version for when I have no internet.</a:t>
-            </a:r>
+              <a:t>As a Media Vault user, I want to upload a file so that I can access this file from any device using the Media Vault website.</a:t>
+            </a:r>
+          </a:p>
+          <a:p>
             <a:endParaRPr lang="en-AU" sz="2400" dirty="0" smtClean="0">
               <a:solidFill>
                 <a:schemeClr val="tx1"/>
@@ -13476,29 +14604,7 @@
                   <a:schemeClr val="tx1"/>
                 </a:solidFill>
               </a:rPr>
-              <a:t> </a:t>
-            </a:r>
-            <a:r>
-              <a:rPr lang="en-AU" sz="2000" dirty="0" smtClean="0">
-                <a:solidFill>
-                  <a:schemeClr val="tx1"/>
-                </a:solidFill>
-              </a:rPr>
-              <a:t>The file will have a download button</a:t>
-            </a:r>
-          </a:p>
-          <a:p>
-            <a:pPr marL="179388" indent="-179388">
-              <a:buFont typeface="Arial" pitchFamily="34" charset="0"/>
-              <a:buChar char="•"/>
-            </a:pPr>
-            <a:r>
-              <a:rPr lang="en-AU" sz="2000" dirty="0" smtClean="0">
-                <a:solidFill>
-                  <a:schemeClr val="tx1"/>
-                </a:solidFill>
-              </a:rPr>
-              <a:t>After clicking the download button, the file will download to the Media Vault user’s device</a:t>
+              <a:t>The file will appear in Media Vault once it has uploaded</a:t>
             </a:r>
             <a:endParaRPr lang="en-AU" sz="2000" dirty="0" smtClean="0">
               <a:solidFill>
@@ -13562,7 +14668,7 @@
                   <a:schemeClr val="tx1"/>
                 </a:solidFill>
               </a:rPr>
-              <a:t>Story Points</a:t>
+              <a:t>8</a:t>
             </a:r>
             <a:endParaRPr lang="en-AU" sz="2000" dirty="0">
               <a:solidFill>
@@ -13627,7 +14733,7 @@
                   <a:schemeClr val="tx1"/>
                 </a:solidFill>
               </a:rPr>
-              <a:t>Priority</a:t>
+              <a:t>Must</a:t>
             </a:r>
             <a:endParaRPr lang="en-AU" sz="2000" dirty="0">
               <a:solidFill>
@@ -13701,7 +14807,7 @@
     </p:spTree>
     <p:extLst>
       <p:ext uri="{BB962C8B-B14F-4D97-AF65-F5344CB8AC3E}">
-        <p14:creationId xmlns:p14="http://schemas.microsoft.com/office/powerpoint/2010/main" val="1836719830"/>
+        <p14:creationId xmlns:p14="http://schemas.microsoft.com/office/powerpoint/2010/main" val="114075476"/>
       </p:ext>
     </p:extLst>
   </p:cSld>
@@ -13783,7 +14889,15 @@
                   <a:schemeClr val="tx1"/>
                 </a:solidFill>
               </a:rPr>
-              <a:t>Story ID</a:t>
+              <a:t>Story </a:t>
+            </a:r>
+            <a:r>
+              <a:rPr lang="en-AU" sz="2000" dirty="0" smtClean="0">
+                <a:solidFill>
+                  <a:schemeClr val="tx1"/>
+                </a:solidFill>
+              </a:rPr>
+              <a:t>7</a:t>
             </a:r>
             <a:endParaRPr lang="en-AU" sz="2000" dirty="0">
               <a:solidFill>
@@ -13841,7 +14955,7 @@
             <a:pPr algn="ctr"/>
             <a:r>
               <a:rPr lang="en-AU" sz="2800" dirty="0" smtClean="0"/>
-              <a:t>Upload a File</a:t>
+              <a:t>Add a folder</a:t>
             </a:r>
             <a:endParaRPr lang="en-AU" sz="2800" dirty="0"/>
           </a:p>
@@ -13901,7 +15015,7 @@
                   <a:schemeClr val="tx1"/>
                 </a:solidFill>
               </a:rPr>
-              <a:t>As a Media Vault user, I want to upload a file so that I can access this file from any device using the Media Vault website.</a:t>
+              <a:t>As a Media Vault user, I want to add a folder so that I can organise my files.</a:t>
             </a:r>
           </a:p>
           <a:p>
@@ -13992,7 +15106,7 @@
                   <a:schemeClr val="tx1"/>
                 </a:solidFill>
               </a:rPr>
-              <a:t>The file will appear in Media Vault once it has uploaded</a:t>
+              <a:t>A file will appear, letting the user pick its name, once the user has clicked the option to create a folder.</a:t>
             </a:r>
             <a:endParaRPr lang="en-AU" sz="2000" dirty="0" smtClean="0">
               <a:solidFill>
@@ -14056,7 +15170,7 @@
                   <a:schemeClr val="tx1"/>
                 </a:solidFill>
               </a:rPr>
-              <a:t>Story Points</a:t>
+              <a:t>4</a:t>
             </a:r>
             <a:endParaRPr lang="en-AU" sz="2000" dirty="0">
               <a:solidFill>
@@ -14121,7 +15235,7 @@
                   <a:schemeClr val="tx1"/>
                 </a:solidFill>
               </a:rPr>
-              <a:t>Priority</a:t>
+              <a:t>Should</a:t>
             </a:r>
             <a:endParaRPr lang="en-AU" sz="2000" dirty="0">
               <a:solidFill>
@@ -14195,7 +15309,7 @@
     </p:spTree>
     <p:extLst>
       <p:ext uri="{BB962C8B-B14F-4D97-AF65-F5344CB8AC3E}">
-        <p14:creationId xmlns:p14="http://schemas.microsoft.com/office/powerpoint/2010/main" val="114075476"/>
+        <p14:creationId xmlns:p14="http://schemas.microsoft.com/office/powerpoint/2010/main" val="542512747"/>
       </p:ext>
     </p:extLst>
   </p:cSld>
@@ -14486,4 +15600,265 @@
   <a:objectDefaults/>
   <a:extraClrSchemeLst/>
 </a:theme>
+</file>
+
+<file path=ppt/theme/theme2.xml><?xml version="1.0" encoding="utf-8"?>
+<a:theme xmlns:a="http://schemas.openxmlformats.org/drawingml/2006/main" name="Office Theme">
+  <a:themeElements>
+    <a:clrScheme name="Office">
+      <a:dk1>
+        <a:sysClr val="windowText" lastClr="000000"/>
+      </a:dk1>
+      <a:lt1>
+        <a:sysClr val="window" lastClr="FFFFFF"/>
+      </a:lt1>
+      <a:dk2>
+        <a:srgbClr val="44546A"/>
+      </a:dk2>
+      <a:lt2>
+        <a:srgbClr val="E7E6E6"/>
+      </a:lt2>
+      <a:accent1>
+        <a:srgbClr val="4472C4"/>
+      </a:accent1>
+      <a:accent2>
+        <a:srgbClr val="ED7D31"/>
+      </a:accent2>
+      <a:accent3>
+        <a:srgbClr val="A5A5A5"/>
+      </a:accent3>
+      <a:accent4>
+        <a:srgbClr val="FFC000"/>
+      </a:accent4>
+      <a:accent5>
+        <a:srgbClr val="5B9BD5"/>
+      </a:accent5>
+      <a:accent6>
+        <a:srgbClr val="70AD47"/>
+      </a:accent6>
+      <a:hlink>
+        <a:srgbClr val="0563C1"/>
+      </a:hlink>
+      <a:folHlink>
+        <a:srgbClr val="954F72"/>
+      </a:folHlink>
+    </a:clrScheme>
+    <a:fontScheme name="Office">
+      <a:majorFont>
+        <a:latin typeface="Calibri Light" panose="020F0302020204030204"/>
+        <a:ea typeface=""/>
+        <a:cs typeface=""/>
+        <a:font script="Jpan" typeface="Yu Gothic Light"/>
+        <a:font script="Hang" typeface="맑은 고딕"/>
+        <a:font script="Hans" typeface="DengXian Light"/>
+        <a:font script="Hant" typeface="新細明體"/>
+        <a:font script="Arab" typeface="Times New Roman"/>
+        <a:font script="Hebr" typeface="Times New Roman"/>
+        <a:font script="Thai" typeface="Angsana New"/>
+        <a:font script="Ethi" typeface="Nyala"/>
+        <a:font script="Beng" typeface="Vrinda"/>
+        <a:font script="Gujr" typeface="Shruti"/>
+        <a:font script="Khmr" typeface="MoolBoran"/>
+        <a:font script="Knda" typeface="Tunga"/>
+        <a:font script="Guru" typeface="Raavi"/>
+        <a:font script="Cans" typeface="Euphemia"/>
+        <a:font script="Cher" typeface="Plantagenet Cherokee"/>
+        <a:font script="Yiii" typeface="Microsoft Yi Baiti"/>
+        <a:font script="Tibt" typeface="Microsoft Himalaya"/>
+        <a:font script="Thaa" typeface="MV Boli"/>
+        <a:font script="Deva" typeface="Mangal"/>
+        <a:font script="Telu" typeface="Gautami"/>
+        <a:font script="Taml" typeface="Latha"/>
+        <a:font script="Syrc" typeface="Estrangelo Edessa"/>
+        <a:font script="Orya" typeface="Kalinga"/>
+        <a:font script="Mlym" typeface="Kartika"/>
+        <a:font script="Laoo" typeface="DokChampa"/>
+        <a:font script="Sinh" typeface="Iskoola Pota"/>
+        <a:font script="Mong" typeface="Mongolian Baiti"/>
+        <a:font script="Viet" typeface="Times New Roman"/>
+        <a:font script="Uigh" typeface="Microsoft Uighur"/>
+        <a:font script="Geor" typeface="Sylfaen"/>
+      </a:majorFont>
+      <a:minorFont>
+        <a:latin typeface="Calibri" panose="020F0502020204030204"/>
+        <a:ea typeface=""/>
+        <a:cs typeface=""/>
+        <a:font script="Jpan" typeface="Yu Gothic"/>
+        <a:font script="Hang" typeface="맑은 고딕"/>
+        <a:font script="Hans" typeface="DengXian"/>
+        <a:font script="Hant" typeface="新細明體"/>
+        <a:font script="Arab" typeface="Arial"/>
+        <a:font script="Hebr" typeface="Arial"/>
+        <a:font script="Thai" typeface="Cordia New"/>
+        <a:font script="Ethi" typeface="Nyala"/>
+        <a:font script="Beng" typeface="Vrinda"/>
+        <a:font script="Gujr" typeface="Shruti"/>
+        <a:font script="Khmr" typeface="DaunPenh"/>
+        <a:font script="Knda" typeface="Tunga"/>
+        <a:font script="Guru" typeface="Raavi"/>
+        <a:font script="Cans" typeface="Euphemia"/>
+        <a:font script="Cher" typeface="Plantagenet Cherokee"/>
+        <a:font script="Yiii" typeface="Microsoft Yi Baiti"/>
+        <a:font script="Tibt" typeface="Microsoft Himalaya"/>
+        <a:font script="Thaa" typeface="MV Boli"/>
+        <a:font script="Deva" typeface="Mangal"/>
+        <a:font script="Telu" typeface="Gautami"/>
+        <a:font script="Taml" typeface="Latha"/>
+        <a:font script="Syrc" typeface="Estrangelo Edessa"/>
+        <a:font script="Orya" typeface="Kalinga"/>
+        <a:font script="Mlym" typeface="Kartika"/>
+        <a:font script="Laoo" typeface="DokChampa"/>
+        <a:font script="Sinh" typeface="Iskoola Pota"/>
+        <a:font script="Mong" typeface="Mongolian Baiti"/>
+        <a:font script="Viet" typeface="Arial"/>
+        <a:font script="Uigh" typeface="Microsoft Uighur"/>
+        <a:font script="Geor" typeface="Sylfaen"/>
+      </a:minorFont>
+    </a:fontScheme>
+    <a:fmtScheme name="Office">
+      <a:fillStyleLst>
+        <a:solidFill>
+          <a:schemeClr val="phClr"/>
+        </a:solidFill>
+        <a:gradFill rotWithShape="1">
+          <a:gsLst>
+            <a:gs pos="0">
+              <a:schemeClr val="phClr">
+                <a:lumMod val="110000"/>
+                <a:satMod val="105000"/>
+                <a:tint val="67000"/>
+              </a:schemeClr>
+            </a:gs>
+            <a:gs pos="50000">
+              <a:schemeClr val="phClr">
+                <a:lumMod val="105000"/>
+                <a:satMod val="103000"/>
+                <a:tint val="73000"/>
+              </a:schemeClr>
+            </a:gs>
+            <a:gs pos="100000">
+              <a:schemeClr val="phClr">
+                <a:lumMod val="105000"/>
+                <a:satMod val="109000"/>
+                <a:tint val="81000"/>
+              </a:schemeClr>
+            </a:gs>
+          </a:gsLst>
+          <a:lin ang="5400000" scaled="0"/>
+        </a:gradFill>
+        <a:gradFill rotWithShape="1">
+          <a:gsLst>
+            <a:gs pos="0">
+              <a:schemeClr val="phClr">
+                <a:satMod val="103000"/>
+                <a:lumMod val="102000"/>
+                <a:tint val="94000"/>
+              </a:schemeClr>
+            </a:gs>
+            <a:gs pos="50000">
+              <a:schemeClr val="phClr">
+                <a:satMod val="110000"/>
+                <a:lumMod val="100000"/>
+                <a:shade val="100000"/>
+              </a:schemeClr>
+            </a:gs>
+            <a:gs pos="100000">
+              <a:schemeClr val="phClr">
+                <a:lumMod val="99000"/>
+                <a:satMod val="120000"/>
+                <a:shade val="78000"/>
+              </a:schemeClr>
+            </a:gs>
+          </a:gsLst>
+          <a:lin ang="5400000" scaled="0"/>
+        </a:gradFill>
+      </a:fillStyleLst>
+      <a:lnStyleLst>
+        <a:ln w="6350" cap="flat" cmpd="sng" algn="ctr">
+          <a:solidFill>
+            <a:schemeClr val="phClr"/>
+          </a:solidFill>
+          <a:prstDash val="solid"/>
+          <a:miter lim="800000"/>
+        </a:ln>
+        <a:ln w="12700" cap="flat" cmpd="sng" algn="ctr">
+          <a:solidFill>
+            <a:schemeClr val="phClr"/>
+          </a:solidFill>
+          <a:prstDash val="solid"/>
+          <a:miter lim="800000"/>
+        </a:ln>
+        <a:ln w="19050" cap="flat" cmpd="sng" algn="ctr">
+          <a:solidFill>
+            <a:schemeClr val="phClr"/>
+          </a:solidFill>
+          <a:prstDash val="solid"/>
+          <a:miter lim="800000"/>
+        </a:ln>
+      </a:lnStyleLst>
+      <a:effectStyleLst>
+        <a:effectStyle>
+          <a:effectLst/>
+        </a:effectStyle>
+        <a:effectStyle>
+          <a:effectLst/>
+        </a:effectStyle>
+        <a:effectStyle>
+          <a:effectLst>
+            <a:outerShdw blurRad="57150" dist="19050" dir="5400000" algn="ctr" rotWithShape="0">
+              <a:srgbClr val="000000">
+                <a:alpha val="63000"/>
+              </a:srgbClr>
+            </a:outerShdw>
+          </a:effectLst>
+        </a:effectStyle>
+      </a:effectStyleLst>
+      <a:bgFillStyleLst>
+        <a:solidFill>
+          <a:schemeClr val="phClr"/>
+        </a:solidFill>
+        <a:solidFill>
+          <a:schemeClr val="phClr">
+            <a:tint val="95000"/>
+            <a:satMod val="170000"/>
+          </a:schemeClr>
+        </a:solidFill>
+        <a:gradFill rotWithShape="1">
+          <a:gsLst>
+            <a:gs pos="0">
+              <a:schemeClr val="phClr">
+                <a:tint val="93000"/>
+                <a:satMod val="150000"/>
+                <a:shade val="98000"/>
+                <a:lumMod val="102000"/>
+              </a:schemeClr>
+            </a:gs>
+            <a:gs pos="50000">
+              <a:schemeClr val="phClr">
+                <a:tint val="98000"/>
+                <a:satMod val="130000"/>
+                <a:shade val="90000"/>
+                <a:lumMod val="103000"/>
+              </a:schemeClr>
+            </a:gs>
+            <a:gs pos="100000">
+              <a:schemeClr val="phClr">
+                <a:shade val="63000"/>
+                <a:satMod val="120000"/>
+              </a:schemeClr>
+            </a:gs>
+          </a:gsLst>
+          <a:lin ang="5400000" scaled="0"/>
+        </a:gradFill>
+      </a:bgFillStyleLst>
+    </a:fmtScheme>
+  </a:themeElements>
+  <a:objectDefaults/>
+  <a:extraClrSchemeLst/>
+  <a:extLst>
+    <a:ext uri="{05A4C25C-085E-4340-85A3-A5531E510DB2}">
+      <thm15:themeFamily xmlns:thm15="http://schemas.microsoft.com/office/thememl/2012/main" name="Office Theme" id="{62F939B6-93AF-4DB8-9C6B-D6C7DFDC589F}" vid="{4A3C46E8-61CC-4603-A589-7422A47A8E4A}"/>
+    </a:ext>
+  </a:extLst>
+</a:theme>
 </file>
--- a/Stories/Story Cards.pptx
+++ b/Stories/Story Cards.pptx
@@ -16,24 +16,24 @@
     <p:sldId id="263" r:id="rId7"/>
     <p:sldId id="264" r:id="rId8"/>
     <p:sldId id="266" r:id="rId9"/>
-    <p:sldId id="274" r:id="rId10"/>
-    <p:sldId id="265" r:id="rId11"/>
-    <p:sldId id="279" r:id="rId12"/>
-    <p:sldId id="278" r:id="rId13"/>
-    <p:sldId id="271" r:id="rId14"/>
-    <p:sldId id="267" r:id="rId15"/>
-    <p:sldId id="270" r:id="rId16"/>
-    <p:sldId id="261" r:id="rId17"/>
-    <p:sldId id="275" r:id="rId18"/>
-    <p:sldId id="273" r:id="rId19"/>
-    <p:sldId id="276" r:id="rId20"/>
-    <p:sldId id="272" r:id="rId21"/>
-    <p:sldId id="269" r:id="rId22"/>
-    <p:sldId id="277" r:id="rId23"/>
-    <p:sldId id="280" r:id="rId24"/>
-    <p:sldId id="281" r:id="rId25"/>
-    <p:sldId id="282" r:id="rId26"/>
-    <p:sldId id="283" r:id="rId27"/>
+    <p:sldId id="285" r:id="rId10"/>
+    <p:sldId id="274" r:id="rId11"/>
+    <p:sldId id="265" r:id="rId12"/>
+    <p:sldId id="286" r:id="rId13"/>
+    <p:sldId id="279" r:id="rId14"/>
+    <p:sldId id="278" r:id="rId15"/>
+    <p:sldId id="271" r:id="rId16"/>
+    <p:sldId id="267" r:id="rId17"/>
+    <p:sldId id="270" r:id="rId18"/>
+    <p:sldId id="261" r:id="rId19"/>
+    <p:sldId id="273" r:id="rId20"/>
+    <p:sldId id="287" r:id="rId21"/>
+    <p:sldId id="276" r:id="rId22"/>
+    <p:sldId id="288" r:id="rId23"/>
+    <p:sldId id="289" r:id="rId24"/>
+    <p:sldId id="272" r:id="rId25"/>
+    <p:sldId id="269" r:id="rId26"/>
+    <p:sldId id="277" r:id="rId27"/>
   </p:sldIdLst>
   <p:sldSz cx="9906000" cy="6858000" type="A4"/>
   <p:notesSz cx="6858000" cy="9144000"/>
@@ -3694,7 +3694,7 @@
                   <a:schemeClr val="tx1"/>
                 </a:solidFill>
               </a:rPr>
-              <a:t>8</a:t>
+              <a:t>7</a:t>
             </a:r>
             <a:endParaRPr lang="en-AU" sz="2000" dirty="0">
               <a:solidFill>
@@ -3752,7 +3752,7 @@
             <a:pPr algn="ctr"/>
             <a:r>
               <a:rPr lang="en-AU" sz="2800" dirty="0" smtClean="0"/>
-              <a:t>Open my PDF/eBook File</a:t>
+              <a:t>Add a folder</a:t>
             </a:r>
             <a:endParaRPr lang="en-AU" sz="2800" dirty="0"/>
           </a:p>
@@ -3812,7 +3812,7 @@
                   <a:schemeClr val="tx1"/>
                 </a:solidFill>
               </a:rPr>
-              <a:t>As a Media Vault user, I want to open my file so that I can read the contents</a:t>
+              <a:t>As a Media Vault user, I want to add a folder so that I can organise my files.</a:t>
             </a:r>
           </a:p>
           <a:p>
@@ -3844,7 +3844,7 @@
         <p:spPr>
           <a:xfrm>
             <a:off x="39153" y="3335530"/>
-            <a:ext cx="9828000" cy="1620000"/>
+            <a:ext cx="9828000" cy="2242310"/>
           </a:xfrm>
           <a:prstGeom prst="rect">
             <a:avLst/>
@@ -3903,7 +3903,35 @@
                   <a:schemeClr val="tx1"/>
                 </a:solidFill>
               </a:rPr>
-              <a:t>The file will open once clicked, the eBook/pdf should display so that it can be read.</a:t>
+              <a:t>A button that lets the user add a new folder</a:t>
+            </a:r>
+          </a:p>
+          <a:p>
+            <a:pPr marL="179388" indent="-179388">
+              <a:buFont typeface="Arial" pitchFamily="34" charset="0"/>
+              <a:buChar char="•"/>
+            </a:pPr>
+            <a:r>
+              <a:rPr lang="en-AU" sz="2000" dirty="0" smtClean="0">
+                <a:solidFill>
+                  <a:schemeClr val="tx1"/>
+                </a:solidFill>
+              </a:rPr>
+              <a:t>file will appear, letting the user pick its name</a:t>
+            </a:r>
+          </a:p>
+          <a:p>
+            <a:pPr marL="179388" indent="-179388">
+              <a:buFont typeface="Arial" pitchFamily="34" charset="0"/>
+              <a:buChar char="•"/>
+            </a:pPr>
+            <a:r>
+              <a:rPr lang="en-AU" sz="2000" dirty="0" smtClean="0">
+                <a:solidFill>
+                  <a:schemeClr val="tx1"/>
+                </a:solidFill>
+              </a:rPr>
+              <a:t>The folder will appear, and the user can enter it</a:t>
             </a:r>
             <a:endParaRPr lang="en-AU" sz="2000" dirty="0" smtClean="0">
               <a:solidFill>
@@ -3962,12 +3990,12 @@
           <a:p>
             <a:pPr algn="ctr"/>
             <a:r>
-              <a:rPr lang="en-AU" sz="2000" dirty="0" smtClean="0">
-                <a:solidFill>
-                  <a:schemeClr val="tx1"/>
-                </a:solidFill>
-              </a:rPr>
-              <a:t>8</a:t>
+              <a:rPr lang="en-AU" sz="2000" dirty="0">
+                <a:solidFill>
+                  <a:schemeClr val="tx1"/>
+                </a:solidFill>
+              </a:rPr>
+              <a:t>2</a:t>
             </a:r>
             <a:endParaRPr lang="en-AU" sz="2000" dirty="0">
               <a:solidFill>
@@ -4032,7 +4060,7 @@
                   <a:schemeClr val="tx1"/>
                 </a:solidFill>
               </a:rPr>
-              <a:t>Could</a:t>
+              <a:t>Must</a:t>
             </a:r>
             <a:endParaRPr lang="en-AU" sz="2000" dirty="0">
               <a:solidFill>
@@ -4050,8 +4078,8 @@
         </p:nvSpPr>
         <p:spPr>
           <a:xfrm>
-            <a:off x="39153" y="5128590"/>
-            <a:ext cx="9828000" cy="1620000"/>
+            <a:off x="39153" y="5969726"/>
+            <a:ext cx="9828000" cy="778864"/>
           </a:xfrm>
           <a:prstGeom prst="rect">
             <a:avLst/>
@@ -4106,7 +4134,7 @@
     </p:spTree>
     <p:extLst>
       <p:ext uri="{BB962C8B-B14F-4D97-AF65-F5344CB8AC3E}">
-        <p14:creationId xmlns:p14="http://schemas.microsoft.com/office/powerpoint/2010/main" val="771756051"/>
+        <p14:creationId xmlns:p14="http://schemas.microsoft.com/office/powerpoint/2010/main" val="542512747"/>
       </p:ext>
     </p:extLst>
   </p:cSld>
@@ -4196,7 +4224,7 @@
                   <a:schemeClr val="tx1"/>
                 </a:solidFill>
               </a:rPr>
-              <a:t>9</a:t>
+              <a:t>8</a:t>
             </a:r>
             <a:endParaRPr lang="en-AU" sz="2000" dirty="0">
               <a:solidFill>
@@ -4254,7 +4282,7 @@
             <a:pPr algn="ctr"/>
             <a:r>
               <a:rPr lang="en-AU" sz="2800" dirty="0" smtClean="0"/>
-              <a:t>Open my Audio File</a:t>
+              <a:t>Open my PDF File</a:t>
             </a:r>
             <a:endParaRPr lang="en-AU" sz="2800" dirty="0"/>
           </a:p>
@@ -4314,29 +4342,8 @@
                   <a:schemeClr val="tx1"/>
                 </a:solidFill>
               </a:rPr>
-              <a:t>As a Media Vault user, I want to open my file so that I can </a:t>
-            </a:r>
-            <a:r>
-              <a:rPr lang="en-AU" sz="2400" dirty="0">
-                <a:solidFill>
-                  <a:schemeClr val="tx1"/>
-                </a:solidFill>
-              </a:rPr>
-              <a:t>l</a:t>
-            </a:r>
-            <a:r>
-              <a:rPr lang="en-AU" sz="2400" dirty="0" smtClean="0">
-                <a:solidFill>
-                  <a:schemeClr val="tx1"/>
-                </a:solidFill>
-              </a:rPr>
-              <a:t>isten to it</a:t>
-            </a:r>
-            <a:endParaRPr lang="en-AU" sz="2400" dirty="0" smtClean="0">
-              <a:solidFill>
-                <a:schemeClr val="tx1"/>
-              </a:solidFill>
-            </a:endParaRPr>
+              <a:t>As a Media Vault user, I want to open my PDF file so that I can read the contents</a:t>
+            </a:r>
           </a:p>
           <a:p>
             <a:endParaRPr lang="en-AU" sz="2400" dirty="0" smtClean="0">
@@ -4426,7 +4433,7 @@
                   <a:schemeClr val="tx1"/>
                 </a:solidFill>
               </a:rPr>
-              <a:t>The file will open once clicked, music plays.</a:t>
+              <a:t>The file will open once clicked, the pdf should display so that it can be read.</a:t>
             </a:r>
             <a:endParaRPr lang="en-AU" sz="2000" dirty="0" smtClean="0">
               <a:solidFill>
@@ -4485,12 +4492,12 @@
           <a:p>
             <a:pPr algn="ctr"/>
             <a:r>
-              <a:rPr lang="en-AU" sz="2000" dirty="0" smtClean="0">
-                <a:solidFill>
-                  <a:schemeClr val="tx1"/>
-                </a:solidFill>
-              </a:rPr>
-              <a:t>4</a:t>
+              <a:rPr lang="en-AU" sz="2000" dirty="0">
+                <a:solidFill>
+                  <a:schemeClr val="tx1"/>
+                </a:solidFill>
+              </a:rPr>
+              <a:t>1</a:t>
             </a:r>
             <a:endParaRPr lang="en-AU" sz="2000" dirty="0">
               <a:solidFill>
@@ -4555,7 +4562,7 @@
                   <a:schemeClr val="tx1"/>
                 </a:solidFill>
               </a:rPr>
-              <a:t>Should</a:t>
+              <a:t>Must</a:t>
             </a:r>
             <a:endParaRPr lang="en-AU" sz="2000" dirty="0">
               <a:solidFill>
@@ -4629,7 +4636,7 @@
     </p:spTree>
     <p:extLst>
       <p:ext uri="{BB962C8B-B14F-4D97-AF65-F5344CB8AC3E}">
-        <p14:creationId xmlns:p14="http://schemas.microsoft.com/office/powerpoint/2010/main" val="441015736"/>
+        <p14:creationId xmlns:p14="http://schemas.microsoft.com/office/powerpoint/2010/main" val="771756051"/>
       </p:ext>
     </p:extLst>
   </p:cSld>
@@ -4719,7 +4726,7 @@
                   <a:schemeClr val="tx1"/>
                 </a:solidFill>
               </a:rPr>
-              <a:t>10</a:t>
+              <a:t>8B</a:t>
             </a:r>
             <a:endParaRPr lang="en-AU" sz="2000" dirty="0">
               <a:solidFill>
@@ -4777,7 +4784,7 @@
             <a:pPr algn="ctr"/>
             <a:r>
               <a:rPr lang="en-AU" sz="2800" dirty="0" smtClean="0"/>
-              <a:t>Open my Picture File</a:t>
+              <a:t>Open my eBook File</a:t>
             </a:r>
             <a:endParaRPr lang="en-AU" sz="2800" dirty="0"/>
           </a:p>
@@ -4837,7 +4844,7 @@
                   <a:schemeClr val="tx1"/>
                 </a:solidFill>
               </a:rPr>
-              <a:t>As a Media Vault user, I want to open my file so that I can view it.</a:t>
+              <a:t>As a Media Vault user, I want to open my eBook file so that I can read the contents</a:t>
             </a:r>
           </a:p>
           <a:p>
@@ -4928,7 +4935,7 @@
                   <a:schemeClr val="tx1"/>
                 </a:solidFill>
               </a:rPr>
-              <a:t>The file will open once clicked, a picture should display</a:t>
+              <a:t>The file will open once clicked, the eBook should display so that it can be read.</a:t>
             </a:r>
             <a:endParaRPr lang="en-AU" sz="2000" dirty="0" smtClean="0">
               <a:solidFill>
@@ -4987,12 +4994,12 @@
           <a:p>
             <a:pPr algn="ctr"/>
             <a:r>
-              <a:rPr lang="en-AU" sz="2000" dirty="0" smtClean="0">
-                <a:solidFill>
-                  <a:schemeClr val="tx1"/>
-                </a:solidFill>
-              </a:rPr>
-              <a:t>2</a:t>
+              <a:rPr lang="en-AU" sz="2000" dirty="0">
+                <a:solidFill>
+                  <a:schemeClr val="tx1"/>
+                </a:solidFill>
+              </a:rPr>
+              <a:t>1</a:t>
             </a:r>
             <a:endParaRPr lang="en-AU" sz="2000" dirty="0">
               <a:solidFill>
@@ -5057,7 +5064,7 @@
                   <a:schemeClr val="tx1"/>
                 </a:solidFill>
               </a:rPr>
-              <a:t>Should</a:t>
+              <a:t>Must</a:t>
             </a:r>
             <a:endParaRPr lang="en-AU" sz="2000" dirty="0">
               <a:solidFill>
@@ -5131,7 +5138,7 @@
     </p:spTree>
     <p:extLst>
       <p:ext uri="{BB962C8B-B14F-4D97-AF65-F5344CB8AC3E}">
-        <p14:creationId xmlns:p14="http://schemas.microsoft.com/office/powerpoint/2010/main" val="1520526948"/>
+        <p14:creationId xmlns:p14="http://schemas.microsoft.com/office/powerpoint/2010/main" val="582726072"/>
       </p:ext>
     </p:extLst>
   </p:cSld>
@@ -5221,7 +5228,7 @@
                   <a:schemeClr val="tx1"/>
                 </a:solidFill>
               </a:rPr>
-              <a:t>11</a:t>
+              <a:t>9</a:t>
             </a:r>
             <a:endParaRPr lang="en-AU" sz="2000" dirty="0">
               <a:solidFill>
@@ -5279,7 +5286,7 @@
             <a:pPr algn="ctr"/>
             <a:r>
               <a:rPr lang="en-AU" sz="2800" dirty="0" smtClean="0"/>
-              <a:t>Delete a File</a:t>
+              <a:t>Open my Audio File</a:t>
             </a:r>
             <a:endParaRPr lang="en-AU" sz="2800" dirty="0"/>
           </a:p>
@@ -5339,8 +5346,29 @@
                   <a:schemeClr val="tx1"/>
                 </a:solidFill>
               </a:rPr>
-              <a:t>As a Media Vault user, I want to delete a file so that I can free up my storage space or remove the file if I no longer need it.</a:t>
-            </a:r>
+              <a:t>As a Media Vault user, I want to open my file so that I can </a:t>
+            </a:r>
+            <a:r>
+              <a:rPr lang="en-AU" sz="2400" dirty="0">
+                <a:solidFill>
+                  <a:schemeClr val="tx1"/>
+                </a:solidFill>
+              </a:rPr>
+              <a:t>l</a:t>
+            </a:r>
+            <a:r>
+              <a:rPr lang="en-AU" sz="2400" dirty="0" smtClean="0">
+                <a:solidFill>
+                  <a:schemeClr val="tx1"/>
+                </a:solidFill>
+              </a:rPr>
+              <a:t>isten to it</a:t>
+            </a:r>
+            <a:endParaRPr lang="en-AU" sz="2400" dirty="0" smtClean="0">
+              <a:solidFill>
+                <a:schemeClr val="tx1"/>
+              </a:solidFill>
+            </a:endParaRPr>
           </a:p>
           <a:p>
             <a:endParaRPr lang="en-AU" sz="2400" dirty="0" smtClean="0">
@@ -5430,7 +5458,206 @@
                   <a:schemeClr val="tx1"/>
                 </a:solidFill>
               </a:rPr>
-              <a:t>The file no longer be in the Media Vault if the delete button is clicked.</a:t>
+              <a:t>The file will open once clicked, music plays.</a:t>
+            </a:r>
+          </a:p>
+          <a:p>
+            <a:pPr marL="179388" indent="-179388">
+              <a:buFont typeface="Arial" pitchFamily="34" charset="0"/>
+              <a:buChar char="•"/>
+            </a:pPr>
+            <a:r>
+              <a:rPr lang="en-AU" sz="2000" dirty="0">
+                <a:solidFill>
+                  <a:schemeClr val="tx1"/>
+                </a:solidFill>
+              </a:rPr>
+              <a:t>There should a home button, so that the user</a:t>
+            </a:r>
+          </a:p>
+        </p:txBody>
+      </p:sp>
+      <p:sp>
+        <p:nvSpPr>
+          <p:cNvPr id="11" name="Rectangle 10"/>
+          <p:cNvSpPr/>
+          <p:nvPr/>
+        </p:nvSpPr>
+        <p:spPr>
+          <a:xfrm>
+            <a:off x="9147153" y="109410"/>
+            <a:ext cx="720000" cy="540000"/>
+          </a:xfrm>
+          <a:prstGeom prst="rect">
+            <a:avLst/>
+          </a:prstGeom>
+          <a:solidFill>
+            <a:srgbClr val="CCF0CD">
+              <a:alpha val="20000"/>
+            </a:srgbClr>
+          </a:solidFill>
+          <a:ln>
+            <a:solidFill>
+              <a:schemeClr val="accent1">
+                <a:lumMod val="50000"/>
+              </a:schemeClr>
+            </a:solidFill>
+          </a:ln>
+        </p:spPr>
+        <p:style>
+          <a:lnRef idx="2">
+            <a:schemeClr val="accent1">
+              <a:shade val="50000"/>
+            </a:schemeClr>
+          </a:lnRef>
+          <a:fillRef idx="1">
+            <a:schemeClr val="accent1"/>
+          </a:fillRef>
+          <a:effectRef idx="0">
+            <a:schemeClr val="accent1"/>
+          </a:effectRef>
+          <a:fontRef idx="minor">
+            <a:schemeClr val="lt1"/>
+          </a:fontRef>
+        </p:style>
+        <p:txBody>
+          <a:bodyPr wrap="square" lIns="0" rIns="0" rtlCol="0" anchor="ctr"/>
+          <a:lstStyle/>
+          <a:p>
+            <a:pPr algn="ctr"/>
+            <a:r>
+              <a:rPr lang="en-AU" sz="2000" dirty="0" smtClean="0">
+                <a:solidFill>
+                  <a:schemeClr val="tx1"/>
+                </a:solidFill>
+              </a:rPr>
+              <a:t>1</a:t>
+            </a:r>
+            <a:endParaRPr lang="en-AU" sz="2000" dirty="0">
+              <a:solidFill>
+                <a:schemeClr val="tx1"/>
+              </a:solidFill>
+            </a:endParaRPr>
+          </a:p>
+        </p:txBody>
+      </p:sp>
+      <p:sp>
+        <p:nvSpPr>
+          <p:cNvPr id="12" name="Rectangle 11"/>
+          <p:cNvSpPr/>
+          <p:nvPr/>
+        </p:nvSpPr>
+        <p:spPr>
+          <a:xfrm>
+            <a:off x="8283153" y="109410"/>
+            <a:ext cx="792000" cy="540000"/>
+          </a:xfrm>
+          <a:prstGeom prst="rect">
+            <a:avLst/>
+          </a:prstGeom>
+          <a:solidFill>
+            <a:schemeClr val="accent4">
+              <a:lumMod val="20000"/>
+              <a:lumOff val="80000"/>
+            </a:schemeClr>
+          </a:solidFill>
+          <a:ln>
+            <a:solidFill>
+              <a:schemeClr val="accent1">
+                <a:lumMod val="50000"/>
+              </a:schemeClr>
+            </a:solidFill>
+          </a:ln>
+        </p:spPr>
+        <p:style>
+          <a:lnRef idx="2">
+            <a:schemeClr val="accent1">
+              <a:shade val="50000"/>
+            </a:schemeClr>
+          </a:lnRef>
+          <a:fillRef idx="1">
+            <a:schemeClr val="accent1"/>
+          </a:fillRef>
+          <a:effectRef idx="0">
+            <a:schemeClr val="accent1"/>
+          </a:effectRef>
+          <a:fontRef idx="minor">
+            <a:schemeClr val="lt1"/>
+          </a:fontRef>
+        </p:style>
+        <p:txBody>
+          <a:bodyPr wrap="none" lIns="0" rIns="0" rtlCol="0" anchor="ctr"/>
+          <a:lstStyle/>
+          <a:p>
+            <a:pPr algn="ctr"/>
+            <a:r>
+              <a:rPr lang="en-AU" sz="2000" dirty="0" smtClean="0">
+                <a:solidFill>
+                  <a:schemeClr val="tx1"/>
+                </a:solidFill>
+              </a:rPr>
+              <a:t>Must</a:t>
+            </a:r>
+            <a:endParaRPr lang="en-AU" sz="2000" dirty="0">
+              <a:solidFill>
+                <a:schemeClr val="tx1"/>
+              </a:solidFill>
+            </a:endParaRPr>
+          </a:p>
+        </p:txBody>
+      </p:sp>
+      <p:sp>
+        <p:nvSpPr>
+          <p:cNvPr id="13" name="Rectangle 12"/>
+          <p:cNvSpPr/>
+          <p:nvPr/>
+        </p:nvSpPr>
+        <p:spPr>
+          <a:xfrm>
+            <a:off x="39153" y="5128590"/>
+            <a:ext cx="9828000" cy="1620000"/>
+          </a:xfrm>
+          <a:prstGeom prst="rect">
+            <a:avLst/>
+          </a:prstGeom>
+          <a:solidFill>
+            <a:schemeClr val="bg1"/>
+          </a:solidFill>
+          <a:ln>
+            <a:solidFill>
+              <a:schemeClr val="accent1">
+                <a:lumMod val="50000"/>
+              </a:schemeClr>
+            </a:solidFill>
+          </a:ln>
+        </p:spPr>
+        <p:style>
+          <a:lnRef idx="2">
+            <a:schemeClr val="accent1">
+              <a:shade val="50000"/>
+            </a:schemeClr>
+          </a:lnRef>
+          <a:fillRef idx="1">
+            <a:schemeClr val="accent1"/>
+          </a:fillRef>
+          <a:effectRef idx="0">
+            <a:schemeClr val="accent1"/>
+          </a:effectRef>
+          <a:fontRef idx="minor">
+            <a:schemeClr val="lt1"/>
+          </a:fontRef>
+        </p:style>
+        <p:txBody>
+          <a:bodyPr tIns="36000" rtlCol="0" anchor="t" anchorCtr="0"/>
+          <a:lstStyle/>
+          <a:p>
+            <a:r>
+              <a:rPr lang="en-AU" sz="2000" dirty="0" smtClean="0">
+                <a:solidFill>
+                  <a:schemeClr val="tx1"/>
+                </a:solidFill>
+              </a:rPr>
+              <a:t>Notes</a:t>
             </a:r>
             <a:endParaRPr lang="en-AU" sz="2000" dirty="0" smtClean="0">
               <a:solidFill>
@@ -5440,200 +5667,10 @@
           </a:p>
         </p:txBody>
       </p:sp>
-      <p:sp>
-        <p:nvSpPr>
-          <p:cNvPr id="11" name="Rectangle 10"/>
-          <p:cNvSpPr/>
-          <p:nvPr/>
-        </p:nvSpPr>
-        <p:spPr>
-          <a:xfrm>
-            <a:off x="9147153" y="109410"/>
-            <a:ext cx="720000" cy="540000"/>
-          </a:xfrm>
-          <a:prstGeom prst="rect">
-            <a:avLst/>
-          </a:prstGeom>
-          <a:solidFill>
-            <a:srgbClr val="CCF0CD">
-              <a:alpha val="20000"/>
-            </a:srgbClr>
-          </a:solidFill>
-          <a:ln>
-            <a:solidFill>
-              <a:schemeClr val="accent1">
-                <a:lumMod val="50000"/>
-              </a:schemeClr>
-            </a:solidFill>
-          </a:ln>
-        </p:spPr>
-        <p:style>
-          <a:lnRef idx="2">
-            <a:schemeClr val="accent1">
-              <a:shade val="50000"/>
-            </a:schemeClr>
-          </a:lnRef>
-          <a:fillRef idx="1">
-            <a:schemeClr val="accent1"/>
-          </a:fillRef>
-          <a:effectRef idx="0">
-            <a:schemeClr val="accent1"/>
-          </a:effectRef>
-          <a:fontRef idx="minor">
-            <a:schemeClr val="lt1"/>
-          </a:fontRef>
-        </p:style>
-        <p:txBody>
-          <a:bodyPr wrap="square" lIns="0" rIns="0" rtlCol="0" anchor="ctr"/>
-          <a:lstStyle/>
-          <a:p>
-            <a:pPr algn="ctr"/>
-            <a:r>
-              <a:rPr lang="en-AU" sz="2000" dirty="0" smtClean="0">
-                <a:solidFill>
-                  <a:schemeClr val="tx1"/>
-                </a:solidFill>
-              </a:rPr>
-              <a:t>8</a:t>
-            </a:r>
-            <a:endParaRPr lang="en-AU" sz="2000" dirty="0">
-              <a:solidFill>
-                <a:schemeClr val="tx1"/>
-              </a:solidFill>
-            </a:endParaRPr>
-          </a:p>
-        </p:txBody>
-      </p:sp>
-      <p:sp>
-        <p:nvSpPr>
-          <p:cNvPr id="12" name="Rectangle 11"/>
-          <p:cNvSpPr/>
-          <p:nvPr/>
-        </p:nvSpPr>
-        <p:spPr>
-          <a:xfrm>
-            <a:off x="8283153" y="109410"/>
-            <a:ext cx="792000" cy="540000"/>
-          </a:xfrm>
-          <a:prstGeom prst="rect">
-            <a:avLst/>
-          </a:prstGeom>
-          <a:solidFill>
-            <a:schemeClr val="accent4">
-              <a:lumMod val="20000"/>
-              <a:lumOff val="80000"/>
-            </a:schemeClr>
-          </a:solidFill>
-          <a:ln>
-            <a:solidFill>
-              <a:schemeClr val="accent1">
-                <a:lumMod val="50000"/>
-              </a:schemeClr>
-            </a:solidFill>
-          </a:ln>
-        </p:spPr>
-        <p:style>
-          <a:lnRef idx="2">
-            <a:schemeClr val="accent1">
-              <a:shade val="50000"/>
-            </a:schemeClr>
-          </a:lnRef>
-          <a:fillRef idx="1">
-            <a:schemeClr val="accent1"/>
-          </a:fillRef>
-          <a:effectRef idx="0">
-            <a:schemeClr val="accent1"/>
-          </a:effectRef>
-          <a:fontRef idx="minor">
-            <a:schemeClr val="lt1"/>
-          </a:fontRef>
-        </p:style>
-        <p:txBody>
-          <a:bodyPr wrap="none" lIns="0" rIns="0" rtlCol="0" anchor="ctr"/>
-          <a:lstStyle/>
-          <a:p>
-            <a:pPr algn="ctr"/>
-            <a:r>
-              <a:rPr lang="en-AU" sz="2000" dirty="0" smtClean="0">
-                <a:solidFill>
-                  <a:schemeClr val="tx1"/>
-                </a:solidFill>
-              </a:rPr>
-              <a:t>Should</a:t>
-            </a:r>
-            <a:endParaRPr lang="en-AU" sz="2000" dirty="0">
-              <a:solidFill>
-                <a:schemeClr val="tx1"/>
-              </a:solidFill>
-            </a:endParaRPr>
-          </a:p>
-        </p:txBody>
-      </p:sp>
-      <p:sp>
-        <p:nvSpPr>
-          <p:cNvPr id="13" name="Rectangle 12"/>
-          <p:cNvSpPr/>
-          <p:nvPr/>
-        </p:nvSpPr>
-        <p:spPr>
-          <a:xfrm>
-            <a:off x="39153" y="5128590"/>
-            <a:ext cx="9828000" cy="1620000"/>
-          </a:xfrm>
-          <a:prstGeom prst="rect">
-            <a:avLst/>
-          </a:prstGeom>
-          <a:solidFill>
-            <a:schemeClr val="bg1"/>
-          </a:solidFill>
-          <a:ln>
-            <a:solidFill>
-              <a:schemeClr val="accent1">
-                <a:lumMod val="50000"/>
-              </a:schemeClr>
-            </a:solidFill>
-          </a:ln>
-        </p:spPr>
-        <p:style>
-          <a:lnRef idx="2">
-            <a:schemeClr val="accent1">
-              <a:shade val="50000"/>
-            </a:schemeClr>
-          </a:lnRef>
-          <a:fillRef idx="1">
-            <a:schemeClr val="accent1"/>
-          </a:fillRef>
-          <a:effectRef idx="0">
-            <a:schemeClr val="accent1"/>
-          </a:effectRef>
-          <a:fontRef idx="minor">
-            <a:schemeClr val="lt1"/>
-          </a:fontRef>
-        </p:style>
-        <p:txBody>
-          <a:bodyPr tIns="36000" rtlCol="0" anchor="t" anchorCtr="0"/>
-          <a:lstStyle/>
-          <a:p>
-            <a:r>
-              <a:rPr lang="en-AU" sz="2000" dirty="0" smtClean="0">
-                <a:solidFill>
-                  <a:schemeClr val="tx1"/>
-                </a:solidFill>
-              </a:rPr>
-              <a:t>Notes</a:t>
-            </a:r>
-            <a:endParaRPr lang="en-AU" sz="2000" dirty="0" smtClean="0">
-              <a:solidFill>
-                <a:schemeClr val="tx1"/>
-              </a:solidFill>
-            </a:endParaRPr>
-          </a:p>
-        </p:txBody>
-      </p:sp>
     </p:spTree>
     <p:extLst>
       <p:ext uri="{BB962C8B-B14F-4D97-AF65-F5344CB8AC3E}">
-        <p14:creationId xmlns:p14="http://schemas.microsoft.com/office/powerpoint/2010/main" val="1089856927"/>
+        <p14:creationId xmlns:p14="http://schemas.microsoft.com/office/powerpoint/2010/main" val="441015736"/>
       </p:ext>
     </p:extLst>
   </p:cSld>
@@ -5723,7 +5760,7 @@
                   <a:schemeClr val="tx1"/>
                 </a:solidFill>
               </a:rPr>
-              <a:t>12</a:t>
+              <a:t>10</a:t>
             </a:r>
             <a:endParaRPr lang="en-AU" sz="2000" dirty="0">
               <a:solidFill>
@@ -5781,7 +5818,7 @@
             <a:pPr algn="ctr"/>
             <a:r>
               <a:rPr lang="en-AU" sz="2800" dirty="0" smtClean="0"/>
-              <a:t>Edit a File Name</a:t>
+              <a:t>Open my Picture File</a:t>
             </a:r>
             <a:endParaRPr lang="en-AU" sz="2800" dirty="0"/>
           </a:p>
@@ -5841,35 +5878,7 @@
                   <a:schemeClr val="tx1"/>
                 </a:solidFill>
               </a:rPr>
-              <a:t>As a Media Vault user, I want to edit a file name so that:</a:t>
-            </a:r>
-          </a:p>
-          <a:p>
-            <a:pPr marL="342900" indent="-342900">
-              <a:buFont typeface="Arial" charset="0"/>
-              <a:buChar char="•"/>
-            </a:pPr>
-            <a:r>
-              <a:rPr lang="en-AU" sz="2400" dirty="0" smtClean="0">
-                <a:solidFill>
-                  <a:schemeClr val="tx1"/>
-                </a:solidFill>
-              </a:rPr>
-              <a:t>It can have the appropriate credentials; and</a:t>
-            </a:r>
-          </a:p>
-          <a:p>
-            <a:pPr marL="342900" indent="-342900">
-              <a:buFont typeface="Arial" charset="0"/>
-              <a:buChar char="•"/>
-            </a:pPr>
-            <a:r>
-              <a:rPr lang="en-AU" sz="2400" dirty="0" smtClean="0">
-                <a:solidFill>
-                  <a:schemeClr val="tx1"/>
-                </a:solidFill>
-              </a:rPr>
-              <a:t>Search and sort functionality will catch these files</a:t>
+              <a:t>As a Media Vault user, I want to open my file so that I can view it.</a:t>
             </a:r>
           </a:p>
           <a:p>
@@ -5960,8 +5969,28 @@
                   <a:schemeClr val="tx1"/>
                 </a:solidFill>
               </a:rPr>
-              <a:t>The file name will change upon the user editing it.</a:t>
-            </a:r>
+              <a:t>The file will open once clicked, a picture should display</a:t>
+            </a:r>
+          </a:p>
+          <a:p>
+            <a:pPr marL="179388" indent="-179388">
+              <a:buFont typeface="Arial" pitchFamily="34" charset="0"/>
+              <a:buChar char="•"/>
+            </a:pPr>
+            <a:r>
+              <a:rPr lang="en-AU" sz="2000" dirty="0">
+                <a:solidFill>
+                  <a:schemeClr val="tx1"/>
+                </a:solidFill>
+              </a:rPr>
+              <a:t>There should a home button, so that the user</a:t>
+            </a:r>
+          </a:p>
+          <a:p>
+            <a:pPr marL="179388" indent="-179388">
+              <a:buFont typeface="Arial" pitchFamily="34" charset="0"/>
+              <a:buChar char="•"/>
+            </a:pPr>
             <a:endParaRPr lang="en-AU" sz="2000" dirty="0" smtClean="0">
               <a:solidFill>
                 <a:schemeClr val="tx1"/>
@@ -6024,7 +6053,7 @@
                   <a:schemeClr val="tx1"/>
                 </a:solidFill>
               </a:rPr>
-              <a:t>4</a:t>
+              <a:t>1</a:t>
             </a:r>
             <a:endParaRPr lang="en-AU" sz="2000" dirty="0">
               <a:solidFill>
@@ -6089,7 +6118,7 @@
                   <a:schemeClr val="tx1"/>
                 </a:solidFill>
               </a:rPr>
-              <a:t>Should</a:t>
+              <a:t>Must</a:t>
             </a:r>
             <a:endParaRPr lang="en-AU" sz="2000" dirty="0">
               <a:solidFill>
@@ -6163,7 +6192,7 @@
     </p:spTree>
     <p:extLst>
       <p:ext uri="{BB962C8B-B14F-4D97-AF65-F5344CB8AC3E}">
-        <p14:creationId xmlns:p14="http://schemas.microsoft.com/office/powerpoint/2010/main" val="1538368623"/>
+        <p14:creationId xmlns:p14="http://schemas.microsoft.com/office/powerpoint/2010/main" val="1520526948"/>
       </p:ext>
     </p:extLst>
   </p:cSld>
@@ -6253,7 +6282,7 @@
                   <a:schemeClr val="tx1"/>
                 </a:solidFill>
               </a:rPr>
-              <a:t>13</a:t>
+              <a:t>11</a:t>
             </a:r>
             <a:endParaRPr lang="en-AU" sz="2000" dirty="0">
               <a:solidFill>
@@ -6311,7 +6340,7 @@
             <a:pPr algn="ctr"/>
             <a:r>
               <a:rPr lang="en-AU" sz="2800" dirty="0" smtClean="0"/>
-              <a:t>Search a File</a:t>
+              <a:t>Delete a File</a:t>
             </a:r>
             <a:endParaRPr lang="en-AU" sz="2800" dirty="0"/>
           </a:p>
@@ -6371,7 +6400,7 @@
                   <a:schemeClr val="tx1"/>
                 </a:solidFill>
               </a:rPr>
-              <a:t>As a Media Vault user, I want to search through my files so that I can find specific files quicker.</a:t>
+              <a:t>As a Media Vault user, I want to have website functions that would allow me to delete a file so that I can free up my storage space or remove the file if I no longer need it.</a:t>
             </a:r>
           </a:p>
           <a:p>
@@ -6462,7 +6491,35 @@
                   <a:schemeClr val="tx1"/>
                 </a:solidFill>
               </a:rPr>
-              <a:t>The current view of the files will filter according to the user’s search terms</a:t>
+              <a:t>Once the user clicks the delete button an “are you sure?” message should appear</a:t>
+            </a:r>
+          </a:p>
+          <a:p>
+            <a:pPr marL="179388" indent="-179388">
+              <a:buFont typeface="Arial" pitchFamily="34" charset="0"/>
+              <a:buChar char="•"/>
+            </a:pPr>
+            <a:r>
+              <a:rPr lang="en-AU" sz="2000" dirty="0" smtClean="0">
+                <a:solidFill>
+                  <a:schemeClr val="tx1"/>
+                </a:solidFill>
+              </a:rPr>
+              <a:t>The file is delete if they clicked yes</a:t>
+            </a:r>
+          </a:p>
+          <a:p>
+            <a:pPr marL="179388" indent="-179388">
+              <a:buFont typeface="Arial" pitchFamily="34" charset="0"/>
+              <a:buChar char="•"/>
+            </a:pPr>
+            <a:r>
+              <a:rPr lang="en-AU" sz="2000" dirty="0" smtClean="0">
+                <a:solidFill>
+                  <a:schemeClr val="tx1"/>
+                </a:solidFill>
+              </a:rPr>
+              <a:t>The file remains there if they click no </a:t>
             </a:r>
             <a:endParaRPr lang="en-AU" sz="2000" dirty="0" smtClean="0">
               <a:solidFill>
@@ -6591,7 +6648,7 @@
                   <a:schemeClr val="tx1"/>
                 </a:solidFill>
               </a:rPr>
-              <a:t>Should</a:t>
+              <a:t>Must</a:t>
             </a:r>
             <a:endParaRPr lang="en-AU" sz="2000" dirty="0">
               <a:solidFill>
@@ -6665,7 +6722,7 @@
     </p:spTree>
     <p:extLst>
       <p:ext uri="{BB962C8B-B14F-4D97-AF65-F5344CB8AC3E}">
-        <p14:creationId xmlns:p14="http://schemas.microsoft.com/office/powerpoint/2010/main" val="576746551"/>
+        <p14:creationId xmlns:p14="http://schemas.microsoft.com/office/powerpoint/2010/main" val="1089856927"/>
       </p:ext>
     </p:extLst>
   </p:cSld>
@@ -6755,7 +6812,7 @@
                   <a:schemeClr val="tx1"/>
                 </a:solidFill>
               </a:rPr>
-              <a:t>14</a:t>
+              <a:t>12</a:t>
             </a:r>
             <a:endParaRPr lang="en-AU" sz="2000" dirty="0">
               <a:solidFill>
@@ -6779,6 +6836,9 @@
           <a:prstGeom prst="rect">
             <a:avLst/>
           </a:prstGeom>
+          <a:solidFill>
+            <a:schemeClr val="accent3"/>
+          </a:solidFill>
           <a:ln>
             <a:solidFill>
               <a:schemeClr val="accent1">
@@ -6810,7 +6870,7 @@
             <a:pPr algn="ctr"/>
             <a:r>
               <a:rPr lang="en-AU" sz="2800" dirty="0" smtClean="0"/>
-              <a:t>Add Meta Data to Uploaded File</a:t>
+              <a:t>Edit a File Name</a:t>
             </a:r>
             <a:endParaRPr lang="en-AU" sz="2800" dirty="0"/>
           </a:p>
@@ -6870,14 +6930,27 @@
                   <a:schemeClr val="tx1"/>
                 </a:solidFill>
               </a:rPr>
-              <a:t>As a Media Vault user, I want to add user friendly meta data to a file I have uploaded so that this file will appear when I search my files with similar meta data.</a:t>
-            </a:r>
+              <a:t>As a Media Vault user, I want to edit a file name so that I can rename it to a different name.</a:t>
+            </a:r>
+          </a:p>
+          <a:p>
             <a:endParaRPr lang="en-AU" sz="2400" dirty="0" smtClean="0">
               <a:solidFill>
                 <a:schemeClr val="tx1"/>
               </a:solidFill>
             </a:endParaRPr>
           </a:p>
+          <a:p>
+            <a:pPr marL="342900" indent="-342900">
+              <a:buFont typeface="Arial" charset="0"/>
+              <a:buChar char="•"/>
+            </a:pPr>
+            <a:endParaRPr lang="en-AU" sz="2400" dirty="0" smtClean="0">
+              <a:solidFill>
+                <a:schemeClr val="tx1"/>
+              </a:solidFill>
+            </a:endParaRPr>
+          </a:p>
         </p:txBody>
       </p:sp>
       <p:sp>
@@ -6948,7 +7021,7 @@
                   <a:schemeClr val="tx1"/>
                 </a:solidFill>
               </a:rPr>
-              <a:t>The user can add certain information (meta data) to uploaded files</a:t>
+              <a:t>The user will click a rename button</a:t>
             </a:r>
           </a:p>
           <a:p>
@@ -6962,7 +7035,7 @@
                   <a:schemeClr val="tx1"/>
                 </a:solidFill>
               </a:rPr>
-              <a:t>Performing a search with similar meta data should reveal the relevant files</a:t>
+              <a:t>The file name will change upon the user editing it</a:t>
             </a:r>
             <a:endParaRPr lang="en-AU" sz="2000" dirty="0" smtClean="0">
               <a:solidFill>
@@ -7026,7 +7099,7 @@
                   <a:schemeClr val="tx1"/>
                 </a:solidFill>
               </a:rPr>
-              <a:t>4</a:t>
+              <a:t>1</a:t>
             </a:r>
             <a:endParaRPr lang="en-AU" sz="2000" dirty="0">
               <a:solidFill>
@@ -7091,7 +7164,7 @@
                   <a:schemeClr val="tx1"/>
                 </a:solidFill>
               </a:rPr>
-              <a:t>Must</a:t>
+              <a:t>Should</a:t>
             </a:r>
             <a:endParaRPr lang="en-AU" sz="2000" dirty="0">
               <a:solidFill>
@@ -7154,21 +7227,7 @@
               </a:rPr>
               <a:t>Notes</a:t>
             </a:r>
-          </a:p>
-          <a:p>
-            <a:pPr marL="179388" indent="-179388">
-              <a:buFont typeface="Arial" pitchFamily="34" charset="0"/>
-              <a:buChar char="•"/>
-            </a:pPr>
-            <a:r>
-              <a:rPr lang="en-AU" sz="2000" dirty="0" smtClean="0">
-                <a:solidFill>
-                  <a:schemeClr val="tx1"/>
-                </a:solidFill>
-              </a:rPr>
-              <a:t> </a:t>
-            </a:r>
-            <a:endParaRPr lang="en-AU" sz="2000" dirty="0">
+            <a:endParaRPr lang="en-AU" sz="2000" dirty="0" smtClean="0">
               <a:solidFill>
                 <a:schemeClr val="tx1"/>
               </a:solidFill>
@@ -7179,7 +7238,7 @@
     </p:spTree>
     <p:extLst>
       <p:ext uri="{BB962C8B-B14F-4D97-AF65-F5344CB8AC3E}">
-        <p14:creationId xmlns:p14="http://schemas.microsoft.com/office/powerpoint/2010/main" val="953932189"/>
+        <p14:creationId xmlns:p14="http://schemas.microsoft.com/office/powerpoint/2010/main" val="1538368623"/>
       </p:ext>
     </p:extLst>
   </p:cSld>
@@ -7269,7 +7328,7 @@
                   <a:schemeClr val="tx1"/>
                 </a:solidFill>
               </a:rPr>
-              <a:t>15</a:t>
+              <a:t>13</a:t>
             </a:r>
             <a:endParaRPr lang="en-AU" sz="2000" dirty="0">
               <a:solidFill>
@@ -7293,6 +7352,9 @@
           <a:prstGeom prst="rect">
             <a:avLst/>
           </a:prstGeom>
+          <a:solidFill>
+            <a:schemeClr val="accent3"/>
+          </a:solidFill>
           <a:ln>
             <a:solidFill>
               <a:schemeClr val="accent1">
@@ -7324,7 +7386,7 @@
             <a:pPr algn="ctr"/>
             <a:r>
               <a:rPr lang="en-AU" sz="2800" dirty="0" smtClean="0"/>
-              <a:t>Edit Meta Data from Uploaded File</a:t>
+              <a:t>Search a File</a:t>
             </a:r>
             <a:endParaRPr lang="en-AU" sz="2800" dirty="0"/>
           </a:p>
@@ -7384,14 +7446,27 @@
                   <a:schemeClr val="tx1"/>
                 </a:solidFill>
               </a:rPr>
-              <a:t>As a Media Vault user, I want to edit user friendly meta data to a file I have uploaded so that this file will appear when I search my files with similar meta data.</a:t>
-            </a:r>
+              <a:t>As a Media Vault user, I want to search through my files so that I can find specific files quicker.</a:t>
+            </a:r>
+          </a:p>
+          <a:p>
             <a:endParaRPr lang="en-AU" sz="2400" dirty="0" smtClean="0">
               <a:solidFill>
                 <a:schemeClr val="tx1"/>
               </a:solidFill>
             </a:endParaRPr>
           </a:p>
+          <a:p>
+            <a:pPr marL="342900" indent="-342900">
+              <a:buFont typeface="Arial" charset="0"/>
+              <a:buChar char="•"/>
+            </a:pPr>
+            <a:endParaRPr lang="en-AU" sz="2400" dirty="0" smtClean="0">
+              <a:solidFill>
+                <a:schemeClr val="tx1"/>
+              </a:solidFill>
+            </a:endParaRPr>
+          </a:p>
         </p:txBody>
       </p:sp>
       <p:sp>
@@ -7462,7 +7537,7 @@
                   <a:schemeClr val="tx1"/>
                 </a:solidFill>
               </a:rPr>
-              <a:t>The user can add certain information (meta data) to uploaded files</a:t>
+              <a:t>There will be a search box at the top</a:t>
             </a:r>
           </a:p>
           <a:p>
@@ -7476,7 +7551,7 @@
                   <a:schemeClr val="tx1"/>
                 </a:solidFill>
               </a:rPr>
-              <a:t>Performing a search with similar meta data should reveal the relevant files</a:t>
+              <a:t>The user will enter search terms and click ”Search”</a:t>
             </a:r>
             <a:endParaRPr lang="en-AU" sz="2000" dirty="0" smtClean="0">
               <a:solidFill>
@@ -7484,6 +7559,25 @@
               </a:solidFill>
             </a:endParaRPr>
           </a:p>
+          <a:p>
+            <a:pPr marL="179388" indent="-179388">
+              <a:buFont typeface="Arial" pitchFamily="34" charset="0"/>
+              <a:buChar char="•"/>
+            </a:pPr>
+            <a:r>
+              <a:rPr lang="en-AU" sz="2000" dirty="0" smtClean="0">
+                <a:solidFill>
+                  <a:schemeClr val="tx1"/>
+                </a:solidFill>
+              </a:rPr>
+              <a:t>The current view of the files will filter according to the user’s search terms</a:t>
+            </a:r>
+            <a:endParaRPr lang="en-AU" sz="2000" dirty="0" smtClean="0">
+              <a:solidFill>
+                <a:schemeClr val="tx1"/>
+              </a:solidFill>
+            </a:endParaRPr>
+          </a:p>
         </p:txBody>
       </p:sp>
       <p:sp>
@@ -7540,7 +7634,7 @@
                   <a:schemeClr val="tx1"/>
                 </a:solidFill>
               </a:rPr>
-              <a:t>2</a:t>
+              <a:t>1</a:t>
             </a:r>
             <a:endParaRPr lang="en-AU" sz="2000" dirty="0">
               <a:solidFill>
@@ -7605,7 +7699,7 @@
                   <a:schemeClr val="tx1"/>
                 </a:solidFill>
               </a:rPr>
-              <a:t>Should</a:t>
+              <a:t>Must</a:t>
             </a:r>
             <a:endParaRPr lang="en-AU" sz="2000" dirty="0">
               <a:solidFill>
@@ -7668,21 +7762,7 @@
               </a:rPr>
               <a:t>Notes</a:t>
             </a:r>
-          </a:p>
-          <a:p>
-            <a:pPr marL="179388" indent="-179388">
-              <a:buFont typeface="Arial" pitchFamily="34" charset="0"/>
-              <a:buChar char="•"/>
-            </a:pPr>
-            <a:r>
-              <a:rPr lang="en-AU" sz="2000" dirty="0" smtClean="0">
-                <a:solidFill>
-                  <a:schemeClr val="tx1"/>
-                </a:solidFill>
-              </a:rPr>
-              <a:t> </a:t>
-            </a:r>
-            <a:endParaRPr lang="en-AU" sz="2000" dirty="0">
+            <a:endParaRPr lang="en-AU" sz="2000" dirty="0" smtClean="0">
               <a:solidFill>
                 <a:schemeClr val="tx1"/>
               </a:solidFill>
@@ -7693,7 +7773,7 @@
     </p:spTree>
     <p:extLst>
       <p:ext uri="{BB962C8B-B14F-4D97-AF65-F5344CB8AC3E}">
-        <p14:creationId xmlns:p14="http://schemas.microsoft.com/office/powerpoint/2010/main" val="318530055"/>
+        <p14:creationId xmlns:p14="http://schemas.microsoft.com/office/powerpoint/2010/main" val="576746551"/>
       </p:ext>
     </p:extLst>
   </p:cSld>
@@ -7783,7 +7863,7 @@
                   <a:schemeClr val="tx1"/>
                 </a:solidFill>
               </a:rPr>
-              <a:t>16</a:t>
+              <a:t>14</a:t>
             </a:r>
             <a:endParaRPr lang="en-AU" sz="2000" dirty="0">
               <a:solidFill>
@@ -7838,7 +7918,7 @@
             <a:pPr algn="ctr"/>
             <a:r>
               <a:rPr lang="en-AU" sz="2800" dirty="0" smtClean="0"/>
-              <a:t>Add Meta Data when Uploading File</a:t>
+              <a:t>Add/Edit Meta Data to Uploaded File</a:t>
             </a:r>
             <a:endParaRPr lang="en-AU" sz="2800" dirty="0"/>
           </a:p>
@@ -7898,7 +7978,7 @@
                   <a:schemeClr val="tx1"/>
                 </a:solidFill>
               </a:rPr>
-              <a:t>As a Media Vault user, I want to add automatic or manual information (meta data) to a file that I am uploading, so that performing a search with similar meta data will reveal these files.</a:t>
+              <a:t>As a Media Vault user, I want to add/edit user friendly meta data to a file I have uploaded so that this file will appear when I search my files with similar meta data.</a:t>
             </a:r>
             <a:endParaRPr lang="en-AU" sz="2400" dirty="0" smtClean="0">
               <a:solidFill>
@@ -7976,7 +8056,7 @@
                   <a:schemeClr val="tx1"/>
                 </a:solidFill>
               </a:rPr>
-              <a:t>The user can add certain information (meta data) to uploaded files</a:t>
+              <a:t>The user can add certain information (meta data) to uploaded files when clicking the “category button”</a:t>
             </a:r>
           </a:p>
           <a:p>
@@ -7990,15 +8070,7 @@
                   <a:schemeClr val="tx1"/>
                 </a:solidFill>
               </a:rPr>
-              <a:t>Performing a search with similar meta data should reveal </a:t>
-            </a:r>
-            <a:r>
-              <a:rPr lang="en-AU" sz="2000" smtClean="0">
-                <a:solidFill>
-                  <a:schemeClr val="tx1"/>
-                </a:solidFill>
-              </a:rPr>
-              <a:t>the relevant files</a:t>
+              <a:t>Performing a search with similar meta data should reveal the relevant files</a:t>
             </a:r>
             <a:endParaRPr lang="en-AU" sz="2000" dirty="0" smtClean="0">
               <a:solidFill>
@@ -8062,7 +8134,7 @@
                   <a:schemeClr val="tx1"/>
                 </a:solidFill>
               </a:rPr>
-              <a:t>4</a:t>
+              <a:t>2</a:t>
             </a:r>
             <a:endParaRPr lang="en-AU" sz="2000" dirty="0">
               <a:solidFill>
@@ -8215,7 +8287,7 @@
     </p:spTree>
     <p:extLst>
       <p:ext uri="{BB962C8B-B14F-4D97-AF65-F5344CB8AC3E}">
-        <p14:creationId xmlns:p14="http://schemas.microsoft.com/office/powerpoint/2010/main" val="1524660529"/>
+        <p14:creationId xmlns:p14="http://schemas.microsoft.com/office/powerpoint/2010/main" val="953932189"/>
       </p:ext>
     </p:extLst>
   </p:cSld>
@@ -8305,7 +8377,7 @@
                   <a:schemeClr val="tx1"/>
                 </a:solidFill>
               </a:rPr>
-              <a:t>17</a:t>
+              <a:t>16</a:t>
             </a:r>
             <a:endParaRPr lang="en-AU" sz="2000" dirty="0">
               <a:solidFill>
@@ -8359,10 +8431,10 @@
           <a:p>
             <a:pPr algn="ctr"/>
             <a:r>
-              <a:rPr lang="en-AU" sz="2800" dirty="0" smtClean="0"/>
-              <a:t>Sort my Files</a:t>
-            </a:r>
-            <a:endParaRPr lang="en-AU" sz="2800" dirty="0"/>
+              <a:rPr lang="en-AU" sz="2000" dirty="0" smtClean="0"/>
+              <a:t>Manually Add Meta Data when Uploading File</a:t>
+            </a:r>
+            <a:endParaRPr lang="en-AU" sz="2000" dirty="0"/>
           </a:p>
         </p:txBody>
       </p:sp>
@@ -8420,7 +8492,7 @@
                   <a:schemeClr val="tx1"/>
                 </a:solidFill>
               </a:rPr>
-              <a:t>As a Media Vault user, I want to sort my files by a specific criteria, so that I can organise and easily access specific files.</a:t>
+              <a:t>As a Media Vault user, I want to add manual information (meta data) to a file that I am uploading, so that performing a search with similar meta data will reveal these files.</a:t>
             </a:r>
             <a:endParaRPr lang="en-AU" sz="2400" dirty="0" smtClean="0">
               <a:solidFill>
@@ -8498,11 +8570,11 @@
                   <a:schemeClr val="tx1"/>
                 </a:solidFill>
               </a:rPr>
-              <a:t>The user can sort their files in ascending, descending or alphabetical by:</a:t>
-            </a:r>
-          </a:p>
-          <a:p>
-            <a:pPr marL="636588" lvl="1" indent="-179388">
+              <a:t>The user will be asked if they want to add meta data manually once they upload the file</a:t>
+            </a:r>
+          </a:p>
+          <a:p>
+            <a:pPr marL="179388" indent="-179388">
               <a:buFont typeface="Arial" pitchFamily="34" charset="0"/>
               <a:buChar char="•"/>
             </a:pPr>
@@ -8512,7 +8584,7 @@
                   <a:schemeClr val="tx1"/>
                 </a:solidFill>
               </a:rPr>
-              <a:t>Date, name, file type or meta data</a:t>
+              <a:t>Performing a search with similar meta data should reveal the relevant files</a:t>
             </a:r>
             <a:endParaRPr lang="en-AU" sz="2000" dirty="0" smtClean="0">
               <a:solidFill>
@@ -8576,7 +8648,7 @@
                   <a:schemeClr val="tx1"/>
                 </a:solidFill>
               </a:rPr>
-              <a:t>4</a:t>
+              <a:t>1</a:t>
             </a:r>
             <a:endParaRPr lang="en-AU" sz="2000" dirty="0">
               <a:solidFill>
@@ -8641,7 +8713,7 @@
                   <a:schemeClr val="tx1"/>
                 </a:solidFill>
               </a:rPr>
-              <a:t>Should</a:t>
+              <a:t>Must</a:t>
             </a:r>
             <a:endParaRPr lang="en-AU" sz="2000" dirty="0">
               <a:solidFill>
@@ -8729,7 +8801,7 @@
     </p:spTree>
     <p:extLst>
       <p:ext uri="{BB962C8B-B14F-4D97-AF65-F5344CB8AC3E}">
-        <p14:creationId xmlns:p14="http://schemas.microsoft.com/office/powerpoint/2010/main" val="2005386061"/>
+        <p14:creationId xmlns:p14="http://schemas.microsoft.com/office/powerpoint/2010/main" val="1524660529"/>
       </p:ext>
     </p:extLst>
   </p:cSld>
@@ -9333,7 +9405,7 @@
                   <a:schemeClr val="tx1"/>
                 </a:solidFill>
               </a:rPr>
-              <a:t>18</a:t>
+              <a:t>16B</a:t>
             </a:r>
             <a:endParaRPr lang="en-AU" sz="2000" dirty="0">
               <a:solidFill>
@@ -9387,10 +9459,10 @@
           <a:p>
             <a:pPr algn="ctr"/>
             <a:r>
-              <a:rPr lang="en-AU" sz="2800" dirty="0" smtClean="0"/>
-              <a:t>View Account Details</a:t>
-            </a:r>
-            <a:endParaRPr lang="en-AU" sz="2800" dirty="0"/>
+              <a:rPr lang="en-AU" sz="2000" dirty="0" smtClean="0"/>
+              <a:t>Automatically Add Meta Data when Uploading File</a:t>
+            </a:r>
+            <a:endParaRPr lang="en-AU" sz="2000" dirty="0"/>
           </a:p>
         </p:txBody>
       </p:sp>
@@ -9448,35 +9520,7 @@
                   <a:schemeClr val="tx1"/>
                 </a:solidFill>
               </a:rPr>
-              <a:t>As a Media Vault user, I want to update my password and email, so that: </a:t>
-            </a:r>
-          </a:p>
-          <a:p>
-            <a:pPr marL="342900" indent="-342900">
-              <a:buFont typeface="Arial" charset="0"/>
-              <a:buChar char="•"/>
-            </a:pPr>
-            <a:r>
-              <a:rPr lang="en-AU" sz="2400" dirty="0" smtClean="0">
-                <a:solidFill>
-                  <a:schemeClr val="tx1"/>
-                </a:solidFill>
-              </a:rPr>
-              <a:t>I can keep my account secure; and </a:t>
-            </a:r>
-          </a:p>
-          <a:p>
-            <a:pPr marL="342900" indent="-342900">
-              <a:buFont typeface="Arial" charset="0"/>
-              <a:buChar char="•"/>
-            </a:pPr>
-            <a:r>
-              <a:rPr lang="en-AU" sz="2400" dirty="0" smtClean="0">
-                <a:solidFill>
-                  <a:schemeClr val="tx1"/>
-                </a:solidFill>
-              </a:rPr>
-              <a:t>Any email correspondence from Media Vault can be sent to the correct email</a:t>
+              <a:t>As a Media Vault user, I want to automatically add information (meta data) to a file that I am uploading, so that performing a search with similar meta data will reveal these files.</a:t>
             </a:r>
             <a:endParaRPr lang="en-AU" sz="2400" dirty="0" smtClean="0">
               <a:solidFill>
@@ -9554,15 +9598,7 @@
                   <a:schemeClr val="tx1"/>
                 </a:solidFill>
               </a:rPr>
-              <a:t> </a:t>
-            </a:r>
-            <a:r>
-              <a:rPr lang="en-AU" sz="2000" dirty="0" smtClean="0">
-                <a:solidFill>
-                  <a:schemeClr val="tx1"/>
-                </a:solidFill>
-              </a:rPr>
-              <a:t>The home page has a register account button</a:t>
+              <a:t>The meta data will automatically be grabbed off the file details that are being uploaded</a:t>
             </a:r>
           </a:p>
           <a:p>
@@ -9576,35 +9612,7 @@
                   <a:schemeClr val="tx1"/>
                 </a:solidFill>
               </a:rPr>
-              <a:t>The Media Vault user can enter in their email and password</a:t>
-            </a:r>
-          </a:p>
-          <a:p>
-            <a:pPr marL="179388" indent="-179388">
-              <a:buFont typeface="Arial" pitchFamily="34" charset="0"/>
-              <a:buChar char="•"/>
-            </a:pPr>
-            <a:r>
-              <a:rPr lang="en-AU" sz="2000" dirty="0" smtClean="0">
-                <a:solidFill>
-                  <a:schemeClr val="tx1"/>
-                </a:solidFill>
-              </a:rPr>
-              <a:t>A verification email will be sent to that email</a:t>
-            </a:r>
-          </a:p>
-          <a:p>
-            <a:pPr marL="179388" indent="-179388">
-              <a:buFont typeface="Arial" pitchFamily="34" charset="0"/>
-              <a:buChar char="•"/>
-            </a:pPr>
-            <a:r>
-              <a:rPr lang="en-AU" sz="2000" dirty="0" smtClean="0">
-                <a:solidFill>
-                  <a:schemeClr val="tx1"/>
-                </a:solidFill>
-              </a:rPr>
-              <a:t>The Media Vault user can log in</a:t>
+              <a:t>Performing a search with similar meta data should reveal the relevant files</a:t>
             </a:r>
             <a:endParaRPr lang="en-AU" sz="2000" dirty="0" smtClean="0">
               <a:solidFill>
@@ -9668,7 +9676,7 @@
                   <a:schemeClr val="tx1"/>
                 </a:solidFill>
               </a:rPr>
-              <a:t>4</a:t>
+              <a:t>2</a:t>
             </a:r>
             <a:endParaRPr lang="en-AU" sz="2000" dirty="0">
               <a:solidFill>
@@ -9733,7 +9741,7 @@
                   <a:schemeClr val="tx1"/>
                 </a:solidFill>
               </a:rPr>
-              <a:t>Could</a:t>
+              <a:t>Must</a:t>
             </a:r>
             <a:endParaRPr lang="en-AU" sz="2000" dirty="0">
               <a:solidFill>
@@ -9821,7 +9829,7 @@
     </p:spTree>
     <p:extLst>
       <p:ext uri="{BB962C8B-B14F-4D97-AF65-F5344CB8AC3E}">
-        <p14:creationId xmlns:p14="http://schemas.microsoft.com/office/powerpoint/2010/main" val="375447048"/>
+        <p14:creationId xmlns:p14="http://schemas.microsoft.com/office/powerpoint/2010/main" val="1565425150"/>
       </p:ext>
     </p:extLst>
   </p:cSld>
@@ -9911,7 +9919,7 @@
                   <a:schemeClr val="tx1"/>
                 </a:solidFill>
               </a:rPr>
-              <a:t>19</a:t>
+              <a:t>17</a:t>
             </a:r>
             <a:endParaRPr lang="en-AU" sz="2000" dirty="0">
               <a:solidFill>
@@ -9966,7 +9974,15 @@
             <a:pPr algn="ctr"/>
             <a:r>
               <a:rPr lang="en-AU" sz="2800" dirty="0" smtClean="0"/>
-              <a:t>Reset my Password if Forgotten</a:t>
+              <a:t>Sort my Files </a:t>
+            </a:r>
+            <a:r>
+              <a:rPr lang="mr-IN" sz="2800" dirty="0" smtClean="0"/>
+              <a:t>–</a:t>
+            </a:r>
+            <a:r>
+              <a:rPr lang="en-AU" sz="2800" dirty="0" smtClean="0"/>
+              <a:t> By Meta Data</a:t>
             </a:r>
             <a:endParaRPr lang="en-AU" sz="2800" dirty="0"/>
           </a:p>
@@ -9980,7 +9996,7 @@
         </p:nvSpPr>
         <p:spPr>
           <a:xfrm>
-            <a:off x="39153" y="803997"/>
+            <a:off x="39153" y="822470"/>
             <a:ext cx="9828000" cy="2340000"/>
           </a:xfrm>
           <a:prstGeom prst="rect">
@@ -10026,7 +10042,7 @@
                   <a:schemeClr val="tx1"/>
                 </a:solidFill>
               </a:rPr>
-              <a:t>As a Media Vault user, I want to reset my password if I have forgotten it, so I can change it to a new password and log into my Media Vault to access my files.</a:t>
+              <a:t>As a Media Vault user, I want to sort my files by meta data, so that I can organise and easily access specific files.</a:t>
             </a:r>
             <a:endParaRPr lang="en-AU" sz="2400" dirty="0" smtClean="0">
               <a:solidFill>
@@ -10104,15 +10120,7 @@
                   <a:schemeClr val="tx1"/>
                 </a:solidFill>
               </a:rPr>
-              <a:t> </a:t>
-            </a:r>
-            <a:r>
-              <a:rPr lang="en-AU" sz="2000" dirty="0" smtClean="0">
-                <a:solidFill>
-                  <a:schemeClr val="tx1"/>
-                </a:solidFill>
-              </a:rPr>
-              <a:t>The user will receive a reset password link to their email, letting them pick a new password</a:t>
+              <a:t>The user will click a sort by meta data button</a:t>
             </a:r>
           </a:p>
           <a:p>
@@ -10126,7 +10134,7 @@
                   <a:schemeClr val="tx1"/>
                 </a:solidFill>
               </a:rPr>
-              <a:t>They can then log in</a:t>
+              <a:t>The files should be sorted by the meta data</a:t>
             </a:r>
             <a:endParaRPr lang="en-AU" sz="2000" dirty="0" smtClean="0">
               <a:solidFill>
@@ -10190,7 +10198,7 @@
                   <a:schemeClr val="tx1"/>
                 </a:solidFill>
               </a:rPr>
-              <a:t>4</a:t>
+              <a:t>1</a:t>
             </a:r>
             <a:endParaRPr lang="en-AU" sz="2000" dirty="0">
               <a:solidFill>
@@ -10343,7 +10351,7 @@
     </p:spTree>
     <p:extLst>
       <p:ext uri="{BB962C8B-B14F-4D97-AF65-F5344CB8AC3E}">
-        <p14:creationId xmlns:p14="http://schemas.microsoft.com/office/powerpoint/2010/main" val="507449682"/>
+        <p14:creationId xmlns:p14="http://schemas.microsoft.com/office/powerpoint/2010/main" val="2005386061"/>
       </p:ext>
     </p:extLst>
   </p:cSld>
@@ -10433,7 +10441,7 @@
                   <a:schemeClr val="tx1"/>
                 </a:solidFill>
               </a:rPr>
-              <a:t>20</a:t>
+              <a:t>17B</a:t>
             </a:r>
             <a:endParaRPr lang="en-AU" sz="2000" dirty="0">
               <a:solidFill>
@@ -10488,7 +10496,7 @@
             <a:pPr algn="ctr"/>
             <a:r>
               <a:rPr lang="en-AU" sz="2800" dirty="0" smtClean="0"/>
-              <a:t>Log Out</a:t>
+              <a:t>Sort my Files - By Name</a:t>
             </a:r>
             <a:endParaRPr lang="en-AU" sz="2800" dirty="0"/>
           </a:p>
@@ -10548,7 +10556,7 @@
                   <a:schemeClr val="tx1"/>
                 </a:solidFill>
               </a:rPr>
-              <a:t>As a Media Vault user, I want to log out of my account, so that nobody else can access my files when I have finished with Media Vault</a:t>
+              <a:t>As a Media Vault user, I want to sort my files by file name, so that I can organise and easily access specific files.</a:t>
             </a:r>
             <a:endParaRPr lang="en-AU" sz="2400" dirty="0" smtClean="0">
               <a:solidFill>
@@ -10621,21 +10629,59 @@
               <a:buChar char="•"/>
             </a:pPr>
             <a:r>
-              <a:rPr lang="en-AU" sz="2000" dirty="0" smtClean="0">
-                <a:solidFill>
-                  <a:schemeClr val="tx1"/>
-                </a:solidFill>
-              </a:rPr>
-              <a:t> </a:t>
-            </a:r>
-            <a:r>
-              <a:rPr lang="en-AU" sz="2000" dirty="0" smtClean="0">
-                <a:solidFill>
-                  <a:schemeClr val="tx1"/>
-                </a:solidFill>
-              </a:rPr>
-              <a:t>The User can no longer see their files once they have clicked a log out button</a:t>
-            </a:r>
+              <a:rPr lang="en-AU" sz="2000" dirty="0">
+                <a:solidFill>
+                  <a:schemeClr val="tx1"/>
+                </a:solidFill>
+              </a:rPr>
+              <a:t>The user will click a sort by </a:t>
+            </a:r>
+            <a:r>
+              <a:rPr lang="en-AU" sz="2000" dirty="0" smtClean="0">
+                <a:solidFill>
+                  <a:schemeClr val="tx1"/>
+                </a:solidFill>
+              </a:rPr>
+              <a:t>name button</a:t>
+            </a:r>
+            <a:endParaRPr lang="en-AU" sz="2000" dirty="0">
+              <a:solidFill>
+                <a:schemeClr val="tx1"/>
+              </a:solidFill>
+            </a:endParaRPr>
+          </a:p>
+          <a:p>
+            <a:pPr marL="179388" indent="-179388">
+              <a:buFont typeface="Arial" pitchFamily="34" charset="0"/>
+              <a:buChar char="•"/>
+            </a:pPr>
+            <a:r>
+              <a:rPr lang="en-AU" sz="2000" dirty="0">
+                <a:solidFill>
+                  <a:schemeClr val="tx1"/>
+                </a:solidFill>
+              </a:rPr>
+              <a:t>The files should be sorted by the </a:t>
+            </a:r>
+            <a:r>
+              <a:rPr lang="en-AU" sz="2000" dirty="0" smtClean="0">
+                <a:solidFill>
+                  <a:schemeClr val="tx1"/>
+                </a:solidFill>
+              </a:rPr>
+              <a:t>name</a:t>
+            </a:r>
+            <a:endParaRPr lang="en-AU" sz="2000" dirty="0">
+              <a:solidFill>
+                <a:schemeClr val="tx1"/>
+              </a:solidFill>
+            </a:endParaRPr>
+          </a:p>
+          <a:p>
+            <a:pPr marL="636588" lvl="1" indent="-179388">
+              <a:buFont typeface="Arial" pitchFamily="34" charset="0"/>
+              <a:buChar char="•"/>
+            </a:pPr>
             <a:endParaRPr lang="en-AU" sz="2000" dirty="0" smtClean="0">
               <a:solidFill>
                 <a:schemeClr val="tx1"/>
@@ -10698,7 +10744,7 @@
                   <a:schemeClr val="tx1"/>
                 </a:solidFill>
               </a:rPr>
-              <a:t>2</a:t>
+              <a:t>1</a:t>
             </a:r>
             <a:endParaRPr lang="en-AU" sz="2000" dirty="0">
               <a:solidFill>
@@ -10851,7 +10897,7 @@
     </p:spTree>
     <p:extLst>
       <p:ext uri="{BB962C8B-B14F-4D97-AF65-F5344CB8AC3E}">
-        <p14:creationId xmlns:p14="http://schemas.microsoft.com/office/powerpoint/2010/main" val="693245224"/>
+        <p14:creationId xmlns:p14="http://schemas.microsoft.com/office/powerpoint/2010/main" val="846654825"/>
       </p:ext>
     </p:extLst>
   </p:cSld>
@@ -10880,36 +10926,521 @@
       </p:grpSpPr>
       <p:sp>
         <p:nvSpPr>
-          <p:cNvPr id="2" name="Title 1"/>
-          <p:cNvSpPr>
-            <a:spLocks noGrp="1"/>
-          </p:cNvSpPr>
-          <p:nvPr>
-            <p:ph type="title"/>
-          </p:nvPr>
-        </p:nvSpPr>
-        <p:spPr>
-          <a:xfrm>
-            <a:off x="529805" y="2370857"/>
-            <a:ext cx="8915400" cy="1143000"/>
-          </a:xfrm>
-        </p:spPr>
-        <p:txBody>
-          <a:bodyPr/>
-          <a:lstStyle/>
-          <a:p>
-            <a:r>
-              <a:rPr lang="en-US" dirty="0" smtClean="0"/>
-              <a:t>Media Vault Desktop User</a:t>
-            </a:r>
-            <a:endParaRPr lang="en-US" dirty="0"/>
+          <p:cNvPr id="4" name="Rectangle 3"/>
+          <p:cNvSpPr/>
+          <p:nvPr/>
+        </p:nvSpPr>
+        <p:spPr>
+          <a:xfrm>
+            <a:off x="39153" y="109410"/>
+            <a:ext cx="720000" cy="540000"/>
+          </a:xfrm>
+          <a:prstGeom prst="rect">
+            <a:avLst/>
+          </a:prstGeom>
+          <a:solidFill>
+            <a:schemeClr val="accent1">
+              <a:lumMod val="40000"/>
+              <a:lumOff val="60000"/>
+            </a:schemeClr>
+          </a:solidFill>
+          <a:ln>
+            <a:solidFill>
+              <a:schemeClr val="accent1">
+                <a:lumMod val="50000"/>
+              </a:schemeClr>
+            </a:solidFill>
+          </a:ln>
+        </p:spPr>
+        <p:style>
+          <a:lnRef idx="2">
+            <a:schemeClr val="accent1">
+              <a:shade val="50000"/>
+            </a:schemeClr>
+          </a:lnRef>
+          <a:fillRef idx="1">
+            <a:schemeClr val="accent1"/>
+          </a:fillRef>
+          <a:effectRef idx="0">
+            <a:schemeClr val="accent1"/>
+          </a:effectRef>
+          <a:fontRef idx="minor">
+            <a:schemeClr val="lt1"/>
+          </a:fontRef>
+        </p:style>
+        <p:txBody>
+          <a:bodyPr wrap="square" lIns="0" rIns="0" rtlCol="0" anchor="ctr"/>
+          <a:lstStyle/>
+          <a:p>
+            <a:pPr algn="ctr"/>
+            <a:r>
+              <a:rPr lang="en-AU" sz="2000" dirty="0" smtClean="0">
+                <a:solidFill>
+                  <a:schemeClr val="tx1"/>
+                </a:solidFill>
+              </a:rPr>
+              <a:t>Story </a:t>
+            </a:r>
+            <a:r>
+              <a:rPr lang="en-AU" sz="2000" dirty="0" smtClean="0">
+                <a:solidFill>
+                  <a:schemeClr val="tx1"/>
+                </a:solidFill>
+              </a:rPr>
+              <a:t>17C</a:t>
+            </a:r>
+            <a:endParaRPr lang="en-AU" sz="2000" dirty="0">
+              <a:solidFill>
+                <a:schemeClr val="tx1"/>
+              </a:solidFill>
+            </a:endParaRPr>
+          </a:p>
+        </p:txBody>
+      </p:sp>
+      <p:sp>
+        <p:nvSpPr>
+          <p:cNvPr id="6" name="Rectangle 5"/>
+          <p:cNvSpPr/>
+          <p:nvPr/>
+        </p:nvSpPr>
+        <p:spPr>
+          <a:xfrm>
+            <a:off x="831153" y="109410"/>
+            <a:ext cx="7380000" cy="540000"/>
+          </a:xfrm>
+          <a:prstGeom prst="rect">
+            <a:avLst/>
+          </a:prstGeom>
+          <a:ln>
+            <a:solidFill>
+              <a:schemeClr val="accent1">
+                <a:lumMod val="50000"/>
+              </a:schemeClr>
+            </a:solidFill>
+          </a:ln>
+        </p:spPr>
+        <p:style>
+          <a:lnRef idx="2">
+            <a:schemeClr val="accent1">
+              <a:shade val="50000"/>
+            </a:schemeClr>
+          </a:lnRef>
+          <a:fillRef idx="1">
+            <a:schemeClr val="accent1"/>
+          </a:fillRef>
+          <a:effectRef idx="0">
+            <a:schemeClr val="accent1"/>
+          </a:effectRef>
+          <a:fontRef idx="minor">
+            <a:schemeClr val="lt1"/>
+          </a:fontRef>
+        </p:style>
+        <p:txBody>
+          <a:bodyPr rtlCol="0" anchor="ctr"/>
+          <a:lstStyle/>
+          <a:p>
+            <a:pPr algn="ctr"/>
+            <a:r>
+              <a:rPr lang="en-AU" sz="2800" dirty="0" smtClean="0"/>
+              <a:t>Sort my Files </a:t>
+            </a:r>
+            <a:r>
+              <a:rPr lang="mr-IN" sz="2800" dirty="0" smtClean="0"/>
+              <a:t>–</a:t>
+            </a:r>
+            <a:r>
+              <a:rPr lang="en-AU" sz="2800" dirty="0" smtClean="0"/>
+              <a:t> By Date</a:t>
+            </a:r>
+            <a:endParaRPr lang="en-AU" sz="2800" dirty="0"/>
+          </a:p>
+        </p:txBody>
+      </p:sp>
+      <p:sp>
+        <p:nvSpPr>
+          <p:cNvPr id="7" name="Rectangle 6"/>
+          <p:cNvSpPr/>
+          <p:nvPr/>
+        </p:nvSpPr>
+        <p:spPr>
+          <a:xfrm>
+            <a:off x="39153" y="822470"/>
+            <a:ext cx="9828000" cy="2340000"/>
+          </a:xfrm>
+          <a:prstGeom prst="rect">
+            <a:avLst/>
+          </a:prstGeom>
+          <a:solidFill>
+            <a:schemeClr val="tx2">
+              <a:lumMod val="20000"/>
+              <a:lumOff val="80000"/>
+            </a:schemeClr>
+          </a:solidFill>
+          <a:ln>
+            <a:solidFill>
+              <a:schemeClr val="accent1">
+                <a:lumMod val="50000"/>
+              </a:schemeClr>
+            </a:solidFill>
+          </a:ln>
+        </p:spPr>
+        <p:style>
+          <a:lnRef idx="2">
+            <a:schemeClr val="accent1">
+              <a:shade val="50000"/>
+            </a:schemeClr>
+          </a:lnRef>
+          <a:fillRef idx="1">
+            <a:schemeClr val="accent1"/>
+          </a:fillRef>
+          <a:effectRef idx="0">
+            <a:schemeClr val="accent1"/>
+          </a:effectRef>
+          <a:fontRef idx="minor">
+            <a:schemeClr val="lt1"/>
+          </a:fontRef>
+        </p:style>
+        <p:txBody>
+          <a:bodyPr rtlCol="0" anchor="t" anchorCtr="0"/>
+          <a:lstStyle/>
+          <a:p>
+            <a:r>
+              <a:rPr lang="en-AU" sz="2400" dirty="0" smtClean="0">
+                <a:solidFill>
+                  <a:schemeClr val="tx1"/>
+                </a:solidFill>
+              </a:rPr>
+              <a:t>As a Media Vault user, I want to sort my files by date uploaded, so that I can organise and easily access specific files.</a:t>
+            </a:r>
+            <a:endParaRPr lang="en-AU" sz="2400" dirty="0" smtClean="0">
+              <a:solidFill>
+                <a:schemeClr val="tx1"/>
+              </a:solidFill>
+            </a:endParaRPr>
+          </a:p>
+        </p:txBody>
+      </p:sp>
+      <p:sp>
+        <p:nvSpPr>
+          <p:cNvPr id="8" name="Rectangle 7"/>
+          <p:cNvSpPr/>
+          <p:nvPr/>
+        </p:nvSpPr>
+        <p:spPr>
+          <a:xfrm>
+            <a:off x="39153" y="3335530"/>
+            <a:ext cx="9828000" cy="1620000"/>
+          </a:xfrm>
+          <a:prstGeom prst="rect">
+            <a:avLst/>
+          </a:prstGeom>
+          <a:solidFill>
+            <a:schemeClr val="accent1">
+              <a:lumMod val="20000"/>
+              <a:lumOff val="80000"/>
+            </a:schemeClr>
+          </a:solidFill>
+          <a:ln>
+            <a:solidFill>
+              <a:schemeClr val="accent1">
+                <a:lumMod val="50000"/>
+              </a:schemeClr>
+            </a:solidFill>
+          </a:ln>
+        </p:spPr>
+        <p:style>
+          <a:lnRef idx="2">
+            <a:schemeClr val="accent1">
+              <a:shade val="50000"/>
+            </a:schemeClr>
+          </a:lnRef>
+          <a:fillRef idx="1">
+            <a:schemeClr val="accent1"/>
+          </a:fillRef>
+          <a:effectRef idx="0">
+            <a:schemeClr val="accent1"/>
+          </a:effectRef>
+          <a:fontRef idx="minor">
+            <a:schemeClr val="lt1"/>
+          </a:fontRef>
+        </p:style>
+        <p:txBody>
+          <a:bodyPr tIns="36000" rtlCol="0" anchor="t" anchorCtr="0"/>
+          <a:lstStyle/>
+          <a:p>
+            <a:r>
+              <a:rPr lang="en-AU" sz="2000" dirty="0" smtClean="0">
+                <a:solidFill>
+                  <a:schemeClr val="tx1"/>
+                </a:solidFill>
+              </a:rPr>
+              <a:t>Acceptance Criteria</a:t>
+            </a:r>
+          </a:p>
+          <a:p>
+            <a:pPr marL="179388" indent="-179388">
+              <a:buFont typeface="Arial" pitchFamily="34" charset="0"/>
+              <a:buChar char="•"/>
+            </a:pPr>
+            <a:r>
+              <a:rPr lang="en-AU" sz="2000" dirty="0">
+                <a:solidFill>
+                  <a:schemeClr val="tx1"/>
+                </a:solidFill>
+              </a:rPr>
+              <a:t>The user will click a sort by </a:t>
+            </a:r>
+            <a:r>
+              <a:rPr lang="en-AU" sz="2000" dirty="0" smtClean="0">
+                <a:solidFill>
+                  <a:schemeClr val="tx1"/>
+                </a:solidFill>
+              </a:rPr>
+              <a:t>date button</a:t>
+            </a:r>
+            <a:endParaRPr lang="en-AU" sz="2000" dirty="0">
+              <a:solidFill>
+                <a:schemeClr val="tx1"/>
+              </a:solidFill>
+            </a:endParaRPr>
+          </a:p>
+          <a:p>
+            <a:pPr marL="179388" indent="-179388">
+              <a:buFont typeface="Arial" pitchFamily="34" charset="0"/>
+              <a:buChar char="•"/>
+            </a:pPr>
+            <a:r>
+              <a:rPr lang="en-AU" sz="2000" dirty="0">
+                <a:solidFill>
+                  <a:schemeClr val="tx1"/>
+                </a:solidFill>
+              </a:rPr>
+              <a:t>The files should be sorted by </a:t>
+            </a:r>
+            <a:r>
+              <a:rPr lang="en-AU" sz="2000" dirty="0" smtClean="0">
+                <a:solidFill>
+                  <a:schemeClr val="tx1"/>
+                </a:solidFill>
+              </a:rPr>
+              <a:t>the date</a:t>
+            </a:r>
+            <a:endParaRPr lang="en-AU" sz="2000" dirty="0">
+              <a:solidFill>
+                <a:schemeClr val="tx1"/>
+              </a:solidFill>
+            </a:endParaRPr>
+          </a:p>
+        </p:txBody>
+      </p:sp>
+      <p:sp>
+        <p:nvSpPr>
+          <p:cNvPr id="11" name="Rectangle 10"/>
+          <p:cNvSpPr/>
+          <p:nvPr/>
+        </p:nvSpPr>
+        <p:spPr>
+          <a:xfrm>
+            <a:off x="9147153" y="109410"/>
+            <a:ext cx="720000" cy="540000"/>
+          </a:xfrm>
+          <a:prstGeom prst="rect">
+            <a:avLst/>
+          </a:prstGeom>
+          <a:solidFill>
+            <a:srgbClr val="CCF0CD">
+              <a:alpha val="20000"/>
+            </a:srgbClr>
+          </a:solidFill>
+          <a:ln>
+            <a:solidFill>
+              <a:schemeClr val="accent1">
+                <a:lumMod val="50000"/>
+              </a:schemeClr>
+            </a:solidFill>
+          </a:ln>
+        </p:spPr>
+        <p:style>
+          <a:lnRef idx="2">
+            <a:schemeClr val="accent1">
+              <a:shade val="50000"/>
+            </a:schemeClr>
+          </a:lnRef>
+          <a:fillRef idx="1">
+            <a:schemeClr val="accent1"/>
+          </a:fillRef>
+          <a:effectRef idx="0">
+            <a:schemeClr val="accent1"/>
+          </a:effectRef>
+          <a:fontRef idx="minor">
+            <a:schemeClr val="lt1"/>
+          </a:fontRef>
+        </p:style>
+        <p:txBody>
+          <a:bodyPr wrap="square" lIns="0" rIns="0" rtlCol="0" anchor="ctr"/>
+          <a:lstStyle/>
+          <a:p>
+            <a:pPr algn="ctr"/>
+            <a:r>
+              <a:rPr lang="en-AU" sz="2000" dirty="0" smtClean="0">
+                <a:solidFill>
+                  <a:schemeClr val="tx1"/>
+                </a:solidFill>
+              </a:rPr>
+              <a:t>1</a:t>
+            </a:r>
+            <a:endParaRPr lang="en-AU" sz="2000" dirty="0">
+              <a:solidFill>
+                <a:schemeClr val="tx1"/>
+              </a:solidFill>
+            </a:endParaRPr>
+          </a:p>
+        </p:txBody>
+      </p:sp>
+      <p:sp>
+        <p:nvSpPr>
+          <p:cNvPr id="12" name="Rectangle 11"/>
+          <p:cNvSpPr/>
+          <p:nvPr/>
+        </p:nvSpPr>
+        <p:spPr>
+          <a:xfrm>
+            <a:off x="8283153" y="109410"/>
+            <a:ext cx="792000" cy="540000"/>
+          </a:xfrm>
+          <a:prstGeom prst="rect">
+            <a:avLst/>
+          </a:prstGeom>
+          <a:solidFill>
+            <a:schemeClr val="accent4">
+              <a:lumMod val="20000"/>
+              <a:lumOff val="80000"/>
+            </a:schemeClr>
+          </a:solidFill>
+          <a:ln>
+            <a:solidFill>
+              <a:schemeClr val="accent1">
+                <a:lumMod val="50000"/>
+              </a:schemeClr>
+            </a:solidFill>
+          </a:ln>
+        </p:spPr>
+        <p:style>
+          <a:lnRef idx="2">
+            <a:schemeClr val="accent1">
+              <a:shade val="50000"/>
+            </a:schemeClr>
+          </a:lnRef>
+          <a:fillRef idx="1">
+            <a:schemeClr val="accent1"/>
+          </a:fillRef>
+          <a:effectRef idx="0">
+            <a:schemeClr val="accent1"/>
+          </a:effectRef>
+          <a:fontRef idx="minor">
+            <a:schemeClr val="lt1"/>
+          </a:fontRef>
+        </p:style>
+        <p:txBody>
+          <a:bodyPr wrap="none" lIns="0" rIns="0" rtlCol="0" anchor="ctr"/>
+          <a:lstStyle/>
+          <a:p>
+            <a:pPr algn="ctr"/>
+            <a:r>
+              <a:rPr lang="en-AU" sz="2000" dirty="0" smtClean="0">
+                <a:solidFill>
+                  <a:schemeClr val="tx1"/>
+                </a:solidFill>
+              </a:rPr>
+              <a:t>Should</a:t>
+            </a:r>
+            <a:endParaRPr lang="en-AU" sz="2000" dirty="0">
+              <a:solidFill>
+                <a:schemeClr val="tx1"/>
+              </a:solidFill>
+            </a:endParaRPr>
+          </a:p>
+        </p:txBody>
+      </p:sp>
+      <p:sp>
+        <p:nvSpPr>
+          <p:cNvPr id="13" name="Rectangle 12"/>
+          <p:cNvSpPr/>
+          <p:nvPr/>
+        </p:nvSpPr>
+        <p:spPr>
+          <a:xfrm>
+            <a:off x="39153" y="5128590"/>
+            <a:ext cx="9828000" cy="1620000"/>
+          </a:xfrm>
+          <a:prstGeom prst="rect">
+            <a:avLst/>
+          </a:prstGeom>
+          <a:solidFill>
+            <a:schemeClr val="bg1"/>
+          </a:solidFill>
+          <a:ln>
+            <a:solidFill>
+              <a:schemeClr val="accent1">
+                <a:lumMod val="50000"/>
+              </a:schemeClr>
+            </a:solidFill>
+          </a:ln>
+        </p:spPr>
+        <p:style>
+          <a:lnRef idx="2">
+            <a:schemeClr val="accent1">
+              <a:shade val="50000"/>
+            </a:schemeClr>
+          </a:lnRef>
+          <a:fillRef idx="1">
+            <a:schemeClr val="accent1"/>
+          </a:fillRef>
+          <a:effectRef idx="0">
+            <a:schemeClr val="accent1"/>
+          </a:effectRef>
+          <a:fontRef idx="minor">
+            <a:schemeClr val="lt1"/>
+          </a:fontRef>
+        </p:style>
+        <p:txBody>
+          <a:bodyPr tIns="36000" rtlCol="0" anchor="t" anchorCtr="0"/>
+          <a:lstStyle/>
+          <a:p>
+            <a:r>
+              <a:rPr lang="en-AU" sz="2000" dirty="0" smtClean="0">
+                <a:solidFill>
+                  <a:schemeClr val="tx1"/>
+                </a:solidFill>
+              </a:rPr>
+              <a:t>Notes</a:t>
+            </a:r>
+          </a:p>
+          <a:p>
+            <a:pPr marL="179388" indent="-179388">
+              <a:buFont typeface="Arial" pitchFamily="34" charset="0"/>
+              <a:buChar char="•"/>
+            </a:pPr>
+            <a:r>
+              <a:rPr lang="en-AU" sz="2000" dirty="0" smtClean="0">
+                <a:solidFill>
+                  <a:schemeClr val="tx1"/>
+                </a:solidFill>
+              </a:rPr>
+              <a:t> </a:t>
+            </a:r>
+            <a:endParaRPr lang="en-AU" sz="2000" dirty="0">
+              <a:solidFill>
+                <a:schemeClr val="tx1"/>
+              </a:solidFill>
+            </a:endParaRPr>
           </a:p>
         </p:txBody>
       </p:sp>
     </p:spTree>
     <p:extLst>
       <p:ext uri="{BB962C8B-B14F-4D97-AF65-F5344CB8AC3E}">
-        <p14:creationId xmlns:p14="http://schemas.microsoft.com/office/powerpoint/2010/main" val="112331789"/>
+        <p14:creationId xmlns:p14="http://schemas.microsoft.com/office/powerpoint/2010/main" val="500998753"/>
       </p:ext>
     </p:extLst>
   </p:cSld>
@@ -10999,7 +11530,7 @@
                   <a:schemeClr val="tx1"/>
                 </a:solidFill>
               </a:rPr>
-              <a:t>21</a:t>
+              <a:t>18</a:t>
             </a:r>
             <a:endParaRPr lang="en-AU" sz="2000" dirty="0">
               <a:solidFill>
@@ -11054,7 +11585,7 @@
             <a:pPr algn="ctr"/>
             <a:r>
               <a:rPr lang="en-AU" sz="2800" dirty="0" smtClean="0"/>
-              <a:t>Access Website on Desktop</a:t>
+              <a:t>View Account Details</a:t>
             </a:r>
             <a:endParaRPr lang="en-AU" sz="2800" dirty="0"/>
           </a:p>
@@ -11114,7 +11645,7 @@
                   <a:schemeClr val="tx1"/>
                 </a:solidFill>
               </a:rPr>
-              <a:t>As a Media Vault user, I want to access the Media Vault website in a desktop browser friendly context, so that I can view my files</a:t>
+              <a:t>As a Media Vault user, I want to update my password and email, so that I can have my credentials up to date.</a:t>
             </a:r>
             <a:endParaRPr lang="en-AU" sz="2400" dirty="0" smtClean="0">
               <a:solidFill>
@@ -11200,7 +11731,21 @@
                   <a:schemeClr val="tx1"/>
                 </a:solidFill>
               </a:rPr>
-              <a:t>The flow of the website should be suitable for a desktop</a:t>
+              <a:t>The user can click a button that takes them to see the details of their account</a:t>
+            </a:r>
+          </a:p>
+          <a:p>
+            <a:pPr marL="179388" indent="-179388">
+              <a:buFont typeface="Arial" pitchFamily="34" charset="0"/>
+              <a:buChar char="•"/>
+            </a:pPr>
+            <a:r>
+              <a:rPr lang="en-AU" sz="2000" dirty="0" smtClean="0">
+                <a:solidFill>
+                  <a:schemeClr val="tx1"/>
+                </a:solidFill>
+              </a:rPr>
+              <a:t>The user can edit their email and password here</a:t>
             </a:r>
             <a:endParaRPr lang="en-AU" sz="2000" dirty="0" smtClean="0">
               <a:solidFill>
@@ -11264,7 +11809,7 @@
                   <a:schemeClr val="tx1"/>
                 </a:solidFill>
               </a:rPr>
-              <a:t>4</a:t>
+              <a:t>2</a:t>
             </a:r>
             <a:endParaRPr lang="en-AU" sz="2000" dirty="0">
               <a:solidFill>
@@ -11329,7 +11874,7 @@
                   <a:schemeClr val="tx1"/>
                 </a:solidFill>
               </a:rPr>
-              <a:t>Must</a:t>
+              <a:t>Could</a:t>
             </a:r>
             <a:endParaRPr lang="en-AU" sz="2000" dirty="0">
               <a:solidFill>
@@ -11417,7 +11962,7 @@
     </p:spTree>
     <p:extLst>
       <p:ext uri="{BB962C8B-B14F-4D97-AF65-F5344CB8AC3E}">
-        <p14:creationId xmlns:p14="http://schemas.microsoft.com/office/powerpoint/2010/main" val="322252010"/>
+        <p14:creationId xmlns:p14="http://schemas.microsoft.com/office/powerpoint/2010/main" val="375447048"/>
       </p:ext>
     </p:extLst>
   </p:cSld>
@@ -11446,36 +11991,511 @@
       </p:grpSpPr>
       <p:sp>
         <p:nvSpPr>
-          <p:cNvPr id="2" name="Title 1"/>
-          <p:cNvSpPr>
-            <a:spLocks noGrp="1"/>
-          </p:cNvSpPr>
-          <p:nvPr>
-            <p:ph type="title"/>
-          </p:nvPr>
-        </p:nvSpPr>
-        <p:spPr>
-          <a:xfrm>
-            <a:off x="529805" y="2370857"/>
-            <a:ext cx="8915400" cy="1143000"/>
-          </a:xfrm>
-        </p:spPr>
-        <p:txBody>
-          <a:bodyPr/>
-          <a:lstStyle/>
-          <a:p>
-            <a:r>
-              <a:rPr lang="en-US" dirty="0" smtClean="0"/>
-              <a:t>Media Vault Mobile User</a:t>
-            </a:r>
-            <a:endParaRPr lang="en-US" dirty="0"/>
+          <p:cNvPr id="4" name="Rectangle 3"/>
+          <p:cNvSpPr/>
+          <p:nvPr/>
+        </p:nvSpPr>
+        <p:spPr>
+          <a:xfrm>
+            <a:off x="39153" y="109410"/>
+            <a:ext cx="720000" cy="540000"/>
+          </a:xfrm>
+          <a:prstGeom prst="rect">
+            <a:avLst/>
+          </a:prstGeom>
+          <a:solidFill>
+            <a:schemeClr val="accent1">
+              <a:lumMod val="40000"/>
+              <a:lumOff val="60000"/>
+            </a:schemeClr>
+          </a:solidFill>
+          <a:ln>
+            <a:solidFill>
+              <a:schemeClr val="accent1">
+                <a:lumMod val="50000"/>
+              </a:schemeClr>
+            </a:solidFill>
+          </a:ln>
+        </p:spPr>
+        <p:style>
+          <a:lnRef idx="2">
+            <a:schemeClr val="accent1">
+              <a:shade val="50000"/>
+            </a:schemeClr>
+          </a:lnRef>
+          <a:fillRef idx="1">
+            <a:schemeClr val="accent1"/>
+          </a:fillRef>
+          <a:effectRef idx="0">
+            <a:schemeClr val="accent1"/>
+          </a:effectRef>
+          <a:fontRef idx="minor">
+            <a:schemeClr val="lt1"/>
+          </a:fontRef>
+        </p:style>
+        <p:txBody>
+          <a:bodyPr wrap="square" lIns="0" rIns="0" rtlCol="0" anchor="ctr"/>
+          <a:lstStyle/>
+          <a:p>
+            <a:pPr algn="ctr"/>
+            <a:r>
+              <a:rPr lang="en-AU" sz="2000" dirty="0" smtClean="0">
+                <a:solidFill>
+                  <a:schemeClr val="tx1"/>
+                </a:solidFill>
+              </a:rPr>
+              <a:t>Story </a:t>
+            </a:r>
+            <a:r>
+              <a:rPr lang="en-AU" sz="2000" dirty="0" smtClean="0">
+                <a:solidFill>
+                  <a:schemeClr val="tx1"/>
+                </a:solidFill>
+              </a:rPr>
+              <a:t>19</a:t>
+            </a:r>
+            <a:endParaRPr lang="en-AU" sz="2000" dirty="0">
+              <a:solidFill>
+                <a:schemeClr val="tx1"/>
+              </a:solidFill>
+            </a:endParaRPr>
+          </a:p>
+        </p:txBody>
+      </p:sp>
+      <p:sp>
+        <p:nvSpPr>
+          <p:cNvPr id="6" name="Rectangle 5"/>
+          <p:cNvSpPr/>
+          <p:nvPr/>
+        </p:nvSpPr>
+        <p:spPr>
+          <a:xfrm>
+            <a:off x="831153" y="109410"/>
+            <a:ext cx="7380000" cy="540000"/>
+          </a:xfrm>
+          <a:prstGeom prst="rect">
+            <a:avLst/>
+          </a:prstGeom>
+          <a:ln>
+            <a:solidFill>
+              <a:schemeClr val="accent1">
+                <a:lumMod val="50000"/>
+              </a:schemeClr>
+            </a:solidFill>
+          </a:ln>
+        </p:spPr>
+        <p:style>
+          <a:lnRef idx="2">
+            <a:schemeClr val="accent1">
+              <a:shade val="50000"/>
+            </a:schemeClr>
+          </a:lnRef>
+          <a:fillRef idx="1">
+            <a:schemeClr val="accent1"/>
+          </a:fillRef>
+          <a:effectRef idx="0">
+            <a:schemeClr val="accent1"/>
+          </a:effectRef>
+          <a:fontRef idx="minor">
+            <a:schemeClr val="lt1"/>
+          </a:fontRef>
+        </p:style>
+        <p:txBody>
+          <a:bodyPr rtlCol="0" anchor="ctr"/>
+          <a:lstStyle/>
+          <a:p>
+            <a:pPr algn="ctr"/>
+            <a:r>
+              <a:rPr lang="en-AU" sz="2800" dirty="0" smtClean="0"/>
+              <a:t>Reset my Password if Forgotten</a:t>
+            </a:r>
+            <a:endParaRPr lang="en-AU" sz="2800" dirty="0"/>
+          </a:p>
+        </p:txBody>
+      </p:sp>
+      <p:sp>
+        <p:nvSpPr>
+          <p:cNvPr id="7" name="Rectangle 6"/>
+          <p:cNvSpPr/>
+          <p:nvPr/>
+        </p:nvSpPr>
+        <p:spPr>
+          <a:xfrm>
+            <a:off x="39153" y="803997"/>
+            <a:ext cx="9828000" cy="2340000"/>
+          </a:xfrm>
+          <a:prstGeom prst="rect">
+            <a:avLst/>
+          </a:prstGeom>
+          <a:solidFill>
+            <a:schemeClr val="tx2">
+              <a:lumMod val="20000"/>
+              <a:lumOff val="80000"/>
+            </a:schemeClr>
+          </a:solidFill>
+          <a:ln>
+            <a:solidFill>
+              <a:schemeClr val="accent1">
+                <a:lumMod val="50000"/>
+              </a:schemeClr>
+            </a:solidFill>
+          </a:ln>
+        </p:spPr>
+        <p:style>
+          <a:lnRef idx="2">
+            <a:schemeClr val="accent1">
+              <a:shade val="50000"/>
+            </a:schemeClr>
+          </a:lnRef>
+          <a:fillRef idx="1">
+            <a:schemeClr val="accent1"/>
+          </a:fillRef>
+          <a:effectRef idx="0">
+            <a:schemeClr val="accent1"/>
+          </a:effectRef>
+          <a:fontRef idx="minor">
+            <a:schemeClr val="lt1"/>
+          </a:fontRef>
+        </p:style>
+        <p:txBody>
+          <a:bodyPr rtlCol="0" anchor="t" anchorCtr="0"/>
+          <a:lstStyle/>
+          <a:p>
+            <a:r>
+              <a:rPr lang="en-AU" sz="2400" dirty="0" smtClean="0">
+                <a:solidFill>
+                  <a:schemeClr val="tx1"/>
+                </a:solidFill>
+              </a:rPr>
+              <a:t>As a Media Vault user, I want to reset my password if I have forgotten it, so I can change it to a new password and log into my Media Vault to access my files.</a:t>
+            </a:r>
+            <a:endParaRPr lang="en-AU" sz="2400" dirty="0" smtClean="0">
+              <a:solidFill>
+                <a:schemeClr val="tx1"/>
+              </a:solidFill>
+            </a:endParaRPr>
+          </a:p>
+        </p:txBody>
+      </p:sp>
+      <p:sp>
+        <p:nvSpPr>
+          <p:cNvPr id="8" name="Rectangle 7"/>
+          <p:cNvSpPr/>
+          <p:nvPr/>
+        </p:nvSpPr>
+        <p:spPr>
+          <a:xfrm>
+            <a:off x="39153" y="3335530"/>
+            <a:ext cx="9828000" cy="1620000"/>
+          </a:xfrm>
+          <a:prstGeom prst="rect">
+            <a:avLst/>
+          </a:prstGeom>
+          <a:solidFill>
+            <a:schemeClr val="accent1">
+              <a:lumMod val="20000"/>
+              <a:lumOff val="80000"/>
+            </a:schemeClr>
+          </a:solidFill>
+          <a:ln>
+            <a:solidFill>
+              <a:schemeClr val="accent1">
+                <a:lumMod val="50000"/>
+              </a:schemeClr>
+            </a:solidFill>
+          </a:ln>
+        </p:spPr>
+        <p:style>
+          <a:lnRef idx="2">
+            <a:schemeClr val="accent1">
+              <a:shade val="50000"/>
+            </a:schemeClr>
+          </a:lnRef>
+          <a:fillRef idx="1">
+            <a:schemeClr val="accent1"/>
+          </a:fillRef>
+          <a:effectRef idx="0">
+            <a:schemeClr val="accent1"/>
+          </a:effectRef>
+          <a:fontRef idx="minor">
+            <a:schemeClr val="lt1"/>
+          </a:fontRef>
+        </p:style>
+        <p:txBody>
+          <a:bodyPr tIns="36000" rtlCol="0" anchor="t" anchorCtr="0"/>
+          <a:lstStyle/>
+          <a:p>
+            <a:r>
+              <a:rPr lang="en-AU" sz="2000" dirty="0" smtClean="0">
+                <a:solidFill>
+                  <a:schemeClr val="tx1"/>
+                </a:solidFill>
+              </a:rPr>
+              <a:t>Acceptance Criteria</a:t>
+            </a:r>
+          </a:p>
+          <a:p>
+            <a:pPr marL="179388" indent="-179388">
+              <a:buFont typeface="Arial" pitchFamily="34" charset="0"/>
+              <a:buChar char="•"/>
+            </a:pPr>
+            <a:r>
+              <a:rPr lang="en-AU" sz="2000" dirty="0" smtClean="0">
+                <a:solidFill>
+                  <a:schemeClr val="tx1"/>
+                </a:solidFill>
+              </a:rPr>
+              <a:t>The user can click a button that takes them to a page that requires them to enter their email</a:t>
+            </a:r>
+            <a:endParaRPr lang="en-AU" sz="2000" dirty="0">
+              <a:solidFill>
+                <a:schemeClr val="tx1"/>
+              </a:solidFill>
+            </a:endParaRPr>
+          </a:p>
+          <a:p>
+            <a:pPr marL="179388" indent="-179388">
+              <a:buFont typeface="Arial" pitchFamily="34" charset="0"/>
+              <a:buChar char="•"/>
+            </a:pPr>
+            <a:r>
+              <a:rPr lang="en-AU" sz="2000" dirty="0" smtClean="0">
+                <a:solidFill>
+                  <a:schemeClr val="tx1"/>
+                </a:solidFill>
+              </a:rPr>
+              <a:t>The user will receive a reset password link to their email, letting them pick a new password</a:t>
+            </a:r>
+          </a:p>
+          <a:p>
+            <a:pPr marL="179388" indent="-179388">
+              <a:buFont typeface="Arial" pitchFamily="34" charset="0"/>
+              <a:buChar char="•"/>
+            </a:pPr>
+            <a:r>
+              <a:rPr lang="en-AU" sz="2000" dirty="0" smtClean="0">
+                <a:solidFill>
+                  <a:schemeClr val="tx1"/>
+                </a:solidFill>
+              </a:rPr>
+              <a:t>They can then log in</a:t>
+            </a:r>
+            <a:endParaRPr lang="en-AU" sz="2000" dirty="0" smtClean="0">
+              <a:solidFill>
+                <a:schemeClr val="tx1"/>
+              </a:solidFill>
+            </a:endParaRPr>
+          </a:p>
+        </p:txBody>
+      </p:sp>
+      <p:sp>
+        <p:nvSpPr>
+          <p:cNvPr id="11" name="Rectangle 10"/>
+          <p:cNvSpPr/>
+          <p:nvPr/>
+        </p:nvSpPr>
+        <p:spPr>
+          <a:xfrm>
+            <a:off x="9147153" y="109410"/>
+            <a:ext cx="720000" cy="540000"/>
+          </a:xfrm>
+          <a:prstGeom prst="rect">
+            <a:avLst/>
+          </a:prstGeom>
+          <a:solidFill>
+            <a:srgbClr val="CCF0CD">
+              <a:alpha val="20000"/>
+            </a:srgbClr>
+          </a:solidFill>
+          <a:ln>
+            <a:solidFill>
+              <a:schemeClr val="accent1">
+                <a:lumMod val="50000"/>
+              </a:schemeClr>
+            </a:solidFill>
+          </a:ln>
+        </p:spPr>
+        <p:style>
+          <a:lnRef idx="2">
+            <a:schemeClr val="accent1">
+              <a:shade val="50000"/>
+            </a:schemeClr>
+          </a:lnRef>
+          <a:fillRef idx="1">
+            <a:schemeClr val="accent1"/>
+          </a:fillRef>
+          <a:effectRef idx="0">
+            <a:schemeClr val="accent1"/>
+          </a:effectRef>
+          <a:fontRef idx="minor">
+            <a:schemeClr val="lt1"/>
+          </a:fontRef>
+        </p:style>
+        <p:txBody>
+          <a:bodyPr wrap="square" lIns="0" rIns="0" rtlCol="0" anchor="ctr"/>
+          <a:lstStyle/>
+          <a:p>
+            <a:pPr algn="ctr"/>
+            <a:r>
+              <a:rPr lang="en-AU" sz="2000" dirty="0" smtClean="0">
+                <a:solidFill>
+                  <a:schemeClr val="tx1"/>
+                </a:solidFill>
+              </a:rPr>
+              <a:t>2</a:t>
+            </a:r>
+            <a:endParaRPr lang="en-AU" sz="2000" dirty="0">
+              <a:solidFill>
+                <a:schemeClr val="tx1"/>
+              </a:solidFill>
+            </a:endParaRPr>
+          </a:p>
+        </p:txBody>
+      </p:sp>
+      <p:sp>
+        <p:nvSpPr>
+          <p:cNvPr id="12" name="Rectangle 11"/>
+          <p:cNvSpPr/>
+          <p:nvPr/>
+        </p:nvSpPr>
+        <p:spPr>
+          <a:xfrm>
+            <a:off x="8283153" y="109410"/>
+            <a:ext cx="792000" cy="540000"/>
+          </a:xfrm>
+          <a:prstGeom prst="rect">
+            <a:avLst/>
+          </a:prstGeom>
+          <a:solidFill>
+            <a:schemeClr val="accent4">
+              <a:lumMod val="20000"/>
+              <a:lumOff val="80000"/>
+            </a:schemeClr>
+          </a:solidFill>
+          <a:ln>
+            <a:solidFill>
+              <a:schemeClr val="accent1">
+                <a:lumMod val="50000"/>
+              </a:schemeClr>
+            </a:solidFill>
+          </a:ln>
+        </p:spPr>
+        <p:style>
+          <a:lnRef idx="2">
+            <a:schemeClr val="accent1">
+              <a:shade val="50000"/>
+            </a:schemeClr>
+          </a:lnRef>
+          <a:fillRef idx="1">
+            <a:schemeClr val="accent1"/>
+          </a:fillRef>
+          <a:effectRef idx="0">
+            <a:schemeClr val="accent1"/>
+          </a:effectRef>
+          <a:fontRef idx="minor">
+            <a:schemeClr val="lt1"/>
+          </a:fontRef>
+        </p:style>
+        <p:txBody>
+          <a:bodyPr wrap="none" lIns="0" rIns="0" rtlCol="0" anchor="ctr"/>
+          <a:lstStyle/>
+          <a:p>
+            <a:pPr algn="ctr"/>
+            <a:r>
+              <a:rPr lang="en-AU" sz="2000" dirty="0" smtClean="0">
+                <a:solidFill>
+                  <a:schemeClr val="tx1"/>
+                </a:solidFill>
+              </a:rPr>
+              <a:t>Should</a:t>
+            </a:r>
+            <a:endParaRPr lang="en-AU" sz="2000" dirty="0">
+              <a:solidFill>
+                <a:schemeClr val="tx1"/>
+              </a:solidFill>
+            </a:endParaRPr>
+          </a:p>
+        </p:txBody>
+      </p:sp>
+      <p:sp>
+        <p:nvSpPr>
+          <p:cNvPr id="13" name="Rectangle 12"/>
+          <p:cNvSpPr/>
+          <p:nvPr/>
+        </p:nvSpPr>
+        <p:spPr>
+          <a:xfrm>
+            <a:off x="39153" y="5128590"/>
+            <a:ext cx="9828000" cy="1620000"/>
+          </a:xfrm>
+          <a:prstGeom prst="rect">
+            <a:avLst/>
+          </a:prstGeom>
+          <a:solidFill>
+            <a:schemeClr val="bg1"/>
+          </a:solidFill>
+          <a:ln>
+            <a:solidFill>
+              <a:schemeClr val="accent1">
+                <a:lumMod val="50000"/>
+              </a:schemeClr>
+            </a:solidFill>
+          </a:ln>
+        </p:spPr>
+        <p:style>
+          <a:lnRef idx="2">
+            <a:schemeClr val="accent1">
+              <a:shade val="50000"/>
+            </a:schemeClr>
+          </a:lnRef>
+          <a:fillRef idx="1">
+            <a:schemeClr val="accent1"/>
+          </a:fillRef>
+          <a:effectRef idx="0">
+            <a:schemeClr val="accent1"/>
+          </a:effectRef>
+          <a:fontRef idx="minor">
+            <a:schemeClr val="lt1"/>
+          </a:fontRef>
+        </p:style>
+        <p:txBody>
+          <a:bodyPr tIns="36000" rtlCol="0" anchor="t" anchorCtr="0"/>
+          <a:lstStyle/>
+          <a:p>
+            <a:r>
+              <a:rPr lang="en-AU" sz="2000" dirty="0" smtClean="0">
+                <a:solidFill>
+                  <a:schemeClr val="tx1"/>
+                </a:solidFill>
+              </a:rPr>
+              <a:t>Notes</a:t>
+            </a:r>
+          </a:p>
+          <a:p>
+            <a:pPr marL="179388" indent="-179388">
+              <a:buFont typeface="Arial" pitchFamily="34" charset="0"/>
+              <a:buChar char="•"/>
+            </a:pPr>
+            <a:r>
+              <a:rPr lang="en-AU" sz="2000" dirty="0" smtClean="0">
+                <a:solidFill>
+                  <a:schemeClr val="tx1"/>
+                </a:solidFill>
+              </a:rPr>
+              <a:t> </a:t>
+            </a:r>
+            <a:endParaRPr lang="en-AU" sz="2000" dirty="0">
+              <a:solidFill>
+                <a:schemeClr val="tx1"/>
+              </a:solidFill>
+            </a:endParaRPr>
           </a:p>
         </p:txBody>
       </p:sp>
     </p:spTree>
     <p:extLst>
       <p:ext uri="{BB962C8B-B14F-4D97-AF65-F5344CB8AC3E}">
-        <p14:creationId xmlns:p14="http://schemas.microsoft.com/office/powerpoint/2010/main" val="230675416"/>
+        <p14:creationId xmlns:p14="http://schemas.microsoft.com/office/powerpoint/2010/main" val="507449682"/>
       </p:ext>
     </p:extLst>
   </p:cSld>
@@ -11565,7 +12585,7 @@
                   <a:schemeClr val="tx1"/>
                 </a:solidFill>
               </a:rPr>
-              <a:t>22</a:t>
+              <a:t>20</a:t>
             </a:r>
             <a:endParaRPr lang="en-AU" sz="2000" dirty="0">
               <a:solidFill>
@@ -11620,7 +12640,7 @@
             <a:pPr algn="ctr"/>
             <a:r>
               <a:rPr lang="en-AU" sz="2800" dirty="0" smtClean="0"/>
-              <a:t>Access Website on Mobile</a:t>
+              <a:t>Log Out</a:t>
             </a:r>
             <a:endParaRPr lang="en-AU" sz="2800" dirty="0"/>
           </a:p>
@@ -11680,7 +12700,7 @@
                   <a:schemeClr val="tx1"/>
                 </a:solidFill>
               </a:rPr>
-              <a:t>As a Media Vault user, I want to access the Media Vault website in a mobile browser friendly context, so that I can view my files</a:t>
+              <a:t>As a Media Vault user, I want to log out of my account, so that nobody else can access my files when I have finished with Media Vault</a:t>
             </a:r>
             <a:endParaRPr lang="en-AU" sz="2400" dirty="0" smtClean="0">
               <a:solidFill>
@@ -11766,7 +12786,7 @@
                   <a:schemeClr val="tx1"/>
                 </a:solidFill>
               </a:rPr>
-              <a:t>The flow of the website will be suitable for a mobile phone</a:t>
+              <a:t>The User can no longer see their files once they have clicked a log out button</a:t>
             </a:r>
             <a:endParaRPr lang="en-AU" sz="2000" dirty="0" smtClean="0">
               <a:solidFill>
@@ -11830,7 +12850,7 @@
                   <a:schemeClr val="tx1"/>
                 </a:solidFill>
               </a:rPr>
-              <a:t>4</a:t>
+              <a:t>1</a:t>
             </a:r>
             <a:endParaRPr lang="en-AU" sz="2000" dirty="0">
               <a:solidFill>
@@ -11895,7 +12915,7 @@
                   <a:schemeClr val="tx1"/>
                 </a:solidFill>
               </a:rPr>
-              <a:t>Must</a:t>
+              <a:t>Should</a:t>
             </a:r>
             <a:endParaRPr lang="en-AU" sz="2000" dirty="0">
               <a:solidFill>
@@ -11983,7 +13003,7 @@
     </p:spTree>
     <p:extLst>
       <p:ext uri="{BB962C8B-B14F-4D97-AF65-F5344CB8AC3E}">
-        <p14:creationId xmlns:p14="http://schemas.microsoft.com/office/powerpoint/2010/main" val="753733877"/>
+        <p14:creationId xmlns:p14="http://schemas.microsoft.com/office/powerpoint/2010/main" val="693245224"/>
       </p:ext>
     </p:extLst>
   </p:cSld>
@@ -12433,12 +13453,12 @@
           <a:p>
             <a:pPr algn="ctr"/>
             <a:r>
-              <a:rPr lang="en-AU" sz="2000" dirty="0" smtClean="0">
-                <a:solidFill>
-                  <a:schemeClr val="tx1"/>
-                </a:solidFill>
-              </a:rPr>
-              <a:t>4</a:t>
+              <a:rPr lang="en-AU" sz="2000" dirty="0">
+                <a:solidFill>
+                  <a:schemeClr val="tx1"/>
+                </a:solidFill>
+              </a:rPr>
+              <a:t>1</a:t>
             </a:r>
             <a:endParaRPr lang="en-AU" sz="2000" dirty="0">
               <a:solidFill>
@@ -12586,7 +13606,7 @@
                   <a:schemeClr val="tx1"/>
                 </a:solidFill>
               </a:rPr>
-              <a:t>Duplicate accounts cannot be made</a:t>
+              <a:t>Duplicate accounts and emails cannot be registered</a:t>
             </a:r>
             <a:endParaRPr lang="en-AU" sz="2000" dirty="0">
               <a:solidFill>
@@ -12799,69 +13819,8 @@
                   <a:schemeClr val="tx1"/>
                 </a:solidFill>
               </a:rPr>
-              <a:t>As a Media Vault user, I want to sign in with my account, so that: </a:t>
-            </a:r>
-          </a:p>
-          <a:p>
-            <a:pPr marL="342900" indent="-342900">
-              <a:buFont typeface="Arial" charset="0"/>
-              <a:buChar char="•"/>
-            </a:pPr>
-            <a:r>
-              <a:rPr lang="en-AU" sz="2400" dirty="0" smtClean="0">
-                <a:solidFill>
-                  <a:schemeClr val="tx1"/>
-                </a:solidFill>
-              </a:rPr>
-              <a:t>I can access my files on Media Vault;</a:t>
-            </a:r>
-          </a:p>
-          <a:p>
-            <a:pPr marL="342900" indent="-342900">
-              <a:buFont typeface="Arial" charset="0"/>
-              <a:buChar char="•"/>
-            </a:pPr>
-            <a:r>
-              <a:rPr lang="en-AU" sz="2400" dirty="0" smtClean="0">
-                <a:solidFill>
-                  <a:schemeClr val="tx1"/>
-                </a:solidFill>
-              </a:rPr>
-              <a:t>Upload and Download files to and from Media Vault; and</a:t>
-            </a:r>
-          </a:p>
-          <a:p>
-            <a:pPr marL="342900" indent="-342900">
-              <a:buFont typeface="Arial" charset="0"/>
-              <a:buChar char="•"/>
-            </a:pPr>
-            <a:r>
-              <a:rPr lang="en-AU" sz="2400" dirty="0" smtClean="0">
-                <a:solidFill>
-                  <a:schemeClr val="tx1"/>
-                </a:solidFill>
-              </a:rPr>
-              <a:t>View/Edit my account details; and</a:t>
-            </a:r>
-          </a:p>
-          <a:p>
-            <a:pPr marL="342900" indent="-342900">
-              <a:buFont typeface="Arial" charset="0"/>
-              <a:buChar char="•"/>
-            </a:pPr>
-            <a:r>
-              <a:rPr lang="en-AU" sz="2400" dirty="0" smtClean="0">
-                <a:solidFill>
-                  <a:schemeClr val="tx1"/>
-                </a:solidFill>
-              </a:rPr>
-              <a:t>Log out of my Media Vault</a:t>
-            </a:r>
-            <a:endParaRPr lang="en-AU" sz="2400" dirty="0" smtClean="0">
-              <a:solidFill>
-                <a:schemeClr val="tx1"/>
-              </a:solidFill>
-            </a:endParaRPr>
+              <a:t>As a Media Vault user, I want to sign in with my account, so that I can use it.</a:t>
+            </a:r>
           </a:p>
           <a:p>
             <a:pPr marL="342900" indent="-342900">
@@ -12954,6 +13913,20 @@
               </a:rPr>
               <a:t>The Media Vault user will be taken to the main dashboard after logging in with their username and password</a:t>
             </a:r>
+          </a:p>
+          <a:p>
+            <a:pPr marL="179388" indent="-179388">
+              <a:buFont typeface="Arial" pitchFamily="34" charset="0"/>
+              <a:buChar char="•"/>
+            </a:pPr>
+            <a:r>
+              <a:rPr lang="en-AU" sz="2000" dirty="0" smtClean="0">
+                <a:solidFill>
+                  <a:schemeClr val="tx1"/>
+                </a:solidFill>
+              </a:rPr>
+              <a:t>If the details are incorrect, an error message will display</a:t>
+            </a:r>
             <a:endParaRPr lang="en-AU" sz="2000" dirty="0" smtClean="0">
               <a:solidFill>
                 <a:schemeClr val="tx1"/>
@@ -13011,7 +13984,7 @@
           <a:p>
             <a:pPr algn="ctr"/>
             <a:r>
-              <a:rPr lang="en-AU" sz="2000" dirty="0" smtClean="0">
+              <a:rPr lang="en-AU" sz="2000" dirty="0">
                 <a:solidFill>
                   <a:schemeClr val="tx1"/>
                 </a:solidFill>
@@ -13143,6 +14116,25 @@
                 </a:solidFill>
               </a:rPr>
               <a:t>Notes</a:t>
+            </a:r>
+            <a:endParaRPr lang="en-AU" sz="2000" dirty="0">
+              <a:solidFill>
+                <a:schemeClr val="tx1"/>
+              </a:solidFill>
+            </a:endParaRPr>
+          </a:p>
+          <a:p>
+            <a:pPr marL="342900" indent="-342900">
+              <a:buFont typeface="Arial" charset="0"/>
+              <a:buChar char="•"/>
+            </a:pPr>
+            <a:r>
+              <a:rPr lang="en-AU" sz="2000" dirty="0" smtClean="0">
+                <a:solidFill>
+                  <a:schemeClr val="tx1"/>
+                </a:solidFill>
+              </a:rPr>
+              <a:t>The user will need to be able to make an account first, story card 1 needs to be complete</a:t>
             </a:r>
             <a:endParaRPr lang="en-AU" sz="2000" dirty="0" smtClean="0">
               <a:solidFill>
@@ -13360,127 +14352,7 @@
                   <a:schemeClr val="tx1"/>
                 </a:solidFill>
               </a:rPr>
-              <a:t>As a Media Vault user, I want to see all my files that I have uploaded to Media Vault, so that I can:</a:t>
-            </a:r>
-          </a:p>
-          <a:p>
-            <a:pPr marL="342900" indent="-342900">
-              <a:buFont typeface="Arial" charset="0"/>
-              <a:buChar char="•"/>
-            </a:pPr>
-            <a:r>
-              <a:rPr lang="en-AU" sz="2400" dirty="0" smtClean="0">
-                <a:solidFill>
-                  <a:schemeClr val="tx1"/>
-                </a:solidFill>
-              </a:rPr>
-              <a:t>Download a file; </a:t>
-            </a:r>
-          </a:p>
-          <a:p>
-            <a:pPr marL="342900" indent="-342900">
-              <a:buFont typeface="Arial" charset="0"/>
-              <a:buChar char="•"/>
-            </a:pPr>
-            <a:r>
-              <a:rPr lang="en-AU" sz="2400" dirty="0" smtClean="0">
-                <a:solidFill>
-                  <a:schemeClr val="tx1"/>
-                </a:solidFill>
-              </a:rPr>
-              <a:t>Open a </a:t>
-            </a:r>
-            <a:r>
-              <a:rPr lang="en-AU" sz="2400" dirty="0">
-                <a:solidFill>
-                  <a:schemeClr val="tx1"/>
-                </a:solidFill>
-              </a:rPr>
-              <a:t>file;</a:t>
-            </a:r>
-            <a:endParaRPr lang="en-AU" sz="2400" dirty="0" smtClean="0">
-              <a:solidFill>
-                <a:schemeClr val="tx1"/>
-              </a:solidFill>
-            </a:endParaRPr>
-          </a:p>
-          <a:p>
-            <a:pPr marL="342900" indent="-342900">
-              <a:buFont typeface="Arial" charset="0"/>
-              <a:buChar char="•"/>
-            </a:pPr>
-            <a:r>
-              <a:rPr lang="en-AU" sz="2400" dirty="0" smtClean="0">
-                <a:solidFill>
-                  <a:schemeClr val="tx1"/>
-                </a:solidFill>
-              </a:rPr>
-              <a:t>Delete</a:t>
-            </a:r>
-            <a:r>
-              <a:rPr lang="en-AU" sz="2400" dirty="0">
-                <a:solidFill>
-                  <a:schemeClr val="tx1"/>
-                </a:solidFill>
-              </a:rPr>
-              <a:t> a file</a:t>
-            </a:r>
-            <a:r>
-              <a:rPr lang="en-AU" sz="2400" dirty="0" smtClean="0">
-                <a:solidFill>
-                  <a:schemeClr val="tx1"/>
-                </a:solidFill>
-              </a:rPr>
-              <a:t>; </a:t>
-            </a:r>
-          </a:p>
-          <a:p>
-            <a:pPr marL="342900" indent="-342900">
-              <a:buFont typeface="Arial" charset="0"/>
-              <a:buChar char="•"/>
-            </a:pPr>
-            <a:r>
-              <a:rPr lang="en-AU" sz="2400" dirty="0">
-                <a:solidFill>
-                  <a:schemeClr val="tx1"/>
-                </a:solidFill>
-              </a:rPr>
-              <a:t>Edit a </a:t>
-            </a:r>
-            <a:r>
-              <a:rPr lang="en-AU" sz="2400" dirty="0" smtClean="0">
-                <a:solidFill>
-                  <a:schemeClr val="tx1"/>
-                </a:solidFill>
-              </a:rPr>
-              <a:t>file;</a:t>
-            </a:r>
-            <a:r>
-              <a:rPr lang="en-AU" sz="2400" dirty="0">
-                <a:solidFill>
-                  <a:schemeClr val="tx1"/>
-                </a:solidFill>
-              </a:rPr>
-              <a:t> or</a:t>
-            </a:r>
-            <a:endParaRPr lang="en-AU" sz="2400" dirty="0" smtClean="0">
-              <a:solidFill>
-                <a:schemeClr val="tx1"/>
-              </a:solidFill>
-            </a:endParaRPr>
-          </a:p>
-          <a:p>
-            <a:pPr marL="342900" indent="-342900">
-              <a:buFont typeface="Arial" charset="0"/>
-              <a:buChar char="•"/>
-            </a:pPr>
-            <a:r>
-              <a:rPr lang="en-AU" sz="2400" dirty="0" smtClean="0">
-                <a:solidFill>
-                  <a:schemeClr val="tx1"/>
-                </a:solidFill>
-              </a:rPr>
-              <a:t>Search and Sort</a:t>
+              <a:t>As a Media Vault user, I want to see all my files that I have uploaded to Media Vault, so that I can access them.</a:t>
             </a:r>
           </a:p>
           <a:p>
@@ -13505,7 +14377,7 @@
         <p:spPr>
           <a:xfrm>
             <a:off x="39153" y="3768436"/>
-            <a:ext cx="9828000" cy="1187094"/>
+            <a:ext cx="9828000" cy="1744090"/>
           </a:xfrm>
           <a:prstGeom prst="rect">
             <a:avLst/>
@@ -13574,6 +14446,20 @@
               </a:rPr>
               <a:t>After login, the Media Vault user will be taken to a webpage that will display all the files they have uploaded</a:t>
             </a:r>
+          </a:p>
+          <a:p>
+            <a:pPr marL="179388" indent="-179388">
+              <a:buFont typeface="Arial" pitchFamily="34" charset="0"/>
+              <a:buChar char="•"/>
+            </a:pPr>
+            <a:r>
+              <a:rPr lang="en-AU" sz="2000" dirty="0" smtClean="0">
+                <a:solidFill>
+                  <a:schemeClr val="tx1"/>
+                </a:solidFill>
+              </a:rPr>
+              <a:t>The files should only be the files that belong to that user</a:t>
+            </a:r>
             <a:endParaRPr lang="en-AU" sz="2000" dirty="0" smtClean="0">
               <a:solidFill>
                 <a:schemeClr val="tx1"/>
@@ -13631,12 +14517,12 @@
           <a:p>
             <a:pPr algn="ctr"/>
             <a:r>
-              <a:rPr lang="en-AU" sz="2000" dirty="0" smtClean="0">
-                <a:solidFill>
-                  <a:schemeClr val="tx1"/>
-                </a:solidFill>
-              </a:rPr>
-              <a:t>4</a:t>
+              <a:rPr lang="en-AU" sz="2000" dirty="0">
+                <a:solidFill>
+                  <a:schemeClr val="tx1"/>
+                </a:solidFill>
+              </a:rPr>
+              <a:t>2</a:t>
             </a:r>
             <a:endParaRPr lang="en-AU" sz="2000" dirty="0">
               <a:solidFill>
@@ -13719,8 +14605,8 @@
         </p:nvSpPr>
         <p:spPr>
           <a:xfrm>
-            <a:off x="39153" y="5128590"/>
-            <a:ext cx="9828000" cy="1620000"/>
+            <a:off x="39153" y="5630090"/>
+            <a:ext cx="9828000" cy="1118499"/>
           </a:xfrm>
           <a:prstGeom prst="rect">
             <a:avLst/>
@@ -13764,6 +14650,18 @@
               </a:rPr>
               <a:t>Notes</a:t>
             </a:r>
+          </a:p>
+          <a:p>
+            <a:r>
+              <a:rPr lang="en-AU" sz="2000" dirty="0">
+                <a:solidFill>
+                  <a:schemeClr val="tx1"/>
+                </a:solidFill>
+              </a:rPr>
+              <a:t>The user will need to be able to make an account first, story card 1 needs to be complete</a:t>
+            </a:r>
+          </a:p>
+          <a:p>
             <a:endParaRPr lang="en-AU" sz="2000" dirty="0" smtClean="0">
               <a:solidFill>
                 <a:schemeClr val="tx1"/>
@@ -13983,21 +14881,8 @@
                   <a:schemeClr val="tx1"/>
                 </a:solidFill>
               </a:rPr>
-              <a:t>As a Media Vault user, I want to download a file that I have uploaded, so that I can keep a </a:t>
-            </a:r>
-            <a:r>
-              <a:rPr lang="en-AU" sz="2400" smtClean="0">
-                <a:solidFill>
-                  <a:schemeClr val="tx1"/>
-                </a:solidFill>
-              </a:rPr>
-              <a:t>local version for when I have no internet.</a:t>
-            </a:r>
-            <a:endParaRPr lang="en-AU" sz="2400" dirty="0" smtClean="0">
-              <a:solidFill>
-                <a:schemeClr val="tx1"/>
-              </a:solidFill>
-            </a:endParaRPr>
+              <a:t>As a Media Vault user, I want to download a file that I have uploaded, so that I can keep a local version for when I have no internet.</a:t>
+            </a:r>
           </a:p>
           <a:p>
             <a:pPr marL="342900" indent="-342900">
@@ -14104,6 +14989,20 @@
               </a:rPr>
               <a:t>After clicking the download button, the file will download to the Media Vault user’s device</a:t>
             </a:r>
+          </a:p>
+          <a:p>
+            <a:pPr marL="179388" indent="-179388">
+              <a:buFont typeface="Arial" pitchFamily="34" charset="0"/>
+              <a:buChar char="•"/>
+            </a:pPr>
+            <a:r>
+              <a:rPr lang="en-AU" sz="2000" dirty="0" smtClean="0">
+                <a:solidFill>
+                  <a:schemeClr val="tx1"/>
+                </a:solidFill>
+              </a:rPr>
+              <a:t>The file will keep the same name that it has on the website</a:t>
+            </a:r>
             <a:endParaRPr lang="en-AU" sz="2000" dirty="0" smtClean="0">
               <a:solidFill>
                 <a:schemeClr val="tx1"/>
@@ -14161,7 +15060,7 @@
           <a:p>
             <a:pPr algn="ctr"/>
             <a:r>
-              <a:rPr lang="en-AU" sz="2000" dirty="0" smtClean="0">
+              <a:rPr lang="en-AU" sz="2000" dirty="0">
                 <a:solidFill>
                   <a:schemeClr val="tx1"/>
                 </a:solidFill>
@@ -14413,7 +15312,7 @@
         </p:nvSpPr>
         <p:spPr>
           <a:xfrm>
-            <a:off x="831153" y="109410"/>
+            <a:off x="840389" y="109410"/>
             <a:ext cx="7380000" cy="540000"/>
           </a:xfrm>
           <a:prstGeom prst="rect">
@@ -14453,7 +15352,15 @@
             <a:pPr algn="ctr"/>
             <a:r>
               <a:rPr lang="en-AU" sz="2800" dirty="0" smtClean="0"/>
-              <a:t>Upload a File</a:t>
+              <a:t>Upload a File </a:t>
+            </a:r>
+            <a:r>
+              <a:rPr lang="mr-IN" sz="2800" dirty="0" smtClean="0"/>
+              <a:t>–</a:t>
+            </a:r>
+            <a:r>
+              <a:rPr lang="en-AU" sz="2800" dirty="0" smtClean="0"/>
+              <a:t> through a window</a:t>
             </a:r>
             <a:endParaRPr lang="en-AU" sz="2800" dirty="0"/>
           </a:p>
@@ -14513,7 +15420,7 @@
                   <a:schemeClr val="tx1"/>
                 </a:solidFill>
               </a:rPr>
-              <a:t>As a Media Vault user, I want to upload a file so that I can access this file from any device using the Media Vault website.</a:t>
+              <a:t>As a Media Vault user, I want to upload a file through clicking an upload button that opens a file explorer, so that I can access this file from any device using the Media Vault website.</a:t>
             </a:r>
           </a:p>
           <a:p>
@@ -14544,8 +15451,8 @@
         </p:nvSpPr>
         <p:spPr>
           <a:xfrm>
-            <a:off x="39153" y="3335530"/>
-            <a:ext cx="9828000" cy="1620000"/>
+            <a:off x="39153" y="3335529"/>
+            <a:ext cx="9828000" cy="2203121"/>
           </a:xfrm>
           <a:prstGeom prst="rect">
             <a:avLst/>
@@ -14604,13 +15511,50 @@
                   <a:schemeClr val="tx1"/>
                 </a:solidFill>
               </a:rPr>
-              <a:t>The file will appear in Media Vault once it has uploaded</a:t>
-            </a:r>
-            <a:endParaRPr lang="en-AU" sz="2000" dirty="0" smtClean="0">
-              <a:solidFill>
-                <a:schemeClr val="tx1"/>
-              </a:solidFill>
-            </a:endParaRPr>
+              <a:t>After clicking the upload button, a file explorer will appear</a:t>
+            </a:r>
+          </a:p>
+          <a:p>
+            <a:pPr marL="179388" indent="-179388">
+              <a:buFont typeface="Arial" pitchFamily="34" charset="0"/>
+              <a:buChar char="•"/>
+            </a:pPr>
+            <a:r>
+              <a:rPr lang="en-AU" sz="2000" dirty="0" smtClean="0">
+                <a:solidFill>
+                  <a:schemeClr val="tx1"/>
+                </a:solidFill>
+              </a:rPr>
+              <a:t>The user should only be able to pick one file (not a folder)</a:t>
+            </a:r>
+          </a:p>
+          <a:p>
+            <a:pPr marL="179388" indent="-179388">
+              <a:buFont typeface="Arial" pitchFamily="34" charset="0"/>
+              <a:buChar char="•"/>
+            </a:pPr>
+            <a:r>
+              <a:rPr lang="en-AU" sz="2000" dirty="0" smtClean="0">
+                <a:solidFill>
+                  <a:schemeClr val="tx1"/>
+                </a:solidFill>
+              </a:rPr>
+              <a:t>That file should now appear in the Media Vault</a:t>
+            </a:r>
+          </a:p>
+          <a:p>
+            <a:pPr marL="179388" indent="-179388">
+              <a:buFont typeface="Arial" pitchFamily="34" charset="0"/>
+              <a:buChar char="•"/>
+            </a:pPr>
+            <a:r>
+              <a:rPr lang="en-AU" sz="2000" dirty="0" smtClean="0">
+                <a:solidFill>
+                  <a:schemeClr val="tx1"/>
+                </a:solidFill>
+              </a:rPr>
+              <a:t>ANY ERRORS SHOULD BE DISPLAYED IN A USER FRIENDLY CONTEXT</a:t>
+            </a:r>
           </a:p>
         </p:txBody>
       </p:sp>
@@ -14663,12 +15607,12 @@
           <a:p>
             <a:pPr algn="ctr"/>
             <a:r>
-              <a:rPr lang="en-AU" sz="2000" dirty="0" smtClean="0">
-                <a:solidFill>
-                  <a:schemeClr val="tx1"/>
-                </a:solidFill>
-              </a:rPr>
-              <a:t>8</a:t>
+              <a:rPr lang="en-AU" sz="2000" dirty="0">
+                <a:solidFill>
+                  <a:schemeClr val="tx1"/>
+                </a:solidFill>
+              </a:rPr>
+              <a:t>2</a:t>
             </a:r>
             <a:endParaRPr lang="en-AU" sz="2000" dirty="0">
               <a:solidFill>
@@ -14751,8 +15695,8 @@
         </p:nvSpPr>
         <p:spPr>
           <a:xfrm>
-            <a:off x="39153" y="5128590"/>
-            <a:ext cx="9828000" cy="1620000"/>
+            <a:off x="39153" y="5839096"/>
+            <a:ext cx="9828000" cy="909493"/>
           </a:xfrm>
           <a:prstGeom prst="rect">
             <a:avLst/>
@@ -14897,7 +15841,7 @@
                   <a:schemeClr val="tx1"/>
                 </a:solidFill>
               </a:rPr>
-              <a:t>7</a:t>
+              <a:t>6B</a:t>
             </a:r>
             <a:endParaRPr lang="en-AU" sz="2000" dirty="0">
               <a:solidFill>
@@ -14955,7 +15899,15 @@
             <a:pPr algn="ctr"/>
             <a:r>
               <a:rPr lang="en-AU" sz="2800" dirty="0" smtClean="0"/>
-              <a:t>Add a folder</a:t>
+              <a:t>Upload a File </a:t>
+            </a:r>
+            <a:r>
+              <a:rPr lang="mr-IN" sz="2800" dirty="0" smtClean="0"/>
+              <a:t>–</a:t>
+            </a:r>
+            <a:r>
+              <a:rPr lang="en-AU" sz="2800" dirty="0" smtClean="0"/>
+              <a:t> drag and drop</a:t>
             </a:r>
             <a:endParaRPr lang="en-AU" sz="2800" dirty="0"/>
           </a:p>
@@ -15015,7 +15967,7 @@
                   <a:schemeClr val="tx1"/>
                 </a:solidFill>
               </a:rPr>
-              <a:t>As a Media Vault user, I want to add a folder so that I can organise my files.</a:t>
+              <a:t>As a Media Vault user, I want to upload a file by dragging and dropping them into the website, so that I can access this file from any device using the Media Vault website.</a:t>
             </a:r>
           </a:p>
           <a:p>
@@ -15106,7 +16058,35 @@
                   <a:schemeClr val="tx1"/>
                 </a:solidFill>
               </a:rPr>
-              <a:t>A file will appear, letting the user pick its name, once the user has clicked the option to create a folder.</a:t>
+              <a:t>The user can drag and drop a file to the Media Vault website</a:t>
+            </a:r>
+          </a:p>
+          <a:p>
+            <a:pPr marL="179388" indent="-179388">
+              <a:buFont typeface="Arial" pitchFamily="34" charset="0"/>
+              <a:buChar char="•"/>
+            </a:pPr>
+            <a:r>
+              <a:rPr lang="en-AU" sz="2000" dirty="0" smtClean="0">
+                <a:solidFill>
+                  <a:schemeClr val="tx1"/>
+                </a:solidFill>
+              </a:rPr>
+              <a:t>This file will upload</a:t>
+            </a:r>
+          </a:p>
+          <a:p>
+            <a:pPr marL="179388" indent="-179388">
+              <a:buFont typeface="Arial" pitchFamily="34" charset="0"/>
+              <a:buChar char="•"/>
+            </a:pPr>
+            <a:r>
+              <a:rPr lang="en-AU" sz="2000" dirty="0" smtClean="0">
+                <a:solidFill>
+                  <a:schemeClr val="tx1"/>
+                </a:solidFill>
+              </a:rPr>
+              <a:t>ANY ERRORS SHOULD BE DISPLAYED IN A USER FRIENDLY CONTEXT</a:t>
             </a:r>
             <a:endParaRPr lang="en-AU" sz="2000" dirty="0" smtClean="0">
               <a:solidFill>
@@ -15165,12 +16145,12 @@
           <a:p>
             <a:pPr algn="ctr"/>
             <a:r>
-              <a:rPr lang="en-AU" sz="2000" dirty="0" smtClean="0">
-                <a:solidFill>
-                  <a:schemeClr val="tx1"/>
-                </a:solidFill>
-              </a:rPr>
-              <a:t>4</a:t>
+              <a:rPr lang="en-AU" sz="2000" dirty="0">
+                <a:solidFill>
+                  <a:schemeClr val="tx1"/>
+                </a:solidFill>
+              </a:rPr>
+              <a:t>2</a:t>
             </a:r>
             <a:endParaRPr lang="en-AU" sz="2000" dirty="0">
               <a:solidFill>
@@ -15235,7 +16215,7 @@
                   <a:schemeClr val="tx1"/>
                 </a:solidFill>
               </a:rPr>
-              <a:t>Should</a:t>
+              <a:t>want</a:t>
             </a:r>
             <a:endParaRPr lang="en-AU" sz="2000" dirty="0">
               <a:solidFill>
@@ -15309,7 +16289,7 @@
     </p:spTree>
     <p:extLst>
       <p:ext uri="{BB962C8B-B14F-4D97-AF65-F5344CB8AC3E}">
-        <p14:creationId xmlns:p14="http://schemas.microsoft.com/office/powerpoint/2010/main" val="542512747"/>
+        <p14:creationId xmlns:p14="http://schemas.microsoft.com/office/powerpoint/2010/main" val="865503276"/>
       </p:ext>
     </p:extLst>
   </p:cSld>

--- a/Stories/Story Cards.pptx
+++ b/Stories/Story Cards.pptx
@@ -5,7 +5,7 @@
     <p:sldMasterId id="2147483648" r:id="rId1"/>
   </p:sldMasterIdLst>
   <p:notesMasterIdLst>
-    <p:notesMasterId r:id="rId28"/>
+    <p:notesMasterId r:id="rId29"/>
   </p:notesMasterIdLst>
   <p:sldIdLst>
     <p:sldId id="258" r:id="rId2"/>
@@ -22,18 +22,19 @@
     <p:sldId id="286" r:id="rId13"/>
     <p:sldId id="279" r:id="rId14"/>
     <p:sldId id="278" r:id="rId15"/>
-    <p:sldId id="271" r:id="rId16"/>
-    <p:sldId id="267" r:id="rId17"/>
-    <p:sldId id="270" r:id="rId18"/>
-    <p:sldId id="261" r:id="rId19"/>
-    <p:sldId id="273" r:id="rId20"/>
-    <p:sldId id="287" r:id="rId21"/>
-    <p:sldId id="276" r:id="rId22"/>
-    <p:sldId id="288" r:id="rId23"/>
-    <p:sldId id="289" r:id="rId24"/>
-    <p:sldId id="272" r:id="rId25"/>
-    <p:sldId id="269" r:id="rId26"/>
-    <p:sldId id="277" r:id="rId27"/>
+    <p:sldId id="290" r:id="rId16"/>
+    <p:sldId id="271" r:id="rId17"/>
+    <p:sldId id="267" r:id="rId18"/>
+    <p:sldId id="270" r:id="rId19"/>
+    <p:sldId id="261" r:id="rId20"/>
+    <p:sldId id="273" r:id="rId21"/>
+    <p:sldId id="287" r:id="rId22"/>
+    <p:sldId id="276" r:id="rId23"/>
+    <p:sldId id="288" r:id="rId24"/>
+    <p:sldId id="289" r:id="rId25"/>
+    <p:sldId id="272" r:id="rId26"/>
+    <p:sldId id="269" r:id="rId27"/>
+    <p:sldId id="277" r:id="rId28"/>
   </p:sldIdLst>
   <p:sldSz cx="9906000" cy="6858000" type="A4"/>
   <p:notesSz cx="6858000" cy="9144000"/>
@@ -4435,6 +4436,20 @@
               </a:rPr>
               <a:t>The file will open once clicked, the pdf should display so that it can be read.</a:t>
             </a:r>
+          </a:p>
+          <a:p>
+            <a:pPr marL="179388" indent="-179388">
+              <a:buFont typeface="Arial" pitchFamily="34" charset="0"/>
+              <a:buChar char="•"/>
+            </a:pPr>
+            <a:r>
+              <a:rPr lang="en-AU" sz="2000" dirty="0" smtClean="0">
+                <a:solidFill>
+                  <a:schemeClr val="tx1"/>
+                </a:solidFill>
+              </a:rPr>
+              <a:t>There should be a home button, so the user can go back</a:t>
+            </a:r>
             <a:endParaRPr lang="en-AU" sz="2000" dirty="0" smtClean="0">
               <a:solidFill>
                 <a:schemeClr val="tx1"/>
@@ -4937,6 +4952,20 @@
               </a:rPr>
               <a:t>The file will open once clicked, the eBook should display so that it can be read.</a:t>
             </a:r>
+          </a:p>
+          <a:p>
+            <a:pPr marL="179388" indent="-179388">
+              <a:buFont typeface="Arial" pitchFamily="34" charset="0"/>
+              <a:buChar char="•"/>
+            </a:pPr>
+            <a:r>
+              <a:rPr lang="en-AU" sz="2000" dirty="0">
+                <a:solidFill>
+                  <a:schemeClr val="tx1"/>
+                </a:solidFill>
+              </a:rPr>
+              <a:t>There should be a home button, so the user can go back</a:t>
+            </a:r>
             <a:endParaRPr lang="en-AU" sz="2000" dirty="0" smtClean="0">
               <a:solidFill>
                 <a:schemeClr val="tx1"/>
@@ -5472,7 +5501,23 @@
                   <a:schemeClr val="tx1"/>
                 </a:solidFill>
               </a:rPr>
-              <a:t>There should a home button, so that the user</a:t>
+              <a:t>There should a home button, so that the </a:t>
+            </a:r>
+            <a:r>
+              <a:rPr lang="en-AU" sz="2000" dirty="0" smtClean="0">
+                <a:solidFill>
+                  <a:schemeClr val="tx1"/>
+                </a:solidFill>
+              </a:rPr>
+              <a:t>user</a:t>
+            </a:r>
+            <a:r>
+              <a:rPr lang="en-AU" sz="2000" dirty="0">
+                <a:solidFill>
+                  <a:schemeClr val="tx1"/>
+                </a:solidFill>
+              </a:rPr>
+              <a:t> can go back</a:t>
             </a:r>
           </a:p>
         </p:txBody>
@@ -5983,7 +6028,23 @@
                   <a:schemeClr val="tx1"/>
                 </a:solidFill>
               </a:rPr>
-              <a:t>There should a home button, so that the user</a:t>
+              <a:t>There should a home button, so that the </a:t>
+            </a:r>
+            <a:r>
+              <a:rPr lang="en-AU" sz="2000" dirty="0" smtClean="0">
+                <a:solidFill>
+                  <a:schemeClr val="tx1"/>
+                </a:solidFill>
+              </a:rPr>
+              <a:t>user can </a:t>
+            </a:r>
+            <a:r>
+              <a:rPr lang="en-AU" sz="2000" dirty="0">
+                <a:solidFill>
+                  <a:schemeClr val="tx1"/>
+                </a:solidFill>
+              </a:rPr>
+              <a:t>go back</a:t>
             </a:r>
           </a:p>
           <a:p>
@@ -6282,7 +6343,7 @@
                   <a:schemeClr val="tx1"/>
                 </a:solidFill>
               </a:rPr>
-              <a:t>11</a:t>
+              <a:t>10B</a:t>
             </a:r>
             <a:endParaRPr lang="en-AU" sz="2000" dirty="0">
               <a:solidFill>
@@ -6340,7 +6401,7 @@
             <a:pPr algn="ctr"/>
             <a:r>
               <a:rPr lang="en-AU" sz="2800" dirty="0" smtClean="0"/>
-              <a:t>Delete a File</a:t>
+              <a:t>Open my Folder</a:t>
             </a:r>
             <a:endParaRPr lang="en-AU" sz="2800" dirty="0"/>
           </a:p>
@@ -6400,7 +6461,7 @@
                   <a:schemeClr val="tx1"/>
                 </a:solidFill>
               </a:rPr>
-              <a:t>As a Media Vault user, I want to have website functions that would allow me to delete a file so that I can free up my storage space or remove the file if I no longer need it.</a:t>
+              <a:t>As a Media Vault user, I want to open my folder so that I can view its contents.</a:t>
             </a:r>
           </a:p>
           <a:p>
@@ -6491,7 +6552,7 @@
                   <a:schemeClr val="tx1"/>
                 </a:solidFill>
               </a:rPr>
-              <a:t>Once the user clicks the delete button an “are you sure?” message should appear</a:t>
+              <a:t>The folder will open once clicked</a:t>
             </a:r>
           </a:p>
           <a:p>
@@ -6500,27 +6561,32 @@
               <a:buChar char="•"/>
             </a:pPr>
             <a:r>
-              <a:rPr lang="en-AU" sz="2000" dirty="0" smtClean="0">
-                <a:solidFill>
-                  <a:schemeClr val="tx1"/>
-                </a:solidFill>
-              </a:rPr>
-              <a:t>The file is delete if they clicked yes</a:t>
-            </a:r>
+              <a:rPr lang="en-AU" sz="2000" dirty="0">
+                <a:solidFill>
+                  <a:schemeClr val="tx1"/>
+                </a:solidFill>
+              </a:rPr>
+              <a:t>There should a home button, so that the </a:t>
+            </a:r>
+            <a:r>
+              <a:rPr lang="en-AU" sz="2000" dirty="0" smtClean="0">
+                <a:solidFill>
+                  <a:schemeClr val="tx1"/>
+                </a:solidFill>
+              </a:rPr>
+              <a:t>user can go back</a:t>
+            </a:r>
+            <a:endParaRPr lang="en-AU" sz="2000" dirty="0">
+              <a:solidFill>
+                <a:schemeClr val="tx1"/>
+              </a:solidFill>
+            </a:endParaRPr>
           </a:p>
           <a:p>
             <a:pPr marL="179388" indent="-179388">
               <a:buFont typeface="Arial" pitchFamily="34" charset="0"/>
               <a:buChar char="•"/>
             </a:pPr>
-            <a:r>
-              <a:rPr lang="en-AU" sz="2000" dirty="0" smtClean="0">
-                <a:solidFill>
-                  <a:schemeClr val="tx1"/>
-                </a:solidFill>
-              </a:rPr>
-              <a:t>The file remains there if they click no </a:t>
-            </a:r>
             <a:endParaRPr lang="en-AU" sz="2000" dirty="0" smtClean="0">
               <a:solidFill>
                 <a:schemeClr val="tx1"/>
@@ -6583,7 +6649,7 @@
                   <a:schemeClr val="tx1"/>
                 </a:solidFill>
               </a:rPr>
-              <a:t>4</a:t>
+              <a:t>1</a:t>
             </a:r>
             <a:endParaRPr lang="en-AU" sz="2000" dirty="0">
               <a:solidFill>
@@ -6648,7 +6714,7 @@
                   <a:schemeClr val="tx1"/>
                 </a:solidFill>
               </a:rPr>
-              <a:t>Must</a:t>
+              <a:t>should</a:t>
             </a:r>
             <a:endParaRPr lang="en-AU" sz="2000" dirty="0">
               <a:solidFill>
@@ -6722,7 +6788,7 @@
     </p:spTree>
     <p:extLst>
       <p:ext uri="{BB962C8B-B14F-4D97-AF65-F5344CB8AC3E}">
-        <p14:creationId xmlns:p14="http://schemas.microsoft.com/office/powerpoint/2010/main" val="1089856927"/>
+        <p14:creationId xmlns:p14="http://schemas.microsoft.com/office/powerpoint/2010/main" val="821357610"/>
       </p:ext>
     </p:extLst>
   </p:cSld>
@@ -6812,7 +6878,7 @@
                   <a:schemeClr val="tx1"/>
                 </a:solidFill>
               </a:rPr>
-              <a:t>12</a:t>
+              <a:t>11</a:t>
             </a:r>
             <a:endParaRPr lang="en-AU" sz="2000" dirty="0">
               <a:solidFill>
@@ -6870,7 +6936,7 @@
             <a:pPr algn="ctr"/>
             <a:r>
               <a:rPr lang="en-AU" sz="2800" dirty="0" smtClean="0"/>
-              <a:t>Edit a File Name</a:t>
+              <a:t>Delete a File</a:t>
             </a:r>
             <a:endParaRPr lang="en-AU" sz="2800" dirty="0"/>
           </a:p>
@@ -6930,7 +6996,7 @@
                   <a:schemeClr val="tx1"/>
                 </a:solidFill>
               </a:rPr>
-              <a:t>As a Media Vault user, I want to edit a file name so that I can rename it to a different name.</a:t>
+              <a:t>As a Media Vault user, I want to have website functions that would allow me to delete a file so that I can free up my storage space or remove the file if I no longer need it.</a:t>
             </a:r>
           </a:p>
           <a:p>
@@ -7021,7 +7087,7 @@
                   <a:schemeClr val="tx1"/>
                 </a:solidFill>
               </a:rPr>
-              <a:t>The user will click a rename button</a:t>
+              <a:t>Once the user clicks the delete button an “are you sure?” message should appear</a:t>
             </a:r>
           </a:p>
           <a:p>
@@ -7035,7 +7101,21 @@
                   <a:schemeClr val="tx1"/>
                 </a:solidFill>
               </a:rPr>
-              <a:t>The file name will change upon the user editing it</a:t>
+              <a:t>The file is delete if they clicked yes</a:t>
+            </a:r>
+          </a:p>
+          <a:p>
+            <a:pPr marL="179388" indent="-179388">
+              <a:buFont typeface="Arial" pitchFamily="34" charset="0"/>
+              <a:buChar char="•"/>
+            </a:pPr>
+            <a:r>
+              <a:rPr lang="en-AU" sz="2000" dirty="0" smtClean="0">
+                <a:solidFill>
+                  <a:schemeClr val="tx1"/>
+                </a:solidFill>
+              </a:rPr>
+              <a:t>The file remains there if they click no </a:t>
             </a:r>
             <a:endParaRPr lang="en-AU" sz="2000" dirty="0" smtClean="0">
               <a:solidFill>
@@ -7099,7 +7179,7 @@
                   <a:schemeClr val="tx1"/>
                 </a:solidFill>
               </a:rPr>
-              <a:t>1</a:t>
+              <a:t>4</a:t>
             </a:r>
             <a:endParaRPr lang="en-AU" sz="2000" dirty="0">
               <a:solidFill>
@@ -7164,7 +7244,7 @@
                   <a:schemeClr val="tx1"/>
                 </a:solidFill>
               </a:rPr>
-              <a:t>Should</a:t>
+              <a:t>Must</a:t>
             </a:r>
             <a:endParaRPr lang="en-AU" sz="2000" dirty="0">
               <a:solidFill>
@@ -7238,7 +7318,7 @@
     </p:spTree>
     <p:extLst>
       <p:ext uri="{BB962C8B-B14F-4D97-AF65-F5344CB8AC3E}">
-        <p14:creationId xmlns:p14="http://schemas.microsoft.com/office/powerpoint/2010/main" val="1538368623"/>
+        <p14:creationId xmlns:p14="http://schemas.microsoft.com/office/powerpoint/2010/main" val="1089856927"/>
       </p:ext>
     </p:extLst>
   </p:cSld>
@@ -7328,7 +7408,7 @@
                   <a:schemeClr val="tx1"/>
                 </a:solidFill>
               </a:rPr>
-              <a:t>13</a:t>
+              <a:t>12</a:t>
             </a:r>
             <a:endParaRPr lang="en-AU" sz="2000" dirty="0">
               <a:solidFill>
@@ -7386,7 +7466,7 @@
             <a:pPr algn="ctr"/>
             <a:r>
               <a:rPr lang="en-AU" sz="2800" dirty="0" smtClean="0"/>
-              <a:t>Search a File</a:t>
+              <a:t>Edit a File Name</a:t>
             </a:r>
             <a:endParaRPr lang="en-AU" sz="2800" dirty="0"/>
           </a:p>
@@ -7446,7 +7526,7 @@
                   <a:schemeClr val="tx1"/>
                 </a:solidFill>
               </a:rPr>
-              <a:t>As a Media Vault user, I want to search through my files so that I can find specific files quicker.</a:t>
+              <a:t>As a Media Vault user, I want to edit a file name so that I can rename it to a different name.</a:t>
             </a:r>
           </a:p>
           <a:p>
@@ -7537,7 +7617,7 @@
                   <a:schemeClr val="tx1"/>
                 </a:solidFill>
               </a:rPr>
-              <a:t>There will be a search box at the top</a:t>
+              <a:t>The user will click a rename button</a:t>
             </a:r>
           </a:p>
           <a:p>
@@ -7551,7 +7631,7 @@
                   <a:schemeClr val="tx1"/>
                 </a:solidFill>
               </a:rPr>
-              <a:t>The user will enter search terms and click ”Search”</a:t>
+              <a:t>The file name will change upon the user editing it</a:t>
             </a:r>
             <a:endParaRPr lang="en-AU" sz="2000" dirty="0" smtClean="0">
               <a:solidFill>
@@ -7559,18 +7639,189 @@
               </a:solidFill>
             </a:endParaRPr>
           </a:p>
-          <a:p>
-            <a:pPr marL="179388" indent="-179388">
-              <a:buFont typeface="Arial" pitchFamily="34" charset="0"/>
-              <a:buChar char="•"/>
-            </a:pPr>
-            <a:r>
-              <a:rPr lang="en-AU" sz="2000" dirty="0" smtClean="0">
-                <a:solidFill>
-                  <a:schemeClr val="tx1"/>
-                </a:solidFill>
-              </a:rPr>
-              <a:t>The current view of the files will filter according to the user’s search terms</a:t>
+        </p:txBody>
+      </p:sp>
+      <p:sp>
+        <p:nvSpPr>
+          <p:cNvPr id="11" name="Rectangle 10"/>
+          <p:cNvSpPr/>
+          <p:nvPr/>
+        </p:nvSpPr>
+        <p:spPr>
+          <a:xfrm>
+            <a:off x="9147153" y="109410"/>
+            <a:ext cx="720000" cy="540000"/>
+          </a:xfrm>
+          <a:prstGeom prst="rect">
+            <a:avLst/>
+          </a:prstGeom>
+          <a:solidFill>
+            <a:srgbClr val="CCF0CD">
+              <a:alpha val="20000"/>
+            </a:srgbClr>
+          </a:solidFill>
+          <a:ln>
+            <a:solidFill>
+              <a:schemeClr val="accent1">
+                <a:lumMod val="50000"/>
+              </a:schemeClr>
+            </a:solidFill>
+          </a:ln>
+        </p:spPr>
+        <p:style>
+          <a:lnRef idx="2">
+            <a:schemeClr val="accent1">
+              <a:shade val="50000"/>
+            </a:schemeClr>
+          </a:lnRef>
+          <a:fillRef idx="1">
+            <a:schemeClr val="accent1"/>
+          </a:fillRef>
+          <a:effectRef idx="0">
+            <a:schemeClr val="accent1"/>
+          </a:effectRef>
+          <a:fontRef idx="minor">
+            <a:schemeClr val="lt1"/>
+          </a:fontRef>
+        </p:style>
+        <p:txBody>
+          <a:bodyPr wrap="square" lIns="0" rIns="0" rtlCol="0" anchor="ctr"/>
+          <a:lstStyle/>
+          <a:p>
+            <a:pPr algn="ctr"/>
+            <a:r>
+              <a:rPr lang="en-AU" sz="2000" dirty="0" smtClean="0">
+                <a:solidFill>
+                  <a:schemeClr val="tx1"/>
+                </a:solidFill>
+              </a:rPr>
+              <a:t>1</a:t>
+            </a:r>
+            <a:endParaRPr lang="en-AU" sz="2000" dirty="0">
+              <a:solidFill>
+                <a:schemeClr val="tx1"/>
+              </a:solidFill>
+            </a:endParaRPr>
+          </a:p>
+        </p:txBody>
+      </p:sp>
+      <p:sp>
+        <p:nvSpPr>
+          <p:cNvPr id="12" name="Rectangle 11"/>
+          <p:cNvSpPr/>
+          <p:nvPr/>
+        </p:nvSpPr>
+        <p:spPr>
+          <a:xfrm>
+            <a:off x="8283153" y="109410"/>
+            <a:ext cx="792000" cy="540000"/>
+          </a:xfrm>
+          <a:prstGeom prst="rect">
+            <a:avLst/>
+          </a:prstGeom>
+          <a:solidFill>
+            <a:schemeClr val="accent4">
+              <a:lumMod val="20000"/>
+              <a:lumOff val="80000"/>
+            </a:schemeClr>
+          </a:solidFill>
+          <a:ln>
+            <a:solidFill>
+              <a:schemeClr val="accent1">
+                <a:lumMod val="50000"/>
+              </a:schemeClr>
+            </a:solidFill>
+          </a:ln>
+        </p:spPr>
+        <p:style>
+          <a:lnRef idx="2">
+            <a:schemeClr val="accent1">
+              <a:shade val="50000"/>
+            </a:schemeClr>
+          </a:lnRef>
+          <a:fillRef idx="1">
+            <a:schemeClr val="accent1"/>
+          </a:fillRef>
+          <a:effectRef idx="0">
+            <a:schemeClr val="accent1"/>
+          </a:effectRef>
+          <a:fontRef idx="minor">
+            <a:schemeClr val="lt1"/>
+          </a:fontRef>
+        </p:style>
+        <p:txBody>
+          <a:bodyPr wrap="none" lIns="0" rIns="0" rtlCol="0" anchor="ctr"/>
+          <a:lstStyle/>
+          <a:p>
+            <a:pPr algn="ctr"/>
+            <a:r>
+              <a:rPr lang="en-AU" sz="2000" dirty="0" smtClean="0">
+                <a:solidFill>
+                  <a:schemeClr val="tx1"/>
+                </a:solidFill>
+              </a:rPr>
+              <a:t>Should</a:t>
+            </a:r>
+            <a:endParaRPr lang="en-AU" sz="2000" dirty="0">
+              <a:solidFill>
+                <a:schemeClr val="tx1"/>
+              </a:solidFill>
+            </a:endParaRPr>
+          </a:p>
+        </p:txBody>
+      </p:sp>
+      <p:sp>
+        <p:nvSpPr>
+          <p:cNvPr id="13" name="Rectangle 12"/>
+          <p:cNvSpPr/>
+          <p:nvPr/>
+        </p:nvSpPr>
+        <p:spPr>
+          <a:xfrm>
+            <a:off x="39153" y="5128590"/>
+            <a:ext cx="9828000" cy="1620000"/>
+          </a:xfrm>
+          <a:prstGeom prst="rect">
+            <a:avLst/>
+          </a:prstGeom>
+          <a:solidFill>
+            <a:schemeClr val="bg1"/>
+          </a:solidFill>
+          <a:ln>
+            <a:solidFill>
+              <a:schemeClr val="accent1">
+                <a:lumMod val="50000"/>
+              </a:schemeClr>
+            </a:solidFill>
+          </a:ln>
+        </p:spPr>
+        <p:style>
+          <a:lnRef idx="2">
+            <a:schemeClr val="accent1">
+              <a:shade val="50000"/>
+            </a:schemeClr>
+          </a:lnRef>
+          <a:fillRef idx="1">
+            <a:schemeClr val="accent1"/>
+          </a:fillRef>
+          <a:effectRef idx="0">
+            <a:schemeClr val="accent1"/>
+          </a:effectRef>
+          <a:fontRef idx="minor">
+            <a:schemeClr val="lt1"/>
+          </a:fontRef>
+        </p:style>
+        <p:txBody>
+          <a:bodyPr tIns="36000" rtlCol="0" anchor="t" anchorCtr="0"/>
+          <a:lstStyle/>
+          <a:p>
+            <a:r>
+              <a:rPr lang="en-AU" sz="2000" dirty="0" smtClean="0">
+                <a:solidFill>
+                  <a:schemeClr val="tx1"/>
+                </a:solidFill>
+              </a:rPr>
+              <a:t>Notes</a:t>
             </a:r>
             <a:endParaRPr lang="en-AU" sz="2000" dirty="0" smtClean="0">
               <a:solidFill>
@@ -7580,200 +7831,10 @@
           </a:p>
         </p:txBody>
       </p:sp>
-      <p:sp>
-        <p:nvSpPr>
-          <p:cNvPr id="11" name="Rectangle 10"/>
-          <p:cNvSpPr/>
-          <p:nvPr/>
-        </p:nvSpPr>
-        <p:spPr>
-          <a:xfrm>
-            <a:off x="9147153" y="109410"/>
-            <a:ext cx="720000" cy="540000"/>
-          </a:xfrm>
-          <a:prstGeom prst="rect">
-            <a:avLst/>
-          </a:prstGeom>
-          <a:solidFill>
-            <a:srgbClr val="CCF0CD">
-              <a:alpha val="20000"/>
-            </a:srgbClr>
-          </a:solidFill>
-          <a:ln>
-            <a:solidFill>
-              <a:schemeClr val="accent1">
-                <a:lumMod val="50000"/>
-              </a:schemeClr>
-            </a:solidFill>
-          </a:ln>
-        </p:spPr>
-        <p:style>
-          <a:lnRef idx="2">
-            <a:schemeClr val="accent1">
-              <a:shade val="50000"/>
-            </a:schemeClr>
-          </a:lnRef>
-          <a:fillRef idx="1">
-            <a:schemeClr val="accent1"/>
-          </a:fillRef>
-          <a:effectRef idx="0">
-            <a:schemeClr val="accent1"/>
-          </a:effectRef>
-          <a:fontRef idx="minor">
-            <a:schemeClr val="lt1"/>
-          </a:fontRef>
-        </p:style>
-        <p:txBody>
-          <a:bodyPr wrap="square" lIns="0" rIns="0" rtlCol="0" anchor="ctr"/>
-          <a:lstStyle/>
-          <a:p>
-            <a:pPr algn="ctr"/>
-            <a:r>
-              <a:rPr lang="en-AU" sz="2000" dirty="0" smtClean="0">
-                <a:solidFill>
-                  <a:schemeClr val="tx1"/>
-                </a:solidFill>
-              </a:rPr>
-              <a:t>1</a:t>
-            </a:r>
-            <a:endParaRPr lang="en-AU" sz="2000" dirty="0">
-              <a:solidFill>
-                <a:schemeClr val="tx1"/>
-              </a:solidFill>
-            </a:endParaRPr>
-          </a:p>
-        </p:txBody>
-      </p:sp>
-      <p:sp>
-        <p:nvSpPr>
-          <p:cNvPr id="12" name="Rectangle 11"/>
-          <p:cNvSpPr/>
-          <p:nvPr/>
-        </p:nvSpPr>
-        <p:spPr>
-          <a:xfrm>
-            <a:off x="8283153" y="109410"/>
-            <a:ext cx="792000" cy="540000"/>
-          </a:xfrm>
-          <a:prstGeom prst="rect">
-            <a:avLst/>
-          </a:prstGeom>
-          <a:solidFill>
-            <a:schemeClr val="accent4">
-              <a:lumMod val="20000"/>
-              <a:lumOff val="80000"/>
-            </a:schemeClr>
-          </a:solidFill>
-          <a:ln>
-            <a:solidFill>
-              <a:schemeClr val="accent1">
-                <a:lumMod val="50000"/>
-              </a:schemeClr>
-            </a:solidFill>
-          </a:ln>
-        </p:spPr>
-        <p:style>
-          <a:lnRef idx="2">
-            <a:schemeClr val="accent1">
-              <a:shade val="50000"/>
-            </a:schemeClr>
-          </a:lnRef>
-          <a:fillRef idx="1">
-            <a:schemeClr val="accent1"/>
-          </a:fillRef>
-          <a:effectRef idx="0">
-            <a:schemeClr val="accent1"/>
-          </a:effectRef>
-          <a:fontRef idx="minor">
-            <a:schemeClr val="lt1"/>
-          </a:fontRef>
-        </p:style>
-        <p:txBody>
-          <a:bodyPr wrap="none" lIns="0" rIns="0" rtlCol="0" anchor="ctr"/>
-          <a:lstStyle/>
-          <a:p>
-            <a:pPr algn="ctr"/>
-            <a:r>
-              <a:rPr lang="en-AU" sz="2000" dirty="0" smtClean="0">
-                <a:solidFill>
-                  <a:schemeClr val="tx1"/>
-                </a:solidFill>
-              </a:rPr>
-              <a:t>Must</a:t>
-            </a:r>
-            <a:endParaRPr lang="en-AU" sz="2000" dirty="0">
-              <a:solidFill>
-                <a:schemeClr val="tx1"/>
-              </a:solidFill>
-            </a:endParaRPr>
-          </a:p>
-        </p:txBody>
-      </p:sp>
-      <p:sp>
-        <p:nvSpPr>
-          <p:cNvPr id="13" name="Rectangle 12"/>
-          <p:cNvSpPr/>
-          <p:nvPr/>
-        </p:nvSpPr>
-        <p:spPr>
-          <a:xfrm>
-            <a:off x="39153" y="5128590"/>
-            <a:ext cx="9828000" cy="1620000"/>
-          </a:xfrm>
-          <a:prstGeom prst="rect">
-            <a:avLst/>
-          </a:prstGeom>
-          <a:solidFill>
-            <a:schemeClr val="bg1"/>
-          </a:solidFill>
-          <a:ln>
-            <a:solidFill>
-              <a:schemeClr val="accent1">
-                <a:lumMod val="50000"/>
-              </a:schemeClr>
-            </a:solidFill>
-          </a:ln>
-        </p:spPr>
-        <p:style>
-          <a:lnRef idx="2">
-            <a:schemeClr val="accent1">
-              <a:shade val="50000"/>
-            </a:schemeClr>
-          </a:lnRef>
-          <a:fillRef idx="1">
-            <a:schemeClr val="accent1"/>
-          </a:fillRef>
-          <a:effectRef idx="0">
-            <a:schemeClr val="accent1"/>
-          </a:effectRef>
-          <a:fontRef idx="minor">
-            <a:schemeClr val="lt1"/>
-          </a:fontRef>
-        </p:style>
-        <p:txBody>
-          <a:bodyPr tIns="36000" rtlCol="0" anchor="t" anchorCtr="0"/>
-          <a:lstStyle/>
-          <a:p>
-            <a:r>
-              <a:rPr lang="en-AU" sz="2000" dirty="0" smtClean="0">
-                <a:solidFill>
-                  <a:schemeClr val="tx1"/>
-                </a:solidFill>
-              </a:rPr>
-              <a:t>Notes</a:t>
-            </a:r>
-            <a:endParaRPr lang="en-AU" sz="2000" dirty="0" smtClean="0">
-              <a:solidFill>
-                <a:schemeClr val="tx1"/>
-              </a:solidFill>
-            </a:endParaRPr>
-          </a:p>
-        </p:txBody>
-      </p:sp>
     </p:spTree>
     <p:extLst>
       <p:ext uri="{BB962C8B-B14F-4D97-AF65-F5344CB8AC3E}">
-        <p14:creationId xmlns:p14="http://schemas.microsoft.com/office/powerpoint/2010/main" val="576746551"/>
+        <p14:creationId xmlns:p14="http://schemas.microsoft.com/office/powerpoint/2010/main" val="1538368623"/>
       </p:ext>
     </p:extLst>
   </p:cSld>
@@ -7863,7 +7924,7 @@
                   <a:schemeClr val="tx1"/>
                 </a:solidFill>
               </a:rPr>
-              <a:t>14</a:t>
+              <a:t>13</a:t>
             </a:r>
             <a:endParaRPr lang="en-AU" sz="2000" dirty="0">
               <a:solidFill>
@@ -7887,6 +7948,9 @@
           <a:prstGeom prst="rect">
             <a:avLst/>
           </a:prstGeom>
+          <a:solidFill>
+            <a:schemeClr val="accent3"/>
+          </a:solidFill>
           <a:ln>
             <a:solidFill>
               <a:schemeClr val="accent1">
@@ -7918,7 +7982,7 @@
             <a:pPr algn="ctr"/>
             <a:r>
               <a:rPr lang="en-AU" sz="2800" dirty="0" smtClean="0"/>
-              <a:t>Add/Edit Meta Data to Uploaded File</a:t>
+              <a:t>Search a File</a:t>
             </a:r>
             <a:endParaRPr lang="en-AU" sz="2800" dirty="0"/>
           </a:p>
@@ -7978,14 +8042,27 @@
                   <a:schemeClr val="tx1"/>
                 </a:solidFill>
               </a:rPr>
-              <a:t>As a Media Vault user, I want to add/edit user friendly meta data to a file I have uploaded so that this file will appear when I search my files with similar meta data.</a:t>
-            </a:r>
+              <a:t>As a Media Vault user, I want to search through my files so that I can find specific files quicker.</a:t>
+            </a:r>
+          </a:p>
+          <a:p>
             <a:endParaRPr lang="en-AU" sz="2400" dirty="0" smtClean="0">
               <a:solidFill>
                 <a:schemeClr val="tx1"/>
               </a:solidFill>
             </a:endParaRPr>
           </a:p>
+          <a:p>
+            <a:pPr marL="342900" indent="-342900">
+              <a:buFont typeface="Arial" charset="0"/>
+              <a:buChar char="•"/>
+            </a:pPr>
+            <a:endParaRPr lang="en-AU" sz="2400" dirty="0" smtClean="0">
+              <a:solidFill>
+                <a:schemeClr val="tx1"/>
+              </a:solidFill>
+            </a:endParaRPr>
+          </a:p>
         </p:txBody>
       </p:sp>
       <p:sp>
@@ -8056,7 +8133,7 @@
                   <a:schemeClr val="tx1"/>
                 </a:solidFill>
               </a:rPr>
-              <a:t>The user can add certain information (meta data) to uploaded files when clicking the “category button”</a:t>
+              <a:t>There will be a search box at the top</a:t>
             </a:r>
           </a:p>
           <a:p>
@@ -8070,7 +8147,7 @@
                   <a:schemeClr val="tx1"/>
                 </a:solidFill>
               </a:rPr>
-              <a:t>Performing a search with similar meta data should reveal the relevant files</a:t>
+              <a:t>The user will enter search terms and click ”Search”</a:t>
             </a:r>
             <a:endParaRPr lang="en-AU" sz="2000" dirty="0" smtClean="0">
               <a:solidFill>
@@ -8078,6 +8155,25 @@
               </a:solidFill>
             </a:endParaRPr>
           </a:p>
+          <a:p>
+            <a:pPr marL="179388" indent="-179388">
+              <a:buFont typeface="Arial" pitchFamily="34" charset="0"/>
+              <a:buChar char="•"/>
+            </a:pPr>
+            <a:r>
+              <a:rPr lang="en-AU" sz="2000" dirty="0" smtClean="0">
+                <a:solidFill>
+                  <a:schemeClr val="tx1"/>
+                </a:solidFill>
+              </a:rPr>
+              <a:t>The current view of the files will filter according to the user’s search terms</a:t>
+            </a:r>
+            <a:endParaRPr lang="en-AU" sz="2000" dirty="0" smtClean="0">
+              <a:solidFill>
+                <a:schemeClr val="tx1"/>
+              </a:solidFill>
+            </a:endParaRPr>
+          </a:p>
         </p:txBody>
       </p:sp>
       <p:sp>
@@ -8134,7 +8230,7 @@
                   <a:schemeClr val="tx1"/>
                 </a:solidFill>
               </a:rPr>
-              <a:t>2</a:t>
+              <a:t>1</a:t>
             </a:r>
             <a:endParaRPr lang="en-AU" sz="2000" dirty="0">
               <a:solidFill>
@@ -8262,21 +8358,7 @@
               </a:rPr>
               <a:t>Notes</a:t>
             </a:r>
-          </a:p>
-          <a:p>
-            <a:pPr marL="179388" indent="-179388">
-              <a:buFont typeface="Arial" pitchFamily="34" charset="0"/>
-              <a:buChar char="•"/>
-            </a:pPr>
-            <a:r>
-              <a:rPr lang="en-AU" sz="2000" dirty="0" smtClean="0">
-                <a:solidFill>
-                  <a:schemeClr val="tx1"/>
-                </a:solidFill>
-              </a:rPr>
-              <a:t> </a:t>
-            </a:r>
-            <a:endParaRPr lang="en-AU" sz="2000" dirty="0">
+            <a:endParaRPr lang="en-AU" sz="2000" dirty="0" smtClean="0">
               <a:solidFill>
                 <a:schemeClr val="tx1"/>
               </a:solidFill>
@@ -8287,7 +8369,7 @@
     </p:spTree>
     <p:extLst>
       <p:ext uri="{BB962C8B-B14F-4D97-AF65-F5344CB8AC3E}">
-        <p14:creationId xmlns:p14="http://schemas.microsoft.com/office/powerpoint/2010/main" val="953932189"/>
+        <p14:creationId xmlns:p14="http://schemas.microsoft.com/office/powerpoint/2010/main" val="576746551"/>
       </p:ext>
     </p:extLst>
   </p:cSld>
@@ -8377,7 +8459,7 @@
                   <a:schemeClr val="tx1"/>
                 </a:solidFill>
               </a:rPr>
-              <a:t>16</a:t>
+              <a:t>14</a:t>
             </a:r>
             <a:endParaRPr lang="en-AU" sz="2000" dirty="0">
               <a:solidFill>
@@ -8431,10 +8513,10 @@
           <a:p>
             <a:pPr algn="ctr"/>
             <a:r>
-              <a:rPr lang="en-AU" sz="2000" dirty="0" smtClean="0"/>
-              <a:t>Manually Add Meta Data when Uploading File</a:t>
-            </a:r>
-            <a:endParaRPr lang="en-AU" sz="2000" dirty="0"/>
+              <a:rPr lang="en-AU" sz="2800" dirty="0" smtClean="0"/>
+              <a:t>Add/Edit Meta Data to Uploaded File</a:t>
+            </a:r>
+            <a:endParaRPr lang="en-AU" sz="2800" dirty="0"/>
           </a:p>
         </p:txBody>
       </p:sp>
@@ -8492,7 +8574,7 @@
                   <a:schemeClr val="tx1"/>
                 </a:solidFill>
               </a:rPr>
-              <a:t>As a Media Vault user, I want to add manual information (meta data) to a file that I am uploading, so that performing a search with similar meta data will reveal these files.</a:t>
+              <a:t>As a Media Vault user, I want to add/edit user friendly meta data to a file I have uploaded so that this file will appear when I search my files with similar meta data.</a:t>
             </a:r>
             <a:endParaRPr lang="en-AU" sz="2400" dirty="0" smtClean="0">
               <a:solidFill>
@@ -8570,7 +8652,7 @@
                   <a:schemeClr val="tx1"/>
                 </a:solidFill>
               </a:rPr>
-              <a:t>The user will be asked if they want to add meta data manually once they upload the file</a:t>
+              <a:t>The user can add certain information (meta data) to uploaded files when clicking the “category button”</a:t>
             </a:r>
           </a:p>
           <a:p>
@@ -8648,7 +8730,7 @@
                   <a:schemeClr val="tx1"/>
                 </a:solidFill>
               </a:rPr>
-              <a:t>1</a:t>
+              <a:t>2</a:t>
             </a:r>
             <a:endParaRPr lang="en-AU" sz="2000" dirty="0">
               <a:solidFill>
@@ -8801,7 +8883,7 @@
     </p:spTree>
     <p:extLst>
       <p:ext uri="{BB962C8B-B14F-4D97-AF65-F5344CB8AC3E}">
-        <p14:creationId xmlns:p14="http://schemas.microsoft.com/office/powerpoint/2010/main" val="1524660529"/>
+        <p14:creationId xmlns:p14="http://schemas.microsoft.com/office/powerpoint/2010/main" val="953932189"/>
       </p:ext>
     </p:extLst>
   </p:cSld>
@@ -9405,7 +9487,7 @@
                   <a:schemeClr val="tx1"/>
                 </a:solidFill>
               </a:rPr>
-              <a:t>16B</a:t>
+              <a:t>16</a:t>
             </a:r>
             <a:endParaRPr lang="en-AU" sz="2000" dirty="0">
               <a:solidFill>
@@ -9460,7 +9542,7 @@
             <a:pPr algn="ctr"/>
             <a:r>
               <a:rPr lang="en-AU" sz="2000" dirty="0" smtClean="0"/>
-              <a:t>Automatically Add Meta Data when Uploading File</a:t>
+              <a:t>Manually Add Meta Data when Uploading File</a:t>
             </a:r>
             <a:endParaRPr lang="en-AU" sz="2000" dirty="0"/>
           </a:p>
@@ -9520,7 +9602,7 @@
                   <a:schemeClr val="tx1"/>
                 </a:solidFill>
               </a:rPr>
-              <a:t>As a Media Vault user, I want to automatically add information (meta data) to a file that I am uploading, so that performing a search with similar meta data will reveal these files.</a:t>
+              <a:t>As a Media Vault user, I want to add manual information (meta data) to a file that I am uploading, so that performing a search with similar meta data will reveal these files.</a:t>
             </a:r>
             <a:endParaRPr lang="en-AU" sz="2400" dirty="0" smtClean="0">
               <a:solidFill>
@@ -9538,7 +9620,7 @@
         </p:nvSpPr>
         <p:spPr>
           <a:xfrm>
-            <a:off x="39153" y="3335530"/>
+            <a:off x="39153" y="3348593"/>
             <a:ext cx="9828000" cy="1620000"/>
           </a:xfrm>
           <a:prstGeom prst="rect">
@@ -9598,7 +9680,7 @@
                   <a:schemeClr val="tx1"/>
                 </a:solidFill>
               </a:rPr>
-              <a:t>The meta data will automatically be grabbed off the file details that are being uploaded</a:t>
+              <a:t>The user will be asked if they want to add meta data manually once they upload the file</a:t>
             </a:r>
           </a:p>
           <a:p>
@@ -9676,7 +9758,7 @@
                   <a:schemeClr val="tx1"/>
                 </a:solidFill>
               </a:rPr>
-              <a:t>2</a:t>
+              <a:t>1</a:t>
             </a:r>
             <a:endParaRPr lang="en-AU" sz="2000" dirty="0">
               <a:solidFill>
@@ -9829,7 +9911,7 @@
     </p:spTree>
     <p:extLst>
       <p:ext uri="{BB962C8B-B14F-4D97-AF65-F5344CB8AC3E}">
-        <p14:creationId xmlns:p14="http://schemas.microsoft.com/office/powerpoint/2010/main" val="1565425150"/>
+        <p14:creationId xmlns:p14="http://schemas.microsoft.com/office/powerpoint/2010/main" val="1524660529"/>
       </p:ext>
     </p:extLst>
   </p:cSld>
@@ -9919,7 +10001,7 @@
                   <a:schemeClr val="tx1"/>
                 </a:solidFill>
               </a:rPr>
-              <a:t>17</a:t>
+              <a:t>16B</a:t>
             </a:r>
             <a:endParaRPr lang="en-AU" sz="2000" dirty="0">
               <a:solidFill>
@@ -9973,18 +10055,10 @@
           <a:p>
             <a:pPr algn="ctr"/>
             <a:r>
-              <a:rPr lang="en-AU" sz="2800" dirty="0" smtClean="0"/>
-              <a:t>Sort my Files </a:t>
-            </a:r>
-            <a:r>
-              <a:rPr lang="mr-IN" sz="2800" dirty="0" smtClean="0"/>
-              <a:t>–</a:t>
-            </a:r>
-            <a:r>
-              <a:rPr lang="en-AU" sz="2800" dirty="0" smtClean="0"/>
-              <a:t> By Meta Data</a:t>
-            </a:r>
-            <a:endParaRPr lang="en-AU" sz="2800" dirty="0"/>
+              <a:rPr lang="en-AU" sz="2000" dirty="0" smtClean="0"/>
+              <a:t>Automatically Add Meta Data when Uploading File</a:t>
+            </a:r>
+            <a:endParaRPr lang="en-AU" sz="2000" dirty="0"/>
           </a:p>
         </p:txBody>
       </p:sp>
@@ -10042,7 +10116,7 @@
                   <a:schemeClr val="tx1"/>
                 </a:solidFill>
               </a:rPr>
-              <a:t>As a Media Vault user, I want to sort my files by meta data, so that I can organise and easily access specific files.</a:t>
+              <a:t>As a Media Vault user, I want to automatically add information (meta data) to a file that I am uploading, so that performing a search with similar meta data will reveal these files.</a:t>
             </a:r>
             <a:endParaRPr lang="en-AU" sz="2400" dirty="0" smtClean="0">
               <a:solidFill>
@@ -10120,7 +10194,7 @@
                   <a:schemeClr val="tx1"/>
                 </a:solidFill>
               </a:rPr>
-              <a:t>The user will click a sort by meta data button</a:t>
+              <a:t>The meta data will automatically be grabbed off the file details that are being uploaded</a:t>
             </a:r>
           </a:p>
           <a:p>
@@ -10134,7 +10208,7 @@
                   <a:schemeClr val="tx1"/>
                 </a:solidFill>
               </a:rPr>
-              <a:t>The files should be sorted by the meta data</a:t>
+              <a:t>Performing a search with similar meta data should reveal the relevant files</a:t>
             </a:r>
             <a:endParaRPr lang="en-AU" sz="2000" dirty="0" smtClean="0">
               <a:solidFill>
@@ -10198,7 +10272,7 @@
                   <a:schemeClr val="tx1"/>
                 </a:solidFill>
               </a:rPr>
-              <a:t>1</a:t>
+              <a:t>2</a:t>
             </a:r>
             <a:endParaRPr lang="en-AU" sz="2000" dirty="0">
               <a:solidFill>
@@ -10263,7 +10337,7 @@
                   <a:schemeClr val="tx1"/>
                 </a:solidFill>
               </a:rPr>
-              <a:t>Should</a:t>
+              <a:t>Must</a:t>
             </a:r>
             <a:endParaRPr lang="en-AU" sz="2000" dirty="0">
               <a:solidFill>
@@ -10351,7 +10425,7 @@
     </p:spTree>
     <p:extLst>
       <p:ext uri="{BB962C8B-B14F-4D97-AF65-F5344CB8AC3E}">
-        <p14:creationId xmlns:p14="http://schemas.microsoft.com/office/powerpoint/2010/main" val="2005386061"/>
+        <p14:creationId xmlns:p14="http://schemas.microsoft.com/office/powerpoint/2010/main" val="1565425150"/>
       </p:ext>
     </p:extLst>
   </p:cSld>
@@ -10441,7 +10515,7 @@
                   <a:schemeClr val="tx1"/>
                 </a:solidFill>
               </a:rPr>
-              <a:t>17B</a:t>
+              <a:t>17</a:t>
             </a:r>
             <a:endParaRPr lang="en-AU" sz="2000" dirty="0">
               <a:solidFill>
@@ -10496,7 +10570,15 @@
             <a:pPr algn="ctr"/>
             <a:r>
               <a:rPr lang="en-AU" sz="2800" dirty="0" smtClean="0"/>
-              <a:t>Sort my Files - By Name</a:t>
+              <a:t>Sort my Files </a:t>
+            </a:r>
+            <a:r>
+              <a:rPr lang="mr-IN" sz="2800" dirty="0" smtClean="0"/>
+              <a:t>–</a:t>
+            </a:r>
+            <a:r>
+              <a:rPr lang="en-AU" sz="2800" dirty="0" smtClean="0"/>
+              <a:t> By Meta Data</a:t>
             </a:r>
             <a:endParaRPr lang="en-AU" sz="2800" dirty="0"/>
           </a:p>
@@ -10556,7 +10638,7 @@
                   <a:schemeClr val="tx1"/>
                 </a:solidFill>
               </a:rPr>
-              <a:t>As a Media Vault user, I want to sort my files by file name, so that I can organise and easily access specific files.</a:t>
+              <a:t>As a Media Vault user, I want to sort my files by meta data, so that I can organise and easily access specific files.</a:t>
             </a:r>
             <a:endParaRPr lang="en-AU" sz="2400" dirty="0" smtClean="0">
               <a:solidFill>
@@ -10629,20 +10711,90 @@
               <a:buChar char="•"/>
             </a:pPr>
             <a:r>
-              <a:rPr lang="en-AU" sz="2000" dirty="0">
-                <a:solidFill>
-                  <a:schemeClr val="tx1"/>
-                </a:solidFill>
-              </a:rPr>
-              <a:t>The user will click a sort by </a:t>
-            </a:r>
-            <a:r>
-              <a:rPr lang="en-AU" sz="2000" dirty="0" smtClean="0">
-                <a:solidFill>
-                  <a:schemeClr val="tx1"/>
-                </a:solidFill>
-              </a:rPr>
-              <a:t>name button</a:t>
+              <a:rPr lang="en-AU" sz="2000" dirty="0" smtClean="0">
+                <a:solidFill>
+                  <a:schemeClr val="tx1"/>
+                </a:solidFill>
+              </a:rPr>
+              <a:t>The user will click a sort by meta data button</a:t>
+            </a:r>
+          </a:p>
+          <a:p>
+            <a:pPr marL="179388" indent="-179388">
+              <a:buFont typeface="Arial" pitchFamily="34" charset="0"/>
+              <a:buChar char="•"/>
+            </a:pPr>
+            <a:r>
+              <a:rPr lang="en-AU" sz="2000" dirty="0" smtClean="0">
+                <a:solidFill>
+                  <a:schemeClr val="tx1"/>
+                </a:solidFill>
+              </a:rPr>
+              <a:t>The files should be sorted by the meta data</a:t>
+            </a:r>
+            <a:endParaRPr lang="en-AU" sz="2000" dirty="0" smtClean="0">
+              <a:solidFill>
+                <a:schemeClr val="tx1"/>
+              </a:solidFill>
+            </a:endParaRPr>
+          </a:p>
+        </p:txBody>
+      </p:sp>
+      <p:sp>
+        <p:nvSpPr>
+          <p:cNvPr id="11" name="Rectangle 10"/>
+          <p:cNvSpPr/>
+          <p:nvPr/>
+        </p:nvSpPr>
+        <p:spPr>
+          <a:xfrm>
+            <a:off x="9147153" y="109410"/>
+            <a:ext cx="720000" cy="540000"/>
+          </a:xfrm>
+          <a:prstGeom prst="rect">
+            <a:avLst/>
+          </a:prstGeom>
+          <a:solidFill>
+            <a:srgbClr val="CCF0CD">
+              <a:alpha val="20000"/>
+            </a:srgbClr>
+          </a:solidFill>
+          <a:ln>
+            <a:solidFill>
+              <a:schemeClr val="accent1">
+                <a:lumMod val="50000"/>
+              </a:schemeClr>
+            </a:solidFill>
+          </a:ln>
+        </p:spPr>
+        <p:style>
+          <a:lnRef idx="2">
+            <a:schemeClr val="accent1">
+              <a:shade val="50000"/>
+            </a:schemeClr>
+          </a:lnRef>
+          <a:fillRef idx="1">
+            <a:schemeClr val="accent1"/>
+          </a:fillRef>
+          <a:effectRef idx="0">
+            <a:schemeClr val="accent1"/>
+          </a:effectRef>
+          <a:fontRef idx="minor">
+            <a:schemeClr val="lt1"/>
+          </a:fontRef>
+        </p:style>
+        <p:txBody>
+          <a:bodyPr wrap="square" lIns="0" rIns="0" rtlCol="0" anchor="ctr"/>
+          <a:lstStyle/>
+          <a:p>
+            <a:pPr algn="ctr"/>
+            <a:r>
+              <a:rPr lang="en-AU" sz="2000" dirty="0" smtClean="0">
+                <a:solidFill>
+                  <a:schemeClr val="tx1"/>
+                </a:solidFill>
+              </a:rPr>
+              <a:t>1</a:t>
             </a:r>
             <a:endParaRPr lang="en-AU" sz="2000" dirty="0">
               <a:solidFill>
@@ -10650,26 +10802,64 @@
               </a:solidFill>
             </a:endParaRPr>
           </a:p>
-          <a:p>
-            <a:pPr marL="179388" indent="-179388">
-              <a:buFont typeface="Arial" pitchFamily="34" charset="0"/>
-              <a:buChar char="•"/>
-            </a:pPr>
-            <a:r>
-              <a:rPr lang="en-AU" sz="2000" dirty="0">
-                <a:solidFill>
-                  <a:schemeClr val="tx1"/>
-                </a:solidFill>
-              </a:rPr>
-              <a:t>The files should be sorted by the </a:t>
-            </a:r>
-            <a:r>
-              <a:rPr lang="en-AU" sz="2000" dirty="0" smtClean="0">
-                <a:solidFill>
-                  <a:schemeClr val="tx1"/>
-                </a:solidFill>
-              </a:rPr>
-              <a:t>name</a:t>
+        </p:txBody>
+      </p:sp>
+      <p:sp>
+        <p:nvSpPr>
+          <p:cNvPr id="12" name="Rectangle 11"/>
+          <p:cNvSpPr/>
+          <p:nvPr/>
+        </p:nvSpPr>
+        <p:spPr>
+          <a:xfrm>
+            <a:off x="8283153" y="109410"/>
+            <a:ext cx="792000" cy="540000"/>
+          </a:xfrm>
+          <a:prstGeom prst="rect">
+            <a:avLst/>
+          </a:prstGeom>
+          <a:solidFill>
+            <a:schemeClr val="accent4">
+              <a:lumMod val="20000"/>
+              <a:lumOff val="80000"/>
+            </a:schemeClr>
+          </a:solidFill>
+          <a:ln>
+            <a:solidFill>
+              <a:schemeClr val="accent1">
+                <a:lumMod val="50000"/>
+              </a:schemeClr>
+            </a:solidFill>
+          </a:ln>
+        </p:spPr>
+        <p:style>
+          <a:lnRef idx="2">
+            <a:schemeClr val="accent1">
+              <a:shade val="50000"/>
+            </a:schemeClr>
+          </a:lnRef>
+          <a:fillRef idx="1">
+            <a:schemeClr val="accent1"/>
+          </a:fillRef>
+          <a:effectRef idx="0">
+            <a:schemeClr val="accent1"/>
+          </a:effectRef>
+          <a:fontRef idx="minor">
+            <a:schemeClr val="lt1"/>
+          </a:fontRef>
+        </p:style>
+        <p:txBody>
+          <a:bodyPr wrap="none" lIns="0" rIns="0" rtlCol="0" anchor="ctr"/>
+          <a:lstStyle/>
+          <a:p>
+            <a:pPr algn="ctr"/>
+            <a:r>
+              <a:rPr lang="en-AU" sz="2000" dirty="0" smtClean="0">
+                <a:solidFill>
+                  <a:schemeClr val="tx1"/>
+                </a:solidFill>
+              </a:rPr>
+              <a:t>Should</a:t>
             </a:r>
             <a:endParaRPr lang="en-AU" sz="2000" dirty="0">
               <a:solidFill>
@@ -10677,74 +10867,74 @@
               </a:solidFill>
             </a:endParaRPr>
           </a:p>
-          <a:p>
-            <a:pPr marL="636588" lvl="1" indent="-179388">
+        </p:txBody>
+      </p:sp>
+      <p:sp>
+        <p:nvSpPr>
+          <p:cNvPr id="13" name="Rectangle 12"/>
+          <p:cNvSpPr/>
+          <p:nvPr/>
+        </p:nvSpPr>
+        <p:spPr>
+          <a:xfrm>
+            <a:off x="39153" y="5128590"/>
+            <a:ext cx="9828000" cy="1620000"/>
+          </a:xfrm>
+          <a:prstGeom prst="rect">
+            <a:avLst/>
+          </a:prstGeom>
+          <a:solidFill>
+            <a:schemeClr val="bg1"/>
+          </a:solidFill>
+          <a:ln>
+            <a:solidFill>
+              <a:schemeClr val="accent1">
+                <a:lumMod val="50000"/>
+              </a:schemeClr>
+            </a:solidFill>
+          </a:ln>
+        </p:spPr>
+        <p:style>
+          <a:lnRef idx="2">
+            <a:schemeClr val="accent1">
+              <a:shade val="50000"/>
+            </a:schemeClr>
+          </a:lnRef>
+          <a:fillRef idx="1">
+            <a:schemeClr val="accent1"/>
+          </a:fillRef>
+          <a:effectRef idx="0">
+            <a:schemeClr val="accent1"/>
+          </a:effectRef>
+          <a:fontRef idx="minor">
+            <a:schemeClr val="lt1"/>
+          </a:fontRef>
+        </p:style>
+        <p:txBody>
+          <a:bodyPr tIns="36000" rtlCol="0" anchor="t" anchorCtr="0"/>
+          <a:lstStyle/>
+          <a:p>
+            <a:r>
+              <a:rPr lang="en-AU" sz="2000" dirty="0" smtClean="0">
+                <a:solidFill>
+                  <a:schemeClr val="tx1"/>
+                </a:solidFill>
+              </a:rPr>
+              <a:t>Notes</a:t>
+            </a:r>
+          </a:p>
+          <a:p>
+            <a:pPr marL="179388" indent="-179388">
               <a:buFont typeface="Arial" pitchFamily="34" charset="0"/>
               <a:buChar char="•"/>
             </a:pPr>
-            <a:endParaRPr lang="en-AU" sz="2000" dirty="0" smtClean="0">
-              <a:solidFill>
-                <a:schemeClr val="tx1"/>
-              </a:solidFill>
-            </a:endParaRPr>
-          </a:p>
-        </p:txBody>
-      </p:sp>
-      <p:sp>
-        <p:nvSpPr>
-          <p:cNvPr id="11" name="Rectangle 10"/>
-          <p:cNvSpPr/>
-          <p:nvPr/>
-        </p:nvSpPr>
-        <p:spPr>
-          <a:xfrm>
-            <a:off x="9147153" y="109410"/>
-            <a:ext cx="720000" cy="540000"/>
-          </a:xfrm>
-          <a:prstGeom prst="rect">
-            <a:avLst/>
-          </a:prstGeom>
-          <a:solidFill>
-            <a:srgbClr val="CCF0CD">
-              <a:alpha val="20000"/>
-            </a:srgbClr>
-          </a:solidFill>
-          <a:ln>
-            <a:solidFill>
-              <a:schemeClr val="accent1">
-                <a:lumMod val="50000"/>
-              </a:schemeClr>
-            </a:solidFill>
-          </a:ln>
-        </p:spPr>
-        <p:style>
-          <a:lnRef idx="2">
-            <a:schemeClr val="accent1">
-              <a:shade val="50000"/>
-            </a:schemeClr>
-          </a:lnRef>
-          <a:fillRef idx="1">
-            <a:schemeClr val="accent1"/>
-          </a:fillRef>
-          <a:effectRef idx="0">
-            <a:schemeClr val="accent1"/>
-          </a:effectRef>
-          <a:fontRef idx="minor">
-            <a:schemeClr val="lt1"/>
-          </a:fontRef>
-        </p:style>
-        <p:txBody>
-          <a:bodyPr wrap="square" lIns="0" rIns="0" rtlCol="0" anchor="ctr"/>
-          <a:lstStyle/>
-          <a:p>
-            <a:pPr algn="ctr"/>
-            <a:r>
-              <a:rPr lang="en-AU" sz="2000" dirty="0" smtClean="0">
-                <a:solidFill>
-                  <a:schemeClr val="tx1"/>
-                </a:solidFill>
-              </a:rPr>
-              <a:t>1</a:t>
+            <a:r>
+              <a:rPr lang="en-AU" sz="2000" dirty="0" smtClean="0">
+                <a:solidFill>
+                  <a:schemeClr val="tx1"/>
+                </a:solidFill>
+              </a:rPr>
+              <a:t> </a:t>
             </a:r>
             <a:endParaRPr lang="en-AU" sz="2000" dirty="0">
               <a:solidFill>
@@ -10754,150 +10944,10 @@
           </a:p>
         </p:txBody>
       </p:sp>
-      <p:sp>
-        <p:nvSpPr>
-          <p:cNvPr id="12" name="Rectangle 11"/>
-          <p:cNvSpPr/>
-          <p:nvPr/>
-        </p:nvSpPr>
-        <p:spPr>
-          <a:xfrm>
-            <a:off x="8283153" y="109410"/>
-            <a:ext cx="792000" cy="540000"/>
-          </a:xfrm>
-          <a:prstGeom prst="rect">
-            <a:avLst/>
-          </a:prstGeom>
-          <a:solidFill>
-            <a:schemeClr val="accent4">
-              <a:lumMod val="20000"/>
-              <a:lumOff val="80000"/>
-            </a:schemeClr>
-          </a:solidFill>
-          <a:ln>
-            <a:solidFill>
-              <a:schemeClr val="accent1">
-                <a:lumMod val="50000"/>
-              </a:schemeClr>
-            </a:solidFill>
-          </a:ln>
-        </p:spPr>
-        <p:style>
-          <a:lnRef idx="2">
-            <a:schemeClr val="accent1">
-              <a:shade val="50000"/>
-            </a:schemeClr>
-          </a:lnRef>
-          <a:fillRef idx="1">
-            <a:schemeClr val="accent1"/>
-          </a:fillRef>
-          <a:effectRef idx="0">
-            <a:schemeClr val="accent1"/>
-          </a:effectRef>
-          <a:fontRef idx="minor">
-            <a:schemeClr val="lt1"/>
-          </a:fontRef>
-        </p:style>
-        <p:txBody>
-          <a:bodyPr wrap="none" lIns="0" rIns="0" rtlCol="0" anchor="ctr"/>
-          <a:lstStyle/>
-          <a:p>
-            <a:pPr algn="ctr"/>
-            <a:r>
-              <a:rPr lang="en-AU" sz="2000" dirty="0" smtClean="0">
-                <a:solidFill>
-                  <a:schemeClr val="tx1"/>
-                </a:solidFill>
-              </a:rPr>
-              <a:t>Should</a:t>
-            </a:r>
-            <a:endParaRPr lang="en-AU" sz="2000" dirty="0">
-              <a:solidFill>
-                <a:schemeClr val="tx1"/>
-              </a:solidFill>
-            </a:endParaRPr>
-          </a:p>
-        </p:txBody>
-      </p:sp>
-      <p:sp>
-        <p:nvSpPr>
-          <p:cNvPr id="13" name="Rectangle 12"/>
-          <p:cNvSpPr/>
-          <p:nvPr/>
-        </p:nvSpPr>
-        <p:spPr>
-          <a:xfrm>
-            <a:off x="39153" y="5128590"/>
-            <a:ext cx="9828000" cy="1620000"/>
-          </a:xfrm>
-          <a:prstGeom prst="rect">
-            <a:avLst/>
-          </a:prstGeom>
-          <a:solidFill>
-            <a:schemeClr val="bg1"/>
-          </a:solidFill>
-          <a:ln>
-            <a:solidFill>
-              <a:schemeClr val="accent1">
-                <a:lumMod val="50000"/>
-              </a:schemeClr>
-            </a:solidFill>
-          </a:ln>
-        </p:spPr>
-        <p:style>
-          <a:lnRef idx="2">
-            <a:schemeClr val="accent1">
-              <a:shade val="50000"/>
-            </a:schemeClr>
-          </a:lnRef>
-          <a:fillRef idx="1">
-            <a:schemeClr val="accent1"/>
-          </a:fillRef>
-          <a:effectRef idx="0">
-            <a:schemeClr val="accent1"/>
-          </a:effectRef>
-          <a:fontRef idx="minor">
-            <a:schemeClr val="lt1"/>
-          </a:fontRef>
-        </p:style>
-        <p:txBody>
-          <a:bodyPr tIns="36000" rtlCol="0" anchor="t" anchorCtr="0"/>
-          <a:lstStyle/>
-          <a:p>
-            <a:r>
-              <a:rPr lang="en-AU" sz="2000" dirty="0" smtClean="0">
-                <a:solidFill>
-                  <a:schemeClr val="tx1"/>
-                </a:solidFill>
-              </a:rPr>
-              <a:t>Notes</a:t>
-            </a:r>
-          </a:p>
-          <a:p>
-            <a:pPr marL="179388" indent="-179388">
-              <a:buFont typeface="Arial" pitchFamily="34" charset="0"/>
-              <a:buChar char="•"/>
-            </a:pPr>
-            <a:r>
-              <a:rPr lang="en-AU" sz="2000" dirty="0" smtClean="0">
-                <a:solidFill>
-                  <a:schemeClr val="tx1"/>
-                </a:solidFill>
-              </a:rPr>
-              <a:t> </a:t>
-            </a:r>
-            <a:endParaRPr lang="en-AU" sz="2000" dirty="0">
-              <a:solidFill>
-                <a:schemeClr val="tx1"/>
-              </a:solidFill>
-            </a:endParaRPr>
-          </a:p>
-        </p:txBody>
-      </p:sp>
     </p:spTree>
     <p:extLst>
       <p:ext uri="{BB962C8B-B14F-4D97-AF65-F5344CB8AC3E}">
-        <p14:creationId xmlns:p14="http://schemas.microsoft.com/office/powerpoint/2010/main" val="846654825"/>
+        <p14:creationId xmlns:p14="http://schemas.microsoft.com/office/powerpoint/2010/main" val="2005386061"/>
       </p:ext>
     </p:extLst>
   </p:cSld>
@@ -10987,7 +11037,7 @@
                   <a:schemeClr val="tx1"/>
                 </a:solidFill>
               </a:rPr>
-              <a:t>17C</a:t>
+              <a:t>17B</a:t>
             </a:r>
             <a:endParaRPr lang="en-AU" sz="2000" dirty="0">
               <a:solidFill>
@@ -11042,15 +11092,7 @@
             <a:pPr algn="ctr"/>
             <a:r>
               <a:rPr lang="en-AU" sz="2800" dirty="0" smtClean="0"/>
-              <a:t>Sort my Files </a:t>
-            </a:r>
-            <a:r>
-              <a:rPr lang="mr-IN" sz="2800" dirty="0" smtClean="0"/>
-              <a:t>–</a:t>
-            </a:r>
-            <a:r>
-              <a:rPr lang="en-AU" sz="2800" dirty="0" smtClean="0"/>
-              <a:t> By Date</a:t>
+              <a:t>Sort my Files - By Name</a:t>
             </a:r>
             <a:endParaRPr lang="en-AU" sz="2800" dirty="0"/>
           </a:p>
@@ -11110,7 +11152,7 @@
                   <a:schemeClr val="tx1"/>
                 </a:solidFill>
               </a:rPr>
-              <a:t>As a Media Vault user, I want to sort my files by date uploaded, so that I can organise and easily access specific files.</a:t>
+              <a:t>As a Media Vault user, I want to sort my files by file name, so that I can organise and easily access specific files.</a:t>
             </a:r>
             <a:endParaRPr lang="en-AU" sz="2400" dirty="0" smtClean="0">
               <a:solidFill>
@@ -11196,7 +11238,7 @@
                   <a:schemeClr val="tx1"/>
                 </a:solidFill>
               </a:rPr>
-              <a:t>date button</a:t>
+              <a:t>name button</a:t>
             </a:r>
             <a:endParaRPr lang="en-AU" sz="2000" dirty="0">
               <a:solidFill>
@@ -11215,15 +11257,15 @@
                   <a:schemeClr val="tx1"/>
                 </a:solidFill>
               </a:rPr>
-              <a:t>The files should be sorted by </a:t>
-            </a:r>
-            <a:r>
-              <a:rPr lang="en-AU" sz="2000" dirty="0" smtClean="0">
-                <a:solidFill>
-                  <a:schemeClr val="tx1"/>
-                </a:solidFill>
-              </a:rPr>
-              <a:t>the date</a:t>
+              <a:t>The files should be sorted by the </a:t>
+            </a:r>
+            <a:r>
+              <a:rPr lang="en-AU" sz="2000" dirty="0" smtClean="0">
+                <a:solidFill>
+                  <a:schemeClr val="tx1"/>
+                </a:solidFill>
+              </a:rPr>
+              <a:t>name</a:t>
             </a:r>
             <a:endParaRPr lang="en-AU" sz="2000" dirty="0">
               <a:solidFill>
@@ -11231,6 +11273,17 @@
               </a:solidFill>
             </a:endParaRPr>
           </a:p>
+          <a:p>
+            <a:pPr marL="636588" lvl="1" indent="-179388">
+              <a:buFont typeface="Arial" pitchFamily="34" charset="0"/>
+              <a:buChar char="•"/>
+            </a:pPr>
+            <a:endParaRPr lang="en-AU" sz="2000" dirty="0" smtClean="0">
+              <a:solidFill>
+                <a:schemeClr val="tx1"/>
+              </a:solidFill>
+            </a:endParaRPr>
+          </a:p>
         </p:txBody>
       </p:sp>
       <p:sp>
@@ -11440,7 +11493,7 @@
     </p:spTree>
     <p:extLst>
       <p:ext uri="{BB962C8B-B14F-4D97-AF65-F5344CB8AC3E}">
-        <p14:creationId xmlns:p14="http://schemas.microsoft.com/office/powerpoint/2010/main" val="500998753"/>
+        <p14:creationId xmlns:p14="http://schemas.microsoft.com/office/powerpoint/2010/main" val="846654825"/>
       </p:ext>
     </p:extLst>
   </p:cSld>
@@ -11530,7 +11583,7 @@
                   <a:schemeClr val="tx1"/>
                 </a:solidFill>
               </a:rPr>
-              <a:t>18</a:t>
+              <a:t>17C</a:t>
             </a:r>
             <a:endParaRPr lang="en-AU" sz="2000" dirty="0">
               <a:solidFill>
@@ -11585,7 +11638,15 @@
             <a:pPr algn="ctr"/>
             <a:r>
               <a:rPr lang="en-AU" sz="2800" dirty="0" smtClean="0"/>
-              <a:t>View Account Details</a:t>
+              <a:t>Sort my Files </a:t>
+            </a:r>
+            <a:r>
+              <a:rPr lang="mr-IN" sz="2800" dirty="0" smtClean="0"/>
+              <a:t>–</a:t>
+            </a:r>
+            <a:r>
+              <a:rPr lang="en-AU" sz="2800" dirty="0" smtClean="0"/>
+              <a:t> By Date</a:t>
             </a:r>
             <a:endParaRPr lang="en-AU" sz="2800" dirty="0"/>
           </a:p>
@@ -11645,7 +11706,7 @@
                   <a:schemeClr val="tx1"/>
                 </a:solidFill>
               </a:rPr>
-              <a:t>As a Media Vault user, I want to update my password and email, so that I can have my credentials up to date.</a:t>
+              <a:t>As a Media Vault user, I want to sort my files by date uploaded, so that I can organise and easily access specific files.</a:t>
             </a:r>
             <a:endParaRPr lang="en-AU" sz="2400" dirty="0" smtClean="0">
               <a:solidFill>
@@ -11718,98 +11779,20 @@
               <a:buChar char="•"/>
             </a:pPr>
             <a:r>
-              <a:rPr lang="en-AU" sz="2000" dirty="0" smtClean="0">
-                <a:solidFill>
-                  <a:schemeClr val="tx1"/>
-                </a:solidFill>
-              </a:rPr>
-              <a:t> </a:t>
-            </a:r>
-            <a:r>
-              <a:rPr lang="en-AU" sz="2000" dirty="0" smtClean="0">
-                <a:solidFill>
-                  <a:schemeClr val="tx1"/>
-                </a:solidFill>
-              </a:rPr>
-              <a:t>The user can click a button that takes them to see the details of their account</a:t>
-            </a:r>
-          </a:p>
-          <a:p>
-            <a:pPr marL="179388" indent="-179388">
-              <a:buFont typeface="Arial" pitchFamily="34" charset="0"/>
-              <a:buChar char="•"/>
-            </a:pPr>
-            <a:r>
-              <a:rPr lang="en-AU" sz="2000" dirty="0" smtClean="0">
-                <a:solidFill>
-                  <a:schemeClr val="tx1"/>
-                </a:solidFill>
-              </a:rPr>
-              <a:t>The user can edit their email and password here</a:t>
-            </a:r>
-            <a:endParaRPr lang="en-AU" sz="2000" dirty="0" smtClean="0">
-              <a:solidFill>
-                <a:schemeClr val="tx1"/>
-              </a:solidFill>
-            </a:endParaRPr>
-          </a:p>
-        </p:txBody>
-      </p:sp>
-      <p:sp>
-        <p:nvSpPr>
-          <p:cNvPr id="11" name="Rectangle 10"/>
-          <p:cNvSpPr/>
-          <p:nvPr/>
-        </p:nvSpPr>
-        <p:spPr>
-          <a:xfrm>
-            <a:off x="9147153" y="109410"/>
-            <a:ext cx="720000" cy="540000"/>
-          </a:xfrm>
-          <a:prstGeom prst="rect">
-            <a:avLst/>
-          </a:prstGeom>
-          <a:solidFill>
-            <a:srgbClr val="CCF0CD">
-              <a:alpha val="20000"/>
-            </a:srgbClr>
-          </a:solidFill>
-          <a:ln>
-            <a:solidFill>
-              <a:schemeClr val="accent1">
-                <a:lumMod val="50000"/>
-              </a:schemeClr>
-            </a:solidFill>
-          </a:ln>
-        </p:spPr>
-        <p:style>
-          <a:lnRef idx="2">
-            <a:schemeClr val="accent1">
-              <a:shade val="50000"/>
-            </a:schemeClr>
-          </a:lnRef>
-          <a:fillRef idx="1">
-            <a:schemeClr val="accent1"/>
-          </a:fillRef>
-          <a:effectRef idx="0">
-            <a:schemeClr val="accent1"/>
-          </a:effectRef>
-          <a:fontRef idx="minor">
-            <a:schemeClr val="lt1"/>
-          </a:fontRef>
-        </p:style>
-        <p:txBody>
-          <a:bodyPr wrap="square" lIns="0" rIns="0" rtlCol="0" anchor="ctr"/>
-          <a:lstStyle/>
-          <a:p>
-            <a:pPr algn="ctr"/>
-            <a:r>
-              <a:rPr lang="en-AU" sz="2000" dirty="0" smtClean="0">
-                <a:solidFill>
-                  <a:schemeClr val="tx1"/>
-                </a:solidFill>
-              </a:rPr>
-              <a:t>2</a:t>
+              <a:rPr lang="en-AU" sz="2000" dirty="0">
+                <a:solidFill>
+                  <a:schemeClr val="tx1"/>
+                </a:solidFill>
+              </a:rPr>
+              <a:t>The user will click a sort by </a:t>
+            </a:r>
+            <a:r>
+              <a:rPr lang="en-AU" sz="2000" dirty="0" smtClean="0">
+                <a:solidFill>
+                  <a:schemeClr val="tx1"/>
+                </a:solidFill>
+              </a:rPr>
+              <a:t>date button</a:t>
             </a:r>
             <a:endParaRPr lang="en-AU" sz="2000" dirty="0">
               <a:solidFill>
@@ -11817,64 +11800,26 @@
               </a:solidFill>
             </a:endParaRPr>
           </a:p>
-        </p:txBody>
-      </p:sp>
-      <p:sp>
-        <p:nvSpPr>
-          <p:cNvPr id="12" name="Rectangle 11"/>
-          <p:cNvSpPr/>
-          <p:nvPr/>
-        </p:nvSpPr>
-        <p:spPr>
-          <a:xfrm>
-            <a:off x="8283153" y="109410"/>
-            <a:ext cx="792000" cy="540000"/>
-          </a:xfrm>
-          <a:prstGeom prst="rect">
-            <a:avLst/>
-          </a:prstGeom>
-          <a:solidFill>
-            <a:schemeClr val="accent4">
-              <a:lumMod val="20000"/>
-              <a:lumOff val="80000"/>
-            </a:schemeClr>
-          </a:solidFill>
-          <a:ln>
-            <a:solidFill>
-              <a:schemeClr val="accent1">
-                <a:lumMod val="50000"/>
-              </a:schemeClr>
-            </a:solidFill>
-          </a:ln>
-        </p:spPr>
-        <p:style>
-          <a:lnRef idx="2">
-            <a:schemeClr val="accent1">
-              <a:shade val="50000"/>
-            </a:schemeClr>
-          </a:lnRef>
-          <a:fillRef idx="1">
-            <a:schemeClr val="accent1"/>
-          </a:fillRef>
-          <a:effectRef idx="0">
-            <a:schemeClr val="accent1"/>
-          </a:effectRef>
-          <a:fontRef idx="minor">
-            <a:schemeClr val="lt1"/>
-          </a:fontRef>
-        </p:style>
-        <p:txBody>
-          <a:bodyPr wrap="none" lIns="0" rIns="0" rtlCol="0" anchor="ctr"/>
-          <a:lstStyle/>
-          <a:p>
-            <a:pPr algn="ctr"/>
-            <a:r>
-              <a:rPr lang="en-AU" sz="2000" dirty="0" smtClean="0">
-                <a:solidFill>
-                  <a:schemeClr val="tx1"/>
-                </a:solidFill>
-              </a:rPr>
-              <a:t>Could</a:t>
+          <a:p>
+            <a:pPr marL="179388" indent="-179388">
+              <a:buFont typeface="Arial" pitchFamily="34" charset="0"/>
+              <a:buChar char="•"/>
+            </a:pPr>
+            <a:r>
+              <a:rPr lang="en-AU" sz="2000" dirty="0">
+                <a:solidFill>
+                  <a:schemeClr val="tx1"/>
+                </a:solidFill>
+              </a:rPr>
+              <a:t>The files should be sorted by </a:t>
+            </a:r>
+            <a:r>
+              <a:rPr lang="en-AU" sz="2000" dirty="0" smtClean="0">
+                <a:solidFill>
+                  <a:schemeClr val="tx1"/>
+                </a:solidFill>
+              </a:rPr>
+              <a:t>the date</a:t>
             </a:r>
             <a:endParaRPr lang="en-AU" sz="2000" dirty="0">
               <a:solidFill>
@@ -11886,70 +11831,59 @@
       </p:sp>
       <p:sp>
         <p:nvSpPr>
-          <p:cNvPr id="13" name="Rectangle 12"/>
-          <p:cNvSpPr/>
-          <p:nvPr/>
-        </p:nvSpPr>
-        <p:spPr>
-          <a:xfrm>
-            <a:off x="39153" y="5128590"/>
-            <a:ext cx="9828000" cy="1620000"/>
-          </a:xfrm>
-          <a:prstGeom prst="rect">
-            <a:avLst/>
-          </a:prstGeom>
-          <a:solidFill>
-            <a:schemeClr val="bg1"/>
-          </a:solidFill>
-          <a:ln>
-            <a:solidFill>
-              <a:schemeClr val="accent1">
-                <a:lumMod val="50000"/>
-              </a:schemeClr>
-            </a:solidFill>
-          </a:ln>
-        </p:spPr>
-        <p:style>
-          <a:lnRef idx="2">
-            <a:schemeClr val="accent1">
-              <a:shade val="50000"/>
-            </a:schemeClr>
-          </a:lnRef>
-          <a:fillRef idx="1">
-            <a:schemeClr val="accent1"/>
-          </a:fillRef>
-          <a:effectRef idx="0">
-            <a:schemeClr val="accent1"/>
-          </a:effectRef>
-          <a:fontRef idx="minor">
-            <a:schemeClr val="lt1"/>
-          </a:fontRef>
-        </p:style>
-        <p:txBody>
-          <a:bodyPr tIns="36000" rtlCol="0" anchor="t" anchorCtr="0"/>
-          <a:lstStyle/>
-          <a:p>
-            <a:r>
-              <a:rPr lang="en-AU" sz="2000" dirty="0" smtClean="0">
-                <a:solidFill>
-                  <a:schemeClr val="tx1"/>
-                </a:solidFill>
-              </a:rPr>
-              <a:t>Notes</a:t>
-            </a:r>
-          </a:p>
-          <a:p>
-            <a:pPr marL="179388" indent="-179388">
-              <a:buFont typeface="Arial" pitchFamily="34" charset="0"/>
-              <a:buChar char="•"/>
-            </a:pPr>
-            <a:r>
-              <a:rPr lang="en-AU" sz="2000" dirty="0" smtClean="0">
-                <a:solidFill>
-                  <a:schemeClr val="tx1"/>
-                </a:solidFill>
-              </a:rPr>
-              <a:t> </a:t>
+          <p:cNvPr id="11" name="Rectangle 10"/>
+          <p:cNvSpPr/>
+          <p:nvPr/>
+        </p:nvSpPr>
+        <p:spPr>
+          <a:xfrm>
+            <a:off x="9147153" y="109410"/>
+            <a:ext cx="720000" cy="540000"/>
+          </a:xfrm>
+          <a:prstGeom prst="rect">
+            <a:avLst/>
+          </a:prstGeom>
+          <a:solidFill>
+            <a:srgbClr val="CCF0CD">
+              <a:alpha val="20000"/>
+            </a:srgbClr>
+          </a:solidFill>
+          <a:ln>
+            <a:solidFill>
+              <a:schemeClr val="accent1">
+                <a:lumMod val="50000"/>
+              </a:schemeClr>
+            </a:solidFill>
+          </a:ln>
+        </p:spPr>
+        <p:style>
+          <a:lnRef idx="2">
+            <a:schemeClr val="accent1">
+              <a:shade val="50000"/>
+            </a:schemeClr>
+          </a:lnRef>
+          <a:fillRef idx="1">
+            <a:schemeClr val="accent1"/>
+          </a:fillRef>
+          <a:effectRef idx="0">
+            <a:schemeClr val="accent1"/>
+          </a:effectRef>
+          <a:fontRef idx="minor">
+            <a:schemeClr val="lt1"/>
+          </a:fontRef>
+        </p:style>
+        <p:txBody>
+          <a:bodyPr wrap="square" lIns="0" rIns="0" rtlCol="0" anchor="ctr"/>
+          <a:lstStyle/>
+          <a:p>
+            <a:pPr algn="ctr"/>
+            <a:r>
+              <a:rPr lang="en-AU" sz="2000" dirty="0" smtClean="0">
+                <a:solidFill>
+                  <a:schemeClr val="tx1"/>
+                </a:solidFill>
+              </a:rPr>
+              <a:t>1</a:t>
             </a:r>
             <a:endParaRPr lang="en-AU" sz="2000" dirty="0">
               <a:solidFill>
@@ -11959,10 +11893,150 @@
           </a:p>
         </p:txBody>
       </p:sp>
+      <p:sp>
+        <p:nvSpPr>
+          <p:cNvPr id="12" name="Rectangle 11"/>
+          <p:cNvSpPr/>
+          <p:nvPr/>
+        </p:nvSpPr>
+        <p:spPr>
+          <a:xfrm>
+            <a:off x="8283153" y="109410"/>
+            <a:ext cx="792000" cy="540000"/>
+          </a:xfrm>
+          <a:prstGeom prst="rect">
+            <a:avLst/>
+          </a:prstGeom>
+          <a:solidFill>
+            <a:schemeClr val="accent4">
+              <a:lumMod val="20000"/>
+              <a:lumOff val="80000"/>
+            </a:schemeClr>
+          </a:solidFill>
+          <a:ln>
+            <a:solidFill>
+              <a:schemeClr val="accent1">
+                <a:lumMod val="50000"/>
+              </a:schemeClr>
+            </a:solidFill>
+          </a:ln>
+        </p:spPr>
+        <p:style>
+          <a:lnRef idx="2">
+            <a:schemeClr val="accent1">
+              <a:shade val="50000"/>
+            </a:schemeClr>
+          </a:lnRef>
+          <a:fillRef idx="1">
+            <a:schemeClr val="accent1"/>
+          </a:fillRef>
+          <a:effectRef idx="0">
+            <a:schemeClr val="accent1"/>
+          </a:effectRef>
+          <a:fontRef idx="minor">
+            <a:schemeClr val="lt1"/>
+          </a:fontRef>
+        </p:style>
+        <p:txBody>
+          <a:bodyPr wrap="none" lIns="0" rIns="0" rtlCol="0" anchor="ctr"/>
+          <a:lstStyle/>
+          <a:p>
+            <a:pPr algn="ctr"/>
+            <a:r>
+              <a:rPr lang="en-AU" sz="2000" dirty="0" smtClean="0">
+                <a:solidFill>
+                  <a:schemeClr val="tx1"/>
+                </a:solidFill>
+              </a:rPr>
+              <a:t>Should</a:t>
+            </a:r>
+            <a:endParaRPr lang="en-AU" sz="2000" dirty="0">
+              <a:solidFill>
+                <a:schemeClr val="tx1"/>
+              </a:solidFill>
+            </a:endParaRPr>
+          </a:p>
+        </p:txBody>
+      </p:sp>
+      <p:sp>
+        <p:nvSpPr>
+          <p:cNvPr id="13" name="Rectangle 12"/>
+          <p:cNvSpPr/>
+          <p:nvPr/>
+        </p:nvSpPr>
+        <p:spPr>
+          <a:xfrm>
+            <a:off x="39153" y="5128590"/>
+            <a:ext cx="9828000" cy="1620000"/>
+          </a:xfrm>
+          <a:prstGeom prst="rect">
+            <a:avLst/>
+          </a:prstGeom>
+          <a:solidFill>
+            <a:schemeClr val="bg1"/>
+          </a:solidFill>
+          <a:ln>
+            <a:solidFill>
+              <a:schemeClr val="accent1">
+                <a:lumMod val="50000"/>
+              </a:schemeClr>
+            </a:solidFill>
+          </a:ln>
+        </p:spPr>
+        <p:style>
+          <a:lnRef idx="2">
+            <a:schemeClr val="accent1">
+              <a:shade val="50000"/>
+            </a:schemeClr>
+          </a:lnRef>
+          <a:fillRef idx="1">
+            <a:schemeClr val="accent1"/>
+          </a:fillRef>
+          <a:effectRef idx="0">
+            <a:schemeClr val="accent1"/>
+          </a:effectRef>
+          <a:fontRef idx="minor">
+            <a:schemeClr val="lt1"/>
+          </a:fontRef>
+        </p:style>
+        <p:txBody>
+          <a:bodyPr tIns="36000" rtlCol="0" anchor="t" anchorCtr="0"/>
+          <a:lstStyle/>
+          <a:p>
+            <a:r>
+              <a:rPr lang="en-AU" sz="2000" dirty="0" smtClean="0">
+                <a:solidFill>
+                  <a:schemeClr val="tx1"/>
+                </a:solidFill>
+              </a:rPr>
+              <a:t>Notes</a:t>
+            </a:r>
+          </a:p>
+          <a:p>
+            <a:pPr marL="179388" indent="-179388">
+              <a:buFont typeface="Arial" pitchFamily="34" charset="0"/>
+              <a:buChar char="•"/>
+            </a:pPr>
+            <a:r>
+              <a:rPr lang="en-AU" sz="2000" dirty="0" smtClean="0">
+                <a:solidFill>
+                  <a:schemeClr val="tx1"/>
+                </a:solidFill>
+              </a:rPr>
+              <a:t> </a:t>
+            </a:r>
+            <a:endParaRPr lang="en-AU" sz="2000" dirty="0">
+              <a:solidFill>
+                <a:schemeClr val="tx1"/>
+              </a:solidFill>
+            </a:endParaRPr>
+          </a:p>
+        </p:txBody>
+      </p:sp>
     </p:spTree>
     <p:extLst>
       <p:ext uri="{BB962C8B-B14F-4D97-AF65-F5344CB8AC3E}">
-        <p14:creationId xmlns:p14="http://schemas.microsoft.com/office/powerpoint/2010/main" val="375447048"/>
+        <p14:creationId xmlns:p14="http://schemas.microsoft.com/office/powerpoint/2010/main" val="500998753"/>
       </p:ext>
     </p:extLst>
   </p:cSld>
@@ -12052,7 +12126,7 @@
                   <a:schemeClr val="tx1"/>
                 </a:solidFill>
               </a:rPr>
-              <a:t>19</a:t>
+              <a:t>18</a:t>
             </a:r>
             <a:endParaRPr lang="en-AU" sz="2000" dirty="0">
               <a:solidFill>
@@ -12107,7 +12181,529 @@
             <a:pPr algn="ctr"/>
             <a:r>
               <a:rPr lang="en-AU" sz="2800" dirty="0" smtClean="0"/>
-              <a:t>Reset my Password if Forgotten</a:t>
+              <a:t>View/Edit Account Details</a:t>
+            </a:r>
+            <a:endParaRPr lang="en-AU" sz="2800" dirty="0"/>
+          </a:p>
+        </p:txBody>
+      </p:sp>
+      <p:sp>
+        <p:nvSpPr>
+          <p:cNvPr id="7" name="Rectangle 6"/>
+          <p:cNvSpPr/>
+          <p:nvPr/>
+        </p:nvSpPr>
+        <p:spPr>
+          <a:xfrm>
+            <a:off x="39153" y="822470"/>
+            <a:ext cx="9828000" cy="2340000"/>
+          </a:xfrm>
+          <a:prstGeom prst="rect">
+            <a:avLst/>
+          </a:prstGeom>
+          <a:solidFill>
+            <a:schemeClr val="tx2">
+              <a:lumMod val="20000"/>
+              <a:lumOff val="80000"/>
+            </a:schemeClr>
+          </a:solidFill>
+          <a:ln>
+            <a:solidFill>
+              <a:schemeClr val="accent1">
+                <a:lumMod val="50000"/>
+              </a:schemeClr>
+            </a:solidFill>
+          </a:ln>
+        </p:spPr>
+        <p:style>
+          <a:lnRef idx="2">
+            <a:schemeClr val="accent1">
+              <a:shade val="50000"/>
+            </a:schemeClr>
+          </a:lnRef>
+          <a:fillRef idx="1">
+            <a:schemeClr val="accent1"/>
+          </a:fillRef>
+          <a:effectRef idx="0">
+            <a:schemeClr val="accent1"/>
+          </a:effectRef>
+          <a:fontRef idx="minor">
+            <a:schemeClr val="lt1"/>
+          </a:fontRef>
+        </p:style>
+        <p:txBody>
+          <a:bodyPr rtlCol="0" anchor="t" anchorCtr="0"/>
+          <a:lstStyle/>
+          <a:p>
+            <a:r>
+              <a:rPr lang="en-AU" sz="2400" dirty="0" smtClean="0">
+                <a:solidFill>
+                  <a:schemeClr val="tx1"/>
+                </a:solidFill>
+              </a:rPr>
+              <a:t>As a Media Vault user, I want to update my password and email, so that I can have my credentials up to date.</a:t>
+            </a:r>
+            <a:endParaRPr lang="en-AU" sz="2400" dirty="0" smtClean="0">
+              <a:solidFill>
+                <a:schemeClr val="tx1"/>
+              </a:solidFill>
+            </a:endParaRPr>
+          </a:p>
+        </p:txBody>
+      </p:sp>
+      <p:sp>
+        <p:nvSpPr>
+          <p:cNvPr id="8" name="Rectangle 7"/>
+          <p:cNvSpPr/>
+          <p:nvPr/>
+        </p:nvSpPr>
+        <p:spPr>
+          <a:xfrm>
+            <a:off x="39153" y="3335530"/>
+            <a:ext cx="9828000" cy="1620000"/>
+          </a:xfrm>
+          <a:prstGeom prst="rect">
+            <a:avLst/>
+          </a:prstGeom>
+          <a:solidFill>
+            <a:schemeClr val="accent1">
+              <a:lumMod val="20000"/>
+              <a:lumOff val="80000"/>
+            </a:schemeClr>
+          </a:solidFill>
+          <a:ln>
+            <a:solidFill>
+              <a:schemeClr val="accent1">
+                <a:lumMod val="50000"/>
+              </a:schemeClr>
+            </a:solidFill>
+          </a:ln>
+        </p:spPr>
+        <p:style>
+          <a:lnRef idx="2">
+            <a:schemeClr val="accent1">
+              <a:shade val="50000"/>
+            </a:schemeClr>
+          </a:lnRef>
+          <a:fillRef idx="1">
+            <a:schemeClr val="accent1"/>
+          </a:fillRef>
+          <a:effectRef idx="0">
+            <a:schemeClr val="accent1"/>
+          </a:effectRef>
+          <a:fontRef idx="minor">
+            <a:schemeClr val="lt1"/>
+          </a:fontRef>
+        </p:style>
+        <p:txBody>
+          <a:bodyPr tIns="36000" rtlCol="0" anchor="t" anchorCtr="0"/>
+          <a:lstStyle/>
+          <a:p>
+            <a:r>
+              <a:rPr lang="en-AU" sz="2000" dirty="0" smtClean="0">
+                <a:solidFill>
+                  <a:schemeClr val="tx1"/>
+                </a:solidFill>
+              </a:rPr>
+              <a:t>Acceptance Criteria</a:t>
+            </a:r>
+          </a:p>
+          <a:p>
+            <a:pPr marL="179388" indent="-179388">
+              <a:buFont typeface="Arial" pitchFamily="34" charset="0"/>
+              <a:buChar char="•"/>
+            </a:pPr>
+            <a:r>
+              <a:rPr lang="en-AU" sz="2000" dirty="0" smtClean="0">
+                <a:solidFill>
+                  <a:schemeClr val="tx1"/>
+                </a:solidFill>
+              </a:rPr>
+              <a:t> </a:t>
+            </a:r>
+            <a:r>
+              <a:rPr lang="en-AU" sz="2000" dirty="0" smtClean="0">
+                <a:solidFill>
+                  <a:schemeClr val="tx1"/>
+                </a:solidFill>
+              </a:rPr>
+              <a:t>The user can click a button that takes them to see the details of their account</a:t>
+            </a:r>
+          </a:p>
+          <a:p>
+            <a:pPr marL="179388" indent="-179388">
+              <a:buFont typeface="Arial" pitchFamily="34" charset="0"/>
+              <a:buChar char="•"/>
+            </a:pPr>
+            <a:r>
+              <a:rPr lang="en-AU" sz="2000" dirty="0" smtClean="0">
+                <a:solidFill>
+                  <a:schemeClr val="tx1"/>
+                </a:solidFill>
+              </a:rPr>
+              <a:t>The user can edit their email and password here</a:t>
+            </a:r>
+            <a:endParaRPr lang="en-AU" sz="2000" dirty="0" smtClean="0">
+              <a:solidFill>
+                <a:schemeClr val="tx1"/>
+              </a:solidFill>
+            </a:endParaRPr>
+          </a:p>
+        </p:txBody>
+      </p:sp>
+      <p:sp>
+        <p:nvSpPr>
+          <p:cNvPr id="11" name="Rectangle 10"/>
+          <p:cNvSpPr/>
+          <p:nvPr/>
+        </p:nvSpPr>
+        <p:spPr>
+          <a:xfrm>
+            <a:off x="9147153" y="109410"/>
+            <a:ext cx="720000" cy="540000"/>
+          </a:xfrm>
+          <a:prstGeom prst="rect">
+            <a:avLst/>
+          </a:prstGeom>
+          <a:solidFill>
+            <a:srgbClr val="CCF0CD">
+              <a:alpha val="20000"/>
+            </a:srgbClr>
+          </a:solidFill>
+          <a:ln>
+            <a:solidFill>
+              <a:schemeClr val="accent1">
+                <a:lumMod val="50000"/>
+              </a:schemeClr>
+            </a:solidFill>
+          </a:ln>
+        </p:spPr>
+        <p:style>
+          <a:lnRef idx="2">
+            <a:schemeClr val="accent1">
+              <a:shade val="50000"/>
+            </a:schemeClr>
+          </a:lnRef>
+          <a:fillRef idx="1">
+            <a:schemeClr val="accent1"/>
+          </a:fillRef>
+          <a:effectRef idx="0">
+            <a:schemeClr val="accent1"/>
+          </a:effectRef>
+          <a:fontRef idx="minor">
+            <a:schemeClr val="lt1"/>
+          </a:fontRef>
+        </p:style>
+        <p:txBody>
+          <a:bodyPr wrap="square" lIns="0" rIns="0" rtlCol="0" anchor="ctr"/>
+          <a:lstStyle/>
+          <a:p>
+            <a:pPr algn="ctr"/>
+            <a:r>
+              <a:rPr lang="en-AU" sz="2000" dirty="0" smtClean="0">
+                <a:solidFill>
+                  <a:schemeClr val="tx1"/>
+                </a:solidFill>
+              </a:rPr>
+              <a:t>2</a:t>
+            </a:r>
+            <a:endParaRPr lang="en-AU" sz="2000" dirty="0">
+              <a:solidFill>
+                <a:schemeClr val="tx1"/>
+              </a:solidFill>
+            </a:endParaRPr>
+          </a:p>
+        </p:txBody>
+      </p:sp>
+      <p:sp>
+        <p:nvSpPr>
+          <p:cNvPr id="12" name="Rectangle 11"/>
+          <p:cNvSpPr/>
+          <p:nvPr/>
+        </p:nvSpPr>
+        <p:spPr>
+          <a:xfrm>
+            <a:off x="8283153" y="109410"/>
+            <a:ext cx="792000" cy="540000"/>
+          </a:xfrm>
+          <a:prstGeom prst="rect">
+            <a:avLst/>
+          </a:prstGeom>
+          <a:solidFill>
+            <a:schemeClr val="accent4">
+              <a:lumMod val="20000"/>
+              <a:lumOff val="80000"/>
+            </a:schemeClr>
+          </a:solidFill>
+          <a:ln>
+            <a:solidFill>
+              <a:schemeClr val="accent1">
+                <a:lumMod val="50000"/>
+              </a:schemeClr>
+            </a:solidFill>
+          </a:ln>
+        </p:spPr>
+        <p:style>
+          <a:lnRef idx="2">
+            <a:schemeClr val="accent1">
+              <a:shade val="50000"/>
+            </a:schemeClr>
+          </a:lnRef>
+          <a:fillRef idx="1">
+            <a:schemeClr val="accent1"/>
+          </a:fillRef>
+          <a:effectRef idx="0">
+            <a:schemeClr val="accent1"/>
+          </a:effectRef>
+          <a:fontRef idx="minor">
+            <a:schemeClr val="lt1"/>
+          </a:fontRef>
+        </p:style>
+        <p:txBody>
+          <a:bodyPr wrap="none" lIns="0" rIns="0" rtlCol="0" anchor="ctr"/>
+          <a:lstStyle/>
+          <a:p>
+            <a:pPr algn="ctr"/>
+            <a:r>
+              <a:rPr lang="en-AU" sz="2000" dirty="0" smtClean="0">
+                <a:solidFill>
+                  <a:schemeClr val="tx1"/>
+                </a:solidFill>
+              </a:rPr>
+              <a:t>Could</a:t>
+            </a:r>
+            <a:endParaRPr lang="en-AU" sz="2000" dirty="0">
+              <a:solidFill>
+                <a:schemeClr val="tx1"/>
+              </a:solidFill>
+            </a:endParaRPr>
+          </a:p>
+        </p:txBody>
+      </p:sp>
+      <p:sp>
+        <p:nvSpPr>
+          <p:cNvPr id="13" name="Rectangle 12"/>
+          <p:cNvSpPr/>
+          <p:nvPr/>
+        </p:nvSpPr>
+        <p:spPr>
+          <a:xfrm>
+            <a:off x="39153" y="5128590"/>
+            <a:ext cx="9828000" cy="1620000"/>
+          </a:xfrm>
+          <a:prstGeom prst="rect">
+            <a:avLst/>
+          </a:prstGeom>
+          <a:solidFill>
+            <a:schemeClr val="bg1"/>
+          </a:solidFill>
+          <a:ln>
+            <a:solidFill>
+              <a:schemeClr val="accent1">
+                <a:lumMod val="50000"/>
+              </a:schemeClr>
+            </a:solidFill>
+          </a:ln>
+        </p:spPr>
+        <p:style>
+          <a:lnRef idx="2">
+            <a:schemeClr val="accent1">
+              <a:shade val="50000"/>
+            </a:schemeClr>
+          </a:lnRef>
+          <a:fillRef idx="1">
+            <a:schemeClr val="accent1"/>
+          </a:fillRef>
+          <a:effectRef idx="0">
+            <a:schemeClr val="accent1"/>
+          </a:effectRef>
+          <a:fontRef idx="minor">
+            <a:schemeClr val="lt1"/>
+          </a:fontRef>
+        </p:style>
+        <p:txBody>
+          <a:bodyPr tIns="36000" rtlCol="0" anchor="t" anchorCtr="0"/>
+          <a:lstStyle/>
+          <a:p>
+            <a:r>
+              <a:rPr lang="en-AU" sz="2000" dirty="0" smtClean="0">
+                <a:solidFill>
+                  <a:schemeClr val="tx1"/>
+                </a:solidFill>
+              </a:rPr>
+              <a:t>Notes</a:t>
+            </a:r>
+          </a:p>
+          <a:p>
+            <a:pPr marL="179388" indent="-179388">
+              <a:buFont typeface="Arial" pitchFamily="34" charset="0"/>
+              <a:buChar char="•"/>
+            </a:pPr>
+            <a:r>
+              <a:rPr lang="en-AU" sz="2000" dirty="0" smtClean="0">
+                <a:solidFill>
+                  <a:schemeClr val="tx1"/>
+                </a:solidFill>
+              </a:rPr>
+              <a:t> </a:t>
+            </a:r>
+            <a:endParaRPr lang="en-AU" sz="2000" dirty="0">
+              <a:solidFill>
+                <a:schemeClr val="tx1"/>
+              </a:solidFill>
+            </a:endParaRPr>
+          </a:p>
+        </p:txBody>
+      </p:sp>
+    </p:spTree>
+    <p:extLst>
+      <p:ext uri="{BB962C8B-B14F-4D97-AF65-F5344CB8AC3E}">
+        <p14:creationId xmlns:p14="http://schemas.microsoft.com/office/powerpoint/2010/main" val="375447048"/>
+      </p:ext>
+    </p:extLst>
+  </p:cSld>
+  <p:clrMapOvr>
+    <a:masterClrMapping/>
+  </p:clrMapOvr>
+</p:sld>
+</file>
+
+<file path=ppt/slides/slide26.xml><?xml version="1.0" encoding="utf-8"?>
+<p:sld xmlns:a="http://schemas.openxmlformats.org/drawingml/2006/main" xmlns:r="http://schemas.openxmlformats.org/officeDocument/2006/relationships" xmlns:p="http://schemas.openxmlformats.org/presentationml/2006/main">
+  <p:cSld>
+    <p:spTree>
+      <p:nvGrpSpPr>
+        <p:cNvPr id="1" name=""/>
+        <p:cNvGrpSpPr/>
+        <p:nvPr/>
+      </p:nvGrpSpPr>
+      <p:grpSpPr>
+        <a:xfrm>
+          <a:off x="0" y="0"/>
+          <a:ext cx="0" cy="0"/>
+          <a:chOff x="0" y="0"/>
+          <a:chExt cx="0" cy="0"/>
+        </a:xfrm>
+      </p:grpSpPr>
+      <p:sp>
+        <p:nvSpPr>
+          <p:cNvPr id="4" name="Rectangle 3"/>
+          <p:cNvSpPr/>
+          <p:nvPr/>
+        </p:nvSpPr>
+        <p:spPr>
+          <a:xfrm>
+            <a:off x="39153" y="109410"/>
+            <a:ext cx="720000" cy="540000"/>
+          </a:xfrm>
+          <a:prstGeom prst="rect">
+            <a:avLst/>
+          </a:prstGeom>
+          <a:solidFill>
+            <a:schemeClr val="accent1">
+              <a:lumMod val="40000"/>
+              <a:lumOff val="60000"/>
+            </a:schemeClr>
+          </a:solidFill>
+          <a:ln>
+            <a:solidFill>
+              <a:schemeClr val="accent1">
+                <a:lumMod val="50000"/>
+              </a:schemeClr>
+            </a:solidFill>
+          </a:ln>
+        </p:spPr>
+        <p:style>
+          <a:lnRef idx="2">
+            <a:schemeClr val="accent1">
+              <a:shade val="50000"/>
+            </a:schemeClr>
+          </a:lnRef>
+          <a:fillRef idx="1">
+            <a:schemeClr val="accent1"/>
+          </a:fillRef>
+          <a:effectRef idx="0">
+            <a:schemeClr val="accent1"/>
+          </a:effectRef>
+          <a:fontRef idx="minor">
+            <a:schemeClr val="lt1"/>
+          </a:fontRef>
+        </p:style>
+        <p:txBody>
+          <a:bodyPr wrap="square" lIns="0" rIns="0" rtlCol="0" anchor="ctr"/>
+          <a:lstStyle/>
+          <a:p>
+            <a:pPr algn="ctr"/>
+            <a:r>
+              <a:rPr lang="en-AU" sz="2000" dirty="0" smtClean="0">
+                <a:solidFill>
+                  <a:schemeClr val="tx1"/>
+                </a:solidFill>
+              </a:rPr>
+              <a:t>Story </a:t>
+            </a:r>
+            <a:r>
+              <a:rPr lang="en-AU" sz="2000" dirty="0" smtClean="0">
+                <a:solidFill>
+                  <a:schemeClr val="tx1"/>
+                </a:solidFill>
+              </a:rPr>
+              <a:t>19</a:t>
+            </a:r>
+            <a:endParaRPr lang="en-AU" sz="2000" dirty="0">
+              <a:solidFill>
+                <a:schemeClr val="tx1"/>
+              </a:solidFill>
+            </a:endParaRPr>
+          </a:p>
+        </p:txBody>
+      </p:sp>
+      <p:sp>
+        <p:nvSpPr>
+          <p:cNvPr id="6" name="Rectangle 5"/>
+          <p:cNvSpPr/>
+          <p:nvPr/>
+        </p:nvSpPr>
+        <p:spPr>
+          <a:xfrm>
+            <a:off x="831153" y="109410"/>
+            <a:ext cx="7380000" cy="540000"/>
+          </a:xfrm>
+          <a:prstGeom prst="rect">
+            <a:avLst/>
+          </a:prstGeom>
+          <a:ln>
+            <a:solidFill>
+              <a:schemeClr val="accent1">
+                <a:lumMod val="50000"/>
+              </a:schemeClr>
+            </a:solidFill>
+          </a:ln>
+        </p:spPr>
+        <p:style>
+          <a:lnRef idx="2">
+            <a:schemeClr val="accent1">
+              <a:shade val="50000"/>
+            </a:schemeClr>
+          </a:lnRef>
+          <a:fillRef idx="1">
+            <a:schemeClr val="accent1"/>
+          </a:fillRef>
+          <a:effectRef idx="0">
+            <a:schemeClr val="accent1"/>
+          </a:effectRef>
+          <a:fontRef idx="minor">
+            <a:schemeClr val="lt1"/>
+          </a:fontRef>
+        </p:style>
+        <p:txBody>
+          <a:bodyPr rtlCol="0" anchor="ctr"/>
+          <a:lstStyle/>
+          <a:p>
+            <a:pPr algn="ctr"/>
+            <a:r>
+              <a:rPr lang="en-AU" sz="2800" dirty="0" smtClean="0"/>
+              <a:t>Reset Forgotten Password</a:t>
             </a:r>
             <a:endParaRPr lang="en-AU" sz="2800" dirty="0"/>
           </a:p>
@@ -12505,7 +13101,7 @@
 </p:sld>
 </file>
 
-<file path=ppt/slides/slide26.xml><?xml version="1.0" encoding="utf-8"?>
+<file path=ppt/slides/slide27.xml><?xml version="1.0" encoding="utf-8"?>
 <p:sld xmlns:a="http://schemas.openxmlformats.org/drawingml/2006/main" xmlns:r="http://schemas.openxmlformats.org/officeDocument/2006/relationships" xmlns:p="http://schemas.openxmlformats.org/presentationml/2006/main">
   <p:cSld>
     <p:spTree>
@@ -15360,7 +15956,7 @@
             </a:r>
             <a:r>
               <a:rPr lang="en-AU" sz="2800" dirty="0" smtClean="0"/>
-              <a:t> through a window</a:t>
+              <a:t> File Explorer</a:t>
             </a:r>
             <a:endParaRPr lang="en-AU" sz="2800" dirty="0"/>
           </a:p>

--- a/Stories/Story Cards.pptx
+++ b/Stories/Story Cards.pptx
@@ -234,7 +234,7 @@
           <a:p>
             <a:fld id="{D472050B-ACD1-334A-AA2C-2AACF631EB54}" type="datetimeFigureOut">
               <a:rPr lang="en-US" smtClean="0"/>
-              <a:t>3/23/17</a:t>
+              <a:t>3/25/17</a:t>
             </a:fld>
             <a:endParaRPr lang="en-US"/>
           </a:p>
@@ -684,7 +684,7 @@
             <a:fld id="{1585DAA5-6BE2-467A-90B2-00E985D86198}" type="datetimeFigureOut">
               <a:rPr lang="en-AU" smtClean="0"/>
               <a:pPr/>
-              <a:t>23/3/17</a:t>
+              <a:t>25/3/17</a:t>
             </a:fld>
             <a:endParaRPr lang="en-AU"/>
           </a:p>
@@ -851,7 +851,7 @@
             <a:fld id="{1585DAA5-6BE2-467A-90B2-00E985D86198}" type="datetimeFigureOut">
               <a:rPr lang="en-AU" smtClean="0"/>
               <a:pPr/>
-              <a:t>23/3/17</a:t>
+              <a:t>25/3/17</a:t>
             </a:fld>
             <a:endParaRPr lang="en-AU"/>
           </a:p>
@@ -1028,7 +1028,7 @@
             <a:fld id="{1585DAA5-6BE2-467A-90B2-00E985D86198}" type="datetimeFigureOut">
               <a:rPr lang="en-AU" smtClean="0"/>
               <a:pPr/>
-              <a:t>23/3/17</a:t>
+              <a:t>25/3/17</a:t>
             </a:fld>
             <a:endParaRPr lang="en-AU"/>
           </a:p>
@@ -1195,7 +1195,7 @@
             <a:fld id="{1585DAA5-6BE2-467A-90B2-00E985D86198}" type="datetimeFigureOut">
               <a:rPr lang="en-AU" smtClean="0"/>
               <a:pPr/>
-              <a:t>23/3/17</a:t>
+              <a:t>25/3/17</a:t>
             </a:fld>
             <a:endParaRPr lang="en-AU"/>
           </a:p>
@@ -1438,7 +1438,7 @@
             <a:fld id="{1585DAA5-6BE2-467A-90B2-00E985D86198}" type="datetimeFigureOut">
               <a:rPr lang="en-AU" smtClean="0"/>
               <a:pPr/>
-              <a:t>23/3/17</a:t>
+              <a:t>25/3/17</a:t>
             </a:fld>
             <a:endParaRPr lang="en-AU"/>
           </a:p>
@@ -1723,7 +1723,7 @@
             <a:fld id="{1585DAA5-6BE2-467A-90B2-00E985D86198}" type="datetimeFigureOut">
               <a:rPr lang="en-AU" smtClean="0"/>
               <a:pPr/>
-              <a:t>23/3/17</a:t>
+              <a:t>25/3/17</a:t>
             </a:fld>
             <a:endParaRPr lang="en-AU"/>
           </a:p>
@@ -2142,7 +2142,7 @@
             <a:fld id="{1585DAA5-6BE2-467A-90B2-00E985D86198}" type="datetimeFigureOut">
               <a:rPr lang="en-AU" smtClean="0"/>
               <a:pPr/>
-              <a:t>23/3/17</a:t>
+              <a:t>25/3/17</a:t>
             </a:fld>
             <a:endParaRPr lang="en-AU"/>
           </a:p>
@@ -2257,7 +2257,7 @@
             <a:fld id="{1585DAA5-6BE2-467A-90B2-00E985D86198}" type="datetimeFigureOut">
               <a:rPr lang="en-AU" smtClean="0"/>
               <a:pPr/>
-              <a:t>23/3/17</a:t>
+              <a:t>25/3/17</a:t>
             </a:fld>
             <a:endParaRPr lang="en-AU"/>
           </a:p>
@@ -2349,7 +2349,7 @@
             <a:fld id="{1585DAA5-6BE2-467A-90B2-00E985D86198}" type="datetimeFigureOut">
               <a:rPr lang="en-AU" smtClean="0"/>
               <a:pPr/>
-              <a:t>23/3/17</a:t>
+              <a:t>25/3/17</a:t>
             </a:fld>
             <a:endParaRPr lang="en-AU"/>
           </a:p>
@@ -2623,7 +2623,7 @@
             <a:fld id="{1585DAA5-6BE2-467A-90B2-00E985D86198}" type="datetimeFigureOut">
               <a:rPr lang="en-AU" smtClean="0"/>
               <a:pPr/>
-              <a:t>23/3/17</a:t>
+              <a:t>25/3/17</a:t>
             </a:fld>
             <a:endParaRPr lang="en-AU"/>
           </a:p>
@@ -2873,7 +2873,7 @@
             <a:fld id="{1585DAA5-6BE2-467A-90B2-00E985D86198}" type="datetimeFigureOut">
               <a:rPr lang="en-AU" smtClean="0"/>
               <a:pPr/>
-              <a:t>23/3/17</a:t>
+              <a:t>25/3/17</a:t>
             </a:fld>
             <a:endParaRPr lang="en-AU"/>
           </a:p>
@@ -3083,7 +3083,7 @@
             <a:fld id="{1585DAA5-6BE2-467A-90B2-00E985D86198}" type="datetimeFigureOut">
               <a:rPr lang="en-AU" smtClean="0"/>
               <a:pPr/>
-              <a:t>23/3/17</a:t>
+              <a:t>25/3/17</a:t>
             </a:fld>
             <a:endParaRPr lang="en-AU"/>
           </a:p>
@@ -3488,13 +3488,8 @@
             </a:r>
             <a:r>
               <a:rPr lang="en-AU" sz="2000" dirty="0" smtClean="0"/>
-              <a:t> – </a:t>
-            </a:r>
-            <a:r>
-              <a:rPr lang="en-AU" sz="2000" dirty="0" smtClean="0"/>
-              <a:t>Media Vault User</a:t>
-            </a:r>
-            <a:endParaRPr lang="en-AU" sz="2000" dirty="0" smtClean="0"/>
+              <a:t> – Media Vault User</a:t>
+            </a:r>
           </a:p>
           <a:p>
             <a:pPr marL="0" indent="0">
@@ -3509,11 +3504,7 @@
             </a:r>
             <a:r>
               <a:rPr lang="en-AU" sz="2000" dirty="0" smtClean="0"/>
-              <a:t> – </a:t>
-            </a:r>
-            <a:r>
-              <a:rPr lang="en-AU" sz="2000" dirty="0" smtClean="0"/>
-              <a:t>Desktop User</a:t>
+              <a:t> – Desktop User</a:t>
             </a:r>
           </a:p>
           <a:p>
@@ -3687,15 +3678,7 @@
                   <a:schemeClr val="tx1"/>
                 </a:solidFill>
               </a:rPr>
-              <a:t>Story </a:t>
-            </a:r>
-            <a:r>
-              <a:rPr lang="en-AU" sz="2000" dirty="0" smtClean="0">
-                <a:solidFill>
-                  <a:schemeClr val="tx1"/>
-                </a:solidFill>
-              </a:rPr>
-              <a:t>7</a:t>
+              <a:t>Story 7</a:t>
             </a:r>
             <a:endParaRPr lang="en-AU" sz="2000" dirty="0">
               <a:solidFill>
@@ -3934,11 +3917,6 @@
               </a:rPr>
               <a:t>The folder will appear, and the user can enter it</a:t>
             </a:r>
-            <a:endParaRPr lang="en-AU" sz="2000" dirty="0" smtClean="0">
-              <a:solidFill>
-                <a:schemeClr val="tx1"/>
-              </a:solidFill>
-            </a:endParaRPr>
           </a:p>
         </p:txBody>
       </p:sp>
@@ -3997,6 +3975,66 @@
                 </a:solidFill>
               </a:rPr>
               <a:t>2</a:t>
+            </a:r>
+          </a:p>
+        </p:txBody>
+      </p:sp>
+      <p:sp>
+        <p:nvSpPr>
+          <p:cNvPr id="12" name="Rectangle 11"/>
+          <p:cNvSpPr/>
+          <p:nvPr/>
+        </p:nvSpPr>
+        <p:spPr>
+          <a:xfrm>
+            <a:off x="8283153" y="109410"/>
+            <a:ext cx="792000" cy="540000"/>
+          </a:xfrm>
+          <a:prstGeom prst="rect">
+            <a:avLst/>
+          </a:prstGeom>
+          <a:solidFill>
+            <a:schemeClr val="accent4">
+              <a:lumMod val="20000"/>
+              <a:lumOff val="80000"/>
+            </a:schemeClr>
+          </a:solidFill>
+          <a:ln>
+            <a:solidFill>
+              <a:schemeClr val="accent1">
+                <a:lumMod val="50000"/>
+              </a:schemeClr>
+            </a:solidFill>
+          </a:ln>
+        </p:spPr>
+        <p:style>
+          <a:lnRef idx="2">
+            <a:schemeClr val="accent1">
+              <a:shade val="50000"/>
+            </a:schemeClr>
+          </a:lnRef>
+          <a:fillRef idx="1">
+            <a:schemeClr val="accent1"/>
+          </a:fillRef>
+          <a:effectRef idx="0">
+            <a:schemeClr val="accent1"/>
+          </a:effectRef>
+          <a:fontRef idx="minor">
+            <a:schemeClr val="lt1"/>
+          </a:fontRef>
+        </p:style>
+        <p:txBody>
+          <a:bodyPr wrap="none" lIns="0" rIns="0" rtlCol="0" anchor="ctr"/>
+          <a:lstStyle/>
+          <a:p>
+            <a:pPr algn="ctr"/>
+            <a:r>
+              <a:rPr lang="en-AU" sz="2000" dirty="0" smtClean="0">
+                <a:solidFill>
+                  <a:schemeClr val="tx1"/>
+                </a:solidFill>
+              </a:rPr>
+              <a:t>Must</a:t>
             </a:r>
             <a:endParaRPr lang="en-AU" sz="2000" dirty="0">
               <a:solidFill>
@@ -4008,71 +4046,6 @@
       </p:sp>
       <p:sp>
         <p:nvSpPr>
-          <p:cNvPr id="12" name="Rectangle 11"/>
-          <p:cNvSpPr/>
-          <p:nvPr/>
-        </p:nvSpPr>
-        <p:spPr>
-          <a:xfrm>
-            <a:off x="8283153" y="109410"/>
-            <a:ext cx="792000" cy="540000"/>
-          </a:xfrm>
-          <a:prstGeom prst="rect">
-            <a:avLst/>
-          </a:prstGeom>
-          <a:solidFill>
-            <a:schemeClr val="accent4">
-              <a:lumMod val="20000"/>
-              <a:lumOff val="80000"/>
-            </a:schemeClr>
-          </a:solidFill>
-          <a:ln>
-            <a:solidFill>
-              <a:schemeClr val="accent1">
-                <a:lumMod val="50000"/>
-              </a:schemeClr>
-            </a:solidFill>
-          </a:ln>
-        </p:spPr>
-        <p:style>
-          <a:lnRef idx="2">
-            <a:schemeClr val="accent1">
-              <a:shade val="50000"/>
-            </a:schemeClr>
-          </a:lnRef>
-          <a:fillRef idx="1">
-            <a:schemeClr val="accent1"/>
-          </a:fillRef>
-          <a:effectRef idx="0">
-            <a:schemeClr val="accent1"/>
-          </a:effectRef>
-          <a:fontRef idx="minor">
-            <a:schemeClr val="lt1"/>
-          </a:fontRef>
-        </p:style>
-        <p:txBody>
-          <a:bodyPr wrap="none" lIns="0" rIns="0" rtlCol="0" anchor="ctr"/>
-          <a:lstStyle/>
-          <a:p>
-            <a:pPr algn="ctr"/>
-            <a:r>
-              <a:rPr lang="en-AU" sz="2000" dirty="0" smtClean="0">
-                <a:solidFill>
-                  <a:schemeClr val="tx1"/>
-                </a:solidFill>
-              </a:rPr>
-              <a:t>Must</a:t>
-            </a:r>
-            <a:endParaRPr lang="en-AU" sz="2000" dirty="0">
-              <a:solidFill>
-                <a:schemeClr val="tx1"/>
-              </a:solidFill>
-            </a:endParaRPr>
-          </a:p>
-        </p:txBody>
-      </p:sp>
-      <p:sp>
-        <p:nvSpPr>
           <p:cNvPr id="13" name="Rectangle 12"/>
           <p:cNvSpPr/>
           <p:nvPr/>
@@ -4124,11 +4097,6 @@
               </a:rPr>
               <a:t>Notes</a:t>
             </a:r>
-            <a:endParaRPr lang="en-AU" sz="2000" dirty="0" smtClean="0">
-              <a:solidFill>
-                <a:schemeClr val="tx1"/>
-              </a:solidFill>
-            </a:endParaRPr>
           </a:p>
         </p:txBody>
       </p:sp>
@@ -4217,15 +4185,7 @@
                   <a:schemeClr val="tx1"/>
                 </a:solidFill>
               </a:rPr>
-              <a:t>Story </a:t>
-            </a:r>
-            <a:r>
-              <a:rPr lang="en-AU" sz="2000" dirty="0" smtClean="0">
-                <a:solidFill>
-                  <a:schemeClr val="tx1"/>
-                </a:solidFill>
-              </a:rPr>
-              <a:t>8</a:t>
+              <a:t>Story 8</a:t>
             </a:r>
             <a:endParaRPr lang="en-AU" sz="2000" dirty="0">
               <a:solidFill>
@@ -4450,11 +4410,6 @@
               </a:rPr>
               <a:t>There should be a home button, so the user can go back</a:t>
             </a:r>
-            <a:endParaRPr lang="en-AU" sz="2000" dirty="0" smtClean="0">
-              <a:solidFill>
-                <a:schemeClr val="tx1"/>
-              </a:solidFill>
-            </a:endParaRPr>
           </a:p>
         </p:txBody>
       </p:sp>
@@ -4513,6 +4468,66 @@
                 </a:solidFill>
               </a:rPr>
               <a:t>1</a:t>
+            </a:r>
+          </a:p>
+        </p:txBody>
+      </p:sp>
+      <p:sp>
+        <p:nvSpPr>
+          <p:cNvPr id="12" name="Rectangle 11"/>
+          <p:cNvSpPr/>
+          <p:nvPr/>
+        </p:nvSpPr>
+        <p:spPr>
+          <a:xfrm>
+            <a:off x="8283153" y="109410"/>
+            <a:ext cx="792000" cy="540000"/>
+          </a:xfrm>
+          <a:prstGeom prst="rect">
+            <a:avLst/>
+          </a:prstGeom>
+          <a:solidFill>
+            <a:schemeClr val="accent4">
+              <a:lumMod val="20000"/>
+              <a:lumOff val="80000"/>
+            </a:schemeClr>
+          </a:solidFill>
+          <a:ln>
+            <a:solidFill>
+              <a:schemeClr val="accent1">
+                <a:lumMod val="50000"/>
+              </a:schemeClr>
+            </a:solidFill>
+          </a:ln>
+        </p:spPr>
+        <p:style>
+          <a:lnRef idx="2">
+            <a:schemeClr val="accent1">
+              <a:shade val="50000"/>
+            </a:schemeClr>
+          </a:lnRef>
+          <a:fillRef idx="1">
+            <a:schemeClr val="accent1"/>
+          </a:fillRef>
+          <a:effectRef idx="0">
+            <a:schemeClr val="accent1"/>
+          </a:effectRef>
+          <a:fontRef idx="minor">
+            <a:schemeClr val="lt1"/>
+          </a:fontRef>
+        </p:style>
+        <p:txBody>
+          <a:bodyPr wrap="none" lIns="0" rIns="0" rtlCol="0" anchor="ctr"/>
+          <a:lstStyle/>
+          <a:p>
+            <a:pPr algn="ctr"/>
+            <a:r>
+              <a:rPr lang="en-AU" sz="2000" dirty="0" smtClean="0">
+                <a:solidFill>
+                  <a:schemeClr val="tx1"/>
+                </a:solidFill>
+              </a:rPr>
+              <a:t>Must</a:t>
             </a:r>
             <a:endParaRPr lang="en-AU" sz="2000" dirty="0">
               <a:solidFill>
@@ -4524,71 +4539,6 @@
       </p:sp>
       <p:sp>
         <p:nvSpPr>
-          <p:cNvPr id="12" name="Rectangle 11"/>
-          <p:cNvSpPr/>
-          <p:nvPr/>
-        </p:nvSpPr>
-        <p:spPr>
-          <a:xfrm>
-            <a:off x="8283153" y="109410"/>
-            <a:ext cx="792000" cy="540000"/>
-          </a:xfrm>
-          <a:prstGeom prst="rect">
-            <a:avLst/>
-          </a:prstGeom>
-          <a:solidFill>
-            <a:schemeClr val="accent4">
-              <a:lumMod val="20000"/>
-              <a:lumOff val="80000"/>
-            </a:schemeClr>
-          </a:solidFill>
-          <a:ln>
-            <a:solidFill>
-              <a:schemeClr val="accent1">
-                <a:lumMod val="50000"/>
-              </a:schemeClr>
-            </a:solidFill>
-          </a:ln>
-        </p:spPr>
-        <p:style>
-          <a:lnRef idx="2">
-            <a:schemeClr val="accent1">
-              <a:shade val="50000"/>
-            </a:schemeClr>
-          </a:lnRef>
-          <a:fillRef idx="1">
-            <a:schemeClr val="accent1"/>
-          </a:fillRef>
-          <a:effectRef idx="0">
-            <a:schemeClr val="accent1"/>
-          </a:effectRef>
-          <a:fontRef idx="minor">
-            <a:schemeClr val="lt1"/>
-          </a:fontRef>
-        </p:style>
-        <p:txBody>
-          <a:bodyPr wrap="none" lIns="0" rIns="0" rtlCol="0" anchor="ctr"/>
-          <a:lstStyle/>
-          <a:p>
-            <a:pPr algn="ctr"/>
-            <a:r>
-              <a:rPr lang="en-AU" sz="2000" dirty="0" smtClean="0">
-                <a:solidFill>
-                  <a:schemeClr val="tx1"/>
-                </a:solidFill>
-              </a:rPr>
-              <a:t>Must</a:t>
-            </a:r>
-            <a:endParaRPr lang="en-AU" sz="2000" dirty="0">
-              <a:solidFill>
-                <a:schemeClr val="tx1"/>
-              </a:solidFill>
-            </a:endParaRPr>
-          </a:p>
-        </p:txBody>
-      </p:sp>
-      <p:sp>
-        <p:nvSpPr>
           <p:cNvPr id="13" name="Rectangle 12"/>
           <p:cNvSpPr/>
           <p:nvPr/>
@@ -4640,11 +4590,6 @@
               </a:rPr>
               <a:t>Notes</a:t>
             </a:r>
-            <a:endParaRPr lang="en-AU" sz="2000" dirty="0" smtClean="0">
-              <a:solidFill>
-                <a:schemeClr val="tx1"/>
-              </a:solidFill>
-            </a:endParaRPr>
           </a:p>
         </p:txBody>
       </p:sp>
@@ -4733,15 +4678,7 @@
                   <a:schemeClr val="tx1"/>
                 </a:solidFill>
               </a:rPr>
-              <a:t>Story </a:t>
-            </a:r>
-            <a:r>
-              <a:rPr lang="en-AU" sz="2000" dirty="0" smtClean="0">
-                <a:solidFill>
-                  <a:schemeClr val="tx1"/>
-                </a:solidFill>
-              </a:rPr>
-              <a:t>8B</a:t>
+              <a:t>Story 8B</a:t>
             </a:r>
             <a:endParaRPr lang="en-AU" sz="2000" dirty="0">
               <a:solidFill>
@@ -5030,6 +4967,66 @@
               </a:rPr>
               <a:t>1</a:t>
             </a:r>
+          </a:p>
+        </p:txBody>
+      </p:sp>
+      <p:sp>
+        <p:nvSpPr>
+          <p:cNvPr id="12" name="Rectangle 11"/>
+          <p:cNvSpPr/>
+          <p:nvPr/>
+        </p:nvSpPr>
+        <p:spPr>
+          <a:xfrm>
+            <a:off x="8283153" y="109410"/>
+            <a:ext cx="792000" cy="540000"/>
+          </a:xfrm>
+          <a:prstGeom prst="rect">
+            <a:avLst/>
+          </a:prstGeom>
+          <a:solidFill>
+            <a:schemeClr val="accent4">
+              <a:lumMod val="20000"/>
+              <a:lumOff val="80000"/>
+            </a:schemeClr>
+          </a:solidFill>
+          <a:ln>
+            <a:solidFill>
+              <a:schemeClr val="accent1">
+                <a:lumMod val="50000"/>
+              </a:schemeClr>
+            </a:solidFill>
+          </a:ln>
+        </p:spPr>
+        <p:style>
+          <a:lnRef idx="2">
+            <a:schemeClr val="accent1">
+              <a:shade val="50000"/>
+            </a:schemeClr>
+          </a:lnRef>
+          <a:fillRef idx="1">
+            <a:schemeClr val="accent1"/>
+          </a:fillRef>
+          <a:effectRef idx="0">
+            <a:schemeClr val="accent1"/>
+          </a:effectRef>
+          <a:fontRef idx="minor">
+            <a:schemeClr val="lt1"/>
+          </a:fontRef>
+        </p:style>
+        <p:txBody>
+          <a:bodyPr wrap="none" lIns="0" rIns="0" rtlCol="0" anchor="ctr"/>
+          <a:lstStyle/>
+          <a:p>
+            <a:pPr algn="ctr"/>
+            <a:r>
+              <a:rPr lang="en-AU" sz="2000" dirty="0" smtClean="0">
+                <a:solidFill>
+                  <a:schemeClr val="tx1"/>
+                </a:solidFill>
+              </a:rPr>
+              <a:t>Must</a:t>
+            </a:r>
             <a:endParaRPr lang="en-AU" sz="2000" dirty="0">
               <a:solidFill>
                 <a:schemeClr val="tx1"/>
@@ -5040,71 +5037,6 @@
       </p:sp>
       <p:sp>
         <p:nvSpPr>
-          <p:cNvPr id="12" name="Rectangle 11"/>
-          <p:cNvSpPr/>
-          <p:nvPr/>
-        </p:nvSpPr>
-        <p:spPr>
-          <a:xfrm>
-            <a:off x="8283153" y="109410"/>
-            <a:ext cx="792000" cy="540000"/>
-          </a:xfrm>
-          <a:prstGeom prst="rect">
-            <a:avLst/>
-          </a:prstGeom>
-          <a:solidFill>
-            <a:schemeClr val="accent4">
-              <a:lumMod val="20000"/>
-              <a:lumOff val="80000"/>
-            </a:schemeClr>
-          </a:solidFill>
-          <a:ln>
-            <a:solidFill>
-              <a:schemeClr val="accent1">
-                <a:lumMod val="50000"/>
-              </a:schemeClr>
-            </a:solidFill>
-          </a:ln>
-        </p:spPr>
-        <p:style>
-          <a:lnRef idx="2">
-            <a:schemeClr val="accent1">
-              <a:shade val="50000"/>
-            </a:schemeClr>
-          </a:lnRef>
-          <a:fillRef idx="1">
-            <a:schemeClr val="accent1"/>
-          </a:fillRef>
-          <a:effectRef idx="0">
-            <a:schemeClr val="accent1"/>
-          </a:effectRef>
-          <a:fontRef idx="minor">
-            <a:schemeClr val="lt1"/>
-          </a:fontRef>
-        </p:style>
-        <p:txBody>
-          <a:bodyPr wrap="none" lIns="0" rIns="0" rtlCol="0" anchor="ctr"/>
-          <a:lstStyle/>
-          <a:p>
-            <a:pPr algn="ctr"/>
-            <a:r>
-              <a:rPr lang="en-AU" sz="2000" dirty="0" smtClean="0">
-                <a:solidFill>
-                  <a:schemeClr val="tx1"/>
-                </a:solidFill>
-              </a:rPr>
-              <a:t>Must</a:t>
-            </a:r>
-            <a:endParaRPr lang="en-AU" sz="2000" dirty="0">
-              <a:solidFill>
-                <a:schemeClr val="tx1"/>
-              </a:solidFill>
-            </a:endParaRPr>
-          </a:p>
-        </p:txBody>
-      </p:sp>
-      <p:sp>
-        <p:nvSpPr>
           <p:cNvPr id="13" name="Rectangle 12"/>
           <p:cNvSpPr/>
           <p:nvPr/>
@@ -5156,11 +5088,6 @@
               </a:rPr>
               <a:t>Notes</a:t>
             </a:r>
-            <a:endParaRPr lang="en-AU" sz="2000" dirty="0" smtClean="0">
-              <a:solidFill>
-                <a:schemeClr val="tx1"/>
-              </a:solidFill>
-            </a:endParaRPr>
           </a:p>
         </p:txBody>
       </p:sp>
@@ -5249,15 +5176,7 @@
                   <a:schemeClr val="tx1"/>
                 </a:solidFill>
               </a:rPr>
-              <a:t>Story </a:t>
-            </a:r>
-            <a:r>
-              <a:rPr lang="en-AU" sz="2000" dirty="0" smtClean="0">
-                <a:solidFill>
-                  <a:schemeClr val="tx1"/>
-                </a:solidFill>
-              </a:rPr>
-              <a:t>9</a:t>
+              <a:t>Story 9</a:t>
             </a:r>
             <a:endParaRPr lang="en-AU" sz="2000" dirty="0">
               <a:solidFill>
@@ -5393,11 +5312,6 @@
               </a:rPr>
               <a:t>isten to it</a:t>
             </a:r>
-            <a:endParaRPr lang="en-AU" sz="2400" dirty="0" smtClean="0">
-              <a:solidFill>
-                <a:schemeClr val="tx1"/>
-              </a:solidFill>
-            </a:endParaRPr>
           </a:p>
           <a:p>
             <a:endParaRPr lang="en-AU" sz="2400" dirty="0" smtClean="0">
@@ -5704,11 +5618,6 @@
               </a:rPr>
               <a:t>Notes</a:t>
             </a:r>
-            <a:endParaRPr lang="en-AU" sz="2000" dirty="0" smtClean="0">
-              <a:solidFill>
-                <a:schemeClr val="tx1"/>
-              </a:solidFill>
-            </a:endParaRPr>
           </a:p>
         </p:txBody>
       </p:sp>
@@ -5797,15 +5706,7 @@
                   <a:schemeClr val="tx1"/>
                 </a:solidFill>
               </a:rPr>
-              <a:t>Story </a:t>
-            </a:r>
-            <a:r>
-              <a:rPr lang="en-AU" sz="2000" dirty="0" smtClean="0">
-                <a:solidFill>
-                  <a:schemeClr val="tx1"/>
-                </a:solidFill>
-              </a:rPr>
-              <a:t>10</a:t>
+              <a:t>Story 10</a:t>
             </a:r>
             <a:endParaRPr lang="en-AU" sz="2000" dirty="0">
               <a:solidFill>
@@ -6242,11 +6143,6 @@
               </a:rPr>
               <a:t>Notes</a:t>
             </a:r>
-            <a:endParaRPr lang="en-AU" sz="2000" dirty="0" smtClean="0">
-              <a:solidFill>
-                <a:schemeClr val="tx1"/>
-              </a:solidFill>
-            </a:endParaRPr>
           </a:p>
         </p:txBody>
       </p:sp>
@@ -6335,15 +6231,7 @@
                   <a:schemeClr val="tx1"/>
                 </a:solidFill>
               </a:rPr>
-              <a:t>Story </a:t>
-            </a:r>
-            <a:r>
-              <a:rPr lang="en-AU" sz="2000" dirty="0" smtClean="0">
-                <a:solidFill>
-                  <a:schemeClr val="tx1"/>
-                </a:solidFill>
-              </a:rPr>
-              <a:t>10B</a:t>
+              <a:t>Story 10B</a:t>
             </a:r>
             <a:endParaRPr lang="en-AU" sz="2000" dirty="0">
               <a:solidFill>
@@ -6777,11 +6665,6 @@
               </a:rPr>
               <a:t>Notes</a:t>
             </a:r>
-            <a:endParaRPr lang="en-AU" sz="2000" dirty="0" smtClean="0">
-              <a:solidFill>
-                <a:schemeClr val="tx1"/>
-              </a:solidFill>
-            </a:endParaRPr>
           </a:p>
         </p:txBody>
       </p:sp>
@@ -6870,15 +6753,7 @@
                   <a:schemeClr val="tx1"/>
                 </a:solidFill>
               </a:rPr>
-              <a:t>Story </a:t>
-            </a:r>
-            <a:r>
-              <a:rPr lang="en-AU" sz="2000" dirty="0" smtClean="0">
-                <a:solidFill>
-                  <a:schemeClr val="tx1"/>
-                </a:solidFill>
-              </a:rPr>
-              <a:t>11</a:t>
+              <a:t>Story 11</a:t>
             </a:r>
             <a:endParaRPr lang="en-AU" sz="2000" dirty="0">
               <a:solidFill>
@@ -7117,11 +6992,6 @@
               </a:rPr>
               <a:t>The file remains there if they click no </a:t>
             </a:r>
-            <a:endParaRPr lang="en-AU" sz="2000" dirty="0" smtClean="0">
-              <a:solidFill>
-                <a:schemeClr val="tx1"/>
-              </a:solidFill>
-            </a:endParaRPr>
           </a:p>
         </p:txBody>
       </p:sp>
@@ -7179,7 +7049,7 @@
                   <a:schemeClr val="tx1"/>
                 </a:solidFill>
               </a:rPr>
-              <a:t>4</a:t>
+              <a:t>2</a:t>
             </a:r>
             <a:endParaRPr lang="en-AU" sz="2000" dirty="0">
               <a:solidFill>
@@ -7307,11 +7177,6 @@
               </a:rPr>
               <a:t>Notes</a:t>
             </a:r>
-            <a:endParaRPr lang="en-AU" sz="2000" dirty="0" smtClean="0">
-              <a:solidFill>
-                <a:schemeClr val="tx1"/>
-              </a:solidFill>
-            </a:endParaRPr>
           </a:p>
         </p:txBody>
       </p:sp>
@@ -7400,15 +7265,7 @@
                   <a:schemeClr val="tx1"/>
                 </a:solidFill>
               </a:rPr>
-              <a:t>Story </a:t>
-            </a:r>
-            <a:r>
-              <a:rPr lang="en-AU" sz="2000" dirty="0" smtClean="0">
-                <a:solidFill>
-                  <a:schemeClr val="tx1"/>
-                </a:solidFill>
-              </a:rPr>
-              <a:t>12</a:t>
+              <a:t>Story 12</a:t>
             </a:r>
             <a:endParaRPr lang="en-AU" sz="2000" dirty="0">
               <a:solidFill>
@@ -7633,11 +7490,6 @@
               </a:rPr>
               <a:t>The file name will change upon the user editing it</a:t>
             </a:r>
-            <a:endParaRPr lang="en-AU" sz="2000" dirty="0" smtClean="0">
-              <a:solidFill>
-                <a:schemeClr val="tx1"/>
-              </a:solidFill>
-            </a:endParaRPr>
           </a:p>
         </p:txBody>
       </p:sp>
@@ -7823,11 +7675,6 @@
               </a:rPr>
               <a:t>Notes</a:t>
             </a:r>
-            <a:endParaRPr lang="en-AU" sz="2000" dirty="0" smtClean="0">
-              <a:solidFill>
-                <a:schemeClr val="tx1"/>
-              </a:solidFill>
-            </a:endParaRPr>
           </a:p>
         </p:txBody>
       </p:sp>
@@ -7916,15 +7763,7 @@
                   <a:schemeClr val="tx1"/>
                 </a:solidFill>
               </a:rPr>
-              <a:t>Story </a:t>
-            </a:r>
-            <a:r>
-              <a:rPr lang="en-AU" sz="2000" dirty="0" smtClean="0">
-                <a:solidFill>
-                  <a:schemeClr val="tx1"/>
-                </a:solidFill>
-              </a:rPr>
-              <a:t>13</a:t>
+              <a:t>Story 13</a:t>
             </a:r>
             <a:endParaRPr lang="en-AU" sz="2000" dirty="0">
               <a:solidFill>
@@ -8149,11 +7988,6 @@
               </a:rPr>
               <a:t>The user will enter search terms and click ”Search”</a:t>
             </a:r>
-            <a:endParaRPr lang="en-AU" sz="2000" dirty="0" smtClean="0">
-              <a:solidFill>
-                <a:schemeClr val="tx1"/>
-              </a:solidFill>
-            </a:endParaRPr>
           </a:p>
           <a:p>
             <a:pPr marL="179388" indent="-179388">
@@ -8168,11 +8002,6 @@
               </a:rPr>
               <a:t>The current view of the files will filter according to the user’s search terms</a:t>
             </a:r>
-            <a:endParaRPr lang="en-AU" sz="2000" dirty="0" smtClean="0">
-              <a:solidFill>
-                <a:schemeClr val="tx1"/>
-              </a:solidFill>
-            </a:endParaRPr>
           </a:p>
         </p:txBody>
       </p:sp>
@@ -8358,11 +8187,6 @@
               </a:rPr>
               <a:t>Notes</a:t>
             </a:r>
-            <a:endParaRPr lang="en-AU" sz="2000" dirty="0" smtClean="0">
-              <a:solidFill>
-                <a:schemeClr val="tx1"/>
-              </a:solidFill>
-            </a:endParaRPr>
           </a:p>
         </p:txBody>
       </p:sp>
@@ -8451,15 +8275,7 @@
                   <a:schemeClr val="tx1"/>
                 </a:solidFill>
               </a:rPr>
-              <a:t>Story </a:t>
-            </a:r>
-            <a:r>
-              <a:rPr lang="en-AU" sz="2000" dirty="0" smtClean="0">
-                <a:solidFill>
-                  <a:schemeClr val="tx1"/>
-                </a:solidFill>
-              </a:rPr>
-              <a:t>14</a:t>
+              <a:t>Story 14</a:t>
             </a:r>
             <a:endParaRPr lang="en-AU" sz="2000" dirty="0">
               <a:solidFill>
@@ -8576,11 +8392,6 @@
               </a:rPr>
               <a:t>As a Media Vault user, I want to add/edit user friendly meta data to a file I have uploaded so that this file will appear when I search my files with similar meta data.</a:t>
             </a:r>
-            <a:endParaRPr lang="en-AU" sz="2400" dirty="0" smtClean="0">
-              <a:solidFill>
-                <a:schemeClr val="tx1"/>
-              </a:solidFill>
-            </a:endParaRPr>
           </a:p>
         </p:txBody>
       </p:sp>
@@ -8668,11 +8479,6 @@
               </a:rPr>
               <a:t>Performing a search with similar meta data should reveal the relevant files</a:t>
             </a:r>
-            <a:endParaRPr lang="en-AU" sz="2000" dirty="0" smtClean="0">
-              <a:solidFill>
-                <a:schemeClr val="tx1"/>
-              </a:solidFill>
-            </a:endParaRPr>
           </a:p>
         </p:txBody>
       </p:sp>
@@ -8984,15 +8790,7 @@
                   <a:schemeClr val="tx1"/>
                 </a:solidFill>
               </a:rPr>
-              <a:t>Story </a:t>
-            </a:r>
-            <a:r>
-              <a:rPr lang="en-AU" sz="2000" dirty="0" smtClean="0">
-                <a:solidFill>
-                  <a:schemeClr val="tx1"/>
-                </a:solidFill>
-              </a:rPr>
-              <a:t>0</a:t>
+              <a:t>Story 0</a:t>
             </a:r>
             <a:endParaRPr lang="en-AU" sz="2000" dirty="0">
               <a:solidFill>
@@ -9109,11 +8907,6 @@
               </a:rPr>
               <a:t>As a Media Vault user, I want to use a website so that I can store my files on the cloud</a:t>
             </a:r>
-            <a:endParaRPr lang="en-AU" sz="2400" dirty="0" smtClean="0">
-              <a:solidFill>
-                <a:schemeClr val="tx1"/>
-              </a:solidFill>
-            </a:endParaRPr>
           </a:p>
         </p:txBody>
       </p:sp>
@@ -9479,15 +9272,7 @@
                   <a:schemeClr val="tx1"/>
                 </a:solidFill>
               </a:rPr>
-              <a:t>Story </a:t>
-            </a:r>
-            <a:r>
-              <a:rPr lang="en-AU" sz="2000" dirty="0" smtClean="0">
-                <a:solidFill>
-                  <a:schemeClr val="tx1"/>
-                </a:solidFill>
-              </a:rPr>
-              <a:t>16</a:t>
+              <a:t>Story 16</a:t>
             </a:r>
             <a:endParaRPr lang="en-AU" sz="2000" dirty="0">
               <a:solidFill>
@@ -9604,11 +9389,6 @@
               </a:rPr>
               <a:t>As a Media Vault user, I want to add manual information (meta data) to a file that I am uploading, so that performing a search with similar meta data will reveal these files.</a:t>
             </a:r>
-            <a:endParaRPr lang="en-AU" sz="2400" dirty="0" smtClean="0">
-              <a:solidFill>
-                <a:schemeClr val="tx1"/>
-              </a:solidFill>
-            </a:endParaRPr>
           </a:p>
         </p:txBody>
       </p:sp>
@@ -9696,11 +9476,6 @@
               </a:rPr>
               <a:t>Performing a search with similar meta data should reveal the relevant files</a:t>
             </a:r>
-            <a:endParaRPr lang="en-AU" sz="2000" dirty="0" smtClean="0">
-              <a:solidFill>
-                <a:schemeClr val="tx1"/>
-              </a:solidFill>
-            </a:endParaRPr>
           </a:p>
         </p:txBody>
       </p:sp>
@@ -9993,15 +9768,7 @@
                   <a:schemeClr val="tx1"/>
                 </a:solidFill>
               </a:rPr>
-              <a:t>Story </a:t>
-            </a:r>
-            <a:r>
-              <a:rPr lang="en-AU" sz="2000" dirty="0" smtClean="0">
-                <a:solidFill>
-                  <a:schemeClr val="tx1"/>
-                </a:solidFill>
-              </a:rPr>
-              <a:t>16B</a:t>
+              <a:t>Story 16B</a:t>
             </a:r>
             <a:endParaRPr lang="en-AU" sz="2000" dirty="0">
               <a:solidFill>
@@ -10118,11 +9885,6 @@
               </a:rPr>
               <a:t>As a Media Vault user, I want to automatically add information (meta data) to a file that I am uploading, so that performing a search with similar meta data will reveal these files.</a:t>
             </a:r>
-            <a:endParaRPr lang="en-AU" sz="2400" dirty="0" smtClean="0">
-              <a:solidFill>
-                <a:schemeClr val="tx1"/>
-              </a:solidFill>
-            </a:endParaRPr>
           </a:p>
         </p:txBody>
       </p:sp>
@@ -10210,11 +9972,6 @@
               </a:rPr>
               <a:t>Performing a search with similar meta data should reveal the relevant files</a:t>
             </a:r>
-            <a:endParaRPr lang="en-AU" sz="2000" dirty="0" smtClean="0">
-              <a:solidFill>
-                <a:schemeClr val="tx1"/>
-              </a:solidFill>
-            </a:endParaRPr>
           </a:p>
         </p:txBody>
       </p:sp>
@@ -10507,15 +10264,7 @@
                   <a:schemeClr val="tx1"/>
                 </a:solidFill>
               </a:rPr>
-              <a:t>Story </a:t>
-            </a:r>
-            <a:r>
-              <a:rPr lang="en-AU" sz="2000" dirty="0" smtClean="0">
-                <a:solidFill>
-                  <a:schemeClr val="tx1"/>
-                </a:solidFill>
-              </a:rPr>
-              <a:t>17</a:t>
+              <a:t>Story 17</a:t>
             </a:r>
             <a:endParaRPr lang="en-AU" sz="2000" dirty="0">
               <a:solidFill>
@@ -10640,11 +10389,6 @@
               </a:rPr>
               <a:t>As a Media Vault user, I want to sort my files by meta data, so that I can organise and easily access specific files.</a:t>
             </a:r>
-            <a:endParaRPr lang="en-AU" sz="2400" dirty="0" smtClean="0">
-              <a:solidFill>
-                <a:schemeClr val="tx1"/>
-              </a:solidFill>
-            </a:endParaRPr>
           </a:p>
         </p:txBody>
       </p:sp>
@@ -10732,11 +10476,6 @@
               </a:rPr>
               <a:t>The files should be sorted by the meta data</a:t>
             </a:r>
-            <a:endParaRPr lang="en-AU" sz="2000" dirty="0" smtClean="0">
-              <a:solidFill>
-                <a:schemeClr val="tx1"/>
-              </a:solidFill>
-            </a:endParaRPr>
           </a:p>
         </p:txBody>
       </p:sp>
@@ -11029,15 +10768,7 @@
                   <a:schemeClr val="tx1"/>
                 </a:solidFill>
               </a:rPr>
-              <a:t>Story </a:t>
-            </a:r>
-            <a:r>
-              <a:rPr lang="en-AU" sz="2000" dirty="0" smtClean="0">
-                <a:solidFill>
-                  <a:schemeClr val="tx1"/>
-                </a:solidFill>
-              </a:rPr>
-              <a:t>17B</a:t>
+              <a:t>Story 17B</a:t>
             </a:r>
             <a:endParaRPr lang="en-AU" sz="2000" dirty="0">
               <a:solidFill>
@@ -11154,11 +10885,6 @@
               </a:rPr>
               <a:t>As a Media Vault user, I want to sort my files by file name, so that I can organise and easily access specific files.</a:t>
             </a:r>
-            <a:endParaRPr lang="en-AU" sz="2400" dirty="0" smtClean="0">
-              <a:solidFill>
-                <a:schemeClr val="tx1"/>
-              </a:solidFill>
-            </a:endParaRPr>
           </a:p>
         </p:txBody>
       </p:sp>
@@ -11575,15 +11301,7 @@
                   <a:schemeClr val="tx1"/>
                 </a:solidFill>
               </a:rPr>
-              <a:t>Story </a:t>
-            </a:r>
-            <a:r>
-              <a:rPr lang="en-AU" sz="2000" dirty="0" smtClean="0">
-                <a:solidFill>
-                  <a:schemeClr val="tx1"/>
-                </a:solidFill>
-              </a:rPr>
-              <a:t>17C</a:t>
+              <a:t>Story 17C</a:t>
             </a:r>
             <a:endParaRPr lang="en-AU" sz="2000" dirty="0">
               <a:solidFill>
@@ -11708,11 +11426,6 @@
               </a:rPr>
               <a:t>As a Media Vault user, I want to sort my files by date uploaded, so that I can organise and easily access specific files.</a:t>
             </a:r>
-            <a:endParaRPr lang="en-AU" sz="2400" dirty="0" smtClean="0">
-              <a:solidFill>
-                <a:schemeClr val="tx1"/>
-              </a:solidFill>
-            </a:endParaRPr>
           </a:p>
         </p:txBody>
       </p:sp>
@@ -12118,15 +11831,7 @@
                   <a:schemeClr val="tx1"/>
                 </a:solidFill>
               </a:rPr>
-              <a:t>Story </a:t>
-            </a:r>
-            <a:r>
-              <a:rPr lang="en-AU" sz="2000" dirty="0" smtClean="0">
-                <a:solidFill>
-                  <a:schemeClr val="tx1"/>
-                </a:solidFill>
-              </a:rPr>
-              <a:t>18</a:t>
+              <a:t>Story 18</a:t>
             </a:r>
             <a:endParaRPr lang="en-AU" sz="2000" dirty="0">
               <a:solidFill>
@@ -12243,11 +11948,6 @@
               </a:rPr>
               <a:t>As a Media Vault user, I want to update my password and email, so that I can have my credentials up to date.</a:t>
             </a:r>
-            <a:endParaRPr lang="en-AU" sz="2400" dirty="0" smtClean="0">
-              <a:solidFill>
-                <a:schemeClr val="tx1"/>
-              </a:solidFill>
-            </a:endParaRPr>
           </a:p>
         </p:txBody>
       </p:sp>
@@ -12319,15 +12019,7 @@
                   <a:schemeClr val="tx1"/>
                 </a:solidFill>
               </a:rPr>
-              <a:t> </a:t>
-            </a:r>
-            <a:r>
-              <a:rPr lang="en-AU" sz="2000" dirty="0" smtClean="0">
-                <a:solidFill>
-                  <a:schemeClr val="tx1"/>
-                </a:solidFill>
-              </a:rPr>
-              <a:t>The user can click a button that takes them to see the details of their account</a:t>
+              <a:t> The user can click a button that takes them to see the details of their account</a:t>
             </a:r>
           </a:p>
           <a:p>
@@ -12343,11 +12035,6 @@
               </a:rPr>
               <a:t>The user can edit their email and password here</a:t>
             </a:r>
-            <a:endParaRPr lang="en-AU" sz="2000" dirty="0" smtClean="0">
-              <a:solidFill>
-                <a:schemeClr val="tx1"/>
-              </a:solidFill>
-            </a:endParaRPr>
           </a:p>
         </p:txBody>
       </p:sp>
@@ -12405,7 +12092,7 @@
                   <a:schemeClr val="tx1"/>
                 </a:solidFill>
               </a:rPr>
-              <a:t>2</a:t>
+              <a:t>1</a:t>
             </a:r>
             <a:endParaRPr lang="en-AU" sz="2000" dirty="0">
               <a:solidFill>
@@ -12640,15 +12327,7 @@
                   <a:schemeClr val="tx1"/>
                 </a:solidFill>
               </a:rPr>
-              <a:t>Story </a:t>
-            </a:r>
-            <a:r>
-              <a:rPr lang="en-AU" sz="2000" dirty="0" smtClean="0">
-                <a:solidFill>
-                  <a:schemeClr val="tx1"/>
-                </a:solidFill>
-              </a:rPr>
-              <a:t>19</a:t>
+              <a:t>Story 19</a:t>
             </a:r>
             <a:endParaRPr lang="en-AU" sz="2000" dirty="0">
               <a:solidFill>
@@ -12765,11 +12444,6 @@
               </a:rPr>
               <a:t>As a Media Vault user, I want to reset my password if I have forgotten it, so I can change it to a new password and log into my Media Vault to access my files.</a:t>
             </a:r>
-            <a:endParaRPr lang="en-AU" sz="2400" dirty="0" smtClean="0">
-              <a:solidFill>
-                <a:schemeClr val="tx1"/>
-              </a:solidFill>
-            </a:endParaRPr>
           </a:p>
         </p:txBody>
       </p:sp>
@@ -12876,11 +12550,6 @@
               </a:rPr>
               <a:t>They can then log in</a:t>
             </a:r>
-            <a:endParaRPr lang="en-AU" sz="2000" dirty="0" smtClean="0">
-              <a:solidFill>
-                <a:schemeClr val="tx1"/>
-              </a:solidFill>
-            </a:endParaRPr>
           </a:p>
         </p:txBody>
       </p:sp>
@@ -13173,15 +12842,7 @@
                   <a:schemeClr val="tx1"/>
                 </a:solidFill>
               </a:rPr>
-              <a:t>Story </a:t>
-            </a:r>
-            <a:r>
-              <a:rPr lang="en-AU" sz="2000" dirty="0" smtClean="0">
-                <a:solidFill>
-                  <a:schemeClr val="tx1"/>
-                </a:solidFill>
-              </a:rPr>
-              <a:t>20</a:t>
+              <a:t>Story 20</a:t>
             </a:r>
             <a:endParaRPr lang="en-AU" sz="2000" dirty="0">
               <a:solidFill>
@@ -13298,11 +12959,6 @@
               </a:rPr>
               <a:t>As a Media Vault user, I want to log out of my account, so that nobody else can access my files when I have finished with Media Vault</a:t>
             </a:r>
-            <a:endParaRPr lang="en-AU" sz="2400" dirty="0" smtClean="0">
-              <a:solidFill>
-                <a:schemeClr val="tx1"/>
-              </a:solidFill>
-            </a:endParaRPr>
           </a:p>
         </p:txBody>
       </p:sp>
@@ -13374,21 +13030,8 @@
                   <a:schemeClr val="tx1"/>
                 </a:solidFill>
               </a:rPr>
-              <a:t> </a:t>
-            </a:r>
-            <a:r>
-              <a:rPr lang="en-AU" sz="2000" dirty="0" smtClean="0">
-                <a:solidFill>
-                  <a:schemeClr val="tx1"/>
-                </a:solidFill>
-              </a:rPr>
-              <a:t>The User can no longer see their files once they have clicked a log out button</a:t>
-            </a:r>
-            <a:endParaRPr lang="en-AU" sz="2000" dirty="0" smtClean="0">
-              <a:solidFill>
-                <a:schemeClr val="tx1"/>
-              </a:solidFill>
-            </a:endParaRPr>
+              <a:t> The User can no longer see their files once they have clicked a log out button</a:t>
+            </a:r>
           </a:p>
         </p:txBody>
       </p:sp>
@@ -13749,6 +13392,350 @@
               </a:rPr>
               <a:t>1</a:t>
             </a:r>
+          </a:p>
+        </p:txBody>
+      </p:sp>
+      <p:sp>
+        <p:nvSpPr>
+          <p:cNvPr id="6" name="Rectangle 5"/>
+          <p:cNvSpPr/>
+          <p:nvPr/>
+        </p:nvSpPr>
+        <p:spPr>
+          <a:xfrm>
+            <a:off x="831153" y="109410"/>
+            <a:ext cx="7380000" cy="540000"/>
+          </a:xfrm>
+          <a:prstGeom prst="rect">
+            <a:avLst/>
+          </a:prstGeom>
+          <a:ln>
+            <a:solidFill>
+              <a:schemeClr val="accent1">
+                <a:lumMod val="50000"/>
+              </a:schemeClr>
+            </a:solidFill>
+          </a:ln>
+        </p:spPr>
+        <p:style>
+          <a:lnRef idx="2">
+            <a:schemeClr val="accent1">
+              <a:shade val="50000"/>
+            </a:schemeClr>
+          </a:lnRef>
+          <a:fillRef idx="1">
+            <a:schemeClr val="accent1"/>
+          </a:fillRef>
+          <a:effectRef idx="0">
+            <a:schemeClr val="accent1"/>
+          </a:effectRef>
+          <a:fontRef idx="minor">
+            <a:schemeClr val="lt1"/>
+          </a:fontRef>
+        </p:style>
+        <p:txBody>
+          <a:bodyPr rtlCol="0" anchor="ctr"/>
+          <a:lstStyle/>
+          <a:p>
+            <a:pPr algn="ctr"/>
+            <a:r>
+              <a:rPr lang="en-AU" sz="2800" dirty="0" smtClean="0"/>
+              <a:t>Account Registration</a:t>
+            </a:r>
+            <a:endParaRPr lang="en-AU" sz="2800" dirty="0"/>
+          </a:p>
+        </p:txBody>
+      </p:sp>
+      <p:sp>
+        <p:nvSpPr>
+          <p:cNvPr id="7" name="Rectangle 6"/>
+          <p:cNvSpPr/>
+          <p:nvPr/>
+        </p:nvSpPr>
+        <p:spPr>
+          <a:xfrm>
+            <a:off x="39153" y="822470"/>
+            <a:ext cx="9828000" cy="2340000"/>
+          </a:xfrm>
+          <a:prstGeom prst="rect">
+            <a:avLst/>
+          </a:prstGeom>
+          <a:solidFill>
+            <a:schemeClr val="tx2">
+              <a:lumMod val="20000"/>
+              <a:lumOff val="80000"/>
+            </a:schemeClr>
+          </a:solidFill>
+          <a:ln>
+            <a:solidFill>
+              <a:schemeClr val="accent1">
+                <a:lumMod val="50000"/>
+              </a:schemeClr>
+            </a:solidFill>
+          </a:ln>
+        </p:spPr>
+        <p:style>
+          <a:lnRef idx="2">
+            <a:schemeClr val="accent1">
+              <a:shade val="50000"/>
+            </a:schemeClr>
+          </a:lnRef>
+          <a:fillRef idx="1">
+            <a:schemeClr val="accent1"/>
+          </a:fillRef>
+          <a:effectRef idx="0">
+            <a:schemeClr val="accent1"/>
+          </a:effectRef>
+          <a:fontRef idx="minor">
+            <a:schemeClr val="lt1"/>
+          </a:fontRef>
+        </p:style>
+        <p:txBody>
+          <a:bodyPr rtlCol="0" anchor="t" anchorCtr="0"/>
+          <a:lstStyle/>
+          <a:p>
+            <a:r>
+              <a:rPr lang="en-AU" sz="2400" dirty="0" smtClean="0">
+                <a:solidFill>
+                  <a:schemeClr val="tx1"/>
+                </a:solidFill>
+              </a:rPr>
+              <a:t>As a Media Vault user, I want to register for an account so that I can log into Media Vault on any device.</a:t>
+            </a:r>
+          </a:p>
+        </p:txBody>
+      </p:sp>
+      <p:sp>
+        <p:nvSpPr>
+          <p:cNvPr id="8" name="Rectangle 7"/>
+          <p:cNvSpPr/>
+          <p:nvPr/>
+        </p:nvSpPr>
+        <p:spPr>
+          <a:xfrm>
+            <a:off x="39153" y="3335530"/>
+            <a:ext cx="9828000" cy="1620000"/>
+          </a:xfrm>
+          <a:prstGeom prst="rect">
+            <a:avLst/>
+          </a:prstGeom>
+          <a:solidFill>
+            <a:schemeClr val="accent1">
+              <a:lumMod val="20000"/>
+              <a:lumOff val="80000"/>
+            </a:schemeClr>
+          </a:solidFill>
+          <a:ln>
+            <a:solidFill>
+              <a:schemeClr val="accent1">
+                <a:lumMod val="50000"/>
+              </a:schemeClr>
+            </a:solidFill>
+          </a:ln>
+        </p:spPr>
+        <p:style>
+          <a:lnRef idx="2">
+            <a:schemeClr val="accent1">
+              <a:shade val="50000"/>
+            </a:schemeClr>
+          </a:lnRef>
+          <a:fillRef idx="1">
+            <a:schemeClr val="accent1"/>
+          </a:fillRef>
+          <a:effectRef idx="0">
+            <a:schemeClr val="accent1"/>
+          </a:effectRef>
+          <a:fontRef idx="minor">
+            <a:schemeClr val="lt1"/>
+          </a:fontRef>
+        </p:style>
+        <p:txBody>
+          <a:bodyPr tIns="36000" rtlCol="0" anchor="t" anchorCtr="0"/>
+          <a:lstStyle/>
+          <a:p>
+            <a:r>
+              <a:rPr lang="en-AU" sz="2000" dirty="0" smtClean="0">
+                <a:solidFill>
+                  <a:schemeClr val="tx1"/>
+                </a:solidFill>
+              </a:rPr>
+              <a:t>Acceptance Criteria</a:t>
+            </a:r>
+          </a:p>
+          <a:p>
+            <a:pPr marL="179388" indent="-179388">
+              <a:buFont typeface="Arial" pitchFamily="34" charset="0"/>
+              <a:buChar char="•"/>
+            </a:pPr>
+            <a:r>
+              <a:rPr lang="en-AU" sz="2000" dirty="0" smtClean="0">
+                <a:solidFill>
+                  <a:schemeClr val="tx1"/>
+                </a:solidFill>
+              </a:rPr>
+              <a:t> The home page has a register account button</a:t>
+            </a:r>
+          </a:p>
+          <a:p>
+            <a:pPr marL="179388" indent="-179388">
+              <a:buFont typeface="Arial" pitchFamily="34" charset="0"/>
+              <a:buChar char="•"/>
+            </a:pPr>
+            <a:r>
+              <a:rPr lang="en-AU" sz="2000" dirty="0" smtClean="0">
+                <a:solidFill>
+                  <a:schemeClr val="tx1"/>
+                </a:solidFill>
+              </a:rPr>
+              <a:t>The Media Vault user can enter in their username, email and password</a:t>
+            </a:r>
+          </a:p>
+          <a:p>
+            <a:pPr marL="179388" indent="-179388">
+              <a:buFont typeface="Arial" pitchFamily="34" charset="0"/>
+              <a:buChar char="•"/>
+            </a:pPr>
+            <a:r>
+              <a:rPr lang="en-AU" sz="2000" dirty="0" smtClean="0">
+                <a:solidFill>
+                  <a:schemeClr val="tx1"/>
+                </a:solidFill>
+              </a:rPr>
+              <a:t>A verification email will be sent to that email</a:t>
+            </a:r>
+          </a:p>
+          <a:p>
+            <a:pPr marL="179388" indent="-179388">
+              <a:buFont typeface="Arial" pitchFamily="34" charset="0"/>
+              <a:buChar char="•"/>
+            </a:pPr>
+            <a:r>
+              <a:rPr lang="en-AU" sz="2000" dirty="0" smtClean="0">
+                <a:solidFill>
+                  <a:schemeClr val="tx1"/>
+                </a:solidFill>
+              </a:rPr>
+              <a:t>The Media Vault user can log in</a:t>
+            </a:r>
+          </a:p>
+        </p:txBody>
+      </p:sp>
+      <p:sp>
+        <p:nvSpPr>
+          <p:cNvPr id="11" name="Rectangle 10"/>
+          <p:cNvSpPr/>
+          <p:nvPr/>
+        </p:nvSpPr>
+        <p:spPr>
+          <a:xfrm>
+            <a:off x="9147153" y="109410"/>
+            <a:ext cx="720000" cy="540000"/>
+          </a:xfrm>
+          <a:prstGeom prst="rect">
+            <a:avLst/>
+          </a:prstGeom>
+          <a:solidFill>
+            <a:srgbClr val="CCF0CD">
+              <a:alpha val="20000"/>
+            </a:srgbClr>
+          </a:solidFill>
+          <a:ln>
+            <a:solidFill>
+              <a:schemeClr val="accent1">
+                <a:lumMod val="50000"/>
+              </a:schemeClr>
+            </a:solidFill>
+          </a:ln>
+        </p:spPr>
+        <p:style>
+          <a:lnRef idx="2">
+            <a:schemeClr val="accent1">
+              <a:shade val="50000"/>
+            </a:schemeClr>
+          </a:lnRef>
+          <a:fillRef idx="1">
+            <a:schemeClr val="accent1"/>
+          </a:fillRef>
+          <a:effectRef idx="0">
+            <a:schemeClr val="accent1"/>
+          </a:effectRef>
+          <a:fontRef idx="minor">
+            <a:schemeClr val="lt1"/>
+          </a:fontRef>
+        </p:style>
+        <p:txBody>
+          <a:bodyPr wrap="square" lIns="0" rIns="0" rtlCol="0" anchor="ctr"/>
+          <a:lstStyle/>
+          <a:p>
+            <a:pPr algn="ctr"/>
+            <a:r>
+              <a:rPr lang="en-AU" sz="2000" dirty="0">
+                <a:solidFill>
+                  <a:schemeClr val="tx1"/>
+                </a:solidFill>
+              </a:rPr>
+              <a:t>1</a:t>
+            </a:r>
+          </a:p>
+        </p:txBody>
+      </p:sp>
+      <p:sp>
+        <p:nvSpPr>
+          <p:cNvPr id="12" name="Rectangle 11"/>
+          <p:cNvSpPr/>
+          <p:nvPr/>
+        </p:nvSpPr>
+        <p:spPr>
+          <a:xfrm>
+            <a:off x="8283153" y="109410"/>
+            <a:ext cx="792000" cy="540000"/>
+          </a:xfrm>
+          <a:prstGeom prst="rect">
+            <a:avLst/>
+          </a:prstGeom>
+          <a:solidFill>
+            <a:schemeClr val="accent4">
+              <a:lumMod val="20000"/>
+              <a:lumOff val="80000"/>
+            </a:schemeClr>
+          </a:solidFill>
+          <a:ln>
+            <a:solidFill>
+              <a:schemeClr val="accent1">
+                <a:lumMod val="50000"/>
+              </a:schemeClr>
+            </a:solidFill>
+          </a:ln>
+        </p:spPr>
+        <p:style>
+          <a:lnRef idx="2">
+            <a:schemeClr val="accent1">
+              <a:shade val="50000"/>
+            </a:schemeClr>
+          </a:lnRef>
+          <a:fillRef idx="1">
+            <a:schemeClr val="accent1"/>
+          </a:fillRef>
+          <a:effectRef idx="0">
+            <a:schemeClr val="accent1"/>
+          </a:effectRef>
+          <a:fontRef idx="minor">
+            <a:schemeClr val="lt1"/>
+          </a:fontRef>
+        </p:style>
+        <p:txBody>
+          <a:bodyPr wrap="none" lIns="0" rIns="0" rtlCol="0" anchor="ctr"/>
+          <a:lstStyle/>
+          <a:p>
+            <a:pPr algn="ctr"/>
+            <a:r>
+              <a:rPr lang="en-AU" sz="2000" dirty="0" smtClean="0">
+                <a:solidFill>
+                  <a:schemeClr val="tx1"/>
+                </a:solidFill>
+              </a:rPr>
+              <a:t>Must</a:t>
+            </a:r>
             <a:endParaRPr lang="en-AU" sz="2000" dirty="0">
               <a:solidFill>
                 <a:schemeClr val="tx1"/>
@@ -13759,138 +13746,20 @@
       </p:sp>
       <p:sp>
         <p:nvSpPr>
-          <p:cNvPr id="6" name="Rectangle 5"/>
-          <p:cNvSpPr/>
-          <p:nvPr/>
-        </p:nvSpPr>
-        <p:spPr>
-          <a:xfrm>
-            <a:off x="831153" y="109410"/>
-            <a:ext cx="7380000" cy="540000"/>
-          </a:xfrm>
-          <a:prstGeom prst="rect">
-            <a:avLst/>
-          </a:prstGeom>
-          <a:ln>
-            <a:solidFill>
-              <a:schemeClr val="accent1">
-                <a:lumMod val="50000"/>
-              </a:schemeClr>
-            </a:solidFill>
-          </a:ln>
-        </p:spPr>
-        <p:style>
-          <a:lnRef idx="2">
-            <a:schemeClr val="accent1">
-              <a:shade val="50000"/>
-            </a:schemeClr>
-          </a:lnRef>
-          <a:fillRef idx="1">
-            <a:schemeClr val="accent1"/>
-          </a:fillRef>
-          <a:effectRef idx="0">
-            <a:schemeClr val="accent1"/>
-          </a:effectRef>
-          <a:fontRef idx="minor">
-            <a:schemeClr val="lt1"/>
-          </a:fontRef>
-        </p:style>
-        <p:txBody>
-          <a:bodyPr rtlCol="0" anchor="ctr"/>
-          <a:lstStyle/>
-          <a:p>
-            <a:pPr algn="ctr"/>
-            <a:r>
-              <a:rPr lang="en-AU" sz="2800" dirty="0" smtClean="0"/>
-              <a:t>Account Registration</a:t>
-            </a:r>
-            <a:endParaRPr lang="en-AU" sz="2800" dirty="0"/>
-          </a:p>
-        </p:txBody>
-      </p:sp>
-      <p:sp>
-        <p:nvSpPr>
-          <p:cNvPr id="7" name="Rectangle 6"/>
-          <p:cNvSpPr/>
-          <p:nvPr/>
-        </p:nvSpPr>
-        <p:spPr>
-          <a:xfrm>
-            <a:off x="39153" y="822470"/>
-            <a:ext cx="9828000" cy="2340000"/>
-          </a:xfrm>
-          <a:prstGeom prst="rect">
-            <a:avLst/>
-          </a:prstGeom>
-          <a:solidFill>
-            <a:schemeClr val="tx2">
-              <a:lumMod val="20000"/>
-              <a:lumOff val="80000"/>
-            </a:schemeClr>
-          </a:solidFill>
-          <a:ln>
-            <a:solidFill>
-              <a:schemeClr val="accent1">
-                <a:lumMod val="50000"/>
-              </a:schemeClr>
-            </a:solidFill>
-          </a:ln>
-        </p:spPr>
-        <p:style>
-          <a:lnRef idx="2">
-            <a:schemeClr val="accent1">
-              <a:shade val="50000"/>
-            </a:schemeClr>
-          </a:lnRef>
-          <a:fillRef idx="1">
-            <a:schemeClr val="accent1"/>
-          </a:fillRef>
-          <a:effectRef idx="0">
-            <a:schemeClr val="accent1"/>
-          </a:effectRef>
-          <a:fontRef idx="minor">
-            <a:schemeClr val="lt1"/>
-          </a:fontRef>
-        </p:style>
-        <p:txBody>
-          <a:bodyPr rtlCol="0" anchor="t" anchorCtr="0"/>
-          <a:lstStyle/>
-          <a:p>
-            <a:r>
-              <a:rPr lang="en-AU" sz="2400" dirty="0" smtClean="0">
-                <a:solidFill>
-                  <a:schemeClr val="tx1"/>
-                </a:solidFill>
-              </a:rPr>
-              <a:t>As a Media Vault user, I want to register for an account so that I can log into Media Vault on any device.</a:t>
-            </a:r>
-            <a:endParaRPr lang="en-AU" sz="2400" dirty="0" smtClean="0">
-              <a:solidFill>
-                <a:schemeClr val="tx1"/>
-              </a:solidFill>
-            </a:endParaRPr>
-          </a:p>
-        </p:txBody>
-      </p:sp>
-      <p:sp>
-        <p:nvSpPr>
-          <p:cNvPr id="8" name="Rectangle 7"/>
-          <p:cNvSpPr/>
-          <p:nvPr/>
-        </p:nvSpPr>
-        <p:spPr>
-          <a:xfrm>
-            <a:off x="39153" y="3335530"/>
+          <p:cNvPr id="13" name="Rectangle 12"/>
+          <p:cNvSpPr/>
+          <p:nvPr/>
+        </p:nvSpPr>
+        <p:spPr>
+          <a:xfrm>
+            <a:off x="39153" y="5128590"/>
             <a:ext cx="9828000" cy="1620000"/>
           </a:xfrm>
           <a:prstGeom prst="rect">
             <a:avLst/>
           </a:prstGeom>
           <a:solidFill>
-            <a:schemeClr val="accent1">
-              <a:lumMod val="20000"/>
-              <a:lumOff val="80000"/>
-            </a:schemeClr>
+            <a:schemeClr val="bg1"/>
           </a:solidFill>
           <a:ln>
             <a:solidFill>
@@ -13926,7 +13795,7 @@
                   <a:schemeClr val="tx1"/>
                 </a:solidFill>
               </a:rPr>
-              <a:t>Acceptance Criteria</a:t>
+              <a:t>Notes</a:t>
             </a:r>
           </a:p>
           <a:p>
@@ -13940,269 +13809,7 @@
                   <a:schemeClr val="tx1"/>
                 </a:solidFill>
               </a:rPr>
-              <a:t> </a:t>
-            </a:r>
-            <a:r>
-              <a:rPr lang="en-AU" sz="2000" dirty="0" smtClean="0">
-                <a:solidFill>
-                  <a:schemeClr val="tx1"/>
-                </a:solidFill>
-              </a:rPr>
-              <a:t>The home page has a register account button</a:t>
-            </a:r>
-          </a:p>
-          <a:p>
-            <a:pPr marL="179388" indent="-179388">
-              <a:buFont typeface="Arial" pitchFamily="34" charset="0"/>
-              <a:buChar char="•"/>
-            </a:pPr>
-            <a:r>
-              <a:rPr lang="en-AU" sz="2000" dirty="0" smtClean="0">
-                <a:solidFill>
-                  <a:schemeClr val="tx1"/>
-                </a:solidFill>
-              </a:rPr>
-              <a:t>The Media Vault user can enter in their username, email and password</a:t>
-            </a:r>
-          </a:p>
-          <a:p>
-            <a:pPr marL="179388" indent="-179388">
-              <a:buFont typeface="Arial" pitchFamily="34" charset="0"/>
-              <a:buChar char="•"/>
-            </a:pPr>
-            <a:r>
-              <a:rPr lang="en-AU" sz="2000" dirty="0" smtClean="0">
-                <a:solidFill>
-                  <a:schemeClr val="tx1"/>
-                </a:solidFill>
-              </a:rPr>
-              <a:t>A verification email will be sent to that email</a:t>
-            </a:r>
-          </a:p>
-          <a:p>
-            <a:pPr marL="179388" indent="-179388">
-              <a:buFont typeface="Arial" pitchFamily="34" charset="0"/>
-              <a:buChar char="•"/>
-            </a:pPr>
-            <a:r>
-              <a:rPr lang="en-AU" sz="2000" dirty="0" smtClean="0">
-                <a:solidFill>
-                  <a:schemeClr val="tx1"/>
-                </a:solidFill>
-              </a:rPr>
-              <a:t>The Media Vault user can log in</a:t>
-            </a:r>
-            <a:endParaRPr lang="en-AU" sz="2000" dirty="0" smtClean="0">
-              <a:solidFill>
-                <a:schemeClr val="tx1"/>
-              </a:solidFill>
-            </a:endParaRPr>
-          </a:p>
-        </p:txBody>
-      </p:sp>
-      <p:sp>
-        <p:nvSpPr>
-          <p:cNvPr id="11" name="Rectangle 10"/>
-          <p:cNvSpPr/>
-          <p:nvPr/>
-        </p:nvSpPr>
-        <p:spPr>
-          <a:xfrm>
-            <a:off x="9147153" y="109410"/>
-            <a:ext cx="720000" cy="540000"/>
-          </a:xfrm>
-          <a:prstGeom prst="rect">
-            <a:avLst/>
-          </a:prstGeom>
-          <a:solidFill>
-            <a:srgbClr val="CCF0CD">
-              <a:alpha val="20000"/>
-            </a:srgbClr>
-          </a:solidFill>
-          <a:ln>
-            <a:solidFill>
-              <a:schemeClr val="accent1">
-                <a:lumMod val="50000"/>
-              </a:schemeClr>
-            </a:solidFill>
-          </a:ln>
-        </p:spPr>
-        <p:style>
-          <a:lnRef idx="2">
-            <a:schemeClr val="accent1">
-              <a:shade val="50000"/>
-            </a:schemeClr>
-          </a:lnRef>
-          <a:fillRef idx="1">
-            <a:schemeClr val="accent1"/>
-          </a:fillRef>
-          <a:effectRef idx="0">
-            <a:schemeClr val="accent1"/>
-          </a:effectRef>
-          <a:fontRef idx="minor">
-            <a:schemeClr val="lt1"/>
-          </a:fontRef>
-        </p:style>
-        <p:txBody>
-          <a:bodyPr wrap="square" lIns="0" rIns="0" rtlCol="0" anchor="ctr"/>
-          <a:lstStyle/>
-          <a:p>
-            <a:pPr algn="ctr"/>
-            <a:r>
-              <a:rPr lang="en-AU" sz="2000" dirty="0">
-                <a:solidFill>
-                  <a:schemeClr val="tx1"/>
-                </a:solidFill>
-              </a:rPr>
-              <a:t>1</a:t>
-            </a:r>
-            <a:endParaRPr lang="en-AU" sz="2000" dirty="0">
-              <a:solidFill>
-                <a:schemeClr val="tx1"/>
-              </a:solidFill>
-            </a:endParaRPr>
-          </a:p>
-        </p:txBody>
-      </p:sp>
-      <p:sp>
-        <p:nvSpPr>
-          <p:cNvPr id="12" name="Rectangle 11"/>
-          <p:cNvSpPr/>
-          <p:nvPr/>
-        </p:nvSpPr>
-        <p:spPr>
-          <a:xfrm>
-            <a:off x="8283153" y="109410"/>
-            <a:ext cx="792000" cy="540000"/>
-          </a:xfrm>
-          <a:prstGeom prst="rect">
-            <a:avLst/>
-          </a:prstGeom>
-          <a:solidFill>
-            <a:schemeClr val="accent4">
-              <a:lumMod val="20000"/>
-              <a:lumOff val="80000"/>
-            </a:schemeClr>
-          </a:solidFill>
-          <a:ln>
-            <a:solidFill>
-              <a:schemeClr val="accent1">
-                <a:lumMod val="50000"/>
-              </a:schemeClr>
-            </a:solidFill>
-          </a:ln>
-        </p:spPr>
-        <p:style>
-          <a:lnRef idx="2">
-            <a:schemeClr val="accent1">
-              <a:shade val="50000"/>
-            </a:schemeClr>
-          </a:lnRef>
-          <a:fillRef idx="1">
-            <a:schemeClr val="accent1"/>
-          </a:fillRef>
-          <a:effectRef idx="0">
-            <a:schemeClr val="accent1"/>
-          </a:effectRef>
-          <a:fontRef idx="minor">
-            <a:schemeClr val="lt1"/>
-          </a:fontRef>
-        </p:style>
-        <p:txBody>
-          <a:bodyPr wrap="none" lIns="0" rIns="0" rtlCol="0" anchor="ctr"/>
-          <a:lstStyle/>
-          <a:p>
-            <a:pPr algn="ctr"/>
-            <a:r>
-              <a:rPr lang="en-AU" sz="2000" dirty="0" smtClean="0">
-                <a:solidFill>
-                  <a:schemeClr val="tx1"/>
-                </a:solidFill>
-              </a:rPr>
-              <a:t>Must</a:t>
-            </a:r>
-            <a:endParaRPr lang="en-AU" sz="2000" dirty="0">
-              <a:solidFill>
-                <a:schemeClr val="tx1"/>
-              </a:solidFill>
-            </a:endParaRPr>
-          </a:p>
-        </p:txBody>
-      </p:sp>
-      <p:sp>
-        <p:nvSpPr>
-          <p:cNvPr id="13" name="Rectangle 12"/>
-          <p:cNvSpPr/>
-          <p:nvPr/>
-        </p:nvSpPr>
-        <p:spPr>
-          <a:xfrm>
-            <a:off x="39153" y="5128590"/>
-            <a:ext cx="9828000" cy="1620000"/>
-          </a:xfrm>
-          <a:prstGeom prst="rect">
-            <a:avLst/>
-          </a:prstGeom>
-          <a:solidFill>
-            <a:schemeClr val="bg1"/>
-          </a:solidFill>
-          <a:ln>
-            <a:solidFill>
-              <a:schemeClr val="accent1">
-                <a:lumMod val="50000"/>
-              </a:schemeClr>
-            </a:solidFill>
-          </a:ln>
-        </p:spPr>
-        <p:style>
-          <a:lnRef idx="2">
-            <a:schemeClr val="accent1">
-              <a:shade val="50000"/>
-            </a:schemeClr>
-          </a:lnRef>
-          <a:fillRef idx="1">
-            <a:schemeClr val="accent1"/>
-          </a:fillRef>
-          <a:effectRef idx="0">
-            <a:schemeClr val="accent1"/>
-          </a:effectRef>
-          <a:fontRef idx="minor">
-            <a:schemeClr val="lt1"/>
-          </a:fontRef>
-        </p:style>
-        <p:txBody>
-          <a:bodyPr tIns="36000" rtlCol="0" anchor="t" anchorCtr="0"/>
-          <a:lstStyle/>
-          <a:p>
-            <a:r>
-              <a:rPr lang="en-AU" sz="2000" dirty="0" smtClean="0">
-                <a:solidFill>
-                  <a:schemeClr val="tx1"/>
-                </a:solidFill>
-              </a:rPr>
-              <a:t>Notes</a:t>
-            </a:r>
-          </a:p>
-          <a:p>
-            <a:pPr marL="179388" indent="-179388">
-              <a:buFont typeface="Arial" pitchFamily="34" charset="0"/>
-              <a:buChar char="•"/>
-            </a:pPr>
-            <a:r>
-              <a:rPr lang="en-AU" sz="2000" dirty="0" smtClean="0">
-                <a:solidFill>
-                  <a:schemeClr val="tx1"/>
-                </a:solidFill>
-              </a:rPr>
-              <a:t> </a:t>
-            </a:r>
-            <a:r>
-              <a:rPr lang="en-AU" sz="2000" dirty="0" smtClean="0">
-                <a:solidFill>
-                  <a:schemeClr val="tx1"/>
-                </a:solidFill>
-              </a:rPr>
-              <a:t>Duplicate accounts and emails cannot be registered</a:t>
+              <a:t> Duplicate accounts and emails cannot be registered</a:t>
             </a:r>
             <a:endParaRPr lang="en-AU" sz="2000" dirty="0">
               <a:solidFill>
@@ -14292,15 +13899,7 @@
                   <a:schemeClr val="tx1"/>
                 </a:solidFill>
               </a:rPr>
-              <a:t>Story </a:t>
-            </a:r>
-            <a:r>
-              <a:rPr lang="en-AU" sz="2000" dirty="0" smtClean="0">
-                <a:solidFill>
-                  <a:schemeClr val="tx1"/>
-                </a:solidFill>
-              </a:rPr>
-              <a:t>3</a:t>
+              <a:t>Story 3</a:t>
             </a:r>
             <a:endParaRPr lang="en-AU" sz="2000" dirty="0">
               <a:solidFill>
@@ -14499,15 +14098,7 @@
                   <a:schemeClr val="tx1"/>
                 </a:solidFill>
               </a:rPr>
-              <a:t> </a:t>
-            </a:r>
-            <a:r>
-              <a:rPr lang="en-AU" sz="2000" dirty="0" smtClean="0">
-                <a:solidFill>
-                  <a:schemeClr val="tx1"/>
-                </a:solidFill>
-              </a:rPr>
-              <a:t>The Media Vault user will be taken to the main dashboard after logging in with their username and password</a:t>
+              <a:t> The Media Vault user will be taken to the main dashboard after logging in with their username and password</a:t>
             </a:r>
           </a:p>
           <a:p>
@@ -14523,11 +14114,6 @@
               </a:rPr>
               <a:t>If the details are incorrect, an error message will display</a:t>
             </a:r>
-            <a:endParaRPr lang="en-AU" sz="2000" dirty="0" smtClean="0">
-              <a:solidFill>
-                <a:schemeClr val="tx1"/>
-              </a:solidFill>
-            </a:endParaRPr>
           </a:p>
         </p:txBody>
       </p:sp>
@@ -14586,6 +14172,66 @@
                 </a:solidFill>
               </a:rPr>
               <a:t>1</a:t>
+            </a:r>
+          </a:p>
+        </p:txBody>
+      </p:sp>
+      <p:sp>
+        <p:nvSpPr>
+          <p:cNvPr id="12" name="Rectangle 11"/>
+          <p:cNvSpPr/>
+          <p:nvPr/>
+        </p:nvSpPr>
+        <p:spPr>
+          <a:xfrm>
+            <a:off x="8283153" y="109410"/>
+            <a:ext cx="792000" cy="540000"/>
+          </a:xfrm>
+          <a:prstGeom prst="rect">
+            <a:avLst/>
+          </a:prstGeom>
+          <a:solidFill>
+            <a:schemeClr val="accent4">
+              <a:lumMod val="20000"/>
+              <a:lumOff val="80000"/>
+            </a:schemeClr>
+          </a:solidFill>
+          <a:ln>
+            <a:solidFill>
+              <a:schemeClr val="accent1">
+                <a:lumMod val="50000"/>
+              </a:schemeClr>
+            </a:solidFill>
+          </a:ln>
+        </p:spPr>
+        <p:style>
+          <a:lnRef idx="2">
+            <a:schemeClr val="accent1">
+              <a:shade val="50000"/>
+            </a:schemeClr>
+          </a:lnRef>
+          <a:fillRef idx="1">
+            <a:schemeClr val="accent1"/>
+          </a:fillRef>
+          <a:effectRef idx="0">
+            <a:schemeClr val="accent1"/>
+          </a:effectRef>
+          <a:fontRef idx="minor">
+            <a:schemeClr val="lt1"/>
+          </a:fontRef>
+        </p:style>
+        <p:txBody>
+          <a:bodyPr wrap="none" lIns="0" rIns="0" rtlCol="0" anchor="ctr"/>
+          <a:lstStyle/>
+          <a:p>
+            <a:pPr algn="ctr"/>
+            <a:r>
+              <a:rPr lang="en-AU" sz="2000" dirty="0" smtClean="0">
+                <a:solidFill>
+                  <a:schemeClr val="tx1"/>
+                </a:solidFill>
+              </a:rPr>
+              <a:t>Must</a:t>
             </a:r>
             <a:endParaRPr lang="en-AU" sz="2000" dirty="0">
               <a:solidFill>
@@ -14597,60 +14243,56 @@
       </p:sp>
       <p:sp>
         <p:nvSpPr>
-          <p:cNvPr id="12" name="Rectangle 11"/>
-          <p:cNvSpPr/>
-          <p:nvPr/>
-        </p:nvSpPr>
-        <p:spPr>
-          <a:xfrm>
-            <a:off x="8283153" y="109410"/>
-            <a:ext cx="792000" cy="540000"/>
-          </a:xfrm>
-          <a:prstGeom prst="rect">
-            <a:avLst/>
-          </a:prstGeom>
-          <a:solidFill>
-            <a:schemeClr val="accent4">
-              <a:lumMod val="20000"/>
-              <a:lumOff val="80000"/>
-            </a:schemeClr>
-          </a:solidFill>
-          <a:ln>
-            <a:solidFill>
-              <a:schemeClr val="accent1">
-                <a:lumMod val="50000"/>
-              </a:schemeClr>
-            </a:solidFill>
-          </a:ln>
-        </p:spPr>
-        <p:style>
-          <a:lnRef idx="2">
-            <a:schemeClr val="accent1">
-              <a:shade val="50000"/>
-            </a:schemeClr>
-          </a:lnRef>
-          <a:fillRef idx="1">
-            <a:schemeClr val="accent1"/>
-          </a:fillRef>
-          <a:effectRef idx="0">
-            <a:schemeClr val="accent1"/>
-          </a:effectRef>
-          <a:fontRef idx="minor">
-            <a:schemeClr val="lt1"/>
-          </a:fontRef>
-        </p:style>
-        <p:txBody>
-          <a:bodyPr wrap="none" lIns="0" rIns="0" rtlCol="0" anchor="ctr"/>
-          <a:lstStyle/>
-          <a:p>
-            <a:pPr algn="ctr"/>
-            <a:r>
-              <a:rPr lang="en-AU" sz="2000" dirty="0" smtClean="0">
-                <a:solidFill>
-                  <a:schemeClr val="tx1"/>
-                </a:solidFill>
-              </a:rPr>
-              <a:t>Must</a:t>
+          <p:cNvPr id="13" name="Rectangle 12"/>
+          <p:cNvSpPr/>
+          <p:nvPr/>
+        </p:nvSpPr>
+        <p:spPr>
+          <a:xfrm>
+            <a:off x="39153" y="5128590"/>
+            <a:ext cx="9828000" cy="1620000"/>
+          </a:xfrm>
+          <a:prstGeom prst="rect">
+            <a:avLst/>
+          </a:prstGeom>
+          <a:solidFill>
+            <a:schemeClr val="bg1"/>
+          </a:solidFill>
+          <a:ln>
+            <a:solidFill>
+              <a:schemeClr val="accent1">
+                <a:lumMod val="50000"/>
+              </a:schemeClr>
+            </a:solidFill>
+          </a:ln>
+        </p:spPr>
+        <p:style>
+          <a:lnRef idx="2">
+            <a:schemeClr val="accent1">
+              <a:shade val="50000"/>
+            </a:schemeClr>
+          </a:lnRef>
+          <a:fillRef idx="1">
+            <a:schemeClr val="accent1"/>
+          </a:fillRef>
+          <a:effectRef idx="0">
+            <a:schemeClr val="accent1"/>
+          </a:effectRef>
+          <a:fontRef idx="minor">
+            <a:schemeClr val="lt1"/>
+          </a:fontRef>
+        </p:style>
+        <p:txBody>
+          <a:bodyPr tIns="36000" rtlCol="0" anchor="t" anchorCtr="0"/>
+          <a:lstStyle/>
+          <a:p>
+            <a:r>
+              <a:rPr lang="en-AU" sz="2000" dirty="0" smtClean="0">
+                <a:solidFill>
+                  <a:schemeClr val="tx1"/>
+                </a:solidFill>
+              </a:rPr>
+              <a:t>Notes</a:t>
             </a:r>
             <a:endParaRPr lang="en-AU" sz="2000" dirty="0">
               <a:solidFill>
@@ -14658,67 +14300,6 @@
               </a:solidFill>
             </a:endParaRPr>
           </a:p>
-        </p:txBody>
-      </p:sp>
-      <p:sp>
-        <p:nvSpPr>
-          <p:cNvPr id="13" name="Rectangle 12"/>
-          <p:cNvSpPr/>
-          <p:nvPr/>
-        </p:nvSpPr>
-        <p:spPr>
-          <a:xfrm>
-            <a:off x="39153" y="5128590"/>
-            <a:ext cx="9828000" cy="1620000"/>
-          </a:xfrm>
-          <a:prstGeom prst="rect">
-            <a:avLst/>
-          </a:prstGeom>
-          <a:solidFill>
-            <a:schemeClr val="bg1"/>
-          </a:solidFill>
-          <a:ln>
-            <a:solidFill>
-              <a:schemeClr val="accent1">
-                <a:lumMod val="50000"/>
-              </a:schemeClr>
-            </a:solidFill>
-          </a:ln>
-        </p:spPr>
-        <p:style>
-          <a:lnRef idx="2">
-            <a:schemeClr val="accent1">
-              <a:shade val="50000"/>
-            </a:schemeClr>
-          </a:lnRef>
-          <a:fillRef idx="1">
-            <a:schemeClr val="accent1"/>
-          </a:fillRef>
-          <a:effectRef idx="0">
-            <a:schemeClr val="accent1"/>
-          </a:effectRef>
-          <a:fontRef idx="minor">
-            <a:schemeClr val="lt1"/>
-          </a:fontRef>
-        </p:style>
-        <p:txBody>
-          <a:bodyPr tIns="36000" rtlCol="0" anchor="t" anchorCtr="0"/>
-          <a:lstStyle/>
-          <a:p>
-            <a:r>
-              <a:rPr lang="en-AU" sz="2000" dirty="0" smtClean="0">
-                <a:solidFill>
-                  <a:schemeClr val="tx1"/>
-                </a:solidFill>
-              </a:rPr>
-              <a:t>Notes</a:t>
-            </a:r>
-            <a:endParaRPr lang="en-AU" sz="2000" dirty="0">
-              <a:solidFill>
-                <a:schemeClr val="tx1"/>
-              </a:solidFill>
-            </a:endParaRPr>
-          </a:p>
           <a:p>
             <a:pPr marL="342900" indent="-342900">
               <a:buFont typeface="Arial" charset="0"/>
@@ -14732,11 +14313,6 @@
               </a:rPr>
               <a:t>The user will need to be able to make an account first, story card 1 needs to be complete</a:t>
             </a:r>
-            <a:endParaRPr lang="en-AU" sz="2000" dirty="0" smtClean="0">
-              <a:solidFill>
-                <a:schemeClr val="tx1"/>
-              </a:solidFill>
-            </a:endParaRPr>
           </a:p>
         </p:txBody>
       </p:sp>
@@ -14825,15 +14401,7 @@
                   <a:schemeClr val="tx1"/>
                 </a:solidFill>
               </a:rPr>
-              <a:t>Story </a:t>
-            </a:r>
-            <a:r>
-              <a:rPr lang="en-AU" sz="2000" dirty="0" smtClean="0">
-                <a:solidFill>
-                  <a:schemeClr val="tx1"/>
-                </a:solidFill>
-              </a:rPr>
-              <a:t>4</a:t>
+              <a:t>Story 4</a:t>
             </a:r>
             <a:endParaRPr lang="en-AU" sz="2000" dirty="0">
               <a:solidFill>
@@ -15032,15 +14600,7 @@
                   <a:schemeClr val="tx1"/>
                 </a:solidFill>
               </a:rPr>
-              <a:t> </a:t>
-            </a:r>
-            <a:r>
-              <a:rPr lang="en-AU" sz="2000" dirty="0" smtClean="0">
-                <a:solidFill>
-                  <a:schemeClr val="tx1"/>
-                </a:solidFill>
-              </a:rPr>
-              <a:t>After login, the Media Vault user will be taken to a webpage that will display all the files they have uploaded</a:t>
+              <a:t> After login, the Media Vault user will be taken to a webpage that will display all the files they have uploaded</a:t>
             </a:r>
           </a:p>
           <a:p>
@@ -15056,11 +14616,6 @@
               </a:rPr>
               <a:t>The files should only be the files that belong to that user</a:t>
             </a:r>
-            <a:endParaRPr lang="en-AU" sz="2000" dirty="0" smtClean="0">
-              <a:solidFill>
-                <a:schemeClr val="tx1"/>
-              </a:solidFill>
-            </a:endParaRPr>
           </a:p>
         </p:txBody>
       </p:sp>
@@ -15120,11 +14675,6 @@
               </a:rPr>
               <a:t>2</a:t>
             </a:r>
-            <a:endParaRPr lang="en-AU" sz="2000" dirty="0">
-              <a:solidFill>
-                <a:schemeClr val="tx1"/>
-              </a:solidFill>
-            </a:endParaRPr>
           </a:p>
         </p:txBody>
       </p:sp>
@@ -15351,15 +14901,7 @@
                   <a:schemeClr val="tx1"/>
                 </a:solidFill>
               </a:rPr>
-              <a:t>Story </a:t>
-            </a:r>
-            <a:r>
-              <a:rPr lang="en-AU" sz="2000" dirty="0" smtClean="0">
-                <a:solidFill>
-                  <a:schemeClr val="tx1"/>
-                </a:solidFill>
-              </a:rPr>
-              <a:t>5</a:t>
+              <a:t>Story 5</a:t>
             </a:r>
             <a:endParaRPr lang="en-AU" sz="2000" dirty="0">
               <a:solidFill>
@@ -15561,15 +15103,7 @@
                   <a:schemeClr val="tx1"/>
                 </a:solidFill>
               </a:rPr>
-              <a:t> </a:t>
-            </a:r>
-            <a:r>
-              <a:rPr lang="en-AU" sz="2000" dirty="0" smtClean="0">
-                <a:solidFill>
-                  <a:schemeClr val="tx1"/>
-                </a:solidFill>
-              </a:rPr>
-              <a:t>The file will have a download button</a:t>
+              <a:t> The file will have a download button</a:t>
             </a:r>
           </a:p>
           <a:p>
@@ -15599,11 +15133,6 @@
               </a:rPr>
               <a:t>The file will keep the same name that it has on the website</a:t>
             </a:r>
-            <a:endParaRPr lang="en-AU" sz="2000" dirty="0" smtClean="0">
-              <a:solidFill>
-                <a:schemeClr val="tx1"/>
-              </a:solidFill>
-            </a:endParaRPr>
           </a:p>
         </p:txBody>
       </p:sp>
@@ -15662,6 +15191,66 @@
                 </a:solidFill>
               </a:rPr>
               <a:t>1</a:t>
+            </a:r>
+          </a:p>
+        </p:txBody>
+      </p:sp>
+      <p:sp>
+        <p:nvSpPr>
+          <p:cNvPr id="12" name="Rectangle 11"/>
+          <p:cNvSpPr/>
+          <p:nvPr/>
+        </p:nvSpPr>
+        <p:spPr>
+          <a:xfrm>
+            <a:off x="8283153" y="109410"/>
+            <a:ext cx="792000" cy="540000"/>
+          </a:xfrm>
+          <a:prstGeom prst="rect">
+            <a:avLst/>
+          </a:prstGeom>
+          <a:solidFill>
+            <a:schemeClr val="accent4">
+              <a:lumMod val="20000"/>
+              <a:lumOff val="80000"/>
+            </a:schemeClr>
+          </a:solidFill>
+          <a:ln>
+            <a:solidFill>
+              <a:schemeClr val="accent1">
+                <a:lumMod val="50000"/>
+              </a:schemeClr>
+            </a:solidFill>
+          </a:ln>
+        </p:spPr>
+        <p:style>
+          <a:lnRef idx="2">
+            <a:schemeClr val="accent1">
+              <a:shade val="50000"/>
+            </a:schemeClr>
+          </a:lnRef>
+          <a:fillRef idx="1">
+            <a:schemeClr val="accent1"/>
+          </a:fillRef>
+          <a:effectRef idx="0">
+            <a:schemeClr val="accent1"/>
+          </a:effectRef>
+          <a:fontRef idx="minor">
+            <a:schemeClr val="lt1"/>
+          </a:fontRef>
+        </p:style>
+        <p:txBody>
+          <a:bodyPr wrap="none" lIns="0" rIns="0" rtlCol="0" anchor="ctr"/>
+          <a:lstStyle/>
+          <a:p>
+            <a:pPr algn="ctr"/>
+            <a:r>
+              <a:rPr lang="en-AU" sz="2000" dirty="0" smtClean="0">
+                <a:solidFill>
+                  <a:schemeClr val="tx1"/>
+                </a:solidFill>
+              </a:rPr>
+              <a:t>Must</a:t>
             </a:r>
             <a:endParaRPr lang="en-AU" sz="2000" dirty="0">
               <a:solidFill>
@@ -15673,71 +15262,6 @@
       </p:sp>
       <p:sp>
         <p:nvSpPr>
-          <p:cNvPr id="12" name="Rectangle 11"/>
-          <p:cNvSpPr/>
-          <p:nvPr/>
-        </p:nvSpPr>
-        <p:spPr>
-          <a:xfrm>
-            <a:off x="8283153" y="109410"/>
-            <a:ext cx="792000" cy="540000"/>
-          </a:xfrm>
-          <a:prstGeom prst="rect">
-            <a:avLst/>
-          </a:prstGeom>
-          <a:solidFill>
-            <a:schemeClr val="accent4">
-              <a:lumMod val="20000"/>
-              <a:lumOff val="80000"/>
-            </a:schemeClr>
-          </a:solidFill>
-          <a:ln>
-            <a:solidFill>
-              <a:schemeClr val="accent1">
-                <a:lumMod val="50000"/>
-              </a:schemeClr>
-            </a:solidFill>
-          </a:ln>
-        </p:spPr>
-        <p:style>
-          <a:lnRef idx="2">
-            <a:schemeClr val="accent1">
-              <a:shade val="50000"/>
-            </a:schemeClr>
-          </a:lnRef>
-          <a:fillRef idx="1">
-            <a:schemeClr val="accent1"/>
-          </a:fillRef>
-          <a:effectRef idx="0">
-            <a:schemeClr val="accent1"/>
-          </a:effectRef>
-          <a:fontRef idx="minor">
-            <a:schemeClr val="lt1"/>
-          </a:fontRef>
-        </p:style>
-        <p:txBody>
-          <a:bodyPr wrap="none" lIns="0" rIns="0" rtlCol="0" anchor="ctr"/>
-          <a:lstStyle/>
-          <a:p>
-            <a:pPr algn="ctr"/>
-            <a:r>
-              <a:rPr lang="en-AU" sz="2000" dirty="0" smtClean="0">
-                <a:solidFill>
-                  <a:schemeClr val="tx1"/>
-                </a:solidFill>
-              </a:rPr>
-              <a:t>Must</a:t>
-            </a:r>
-            <a:endParaRPr lang="en-AU" sz="2000" dirty="0">
-              <a:solidFill>
-                <a:schemeClr val="tx1"/>
-              </a:solidFill>
-            </a:endParaRPr>
-          </a:p>
-        </p:txBody>
-      </p:sp>
-      <p:sp>
-        <p:nvSpPr>
           <p:cNvPr id="13" name="Rectangle 12"/>
           <p:cNvSpPr/>
           <p:nvPr/>
@@ -15789,11 +15313,6 @@
               </a:rPr>
               <a:t>Notes</a:t>
             </a:r>
-            <a:endParaRPr lang="en-AU" sz="2000" dirty="0" smtClean="0">
-              <a:solidFill>
-                <a:schemeClr val="tx1"/>
-              </a:solidFill>
-            </a:endParaRPr>
           </a:p>
         </p:txBody>
       </p:sp>
@@ -15882,15 +15401,7 @@
                   <a:schemeClr val="tx1"/>
                 </a:solidFill>
               </a:rPr>
-              <a:t>Story </a:t>
-            </a:r>
-            <a:r>
-              <a:rPr lang="en-AU" sz="2000" dirty="0" smtClean="0">
-                <a:solidFill>
-                  <a:schemeClr val="tx1"/>
-                </a:solidFill>
-              </a:rPr>
-              <a:t>6</a:t>
+              <a:t>Story 6</a:t>
             </a:r>
             <a:endParaRPr lang="en-AU" sz="2000" dirty="0">
               <a:solidFill>
@@ -16210,6 +15721,66 @@
               </a:rPr>
               <a:t>2</a:t>
             </a:r>
+          </a:p>
+        </p:txBody>
+      </p:sp>
+      <p:sp>
+        <p:nvSpPr>
+          <p:cNvPr id="12" name="Rectangle 11"/>
+          <p:cNvSpPr/>
+          <p:nvPr/>
+        </p:nvSpPr>
+        <p:spPr>
+          <a:xfrm>
+            <a:off x="8283153" y="109410"/>
+            <a:ext cx="792000" cy="540000"/>
+          </a:xfrm>
+          <a:prstGeom prst="rect">
+            <a:avLst/>
+          </a:prstGeom>
+          <a:solidFill>
+            <a:schemeClr val="accent4">
+              <a:lumMod val="20000"/>
+              <a:lumOff val="80000"/>
+            </a:schemeClr>
+          </a:solidFill>
+          <a:ln>
+            <a:solidFill>
+              <a:schemeClr val="accent1">
+                <a:lumMod val="50000"/>
+              </a:schemeClr>
+            </a:solidFill>
+          </a:ln>
+        </p:spPr>
+        <p:style>
+          <a:lnRef idx="2">
+            <a:schemeClr val="accent1">
+              <a:shade val="50000"/>
+            </a:schemeClr>
+          </a:lnRef>
+          <a:fillRef idx="1">
+            <a:schemeClr val="accent1"/>
+          </a:fillRef>
+          <a:effectRef idx="0">
+            <a:schemeClr val="accent1"/>
+          </a:effectRef>
+          <a:fontRef idx="minor">
+            <a:schemeClr val="lt1"/>
+          </a:fontRef>
+        </p:style>
+        <p:txBody>
+          <a:bodyPr wrap="none" lIns="0" rIns="0" rtlCol="0" anchor="ctr"/>
+          <a:lstStyle/>
+          <a:p>
+            <a:pPr algn="ctr"/>
+            <a:r>
+              <a:rPr lang="en-AU" sz="2000" dirty="0" smtClean="0">
+                <a:solidFill>
+                  <a:schemeClr val="tx1"/>
+                </a:solidFill>
+              </a:rPr>
+              <a:t>Must</a:t>
+            </a:r>
             <a:endParaRPr lang="en-AU" sz="2000" dirty="0">
               <a:solidFill>
                 <a:schemeClr val="tx1"/>
@@ -16220,71 +15791,6 @@
       </p:sp>
       <p:sp>
         <p:nvSpPr>
-          <p:cNvPr id="12" name="Rectangle 11"/>
-          <p:cNvSpPr/>
-          <p:nvPr/>
-        </p:nvSpPr>
-        <p:spPr>
-          <a:xfrm>
-            <a:off x="8283153" y="109410"/>
-            <a:ext cx="792000" cy="540000"/>
-          </a:xfrm>
-          <a:prstGeom prst="rect">
-            <a:avLst/>
-          </a:prstGeom>
-          <a:solidFill>
-            <a:schemeClr val="accent4">
-              <a:lumMod val="20000"/>
-              <a:lumOff val="80000"/>
-            </a:schemeClr>
-          </a:solidFill>
-          <a:ln>
-            <a:solidFill>
-              <a:schemeClr val="accent1">
-                <a:lumMod val="50000"/>
-              </a:schemeClr>
-            </a:solidFill>
-          </a:ln>
-        </p:spPr>
-        <p:style>
-          <a:lnRef idx="2">
-            <a:schemeClr val="accent1">
-              <a:shade val="50000"/>
-            </a:schemeClr>
-          </a:lnRef>
-          <a:fillRef idx="1">
-            <a:schemeClr val="accent1"/>
-          </a:fillRef>
-          <a:effectRef idx="0">
-            <a:schemeClr val="accent1"/>
-          </a:effectRef>
-          <a:fontRef idx="minor">
-            <a:schemeClr val="lt1"/>
-          </a:fontRef>
-        </p:style>
-        <p:txBody>
-          <a:bodyPr wrap="none" lIns="0" rIns="0" rtlCol="0" anchor="ctr"/>
-          <a:lstStyle/>
-          <a:p>
-            <a:pPr algn="ctr"/>
-            <a:r>
-              <a:rPr lang="en-AU" sz="2000" dirty="0" smtClean="0">
-                <a:solidFill>
-                  <a:schemeClr val="tx1"/>
-                </a:solidFill>
-              </a:rPr>
-              <a:t>Must</a:t>
-            </a:r>
-            <a:endParaRPr lang="en-AU" sz="2000" dirty="0">
-              <a:solidFill>
-                <a:schemeClr val="tx1"/>
-              </a:solidFill>
-            </a:endParaRPr>
-          </a:p>
-        </p:txBody>
-      </p:sp>
-      <p:sp>
-        <p:nvSpPr>
           <p:cNvPr id="13" name="Rectangle 12"/>
           <p:cNvSpPr/>
           <p:nvPr/>
@@ -16336,11 +15842,6 @@
               </a:rPr>
               <a:t>Notes</a:t>
             </a:r>
-            <a:endParaRPr lang="en-AU" sz="2000" dirty="0" smtClean="0">
-              <a:solidFill>
-                <a:schemeClr val="tx1"/>
-              </a:solidFill>
-            </a:endParaRPr>
           </a:p>
         </p:txBody>
       </p:sp>
@@ -16429,15 +15930,7 @@
                   <a:schemeClr val="tx1"/>
                 </a:solidFill>
               </a:rPr>
-              <a:t>Story </a:t>
-            </a:r>
-            <a:r>
-              <a:rPr lang="en-AU" sz="2000" dirty="0" smtClean="0">
-                <a:solidFill>
-                  <a:schemeClr val="tx1"/>
-                </a:solidFill>
-              </a:rPr>
-              <a:t>6B</a:t>
+              <a:t>Story 6B</a:t>
             </a:r>
             <a:endParaRPr lang="en-AU" sz="2000" dirty="0">
               <a:solidFill>
@@ -16684,11 +16177,6 @@
               </a:rPr>
               <a:t>ANY ERRORS SHOULD BE DISPLAYED IN A USER FRIENDLY CONTEXT</a:t>
             </a:r>
-            <a:endParaRPr lang="en-AU" sz="2000" dirty="0" smtClean="0">
-              <a:solidFill>
-                <a:schemeClr val="tx1"/>
-              </a:solidFill>
-            </a:endParaRPr>
           </a:p>
         </p:txBody>
       </p:sp>
@@ -16747,6 +16235,66 @@
                 </a:solidFill>
               </a:rPr>
               <a:t>2</a:t>
+            </a:r>
+          </a:p>
+        </p:txBody>
+      </p:sp>
+      <p:sp>
+        <p:nvSpPr>
+          <p:cNvPr id="12" name="Rectangle 11"/>
+          <p:cNvSpPr/>
+          <p:nvPr/>
+        </p:nvSpPr>
+        <p:spPr>
+          <a:xfrm>
+            <a:off x="8283153" y="109410"/>
+            <a:ext cx="792000" cy="540000"/>
+          </a:xfrm>
+          <a:prstGeom prst="rect">
+            <a:avLst/>
+          </a:prstGeom>
+          <a:solidFill>
+            <a:schemeClr val="accent4">
+              <a:lumMod val="20000"/>
+              <a:lumOff val="80000"/>
+            </a:schemeClr>
+          </a:solidFill>
+          <a:ln>
+            <a:solidFill>
+              <a:schemeClr val="accent1">
+                <a:lumMod val="50000"/>
+              </a:schemeClr>
+            </a:solidFill>
+          </a:ln>
+        </p:spPr>
+        <p:style>
+          <a:lnRef idx="2">
+            <a:schemeClr val="accent1">
+              <a:shade val="50000"/>
+            </a:schemeClr>
+          </a:lnRef>
+          <a:fillRef idx="1">
+            <a:schemeClr val="accent1"/>
+          </a:fillRef>
+          <a:effectRef idx="0">
+            <a:schemeClr val="accent1"/>
+          </a:effectRef>
+          <a:fontRef idx="minor">
+            <a:schemeClr val="lt1"/>
+          </a:fontRef>
+        </p:style>
+        <p:txBody>
+          <a:bodyPr wrap="none" lIns="0" rIns="0" rtlCol="0" anchor="ctr"/>
+          <a:lstStyle/>
+          <a:p>
+            <a:pPr algn="ctr"/>
+            <a:r>
+              <a:rPr lang="en-AU" sz="2000" dirty="0" smtClean="0">
+                <a:solidFill>
+                  <a:schemeClr val="tx1"/>
+                </a:solidFill>
+              </a:rPr>
+              <a:t>want</a:t>
             </a:r>
             <a:endParaRPr lang="en-AU" sz="2000" dirty="0">
               <a:solidFill>
@@ -16758,71 +16306,6 @@
       </p:sp>
       <p:sp>
         <p:nvSpPr>
-          <p:cNvPr id="12" name="Rectangle 11"/>
-          <p:cNvSpPr/>
-          <p:nvPr/>
-        </p:nvSpPr>
-        <p:spPr>
-          <a:xfrm>
-            <a:off x="8283153" y="109410"/>
-            <a:ext cx="792000" cy="540000"/>
-          </a:xfrm>
-          <a:prstGeom prst="rect">
-            <a:avLst/>
-          </a:prstGeom>
-          <a:solidFill>
-            <a:schemeClr val="accent4">
-              <a:lumMod val="20000"/>
-              <a:lumOff val="80000"/>
-            </a:schemeClr>
-          </a:solidFill>
-          <a:ln>
-            <a:solidFill>
-              <a:schemeClr val="accent1">
-                <a:lumMod val="50000"/>
-              </a:schemeClr>
-            </a:solidFill>
-          </a:ln>
-        </p:spPr>
-        <p:style>
-          <a:lnRef idx="2">
-            <a:schemeClr val="accent1">
-              <a:shade val="50000"/>
-            </a:schemeClr>
-          </a:lnRef>
-          <a:fillRef idx="1">
-            <a:schemeClr val="accent1"/>
-          </a:fillRef>
-          <a:effectRef idx="0">
-            <a:schemeClr val="accent1"/>
-          </a:effectRef>
-          <a:fontRef idx="minor">
-            <a:schemeClr val="lt1"/>
-          </a:fontRef>
-        </p:style>
-        <p:txBody>
-          <a:bodyPr wrap="none" lIns="0" rIns="0" rtlCol="0" anchor="ctr"/>
-          <a:lstStyle/>
-          <a:p>
-            <a:pPr algn="ctr"/>
-            <a:r>
-              <a:rPr lang="en-AU" sz="2000" dirty="0" smtClean="0">
-                <a:solidFill>
-                  <a:schemeClr val="tx1"/>
-                </a:solidFill>
-              </a:rPr>
-              <a:t>want</a:t>
-            </a:r>
-            <a:endParaRPr lang="en-AU" sz="2000" dirty="0">
-              <a:solidFill>
-                <a:schemeClr val="tx1"/>
-              </a:solidFill>
-            </a:endParaRPr>
-          </a:p>
-        </p:txBody>
-      </p:sp>
-      <p:sp>
-        <p:nvSpPr>
           <p:cNvPr id="13" name="Rectangle 12"/>
           <p:cNvSpPr/>
           <p:nvPr/>
@@ -16874,11 +16357,6 @@
               </a:rPr>
               <a:t>Notes</a:t>
             </a:r>
-            <a:endParaRPr lang="en-AU" sz="2000" dirty="0" smtClean="0">
-              <a:solidFill>
-                <a:schemeClr val="tx1"/>
-              </a:solidFill>
-            </a:endParaRPr>
           </a:p>
         </p:txBody>
       </p:sp>

--- a/Stories/Story Cards.pptx
+++ b/Stories/Story Cards.pptx
@@ -5,36 +5,37 @@
     <p:sldMasterId id="2147483648" r:id="rId1"/>
   </p:sldMasterIdLst>
   <p:notesMasterIdLst>
-    <p:notesMasterId r:id="rId29"/>
+    <p:notesMasterId r:id="rId30"/>
   </p:notesMasterIdLst>
   <p:sldIdLst>
-    <p:sldId id="258" r:id="rId2"/>
-    <p:sldId id="260" r:id="rId3"/>
-    <p:sldId id="259" r:id="rId4"/>
-    <p:sldId id="256" r:id="rId5"/>
-    <p:sldId id="268" r:id="rId6"/>
-    <p:sldId id="263" r:id="rId7"/>
-    <p:sldId id="264" r:id="rId8"/>
-    <p:sldId id="266" r:id="rId9"/>
-    <p:sldId id="285" r:id="rId10"/>
-    <p:sldId id="274" r:id="rId11"/>
-    <p:sldId id="265" r:id="rId12"/>
-    <p:sldId id="286" r:id="rId13"/>
-    <p:sldId id="279" r:id="rId14"/>
-    <p:sldId id="278" r:id="rId15"/>
-    <p:sldId id="290" r:id="rId16"/>
-    <p:sldId id="271" r:id="rId17"/>
-    <p:sldId id="267" r:id="rId18"/>
-    <p:sldId id="270" r:id="rId19"/>
-    <p:sldId id="261" r:id="rId20"/>
-    <p:sldId id="273" r:id="rId21"/>
-    <p:sldId id="287" r:id="rId22"/>
-    <p:sldId id="276" r:id="rId23"/>
-    <p:sldId id="288" r:id="rId24"/>
-    <p:sldId id="289" r:id="rId25"/>
-    <p:sldId id="272" r:id="rId26"/>
-    <p:sldId id="269" r:id="rId27"/>
-    <p:sldId id="277" r:id="rId28"/>
+    <p:sldId id="291" r:id="rId2"/>
+    <p:sldId id="292" r:id="rId3"/>
+    <p:sldId id="258" r:id="rId4"/>
+    <p:sldId id="259" r:id="rId5"/>
+    <p:sldId id="256" r:id="rId6"/>
+    <p:sldId id="268" r:id="rId7"/>
+    <p:sldId id="263" r:id="rId8"/>
+    <p:sldId id="264" r:id="rId9"/>
+    <p:sldId id="266" r:id="rId10"/>
+    <p:sldId id="285" r:id="rId11"/>
+    <p:sldId id="274" r:id="rId12"/>
+    <p:sldId id="265" r:id="rId13"/>
+    <p:sldId id="286" r:id="rId14"/>
+    <p:sldId id="279" r:id="rId15"/>
+    <p:sldId id="278" r:id="rId16"/>
+    <p:sldId id="290" r:id="rId17"/>
+    <p:sldId id="271" r:id="rId18"/>
+    <p:sldId id="267" r:id="rId19"/>
+    <p:sldId id="270" r:id="rId20"/>
+    <p:sldId id="261" r:id="rId21"/>
+    <p:sldId id="273" r:id="rId22"/>
+    <p:sldId id="287" r:id="rId23"/>
+    <p:sldId id="276" r:id="rId24"/>
+    <p:sldId id="288" r:id="rId25"/>
+    <p:sldId id="289" r:id="rId26"/>
+    <p:sldId id="272" r:id="rId27"/>
+    <p:sldId id="269" r:id="rId28"/>
+    <p:sldId id="277" r:id="rId29"/>
   </p:sldIdLst>
   <p:sldSz cx="9906000" cy="6858000" type="A4"/>
   <p:notesSz cx="6858000" cy="9144000"/>
@@ -234,7 +235,7 @@
           <a:p>
             <a:fld id="{D472050B-ACD1-334A-AA2C-2AACF631EB54}" type="datetimeFigureOut">
               <a:rPr lang="en-US" smtClean="0"/>
-              <a:t>3/25/17</a:t>
+              <a:t>3/28/17</a:t>
             </a:fld>
             <a:endParaRPr lang="en-US"/>
           </a:p>
@@ -684,7 +685,7 @@
             <a:fld id="{1585DAA5-6BE2-467A-90B2-00E985D86198}" type="datetimeFigureOut">
               <a:rPr lang="en-AU" smtClean="0"/>
               <a:pPr/>
-              <a:t>25/3/17</a:t>
+              <a:t>28/3/17</a:t>
             </a:fld>
             <a:endParaRPr lang="en-AU"/>
           </a:p>
@@ -851,7 +852,7 @@
             <a:fld id="{1585DAA5-6BE2-467A-90B2-00E985D86198}" type="datetimeFigureOut">
               <a:rPr lang="en-AU" smtClean="0"/>
               <a:pPr/>
-              <a:t>25/3/17</a:t>
+              <a:t>28/3/17</a:t>
             </a:fld>
             <a:endParaRPr lang="en-AU"/>
           </a:p>
@@ -1028,7 +1029,7 @@
             <a:fld id="{1585DAA5-6BE2-467A-90B2-00E985D86198}" type="datetimeFigureOut">
               <a:rPr lang="en-AU" smtClean="0"/>
               <a:pPr/>
-              <a:t>25/3/17</a:t>
+              <a:t>28/3/17</a:t>
             </a:fld>
             <a:endParaRPr lang="en-AU"/>
           </a:p>
@@ -1195,7 +1196,7 @@
             <a:fld id="{1585DAA5-6BE2-467A-90B2-00E985D86198}" type="datetimeFigureOut">
               <a:rPr lang="en-AU" smtClean="0"/>
               <a:pPr/>
-              <a:t>25/3/17</a:t>
+              <a:t>28/3/17</a:t>
             </a:fld>
             <a:endParaRPr lang="en-AU"/>
           </a:p>
@@ -1438,7 +1439,7 @@
             <a:fld id="{1585DAA5-6BE2-467A-90B2-00E985D86198}" type="datetimeFigureOut">
               <a:rPr lang="en-AU" smtClean="0"/>
               <a:pPr/>
-              <a:t>25/3/17</a:t>
+              <a:t>28/3/17</a:t>
             </a:fld>
             <a:endParaRPr lang="en-AU"/>
           </a:p>
@@ -1723,7 +1724,7 @@
             <a:fld id="{1585DAA5-6BE2-467A-90B2-00E985D86198}" type="datetimeFigureOut">
               <a:rPr lang="en-AU" smtClean="0"/>
               <a:pPr/>
-              <a:t>25/3/17</a:t>
+              <a:t>28/3/17</a:t>
             </a:fld>
             <a:endParaRPr lang="en-AU"/>
           </a:p>
@@ -2142,7 +2143,7 @@
             <a:fld id="{1585DAA5-6BE2-467A-90B2-00E985D86198}" type="datetimeFigureOut">
               <a:rPr lang="en-AU" smtClean="0"/>
               <a:pPr/>
-              <a:t>25/3/17</a:t>
+              <a:t>28/3/17</a:t>
             </a:fld>
             <a:endParaRPr lang="en-AU"/>
           </a:p>
@@ -2257,7 +2258,7 @@
             <a:fld id="{1585DAA5-6BE2-467A-90B2-00E985D86198}" type="datetimeFigureOut">
               <a:rPr lang="en-AU" smtClean="0"/>
               <a:pPr/>
-              <a:t>25/3/17</a:t>
+              <a:t>28/3/17</a:t>
             </a:fld>
             <a:endParaRPr lang="en-AU"/>
           </a:p>
@@ -2349,7 +2350,7 @@
             <a:fld id="{1585DAA5-6BE2-467A-90B2-00E985D86198}" type="datetimeFigureOut">
               <a:rPr lang="en-AU" smtClean="0"/>
               <a:pPr/>
-              <a:t>25/3/17</a:t>
+              <a:t>28/3/17</a:t>
             </a:fld>
             <a:endParaRPr lang="en-AU"/>
           </a:p>
@@ -2623,7 +2624,7 @@
             <a:fld id="{1585DAA5-6BE2-467A-90B2-00E985D86198}" type="datetimeFigureOut">
               <a:rPr lang="en-AU" smtClean="0"/>
               <a:pPr/>
-              <a:t>25/3/17</a:t>
+              <a:t>28/3/17</a:t>
             </a:fld>
             <a:endParaRPr lang="en-AU"/>
           </a:p>
@@ -2873,7 +2874,7 @@
             <a:fld id="{1585DAA5-6BE2-467A-90B2-00E985D86198}" type="datetimeFigureOut">
               <a:rPr lang="en-AU" smtClean="0"/>
               <a:pPr/>
-              <a:t>25/3/17</a:t>
+              <a:t>28/3/17</a:t>
             </a:fld>
             <a:endParaRPr lang="en-AU"/>
           </a:p>
@@ -3083,7 +3084,7 @@
             <a:fld id="{1585DAA5-6BE2-467A-90B2-00E985D86198}" type="datetimeFigureOut">
               <a:rPr lang="en-AU" smtClean="0"/>
               <a:pPr/>
-              <a:t>25/3/17</a:t>
+              <a:t>28/3/17</a:t>
             </a:fld>
             <a:endParaRPr lang="en-AU"/>
           </a:p>
@@ -3456,149 +3457,33 @@
       </p:grpSpPr>
       <p:sp>
         <p:nvSpPr>
-          <p:cNvPr id="3" name="Content Placeholder 2"/>
+          <p:cNvPr id="2" name="Title 1"/>
           <p:cNvSpPr>
             <a:spLocks noGrp="1"/>
           </p:cNvSpPr>
           <p:nvPr>
-            <p:ph idx="1"/>
+            <p:ph type="title"/>
           </p:nvPr>
         </p:nvSpPr>
-        <p:spPr>
-          <a:xfrm>
-            <a:off x="160215" y="867509"/>
-            <a:ext cx="9585570" cy="5258656"/>
-          </a:xfrm>
-        </p:spPr>
-        <p:txBody>
-          <a:bodyPr>
-            <a:normAutofit/>
-          </a:bodyPr>
-          <a:lstStyle/>
-          <a:p>
-            <a:pPr marL="0" indent="0">
-              <a:spcBef>
-                <a:spcPts val="900"/>
-              </a:spcBef>
-              <a:buNone/>
-            </a:pPr>
-            <a:r>
-              <a:rPr lang="en-AU" sz="2000" u="sng" dirty="0" smtClean="0"/>
-              <a:t>Role 1</a:t>
-            </a:r>
-            <a:r>
-              <a:rPr lang="en-AU" sz="2000" dirty="0" smtClean="0"/>
-              <a:t> – Media Vault User</a:t>
-            </a:r>
-          </a:p>
-          <a:p>
-            <a:pPr marL="0" indent="0">
-              <a:spcBef>
-                <a:spcPts val="900"/>
-              </a:spcBef>
-              <a:buNone/>
-            </a:pPr>
-            <a:r>
-              <a:rPr lang="en-AU" sz="2000" u="sng" dirty="0" smtClean="0"/>
-              <a:t>Role 2</a:t>
-            </a:r>
-            <a:r>
-              <a:rPr lang="en-AU" sz="2000" dirty="0" smtClean="0"/>
-              <a:t> – Desktop User</a:t>
-            </a:r>
-          </a:p>
-          <a:p>
-            <a:pPr marL="0" indent="0">
-              <a:spcBef>
-                <a:spcPts val="900"/>
-              </a:spcBef>
-              <a:buNone/>
-            </a:pPr>
-            <a:r>
-              <a:rPr lang="en-AU" sz="2000" u="sng" dirty="0"/>
-              <a:t>Role </a:t>
-            </a:r>
-            <a:r>
-              <a:rPr lang="en-AU" sz="2000" u="sng" dirty="0" smtClean="0"/>
-              <a:t>3</a:t>
-            </a:r>
-            <a:r>
-              <a:rPr lang="en-AU" sz="2000" dirty="0" smtClean="0"/>
-              <a:t> </a:t>
-            </a:r>
-            <a:r>
-              <a:rPr lang="en-AU" sz="2000" dirty="0"/>
-              <a:t>– </a:t>
-            </a:r>
-            <a:r>
-              <a:rPr lang="en-AU" sz="2000" dirty="0" smtClean="0"/>
-              <a:t>Mobile Phone User</a:t>
-            </a:r>
-            <a:endParaRPr lang="en-AU" sz="2000" dirty="0"/>
-          </a:p>
-          <a:p>
-            <a:pPr marL="0" indent="0">
-              <a:spcBef>
-                <a:spcPts val="900"/>
-              </a:spcBef>
-              <a:buNone/>
-            </a:pPr>
-            <a:endParaRPr lang="en-AU" sz="2000" dirty="0"/>
-          </a:p>
-        </p:txBody>
-      </p:sp>
-      <p:sp>
-        <p:nvSpPr>
-          <p:cNvPr id="4" name="Rectangle 3"/>
-          <p:cNvSpPr/>
-          <p:nvPr/>
-        </p:nvSpPr>
-        <p:spPr>
-          <a:xfrm>
-            <a:off x="101505" y="109410"/>
-            <a:ext cx="9691171" cy="540000"/>
-          </a:xfrm>
-          <a:prstGeom prst="rect">
-            <a:avLst/>
-          </a:prstGeom>
-          <a:ln>
-            <a:solidFill>
-              <a:schemeClr val="accent1">
-                <a:lumMod val="50000"/>
-              </a:schemeClr>
-            </a:solidFill>
-          </a:ln>
-        </p:spPr>
-        <p:style>
-          <a:lnRef idx="2">
-            <a:schemeClr val="accent1">
-              <a:shade val="50000"/>
-            </a:schemeClr>
-          </a:lnRef>
-          <a:fillRef idx="1">
-            <a:schemeClr val="accent1"/>
-          </a:fillRef>
-          <a:effectRef idx="0">
-            <a:schemeClr val="accent1"/>
-          </a:effectRef>
-          <a:fontRef idx="minor">
-            <a:schemeClr val="lt1"/>
-          </a:fontRef>
-        </p:style>
-        <p:txBody>
-          <a:bodyPr rtlCol="0" anchor="ctr"/>
-          <a:lstStyle/>
-          <a:p>
-            <a:pPr algn="ctr"/>
-            <a:r>
-              <a:rPr lang="en-AU" sz="2800" dirty="0" smtClean="0"/>
-              <a:t>System Roles</a:t>
-            </a:r>
-            <a:endParaRPr lang="en-AU" sz="2800" dirty="0"/>
+        <p:spPr/>
+        <p:txBody>
+          <a:bodyPr/>
+          <a:lstStyle/>
+          <a:p>
+            <a:r>
+              <a:rPr lang="en-US" dirty="0" smtClean="0"/>
+              <a:t>Media Vault</a:t>
+            </a:r>
+            <a:endParaRPr lang="en-US" dirty="0"/>
           </a:p>
         </p:txBody>
       </p:sp>
     </p:spTree>
+    <p:extLst>
+      <p:ext uri="{BB962C8B-B14F-4D97-AF65-F5344CB8AC3E}">
+        <p14:creationId xmlns:p14="http://schemas.microsoft.com/office/powerpoint/2010/main" val="190545305"/>
+      </p:ext>
+    </p:extLst>
   </p:cSld>
   <p:clrMapOvr>
     <a:masterClrMapping/>
@@ -3678,7 +3563,7 @@
                   <a:schemeClr val="tx1"/>
                 </a:solidFill>
               </a:rPr>
-              <a:t>Story 7</a:t>
+              <a:t>Story 6B</a:t>
             </a:r>
             <a:endParaRPr lang="en-AU" sz="2000" dirty="0">
               <a:solidFill>
@@ -3736,7 +3621,15 @@
             <a:pPr algn="ctr"/>
             <a:r>
               <a:rPr lang="en-AU" sz="2800" dirty="0" smtClean="0"/>
-              <a:t>Add a folder</a:t>
+              <a:t>Upload a File </a:t>
+            </a:r>
+            <a:r>
+              <a:rPr lang="mr-IN" sz="2800" dirty="0" smtClean="0"/>
+              <a:t>–</a:t>
+            </a:r>
+            <a:r>
+              <a:rPr lang="en-AU" sz="2800" dirty="0" smtClean="0"/>
+              <a:t> drag and drop</a:t>
             </a:r>
             <a:endParaRPr lang="en-AU" sz="2800" dirty="0"/>
           </a:p>
@@ -3796,7 +3689,7 @@
                   <a:schemeClr val="tx1"/>
                 </a:solidFill>
               </a:rPr>
-              <a:t>As a Media Vault user, I want to add a folder so that I can organise my files.</a:t>
+              <a:t>As a Media Vault user, I want to upload a file by dragging and dropping them into the website, so that I can access this file from any device using the Media Vault website.</a:t>
             </a:r>
           </a:p>
           <a:p>
@@ -3828,7 +3721,7 @@
         <p:spPr>
           <a:xfrm>
             <a:off x="39153" y="3335530"/>
-            <a:ext cx="9828000" cy="2242310"/>
+            <a:ext cx="9828000" cy="1620000"/>
           </a:xfrm>
           <a:prstGeom prst="rect">
             <a:avLst/>
@@ -3887,7 +3780,7 @@
                   <a:schemeClr val="tx1"/>
                 </a:solidFill>
               </a:rPr>
-              <a:t>A button that lets the user add a new folder</a:t>
+              <a:t>The user can drag and drop a file to the Media Vault website</a:t>
             </a:r>
           </a:p>
           <a:p>
@@ -3901,7 +3794,7 @@
                   <a:schemeClr val="tx1"/>
                 </a:solidFill>
               </a:rPr>
-              <a:t>file will appear, letting the user pick its name</a:t>
+              <a:t>This file will upload</a:t>
             </a:r>
           </a:p>
           <a:p>
@@ -3915,7 +3808,7 @@
                   <a:schemeClr val="tx1"/>
                 </a:solidFill>
               </a:rPr>
-              <a:t>The folder will appear, and the user can enter it</a:t>
+              <a:t>ANY ERRORS SHOULD BE DISPLAYED IN A USER FRIENDLY CONTEXT</a:t>
             </a:r>
           </a:p>
         </p:txBody>
@@ -4034,7 +3927,7 @@
                   <a:schemeClr val="tx1"/>
                 </a:solidFill>
               </a:rPr>
-              <a:t>Must</a:t>
+              <a:t>want</a:t>
             </a:r>
             <a:endParaRPr lang="en-AU" sz="2000" dirty="0">
               <a:solidFill>
@@ -4052,8 +3945,8 @@
         </p:nvSpPr>
         <p:spPr>
           <a:xfrm>
-            <a:off x="39153" y="5969726"/>
-            <a:ext cx="9828000" cy="778864"/>
+            <a:off x="39153" y="5128590"/>
+            <a:ext cx="9828000" cy="1620000"/>
           </a:xfrm>
           <a:prstGeom prst="rect">
             <a:avLst/>
@@ -4103,7 +3996,7 @@
     </p:spTree>
     <p:extLst>
       <p:ext uri="{BB962C8B-B14F-4D97-AF65-F5344CB8AC3E}">
-        <p14:creationId xmlns:p14="http://schemas.microsoft.com/office/powerpoint/2010/main" val="542512747"/>
+        <p14:creationId xmlns:p14="http://schemas.microsoft.com/office/powerpoint/2010/main" val="865503276"/>
       </p:ext>
     </p:extLst>
   </p:cSld>
@@ -4185,7 +4078,7 @@
                   <a:schemeClr val="tx1"/>
                 </a:solidFill>
               </a:rPr>
-              <a:t>Story 8</a:t>
+              <a:t>Story 7</a:t>
             </a:r>
             <a:endParaRPr lang="en-AU" sz="2000" dirty="0">
               <a:solidFill>
@@ -4243,7 +4136,7 @@
             <a:pPr algn="ctr"/>
             <a:r>
               <a:rPr lang="en-AU" sz="2800" dirty="0" smtClean="0"/>
-              <a:t>Open my PDF File</a:t>
+              <a:t>Add a folder</a:t>
             </a:r>
             <a:endParaRPr lang="en-AU" sz="2800" dirty="0"/>
           </a:p>
@@ -4303,7 +4196,7 @@
                   <a:schemeClr val="tx1"/>
                 </a:solidFill>
               </a:rPr>
-              <a:t>As a Media Vault user, I want to open my PDF file so that I can read the contents</a:t>
+              <a:t>As a Media Vault user, I want to add a folder so that I can organise my files.</a:t>
             </a:r>
           </a:p>
           <a:p>
@@ -4335,7 +4228,7 @@
         <p:spPr>
           <a:xfrm>
             <a:off x="39153" y="3335530"/>
-            <a:ext cx="9828000" cy="1620000"/>
+            <a:ext cx="9828000" cy="2242310"/>
           </a:xfrm>
           <a:prstGeom prst="rect">
             <a:avLst/>
@@ -4394,7 +4287,7 @@
                   <a:schemeClr val="tx1"/>
                 </a:solidFill>
               </a:rPr>
-              <a:t>The file will open once clicked, the pdf should display so that it can be read.</a:t>
+              <a:t>A button that lets the user add a new folder</a:t>
             </a:r>
           </a:p>
           <a:p>
@@ -4408,7 +4301,21 @@
                   <a:schemeClr val="tx1"/>
                 </a:solidFill>
               </a:rPr>
-              <a:t>There should be a home button, so the user can go back</a:t>
+              <a:t>file will appear, letting the user pick its name</a:t>
+            </a:r>
+          </a:p>
+          <a:p>
+            <a:pPr marL="179388" indent="-179388">
+              <a:buFont typeface="Arial" pitchFamily="34" charset="0"/>
+              <a:buChar char="•"/>
+            </a:pPr>
+            <a:r>
+              <a:rPr lang="en-AU" sz="2000" dirty="0" smtClean="0">
+                <a:solidFill>
+                  <a:schemeClr val="tx1"/>
+                </a:solidFill>
+              </a:rPr>
+              <a:t>The folder will appear, and the user can enter it</a:t>
             </a:r>
           </a:p>
         </p:txBody>
@@ -4467,7 +4374,7 @@
                   <a:schemeClr val="tx1"/>
                 </a:solidFill>
               </a:rPr>
-              <a:t>1</a:t>
+              <a:t>2</a:t>
             </a:r>
           </a:p>
         </p:txBody>
@@ -4545,8 +4452,8 @@
         </p:nvSpPr>
         <p:spPr>
           <a:xfrm>
-            <a:off x="39153" y="5128590"/>
-            <a:ext cx="9828000" cy="1620000"/>
+            <a:off x="39153" y="5969726"/>
+            <a:ext cx="9828000" cy="778864"/>
           </a:xfrm>
           <a:prstGeom prst="rect">
             <a:avLst/>
@@ -4596,7 +4503,7 @@
     </p:spTree>
     <p:extLst>
       <p:ext uri="{BB962C8B-B14F-4D97-AF65-F5344CB8AC3E}">
-        <p14:creationId xmlns:p14="http://schemas.microsoft.com/office/powerpoint/2010/main" val="771756051"/>
+        <p14:creationId xmlns:p14="http://schemas.microsoft.com/office/powerpoint/2010/main" val="542512747"/>
       </p:ext>
     </p:extLst>
   </p:cSld>
@@ -4678,7 +4585,7 @@
                   <a:schemeClr val="tx1"/>
                 </a:solidFill>
               </a:rPr>
-              <a:t>Story 8B</a:t>
+              <a:t>Story 8</a:t>
             </a:r>
             <a:endParaRPr lang="en-AU" sz="2000" dirty="0">
               <a:solidFill>
@@ -4736,7 +4643,7 @@
             <a:pPr algn="ctr"/>
             <a:r>
               <a:rPr lang="en-AU" sz="2800" dirty="0" smtClean="0"/>
-              <a:t>Open my eBook File</a:t>
+              <a:t>Open my PDF File</a:t>
             </a:r>
             <a:endParaRPr lang="en-AU" sz="2800" dirty="0"/>
           </a:p>
@@ -4796,7 +4703,7 @@
                   <a:schemeClr val="tx1"/>
                 </a:solidFill>
               </a:rPr>
-              <a:t>As a Media Vault user, I want to open my eBook file so that I can read the contents</a:t>
+              <a:t>As a Media Vault user, I want to open my PDF file so that I can read the contents</a:t>
             </a:r>
           </a:p>
           <a:p>
@@ -4887,7 +4794,7 @@
                   <a:schemeClr val="tx1"/>
                 </a:solidFill>
               </a:rPr>
-              <a:t>The file will open once clicked, the eBook should display so that it can be read.</a:t>
+              <a:t>The file will open once clicked, the pdf should display so that it can be read.</a:t>
             </a:r>
           </a:p>
           <a:p>
@@ -4896,18 +4803,13 @@
               <a:buChar char="•"/>
             </a:pPr>
             <a:r>
-              <a:rPr lang="en-AU" sz="2000" dirty="0">
+              <a:rPr lang="en-AU" sz="2000" dirty="0" smtClean="0">
                 <a:solidFill>
                   <a:schemeClr val="tx1"/>
                 </a:solidFill>
               </a:rPr>
               <a:t>There should be a home button, so the user can go back</a:t>
             </a:r>
-            <a:endParaRPr lang="en-AU" sz="2000" dirty="0" smtClean="0">
-              <a:solidFill>
-                <a:schemeClr val="tx1"/>
-              </a:solidFill>
-            </a:endParaRPr>
           </a:p>
         </p:txBody>
       </p:sp>
@@ -5094,7 +4996,7 @@
     </p:spTree>
     <p:extLst>
       <p:ext uri="{BB962C8B-B14F-4D97-AF65-F5344CB8AC3E}">
-        <p14:creationId xmlns:p14="http://schemas.microsoft.com/office/powerpoint/2010/main" val="582726072"/>
+        <p14:creationId xmlns:p14="http://schemas.microsoft.com/office/powerpoint/2010/main" val="771756051"/>
       </p:ext>
     </p:extLst>
   </p:cSld>
@@ -5176,7 +5078,7 @@
                   <a:schemeClr val="tx1"/>
                 </a:solidFill>
               </a:rPr>
-              <a:t>Story 9</a:t>
+              <a:t>Story 8B</a:t>
             </a:r>
             <a:endParaRPr lang="en-AU" sz="2000" dirty="0">
               <a:solidFill>
@@ -5234,7 +5136,7 @@
             <a:pPr algn="ctr"/>
             <a:r>
               <a:rPr lang="en-AU" sz="2800" dirty="0" smtClean="0"/>
-              <a:t>Open my Audio File</a:t>
+              <a:t>Open my eBook File</a:t>
             </a:r>
             <a:endParaRPr lang="en-AU" sz="2800" dirty="0"/>
           </a:p>
@@ -5294,23 +5196,7 @@
                   <a:schemeClr val="tx1"/>
                 </a:solidFill>
               </a:rPr>
-              <a:t>As a Media Vault user, I want to open my file so that I can </a:t>
-            </a:r>
-            <a:r>
-              <a:rPr lang="en-AU" sz="2400" dirty="0">
-                <a:solidFill>
-                  <a:schemeClr val="tx1"/>
-                </a:solidFill>
-              </a:rPr>
-              <a:t>l</a:t>
-            </a:r>
-            <a:r>
-              <a:rPr lang="en-AU" sz="2400" dirty="0" smtClean="0">
-                <a:solidFill>
-                  <a:schemeClr val="tx1"/>
-                </a:solidFill>
-              </a:rPr>
-              <a:t>isten to it</a:t>
+              <a:t>As a Media Vault user, I want to open my eBook file so that I can read the contents</a:t>
             </a:r>
           </a:p>
           <a:p>
@@ -5401,7 +5287,7 @@
                   <a:schemeClr val="tx1"/>
                 </a:solidFill>
               </a:rPr>
-              <a:t>The file will open once clicked, music plays.</a:t>
+              <a:t>The file will open once clicked, the eBook should display so that it can be read.</a:t>
             </a:r>
           </a:p>
           <a:p>
@@ -5415,24 +5301,13 @@
                   <a:schemeClr val="tx1"/>
                 </a:solidFill>
               </a:rPr>
-              <a:t>There should a home button, so that the </a:t>
-            </a:r>
-            <a:r>
-              <a:rPr lang="en-AU" sz="2000" dirty="0" smtClean="0">
-                <a:solidFill>
-                  <a:schemeClr val="tx1"/>
-                </a:solidFill>
-              </a:rPr>
-              <a:t>user</a:t>
-            </a:r>
-            <a:r>
-              <a:rPr lang="en-AU" sz="2000" dirty="0">
-                <a:solidFill>
-                  <a:schemeClr val="tx1"/>
-                </a:solidFill>
-              </a:rPr>
-              <a:t> can go back</a:t>
-            </a:r>
+              <a:t>There should be a home button, so the user can go back</a:t>
+            </a:r>
+            <a:endParaRPr lang="en-AU" sz="2000" dirty="0" smtClean="0">
+              <a:solidFill>
+                <a:schemeClr val="tx1"/>
+              </a:solidFill>
+            </a:endParaRPr>
           </a:p>
         </p:txBody>
       </p:sp>
@@ -5485,12 +5360,72 @@
           <a:p>
             <a:pPr algn="ctr"/>
             <a:r>
-              <a:rPr lang="en-AU" sz="2000" dirty="0" smtClean="0">
+              <a:rPr lang="en-AU" sz="2000" dirty="0">
                 <a:solidFill>
                   <a:schemeClr val="tx1"/>
                 </a:solidFill>
               </a:rPr>
               <a:t>1</a:t>
+            </a:r>
+          </a:p>
+        </p:txBody>
+      </p:sp>
+      <p:sp>
+        <p:nvSpPr>
+          <p:cNvPr id="12" name="Rectangle 11"/>
+          <p:cNvSpPr/>
+          <p:nvPr/>
+        </p:nvSpPr>
+        <p:spPr>
+          <a:xfrm>
+            <a:off x="8283153" y="109410"/>
+            <a:ext cx="792000" cy="540000"/>
+          </a:xfrm>
+          <a:prstGeom prst="rect">
+            <a:avLst/>
+          </a:prstGeom>
+          <a:solidFill>
+            <a:schemeClr val="accent4">
+              <a:lumMod val="20000"/>
+              <a:lumOff val="80000"/>
+            </a:schemeClr>
+          </a:solidFill>
+          <a:ln>
+            <a:solidFill>
+              <a:schemeClr val="accent1">
+                <a:lumMod val="50000"/>
+              </a:schemeClr>
+            </a:solidFill>
+          </a:ln>
+        </p:spPr>
+        <p:style>
+          <a:lnRef idx="2">
+            <a:schemeClr val="accent1">
+              <a:shade val="50000"/>
+            </a:schemeClr>
+          </a:lnRef>
+          <a:fillRef idx="1">
+            <a:schemeClr val="accent1"/>
+          </a:fillRef>
+          <a:effectRef idx="0">
+            <a:schemeClr val="accent1"/>
+          </a:effectRef>
+          <a:fontRef idx="minor">
+            <a:schemeClr val="lt1"/>
+          </a:fontRef>
+        </p:style>
+        <p:txBody>
+          <a:bodyPr wrap="none" lIns="0" rIns="0" rtlCol="0" anchor="ctr"/>
+          <a:lstStyle/>
+          <a:p>
+            <a:pPr algn="ctr"/>
+            <a:r>
+              <a:rPr lang="en-AU" sz="2000" dirty="0" smtClean="0">
+                <a:solidFill>
+                  <a:schemeClr val="tx1"/>
+                </a:solidFill>
+              </a:rPr>
+              <a:t>Must</a:t>
             </a:r>
             <a:endParaRPr lang="en-AU" sz="2000" dirty="0">
               <a:solidFill>
@@ -5502,71 +5437,6 @@
       </p:sp>
       <p:sp>
         <p:nvSpPr>
-          <p:cNvPr id="12" name="Rectangle 11"/>
-          <p:cNvSpPr/>
-          <p:nvPr/>
-        </p:nvSpPr>
-        <p:spPr>
-          <a:xfrm>
-            <a:off x="8283153" y="109410"/>
-            <a:ext cx="792000" cy="540000"/>
-          </a:xfrm>
-          <a:prstGeom prst="rect">
-            <a:avLst/>
-          </a:prstGeom>
-          <a:solidFill>
-            <a:schemeClr val="accent4">
-              <a:lumMod val="20000"/>
-              <a:lumOff val="80000"/>
-            </a:schemeClr>
-          </a:solidFill>
-          <a:ln>
-            <a:solidFill>
-              <a:schemeClr val="accent1">
-                <a:lumMod val="50000"/>
-              </a:schemeClr>
-            </a:solidFill>
-          </a:ln>
-        </p:spPr>
-        <p:style>
-          <a:lnRef idx="2">
-            <a:schemeClr val="accent1">
-              <a:shade val="50000"/>
-            </a:schemeClr>
-          </a:lnRef>
-          <a:fillRef idx="1">
-            <a:schemeClr val="accent1"/>
-          </a:fillRef>
-          <a:effectRef idx="0">
-            <a:schemeClr val="accent1"/>
-          </a:effectRef>
-          <a:fontRef idx="minor">
-            <a:schemeClr val="lt1"/>
-          </a:fontRef>
-        </p:style>
-        <p:txBody>
-          <a:bodyPr wrap="none" lIns="0" rIns="0" rtlCol="0" anchor="ctr"/>
-          <a:lstStyle/>
-          <a:p>
-            <a:pPr algn="ctr"/>
-            <a:r>
-              <a:rPr lang="en-AU" sz="2000" dirty="0" smtClean="0">
-                <a:solidFill>
-                  <a:schemeClr val="tx1"/>
-                </a:solidFill>
-              </a:rPr>
-              <a:t>Must</a:t>
-            </a:r>
-            <a:endParaRPr lang="en-AU" sz="2000" dirty="0">
-              <a:solidFill>
-                <a:schemeClr val="tx1"/>
-              </a:solidFill>
-            </a:endParaRPr>
-          </a:p>
-        </p:txBody>
-      </p:sp>
-      <p:sp>
-        <p:nvSpPr>
           <p:cNvPr id="13" name="Rectangle 12"/>
           <p:cNvSpPr/>
           <p:nvPr/>
@@ -5624,7 +5494,7 @@
     </p:spTree>
     <p:extLst>
       <p:ext uri="{BB962C8B-B14F-4D97-AF65-F5344CB8AC3E}">
-        <p14:creationId xmlns:p14="http://schemas.microsoft.com/office/powerpoint/2010/main" val="441015736"/>
+        <p14:creationId xmlns:p14="http://schemas.microsoft.com/office/powerpoint/2010/main" val="582726072"/>
       </p:ext>
     </p:extLst>
   </p:cSld>
@@ -5706,7 +5576,7 @@
                   <a:schemeClr val="tx1"/>
                 </a:solidFill>
               </a:rPr>
-              <a:t>Story 10</a:t>
+              <a:t>Story 9</a:t>
             </a:r>
             <a:endParaRPr lang="en-AU" sz="2000" dirty="0">
               <a:solidFill>
@@ -5764,7 +5634,7 @@
             <a:pPr algn="ctr"/>
             <a:r>
               <a:rPr lang="en-AU" sz="2800" dirty="0" smtClean="0"/>
-              <a:t>Open my Picture File</a:t>
+              <a:t>Open my Audio File</a:t>
             </a:r>
             <a:endParaRPr lang="en-AU" sz="2800" dirty="0"/>
           </a:p>
@@ -5824,7 +5694,23 @@
                   <a:schemeClr val="tx1"/>
                 </a:solidFill>
               </a:rPr>
-              <a:t>As a Media Vault user, I want to open my file so that I can view it.</a:t>
+              <a:t>As a Media Vault user, I want to open my file so that I can </a:t>
+            </a:r>
+            <a:r>
+              <a:rPr lang="en-AU" sz="2400" dirty="0">
+                <a:solidFill>
+                  <a:schemeClr val="tx1"/>
+                </a:solidFill>
+              </a:rPr>
+              <a:t>l</a:t>
+            </a:r>
+            <a:r>
+              <a:rPr lang="en-AU" sz="2400" dirty="0" smtClean="0">
+                <a:solidFill>
+                  <a:schemeClr val="tx1"/>
+                </a:solidFill>
+              </a:rPr>
+              <a:t>isten to it</a:t>
             </a:r>
           </a:p>
           <a:p>
@@ -5915,7 +5801,7 @@
                   <a:schemeClr val="tx1"/>
                 </a:solidFill>
               </a:rPr>
-              <a:t>The file will open once clicked, a picture should display</a:t>
+              <a:t>The file will open once clicked, music plays.</a:t>
             </a:r>
           </a:p>
           <a:p>
@@ -5937,7 +5823,7 @@
                   <a:schemeClr val="tx1"/>
                 </a:solidFill>
               </a:rPr>
-              <a:t>user can </a:t>
+              <a:t>user</a:t>
             </a:r>
             <a:r>
               <a:rPr lang="en-AU" sz="2000" dirty="0">
@@ -5945,19 +5831,8 @@
                   <a:schemeClr val="tx1"/>
                 </a:solidFill>
               </a:rPr>
-              <a:t>go back</a:t>
-            </a:r>
-          </a:p>
-          <a:p>
-            <a:pPr marL="179388" indent="-179388">
-              <a:buFont typeface="Arial" pitchFamily="34" charset="0"/>
-              <a:buChar char="•"/>
-            </a:pPr>
-            <a:endParaRPr lang="en-AU" sz="2000" dirty="0" smtClean="0">
-              <a:solidFill>
-                <a:schemeClr val="tx1"/>
-              </a:solidFill>
-            </a:endParaRPr>
+              <a:t> can go back</a:t>
+            </a:r>
           </a:p>
         </p:txBody>
       </p:sp>
@@ -6149,7 +6024,7 @@
     </p:spTree>
     <p:extLst>
       <p:ext uri="{BB962C8B-B14F-4D97-AF65-F5344CB8AC3E}">
-        <p14:creationId xmlns:p14="http://schemas.microsoft.com/office/powerpoint/2010/main" val="1520526948"/>
+        <p14:creationId xmlns:p14="http://schemas.microsoft.com/office/powerpoint/2010/main" val="441015736"/>
       </p:ext>
     </p:extLst>
   </p:cSld>
@@ -6231,7 +6106,7 @@
                   <a:schemeClr val="tx1"/>
                 </a:solidFill>
               </a:rPr>
-              <a:t>Story 10B</a:t>
+              <a:t>Story 10</a:t>
             </a:r>
             <a:endParaRPr lang="en-AU" sz="2000" dirty="0">
               <a:solidFill>
@@ -6289,7 +6164,7 @@
             <a:pPr algn="ctr"/>
             <a:r>
               <a:rPr lang="en-AU" sz="2800" dirty="0" smtClean="0"/>
-              <a:t>Open my Folder</a:t>
+              <a:t>Open my Picture File</a:t>
             </a:r>
             <a:endParaRPr lang="en-AU" sz="2800" dirty="0"/>
           </a:p>
@@ -6349,7 +6224,7 @@
                   <a:schemeClr val="tx1"/>
                 </a:solidFill>
               </a:rPr>
-              <a:t>As a Media Vault user, I want to open my folder so that I can view its contents.</a:t>
+              <a:t>As a Media Vault user, I want to open my file so that I can view it.</a:t>
             </a:r>
           </a:p>
           <a:p>
@@ -6440,7 +6315,7 @@
                   <a:schemeClr val="tx1"/>
                 </a:solidFill>
               </a:rPr>
-              <a:t>The folder will open once clicked</a:t>
+              <a:t>The file will open once clicked, a picture should display</a:t>
             </a:r>
           </a:p>
           <a:p>
@@ -6462,13 +6337,16 @@
                   <a:schemeClr val="tx1"/>
                 </a:solidFill>
               </a:rPr>
-              <a:t>user can go back</a:t>
-            </a:r>
-            <a:endParaRPr lang="en-AU" sz="2000" dirty="0">
-              <a:solidFill>
-                <a:schemeClr val="tx1"/>
-              </a:solidFill>
-            </a:endParaRPr>
+              <a:t>user can </a:t>
+            </a:r>
+            <a:r>
+              <a:rPr lang="en-AU" sz="2000" dirty="0">
+                <a:solidFill>
+                  <a:schemeClr val="tx1"/>
+                </a:solidFill>
+              </a:rPr>
+              <a:t>go back</a:t>
+            </a:r>
           </a:p>
           <a:p>
             <a:pPr marL="179388" indent="-179388">
@@ -6602,7 +6480,7 @@
                   <a:schemeClr val="tx1"/>
                 </a:solidFill>
               </a:rPr>
-              <a:t>should</a:t>
+              <a:t>Must</a:t>
             </a:r>
             <a:endParaRPr lang="en-AU" sz="2000" dirty="0">
               <a:solidFill>
@@ -6671,7 +6549,7 @@
     </p:spTree>
     <p:extLst>
       <p:ext uri="{BB962C8B-B14F-4D97-AF65-F5344CB8AC3E}">
-        <p14:creationId xmlns:p14="http://schemas.microsoft.com/office/powerpoint/2010/main" val="821357610"/>
+        <p14:creationId xmlns:p14="http://schemas.microsoft.com/office/powerpoint/2010/main" val="1520526948"/>
       </p:ext>
     </p:extLst>
   </p:cSld>
@@ -6753,7 +6631,7 @@
                   <a:schemeClr val="tx1"/>
                 </a:solidFill>
               </a:rPr>
-              <a:t>Story 11</a:t>
+              <a:t>Story 10B</a:t>
             </a:r>
             <a:endParaRPr lang="en-AU" sz="2000" dirty="0">
               <a:solidFill>
@@ -6811,7 +6689,7 @@
             <a:pPr algn="ctr"/>
             <a:r>
               <a:rPr lang="en-AU" sz="2800" dirty="0" smtClean="0"/>
-              <a:t>Delete a File</a:t>
+              <a:t>Open my Folder</a:t>
             </a:r>
             <a:endParaRPr lang="en-AU" sz="2800" dirty="0"/>
           </a:p>
@@ -6871,7 +6749,7 @@
                   <a:schemeClr val="tx1"/>
                 </a:solidFill>
               </a:rPr>
-              <a:t>As a Media Vault user, I want to have website functions that would allow me to delete a file so that I can free up my storage space or remove the file if I no longer need it.</a:t>
+              <a:t>As a Media Vault user, I want to open my folder so that I can view its contents.</a:t>
             </a:r>
           </a:p>
           <a:p>
@@ -6962,7 +6840,7 @@
                   <a:schemeClr val="tx1"/>
                 </a:solidFill>
               </a:rPr>
-              <a:t>Once the user clicks the delete button an “are you sure?” message should appear</a:t>
+              <a:t>The folder will open once clicked</a:t>
             </a:r>
           </a:p>
           <a:p>
@@ -6971,85 +6849,20 @@
               <a:buChar char="•"/>
             </a:pPr>
             <a:r>
-              <a:rPr lang="en-AU" sz="2000" dirty="0" smtClean="0">
-                <a:solidFill>
-                  <a:schemeClr val="tx1"/>
-                </a:solidFill>
-              </a:rPr>
-              <a:t>The file is delete if they clicked yes</a:t>
-            </a:r>
-          </a:p>
-          <a:p>
-            <a:pPr marL="179388" indent="-179388">
-              <a:buFont typeface="Arial" pitchFamily="34" charset="0"/>
-              <a:buChar char="•"/>
-            </a:pPr>
-            <a:r>
-              <a:rPr lang="en-AU" sz="2000" dirty="0" smtClean="0">
-                <a:solidFill>
-                  <a:schemeClr val="tx1"/>
-                </a:solidFill>
-              </a:rPr>
-              <a:t>The file remains there if they click no </a:t>
-            </a:r>
-          </a:p>
-        </p:txBody>
-      </p:sp>
-      <p:sp>
-        <p:nvSpPr>
-          <p:cNvPr id="11" name="Rectangle 10"/>
-          <p:cNvSpPr/>
-          <p:nvPr/>
-        </p:nvSpPr>
-        <p:spPr>
-          <a:xfrm>
-            <a:off x="9147153" y="109410"/>
-            <a:ext cx="720000" cy="540000"/>
-          </a:xfrm>
-          <a:prstGeom prst="rect">
-            <a:avLst/>
-          </a:prstGeom>
-          <a:solidFill>
-            <a:srgbClr val="CCF0CD">
-              <a:alpha val="20000"/>
-            </a:srgbClr>
-          </a:solidFill>
-          <a:ln>
-            <a:solidFill>
-              <a:schemeClr val="accent1">
-                <a:lumMod val="50000"/>
-              </a:schemeClr>
-            </a:solidFill>
-          </a:ln>
-        </p:spPr>
-        <p:style>
-          <a:lnRef idx="2">
-            <a:schemeClr val="accent1">
-              <a:shade val="50000"/>
-            </a:schemeClr>
-          </a:lnRef>
-          <a:fillRef idx="1">
-            <a:schemeClr val="accent1"/>
-          </a:fillRef>
-          <a:effectRef idx="0">
-            <a:schemeClr val="accent1"/>
-          </a:effectRef>
-          <a:fontRef idx="minor">
-            <a:schemeClr val="lt1"/>
-          </a:fontRef>
-        </p:style>
-        <p:txBody>
-          <a:bodyPr wrap="square" lIns="0" rIns="0" rtlCol="0" anchor="ctr"/>
-          <a:lstStyle/>
-          <a:p>
-            <a:pPr algn="ctr"/>
-            <a:r>
-              <a:rPr lang="en-AU" sz="2000" dirty="0" smtClean="0">
-                <a:solidFill>
-                  <a:schemeClr val="tx1"/>
-                </a:solidFill>
-              </a:rPr>
-              <a:t>2</a:t>
+              <a:rPr lang="en-AU" sz="2000" dirty="0">
+                <a:solidFill>
+                  <a:schemeClr val="tx1"/>
+                </a:solidFill>
+              </a:rPr>
+              <a:t>There should a home button, so that the </a:t>
+            </a:r>
+            <a:r>
+              <a:rPr lang="en-AU" sz="2000" dirty="0" smtClean="0">
+                <a:solidFill>
+                  <a:schemeClr val="tx1"/>
+                </a:solidFill>
+              </a:rPr>
+              <a:t>user can go back</a:t>
             </a:r>
             <a:endParaRPr lang="en-AU" sz="2000" dirty="0">
               <a:solidFill>
@@ -7057,54 +6870,64 @@
               </a:solidFill>
             </a:endParaRPr>
           </a:p>
-        </p:txBody>
-      </p:sp>
-      <p:sp>
-        <p:nvSpPr>
-          <p:cNvPr id="12" name="Rectangle 11"/>
-          <p:cNvSpPr/>
-          <p:nvPr/>
-        </p:nvSpPr>
-        <p:spPr>
-          <a:xfrm>
-            <a:off x="8283153" y="109410"/>
-            <a:ext cx="792000" cy="540000"/>
-          </a:xfrm>
-          <a:prstGeom prst="rect">
-            <a:avLst/>
-          </a:prstGeom>
-          <a:solidFill>
-            <a:schemeClr val="accent4">
-              <a:lumMod val="20000"/>
-              <a:lumOff val="80000"/>
-            </a:schemeClr>
-          </a:solidFill>
-          <a:ln>
-            <a:solidFill>
-              <a:schemeClr val="accent1">
-                <a:lumMod val="50000"/>
-              </a:schemeClr>
-            </a:solidFill>
-          </a:ln>
-        </p:spPr>
-        <p:style>
-          <a:lnRef idx="2">
-            <a:schemeClr val="accent1">
-              <a:shade val="50000"/>
-            </a:schemeClr>
-          </a:lnRef>
-          <a:fillRef idx="1">
-            <a:schemeClr val="accent1"/>
-          </a:fillRef>
-          <a:effectRef idx="0">
-            <a:schemeClr val="accent1"/>
-          </a:effectRef>
-          <a:fontRef idx="minor">
-            <a:schemeClr val="lt1"/>
-          </a:fontRef>
-        </p:style>
-        <p:txBody>
-          <a:bodyPr wrap="none" lIns="0" rIns="0" rtlCol="0" anchor="ctr"/>
+          <a:p>
+            <a:pPr marL="179388" indent="-179388">
+              <a:buFont typeface="Arial" pitchFamily="34" charset="0"/>
+              <a:buChar char="•"/>
+            </a:pPr>
+            <a:endParaRPr lang="en-AU" sz="2000" dirty="0" smtClean="0">
+              <a:solidFill>
+                <a:schemeClr val="tx1"/>
+              </a:solidFill>
+            </a:endParaRPr>
+          </a:p>
+        </p:txBody>
+      </p:sp>
+      <p:sp>
+        <p:nvSpPr>
+          <p:cNvPr id="11" name="Rectangle 10"/>
+          <p:cNvSpPr/>
+          <p:nvPr/>
+        </p:nvSpPr>
+        <p:spPr>
+          <a:xfrm>
+            <a:off x="9147153" y="109410"/>
+            <a:ext cx="720000" cy="540000"/>
+          </a:xfrm>
+          <a:prstGeom prst="rect">
+            <a:avLst/>
+          </a:prstGeom>
+          <a:solidFill>
+            <a:srgbClr val="CCF0CD">
+              <a:alpha val="20000"/>
+            </a:srgbClr>
+          </a:solidFill>
+          <a:ln>
+            <a:solidFill>
+              <a:schemeClr val="accent1">
+                <a:lumMod val="50000"/>
+              </a:schemeClr>
+            </a:solidFill>
+          </a:ln>
+        </p:spPr>
+        <p:style>
+          <a:lnRef idx="2">
+            <a:schemeClr val="accent1">
+              <a:shade val="50000"/>
+            </a:schemeClr>
+          </a:lnRef>
+          <a:fillRef idx="1">
+            <a:schemeClr val="accent1"/>
+          </a:fillRef>
+          <a:effectRef idx="0">
+            <a:schemeClr val="accent1"/>
+          </a:effectRef>
+          <a:fontRef idx="minor">
+            <a:schemeClr val="lt1"/>
+          </a:fontRef>
+        </p:style>
+        <p:txBody>
+          <a:bodyPr wrap="square" lIns="0" rIns="0" rtlCol="0" anchor="ctr"/>
           <a:lstStyle/>
           <a:p>
             <a:pPr algn="ctr"/>
@@ -7114,7 +6937,7 @@
                   <a:schemeClr val="tx1"/>
                 </a:solidFill>
               </a:rPr>
-              <a:t>Must</a:t>
+              <a:t>1</a:t>
             </a:r>
             <a:endParaRPr lang="en-AU" sz="2000" dirty="0">
               <a:solidFill>
@@ -7126,6 +6949,71 @@
       </p:sp>
       <p:sp>
         <p:nvSpPr>
+          <p:cNvPr id="12" name="Rectangle 11"/>
+          <p:cNvSpPr/>
+          <p:nvPr/>
+        </p:nvSpPr>
+        <p:spPr>
+          <a:xfrm>
+            <a:off x="8283153" y="109410"/>
+            <a:ext cx="792000" cy="540000"/>
+          </a:xfrm>
+          <a:prstGeom prst="rect">
+            <a:avLst/>
+          </a:prstGeom>
+          <a:solidFill>
+            <a:schemeClr val="accent4">
+              <a:lumMod val="20000"/>
+              <a:lumOff val="80000"/>
+            </a:schemeClr>
+          </a:solidFill>
+          <a:ln>
+            <a:solidFill>
+              <a:schemeClr val="accent1">
+                <a:lumMod val="50000"/>
+              </a:schemeClr>
+            </a:solidFill>
+          </a:ln>
+        </p:spPr>
+        <p:style>
+          <a:lnRef idx="2">
+            <a:schemeClr val="accent1">
+              <a:shade val="50000"/>
+            </a:schemeClr>
+          </a:lnRef>
+          <a:fillRef idx="1">
+            <a:schemeClr val="accent1"/>
+          </a:fillRef>
+          <a:effectRef idx="0">
+            <a:schemeClr val="accent1"/>
+          </a:effectRef>
+          <a:fontRef idx="minor">
+            <a:schemeClr val="lt1"/>
+          </a:fontRef>
+        </p:style>
+        <p:txBody>
+          <a:bodyPr wrap="none" lIns="0" rIns="0" rtlCol="0" anchor="ctr"/>
+          <a:lstStyle/>
+          <a:p>
+            <a:pPr algn="ctr"/>
+            <a:r>
+              <a:rPr lang="en-AU" sz="2000" dirty="0" smtClean="0">
+                <a:solidFill>
+                  <a:schemeClr val="tx1"/>
+                </a:solidFill>
+              </a:rPr>
+              <a:t>should</a:t>
+            </a:r>
+            <a:endParaRPr lang="en-AU" sz="2000" dirty="0">
+              <a:solidFill>
+                <a:schemeClr val="tx1"/>
+              </a:solidFill>
+            </a:endParaRPr>
+          </a:p>
+        </p:txBody>
+      </p:sp>
+      <p:sp>
+        <p:nvSpPr>
           <p:cNvPr id="13" name="Rectangle 12"/>
           <p:cNvSpPr/>
           <p:nvPr/>
@@ -7183,7 +7071,7 @@
     </p:spTree>
     <p:extLst>
       <p:ext uri="{BB962C8B-B14F-4D97-AF65-F5344CB8AC3E}">
-        <p14:creationId xmlns:p14="http://schemas.microsoft.com/office/powerpoint/2010/main" val="1089856927"/>
+        <p14:creationId xmlns:p14="http://schemas.microsoft.com/office/powerpoint/2010/main" val="821357610"/>
       </p:ext>
     </p:extLst>
   </p:cSld>
@@ -7265,7 +7153,7 @@
                   <a:schemeClr val="tx1"/>
                 </a:solidFill>
               </a:rPr>
-              <a:t>Story 12</a:t>
+              <a:t>Story 11</a:t>
             </a:r>
             <a:endParaRPr lang="en-AU" sz="2000" dirty="0">
               <a:solidFill>
@@ -7323,7 +7211,7 @@
             <a:pPr algn="ctr"/>
             <a:r>
               <a:rPr lang="en-AU" sz="2800" dirty="0" smtClean="0"/>
-              <a:t>Edit a File Name</a:t>
+              <a:t>Delete a File</a:t>
             </a:r>
             <a:endParaRPr lang="en-AU" sz="2800" dirty="0"/>
           </a:p>
@@ -7383,7 +7271,7 @@
                   <a:schemeClr val="tx1"/>
                 </a:solidFill>
               </a:rPr>
-              <a:t>As a Media Vault user, I want to edit a file name so that I can rename it to a different name.</a:t>
+              <a:t>As a Media Vault user, I want to have website functions that would allow me to delete a file so that I can free up my storage space or remove the file if I no longer need it.</a:t>
             </a:r>
           </a:p>
           <a:p>
@@ -7474,7 +7362,7 @@
                   <a:schemeClr val="tx1"/>
                 </a:solidFill>
               </a:rPr>
-              <a:t>The user will click a rename button</a:t>
+              <a:t>Once the user clicks the delete button an “are you sure?” message should appear</a:t>
             </a:r>
           </a:p>
           <a:p>
@@ -7488,7 +7376,21 @@
                   <a:schemeClr val="tx1"/>
                 </a:solidFill>
               </a:rPr>
-              <a:t>The file name will change upon the user editing it</a:t>
+              <a:t>The file is delete if they clicked yes</a:t>
+            </a:r>
+          </a:p>
+          <a:p>
+            <a:pPr marL="179388" indent="-179388">
+              <a:buFont typeface="Arial" pitchFamily="34" charset="0"/>
+              <a:buChar char="•"/>
+            </a:pPr>
+            <a:r>
+              <a:rPr lang="en-AU" sz="2000" dirty="0" smtClean="0">
+                <a:solidFill>
+                  <a:schemeClr val="tx1"/>
+                </a:solidFill>
+              </a:rPr>
+              <a:t>The file remains there if they click no </a:t>
             </a:r>
           </a:p>
         </p:txBody>
@@ -7547,7 +7449,7 @@
                   <a:schemeClr val="tx1"/>
                 </a:solidFill>
               </a:rPr>
-              <a:t>1</a:t>
+              <a:t>2</a:t>
             </a:r>
             <a:endParaRPr lang="en-AU" sz="2000" dirty="0">
               <a:solidFill>
@@ -7612,7 +7514,7 @@
                   <a:schemeClr val="tx1"/>
                 </a:solidFill>
               </a:rPr>
-              <a:t>Should</a:t>
+              <a:t>Must</a:t>
             </a:r>
             <a:endParaRPr lang="en-AU" sz="2000" dirty="0">
               <a:solidFill>
@@ -7681,7 +7583,7 @@
     </p:spTree>
     <p:extLst>
       <p:ext uri="{BB962C8B-B14F-4D97-AF65-F5344CB8AC3E}">
-        <p14:creationId xmlns:p14="http://schemas.microsoft.com/office/powerpoint/2010/main" val="1538368623"/>
+        <p14:creationId xmlns:p14="http://schemas.microsoft.com/office/powerpoint/2010/main" val="1089856927"/>
       </p:ext>
     </p:extLst>
   </p:cSld>
@@ -7763,7 +7665,7 @@
                   <a:schemeClr val="tx1"/>
                 </a:solidFill>
               </a:rPr>
-              <a:t>Story 13</a:t>
+              <a:t>Story 12</a:t>
             </a:r>
             <a:endParaRPr lang="en-AU" sz="2000" dirty="0">
               <a:solidFill>
@@ -7821,7 +7723,7 @@
             <a:pPr algn="ctr"/>
             <a:r>
               <a:rPr lang="en-AU" sz="2800" dirty="0" smtClean="0"/>
-              <a:t>Search a File</a:t>
+              <a:t>Edit a File Name</a:t>
             </a:r>
             <a:endParaRPr lang="en-AU" sz="2800" dirty="0"/>
           </a:p>
@@ -7881,7 +7783,7 @@
                   <a:schemeClr val="tx1"/>
                 </a:solidFill>
               </a:rPr>
-              <a:t>As a Media Vault user, I want to search through my files so that I can find specific files quicker.</a:t>
+              <a:t>As a Media Vault user, I want to edit a file name so that I can rename it to a different name.</a:t>
             </a:r>
           </a:p>
           <a:p>
@@ -7972,7 +7874,7 @@
                   <a:schemeClr val="tx1"/>
                 </a:solidFill>
               </a:rPr>
-              <a:t>There will be a search box at the top</a:t>
+              <a:t>The user will click a rename button</a:t>
             </a:r>
           </a:p>
           <a:p>
@@ -7986,21 +7888,7 @@
                   <a:schemeClr val="tx1"/>
                 </a:solidFill>
               </a:rPr>
-              <a:t>The user will enter search terms and click ”Search”</a:t>
-            </a:r>
-          </a:p>
-          <a:p>
-            <a:pPr marL="179388" indent="-179388">
-              <a:buFont typeface="Arial" pitchFamily="34" charset="0"/>
-              <a:buChar char="•"/>
-            </a:pPr>
-            <a:r>
-              <a:rPr lang="en-AU" sz="2000" dirty="0" smtClean="0">
-                <a:solidFill>
-                  <a:schemeClr val="tx1"/>
-                </a:solidFill>
-              </a:rPr>
-              <a:t>The current view of the files will filter according to the user’s search terms</a:t>
+              <a:t>The file name will change upon the user editing it</a:t>
             </a:r>
           </a:p>
         </p:txBody>
@@ -8124,7 +8012,7 @@
                   <a:schemeClr val="tx1"/>
                 </a:solidFill>
               </a:rPr>
-              <a:t>Must</a:t>
+              <a:t>Should</a:t>
             </a:r>
             <a:endParaRPr lang="en-AU" sz="2000" dirty="0">
               <a:solidFill>
@@ -8193,7 +8081,7 @@
     </p:spTree>
     <p:extLst>
       <p:ext uri="{BB962C8B-B14F-4D97-AF65-F5344CB8AC3E}">
-        <p14:creationId xmlns:p14="http://schemas.microsoft.com/office/powerpoint/2010/main" val="576746551"/>
+        <p14:creationId xmlns:p14="http://schemas.microsoft.com/office/powerpoint/2010/main" val="1538368623"/>
       </p:ext>
     </p:extLst>
   </p:cSld>
@@ -8275,7 +8163,7 @@
                   <a:schemeClr val="tx1"/>
                 </a:solidFill>
               </a:rPr>
-              <a:t>Story 14</a:t>
+              <a:t>Story 13</a:t>
             </a:r>
             <a:endParaRPr lang="en-AU" sz="2000" dirty="0">
               <a:solidFill>
@@ -8299,6 +8187,9 @@
           <a:prstGeom prst="rect">
             <a:avLst/>
           </a:prstGeom>
+          <a:solidFill>
+            <a:schemeClr val="accent3"/>
+          </a:solidFill>
           <a:ln>
             <a:solidFill>
               <a:schemeClr val="accent1">
@@ -8330,7 +8221,7 @@
             <a:pPr algn="ctr"/>
             <a:r>
               <a:rPr lang="en-AU" sz="2800" dirty="0" smtClean="0"/>
-              <a:t>Add/Edit Meta Data to Uploaded File</a:t>
+              <a:t>Search a File</a:t>
             </a:r>
             <a:endParaRPr lang="en-AU" sz="2800" dirty="0"/>
           </a:p>
@@ -8390,8 +8281,26 @@
                   <a:schemeClr val="tx1"/>
                 </a:solidFill>
               </a:rPr>
-              <a:t>As a Media Vault user, I want to add/edit user friendly meta data to a file I have uploaded so that this file will appear when I search my files with similar meta data.</a:t>
-            </a:r>
+              <a:t>As a Media Vault user, I want to search through my files so that I can find specific files quicker.</a:t>
+            </a:r>
+          </a:p>
+          <a:p>
+            <a:endParaRPr lang="en-AU" sz="2400" dirty="0" smtClean="0">
+              <a:solidFill>
+                <a:schemeClr val="tx1"/>
+              </a:solidFill>
+            </a:endParaRPr>
+          </a:p>
+          <a:p>
+            <a:pPr marL="342900" indent="-342900">
+              <a:buFont typeface="Arial" charset="0"/>
+              <a:buChar char="•"/>
+            </a:pPr>
+            <a:endParaRPr lang="en-AU" sz="2400" dirty="0" smtClean="0">
+              <a:solidFill>
+                <a:schemeClr val="tx1"/>
+              </a:solidFill>
+            </a:endParaRPr>
           </a:p>
         </p:txBody>
       </p:sp>
@@ -8463,7 +8372,7 @@
                   <a:schemeClr val="tx1"/>
                 </a:solidFill>
               </a:rPr>
-              <a:t>The user can add certain information (meta data) to uploaded files when clicking the “category button”</a:t>
+              <a:t>There will be a search box at the top</a:t>
             </a:r>
           </a:p>
           <a:p>
@@ -8477,7 +8386,21 @@
                   <a:schemeClr val="tx1"/>
                 </a:solidFill>
               </a:rPr>
-              <a:t>Performing a search with similar meta data should reveal the relevant files</a:t>
+              <a:t>The user will enter search terms and click ”Search”</a:t>
+            </a:r>
+          </a:p>
+          <a:p>
+            <a:pPr marL="179388" indent="-179388">
+              <a:buFont typeface="Arial" pitchFamily="34" charset="0"/>
+              <a:buChar char="•"/>
+            </a:pPr>
+            <a:r>
+              <a:rPr lang="en-AU" sz="2000" dirty="0" smtClean="0">
+                <a:solidFill>
+                  <a:schemeClr val="tx1"/>
+                </a:solidFill>
+              </a:rPr>
+              <a:t>The current view of the files will filter according to the user’s search terms</a:t>
             </a:r>
           </a:p>
         </p:txBody>
@@ -8536,7 +8459,7 @@
                   <a:schemeClr val="tx1"/>
                 </a:solidFill>
               </a:rPr>
-              <a:t>2</a:t>
+              <a:t>1</a:t>
             </a:r>
             <a:endParaRPr lang="en-AU" sz="2000" dirty="0">
               <a:solidFill>
@@ -8665,31 +8588,12 @@
               <a:t>Notes</a:t>
             </a:r>
           </a:p>
-          <a:p>
-            <a:pPr marL="179388" indent="-179388">
-              <a:buFont typeface="Arial" pitchFamily="34" charset="0"/>
-              <a:buChar char="•"/>
-            </a:pPr>
-            <a:r>
-              <a:rPr lang="en-AU" sz="2000" dirty="0" smtClean="0">
-                <a:solidFill>
-                  <a:schemeClr val="tx1"/>
-                </a:solidFill>
-              </a:rPr>
-              <a:t> </a:t>
-            </a:r>
-            <a:endParaRPr lang="en-AU" sz="2000" dirty="0">
-              <a:solidFill>
-                <a:schemeClr val="tx1"/>
-              </a:solidFill>
-            </a:endParaRPr>
-          </a:p>
         </p:txBody>
       </p:sp>
     </p:spTree>
     <p:extLst>
       <p:ext uri="{BB962C8B-B14F-4D97-AF65-F5344CB8AC3E}">
-        <p14:creationId xmlns:p14="http://schemas.microsoft.com/office/powerpoint/2010/main" val="953932189"/>
+        <p14:creationId xmlns:p14="http://schemas.microsoft.com/office/powerpoint/2010/main" val="576746551"/>
       </p:ext>
     </p:extLst>
   </p:cSld>
@@ -8718,6 +8622,29 @@
       </p:grpSpPr>
       <p:sp>
         <p:nvSpPr>
+          <p:cNvPr id="2" name="Title 1"/>
+          <p:cNvSpPr>
+            <a:spLocks noGrp="1"/>
+          </p:cNvSpPr>
+          <p:nvPr>
+            <p:ph type="title"/>
+          </p:nvPr>
+        </p:nvSpPr>
+        <p:spPr/>
+        <p:txBody>
+          <a:bodyPr/>
+          <a:lstStyle/>
+          <a:p>
+            <a:r>
+              <a:rPr lang="en-US" dirty="0" smtClean="0"/>
+              <a:t>What is it?</a:t>
+            </a:r>
+            <a:endParaRPr lang="en-US" dirty="0"/>
+          </a:p>
+        </p:txBody>
+      </p:sp>
+      <p:sp>
+        <p:nvSpPr>
           <p:cNvPr id="3" name="Content Placeholder 2"/>
           <p:cNvSpPr>
             <a:spLocks noGrp="1"/>
@@ -8731,466 +8658,54 @@
           <a:bodyPr/>
           <a:lstStyle/>
           <a:p>
-            <a:endParaRPr lang="en-US"/>
-          </a:p>
-        </p:txBody>
-      </p:sp>
-      <p:sp>
-        <p:nvSpPr>
-          <p:cNvPr id="4" name="Rectangle 3"/>
-          <p:cNvSpPr/>
-          <p:nvPr/>
-        </p:nvSpPr>
-        <p:spPr>
-          <a:xfrm>
-            <a:off x="39153" y="109410"/>
-            <a:ext cx="720000" cy="540000"/>
-          </a:xfrm>
-          <a:prstGeom prst="rect">
-            <a:avLst/>
-          </a:prstGeom>
-          <a:solidFill>
-            <a:schemeClr val="accent1">
-              <a:lumMod val="40000"/>
-              <a:lumOff val="60000"/>
-            </a:schemeClr>
-          </a:solidFill>
-          <a:ln>
-            <a:solidFill>
-              <a:schemeClr val="accent1">
-                <a:lumMod val="50000"/>
-              </a:schemeClr>
-            </a:solidFill>
-          </a:ln>
-        </p:spPr>
-        <p:style>
-          <a:lnRef idx="2">
-            <a:schemeClr val="accent1">
-              <a:shade val="50000"/>
-            </a:schemeClr>
-          </a:lnRef>
-          <a:fillRef idx="1">
-            <a:schemeClr val="accent1"/>
-          </a:fillRef>
-          <a:effectRef idx="0">
-            <a:schemeClr val="accent1"/>
-          </a:effectRef>
-          <a:fontRef idx="minor">
-            <a:schemeClr val="lt1"/>
-          </a:fontRef>
-        </p:style>
-        <p:txBody>
-          <a:bodyPr wrap="square" lIns="0" rIns="0" rtlCol="0" anchor="ctr"/>
-          <a:lstStyle/>
-          <a:p>
-            <a:pPr algn="ctr"/>
-            <a:r>
-              <a:rPr lang="en-AU" sz="2000" dirty="0" smtClean="0">
-                <a:solidFill>
-                  <a:schemeClr val="tx1"/>
-                </a:solidFill>
-              </a:rPr>
-              <a:t>Story 0</a:t>
-            </a:r>
-            <a:endParaRPr lang="en-AU" sz="2000" dirty="0">
-              <a:solidFill>
-                <a:schemeClr val="tx1"/>
-              </a:solidFill>
-            </a:endParaRPr>
-          </a:p>
-        </p:txBody>
-      </p:sp>
-      <p:sp>
-        <p:nvSpPr>
-          <p:cNvPr id="5" name="Rectangle 4"/>
-          <p:cNvSpPr/>
-          <p:nvPr/>
-        </p:nvSpPr>
-        <p:spPr>
-          <a:xfrm>
-            <a:off x="831153" y="109410"/>
-            <a:ext cx="7380000" cy="540000"/>
-          </a:xfrm>
-          <a:prstGeom prst="rect">
-            <a:avLst/>
-          </a:prstGeom>
-          <a:ln>
-            <a:solidFill>
-              <a:schemeClr val="accent1">
-                <a:lumMod val="50000"/>
-              </a:schemeClr>
-            </a:solidFill>
-          </a:ln>
-        </p:spPr>
-        <p:style>
-          <a:lnRef idx="2">
-            <a:schemeClr val="accent1">
-              <a:shade val="50000"/>
-            </a:schemeClr>
-          </a:lnRef>
-          <a:fillRef idx="1">
-            <a:schemeClr val="accent1"/>
-          </a:fillRef>
-          <a:effectRef idx="0">
-            <a:schemeClr val="accent1"/>
-          </a:effectRef>
-          <a:fontRef idx="minor">
-            <a:schemeClr val="lt1"/>
-          </a:fontRef>
-        </p:style>
-        <p:txBody>
-          <a:bodyPr rtlCol="0" anchor="ctr"/>
-          <a:lstStyle/>
-          <a:p>
-            <a:pPr algn="ctr"/>
-            <a:r>
-              <a:rPr lang="en-AU" sz="2800" dirty="0" smtClean="0"/>
-              <a:t>Epic</a:t>
-            </a:r>
-            <a:endParaRPr lang="en-AU" sz="2800" dirty="0"/>
-          </a:p>
-        </p:txBody>
-      </p:sp>
-      <p:sp>
-        <p:nvSpPr>
-          <p:cNvPr id="6" name="Rectangle 5"/>
-          <p:cNvSpPr/>
-          <p:nvPr/>
-        </p:nvSpPr>
-        <p:spPr>
-          <a:xfrm>
-            <a:off x="48389" y="822470"/>
-            <a:ext cx="9828000" cy="2340000"/>
-          </a:xfrm>
-          <a:prstGeom prst="rect">
-            <a:avLst/>
-          </a:prstGeom>
-          <a:solidFill>
-            <a:schemeClr val="tx2">
-              <a:lumMod val="20000"/>
-              <a:lumOff val="80000"/>
-            </a:schemeClr>
-          </a:solidFill>
-          <a:ln>
-            <a:solidFill>
-              <a:schemeClr val="accent1">
-                <a:lumMod val="50000"/>
-              </a:schemeClr>
-            </a:solidFill>
-          </a:ln>
-        </p:spPr>
-        <p:style>
-          <a:lnRef idx="2">
-            <a:schemeClr val="accent1">
-              <a:shade val="50000"/>
-            </a:schemeClr>
-          </a:lnRef>
-          <a:fillRef idx="1">
-            <a:schemeClr val="accent1"/>
-          </a:fillRef>
-          <a:effectRef idx="0">
-            <a:schemeClr val="accent1"/>
-          </a:effectRef>
-          <a:fontRef idx="minor">
-            <a:schemeClr val="lt1"/>
-          </a:fontRef>
-        </p:style>
-        <p:txBody>
-          <a:bodyPr rtlCol="0" anchor="t" anchorCtr="0"/>
-          <a:lstStyle/>
-          <a:p>
-            <a:r>
-              <a:rPr lang="en-AU" sz="2400" dirty="0" smtClean="0">
-                <a:solidFill>
-                  <a:schemeClr val="tx1"/>
-                </a:solidFill>
-              </a:rPr>
-              <a:t>As a Media Vault user, I want to use a website so that I can store my files on the cloud</a:t>
-            </a:r>
-          </a:p>
-        </p:txBody>
-      </p:sp>
-      <p:sp>
-        <p:nvSpPr>
-          <p:cNvPr id="7" name="Rectangle 6"/>
-          <p:cNvSpPr/>
-          <p:nvPr/>
-        </p:nvSpPr>
-        <p:spPr>
-          <a:xfrm>
-            <a:off x="39153" y="3335530"/>
-            <a:ext cx="9828000" cy="1620000"/>
-          </a:xfrm>
-          <a:prstGeom prst="rect">
-            <a:avLst/>
-          </a:prstGeom>
-          <a:solidFill>
-            <a:schemeClr val="accent1">
-              <a:lumMod val="20000"/>
-              <a:lumOff val="80000"/>
-            </a:schemeClr>
-          </a:solidFill>
-          <a:ln>
-            <a:solidFill>
-              <a:schemeClr val="accent1">
-                <a:lumMod val="50000"/>
-              </a:schemeClr>
-            </a:solidFill>
-          </a:ln>
-        </p:spPr>
-        <p:style>
-          <a:lnRef idx="2">
-            <a:schemeClr val="accent1">
-              <a:shade val="50000"/>
-            </a:schemeClr>
-          </a:lnRef>
-          <a:fillRef idx="1">
-            <a:schemeClr val="accent1"/>
-          </a:fillRef>
-          <a:effectRef idx="0">
-            <a:schemeClr val="accent1"/>
-          </a:effectRef>
-          <a:fontRef idx="minor">
-            <a:schemeClr val="lt1"/>
-          </a:fontRef>
-        </p:style>
-        <p:txBody>
-          <a:bodyPr tIns="36000" rtlCol="0" anchor="t" anchorCtr="0"/>
-          <a:lstStyle/>
-          <a:p>
-            <a:r>
-              <a:rPr lang="en-AU" sz="2000" dirty="0" smtClean="0">
-                <a:solidFill>
-                  <a:schemeClr val="tx1"/>
-                </a:solidFill>
-              </a:rPr>
-              <a:t>Acceptance Criteria</a:t>
-            </a:r>
-          </a:p>
-          <a:p>
-            <a:pPr marL="179388" indent="-179388">
-              <a:buFont typeface="Arial" pitchFamily="34" charset="0"/>
-              <a:buChar char="•"/>
+            <a:pPr marL="0" marR="0" lvl="0" indent="0" defTabSz="914400" eaLnBrk="1" fontAlgn="auto" latinLnBrk="0" hangingPunct="1">
+              <a:lnSpc>
+                <a:spcPct val="100000"/>
+              </a:lnSpc>
+              <a:spcBef>
+                <a:spcPts val="0"/>
+              </a:spcBef>
+              <a:spcAft>
+                <a:spcPts val="0"/>
+              </a:spcAft>
+              <a:buClrTx/>
+              <a:buSzTx/>
+              <a:buFontTx/>
+              <a:buNone/>
+              <a:tabLst/>
+              <a:defRPr/>
             </a:pPr>
             <a:r>
-              <a:rPr lang="en-AU" sz="2000" dirty="0" smtClean="0">
-                <a:solidFill>
-                  <a:schemeClr val="tx1"/>
-                </a:solidFill>
-              </a:rPr>
-              <a:t> </a:t>
-            </a:r>
-          </a:p>
-        </p:txBody>
-      </p:sp>
-      <p:sp>
-        <p:nvSpPr>
-          <p:cNvPr id="8" name="Rectangle 7"/>
-          <p:cNvSpPr/>
-          <p:nvPr/>
-        </p:nvSpPr>
-        <p:spPr>
-          <a:xfrm>
-            <a:off x="9147153" y="109410"/>
-            <a:ext cx="720000" cy="540000"/>
-          </a:xfrm>
-          <a:prstGeom prst="rect">
-            <a:avLst/>
-          </a:prstGeom>
-          <a:solidFill>
-            <a:srgbClr val="CCF0CD">
-              <a:alpha val="20000"/>
-            </a:srgbClr>
-          </a:solidFill>
-          <a:ln>
-            <a:solidFill>
-              <a:schemeClr val="accent1">
-                <a:lumMod val="50000"/>
-              </a:schemeClr>
-            </a:solidFill>
-          </a:ln>
-        </p:spPr>
-        <p:style>
-          <a:lnRef idx="2">
-            <a:schemeClr val="accent1">
-              <a:shade val="50000"/>
-            </a:schemeClr>
-          </a:lnRef>
-          <a:fillRef idx="1">
-            <a:schemeClr val="accent1"/>
-          </a:fillRef>
-          <a:effectRef idx="0">
-            <a:schemeClr val="accent1"/>
-          </a:effectRef>
-          <a:fontRef idx="minor">
-            <a:schemeClr val="lt1"/>
-          </a:fontRef>
-        </p:style>
-        <p:txBody>
-          <a:bodyPr wrap="square" lIns="0" rIns="0" rtlCol="0" anchor="ctr"/>
-          <a:lstStyle/>
-          <a:p>
-            <a:pPr algn="ctr"/>
-            <a:r>
-              <a:rPr lang="en-AU" sz="2000" dirty="0" smtClean="0">
-                <a:solidFill>
-                  <a:schemeClr val="tx1"/>
-                </a:solidFill>
-              </a:rPr>
-              <a:t>Story Points</a:t>
-            </a:r>
-            <a:endParaRPr lang="en-AU" sz="2000" dirty="0">
-              <a:solidFill>
-                <a:schemeClr val="tx1"/>
-              </a:solidFill>
-            </a:endParaRPr>
-          </a:p>
-        </p:txBody>
-      </p:sp>
-      <p:sp>
-        <p:nvSpPr>
-          <p:cNvPr id="9" name="Rectangle 8"/>
-          <p:cNvSpPr/>
-          <p:nvPr/>
-        </p:nvSpPr>
-        <p:spPr>
-          <a:xfrm>
-            <a:off x="8283153" y="109410"/>
-            <a:ext cx="792000" cy="540000"/>
-          </a:xfrm>
-          <a:prstGeom prst="rect">
-            <a:avLst/>
-          </a:prstGeom>
-          <a:solidFill>
-            <a:schemeClr val="accent4">
-              <a:lumMod val="20000"/>
-              <a:lumOff val="80000"/>
-            </a:schemeClr>
-          </a:solidFill>
-          <a:ln>
-            <a:solidFill>
-              <a:schemeClr val="accent1">
-                <a:lumMod val="50000"/>
-              </a:schemeClr>
-            </a:solidFill>
-          </a:ln>
-        </p:spPr>
-        <p:style>
-          <a:lnRef idx="2">
-            <a:schemeClr val="accent1">
-              <a:shade val="50000"/>
-            </a:schemeClr>
-          </a:lnRef>
-          <a:fillRef idx="1">
-            <a:schemeClr val="accent1"/>
-          </a:fillRef>
-          <a:effectRef idx="0">
-            <a:schemeClr val="accent1"/>
-          </a:effectRef>
-          <a:fontRef idx="minor">
-            <a:schemeClr val="lt1"/>
-          </a:fontRef>
-        </p:style>
-        <p:txBody>
-          <a:bodyPr wrap="none" lIns="0" rIns="0" rtlCol="0" anchor="ctr"/>
-          <a:lstStyle/>
-          <a:p>
-            <a:pPr algn="ctr"/>
-            <a:r>
-              <a:rPr lang="en-AU" sz="2000" dirty="0" smtClean="0">
-                <a:solidFill>
-                  <a:schemeClr val="tx1"/>
-                </a:solidFill>
-              </a:rPr>
-              <a:t>Must</a:t>
-            </a:r>
-            <a:endParaRPr lang="en-AU" sz="2000" dirty="0">
-              <a:solidFill>
-                <a:schemeClr val="tx1"/>
-              </a:solidFill>
-            </a:endParaRPr>
-          </a:p>
-        </p:txBody>
-      </p:sp>
-      <p:sp>
-        <p:nvSpPr>
-          <p:cNvPr id="10" name="Rectangle 9"/>
-          <p:cNvSpPr/>
-          <p:nvPr/>
-        </p:nvSpPr>
-        <p:spPr>
-          <a:xfrm>
-            <a:off x="39153" y="5128590"/>
-            <a:ext cx="9828000" cy="1620000"/>
-          </a:xfrm>
-          <a:prstGeom prst="rect">
-            <a:avLst/>
-          </a:prstGeom>
-          <a:solidFill>
-            <a:schemeClr val="bg1"/>
-          </a:solidFill>
-          <a:ln>
-            <a:solidFill>
-              <a:schemeClr val="accent1">
-                <a:lumMod val="50000"/>
-              </a:schemeClr>
-            </a:solidFill>
-          </a:ln>
-        </p:spPr>
-        <p:style>
-          <a:lnRef idx="2">
-            <a:schemeClr val="accent1">
-              <a:shade val="50000"/>
-            </a:schemeClr>
-          </a:lnRef>
-          <a:fillRef idx="1">
-            <a:schemeClr val="accent1"/>
-          </a:fillRef>
-          <a:effectRef idx="0">
-            <a:schemeClr val="accent1"/>
-          </a:effectRef>
-          <a:fontRef idx="minor">
-            <a:schemeClr val="lt1"/>
-          </a:fontRef>
-        </p:style>
-        <p:txBody>
-          <a:bodyPr tIns="36000" rtlCol="0" anchor="t" anchorCtr="0"/>
-          <a:lstStyle/>
-          <a:p>
-            <a:r>
-              <a:rPr lang="en-AU" sz="2000" dirty="0" smtClean="0">
-                <a:solidFill>
-                  <a:schemeClr val="tx1"/>
-                </a:solidFill>
-              </a:rPr>
-              <a:t>Notes</a:t>
-            </a:r>
-          </a:p>
-          <a:p>
-            <a:pPr marL="179388" indent="-179388">
-              <a:buFont typeface="Arial" pitchFamily="34" charset="0"/>
-              <a:buChar char="•"/>
+              <a:rPr lang="en-US" dirty="0" smtClean="0"/>
+              <a:t>Media Vault is an online file storage website where you can use and download any files you have uploaded, from any device.</a:t>
+            </a:r>
+          </a:p>
+          <a:p>
+            <a:pPr marL="0" marR="0" lvl="0" indent="0" defTabSz="914400" eaLnBrk="1" fontAlgn="auto" latinLnBrk="0" hangingPunct="1">
+              <a:lnSpc>
+                <a:spcPct val="100000"/>
+              </a:lnSpc>
+              <a:spcBef>
+                <a:spcPts val="0"/>
+              </a:spcBef>
+              <a:spcAft>
+                <a:spcPts val="0"/>
+              </a:spcAft>
+              <a:buClrTx/>
+              <a:buSzTx/>
+              <a:buFontTx/>
+              <a:buNone/>
+              <a:tabLst/>
+              <a:defRPr/>
             </a:pPr>
-            <a:r>
-              <a:rPr lang="en-AU" sz="2000" dirty="0" smtClean="0">
-                <a:solidFill>
-                  <a:schemeClr val="tx1"/>
-                </a:solidFill>
-              </a:rPr>
-              <a:t> </a:t>
-            </a:r>
-            <a:endParaRPr lang="en-AU" sz="2000" dirty="0">
-              <a:solidFill>
-                <a:schemeClr val="tx1"/>
-              </a:solidFill>
-            </a:endParaRPr>
+            <a:endParaRPr lang="en-US" dirty="0"/>
           </a:p>
         </p:txBody>
       </p:sp>
     </p:spTree>
     <p:extLst>
       <p:ext uri="{BB962C8B-B14F-4D97-AF65-F5344CB8AC3E}">
-        <p14:creationId xmlns:p14="http://schemas.microsoft.com/office/powerpoint/2010/main" val="968328914"/>
+        <p14:creationId xmlns:p14="http://schemas.microsoft.com/office/powerpoint/2010/main" val="2063227116"/>
       </p:ext>
     </p:extLst>
   </p:cSld>
@@ -9272,7 +8787,7 @@
                   <a:schemeClr val="tx1"/>
                 </a:solidFill>
               </a:rPr>
-              <a:t>Story 16</a:t>
+              <a:t>Story 14</a:t>
             </a:r>
             <a:endParaRPr lang="en-AU" sz="2000" dirty="0">
               <a:solidFill>
@@ -9326,10 +8841,10 @@
           <a:p>
             <a:pPr algn="ctr"/>
             <a:r>
-              <a:rPr lang="en-AU" sz="2000" dirty="0" smtClean="0"/>
-              <a:t>Manually Add Meta Data when Uploading File</a:t>
-            </a:r>
-            <a:endParaRPr lang="en-AU" sz="2000" dirty="0"/>
+              <a:rPr lang="en-AU" sz="2800" dirty="0" smtClean="0"/>
+              <a:t>Add/Edit Meta Data to Uploaded File</a:t>
+            </a:r>
+            <a:endParaRPr lang="en-AU" sz="2800" dirty="0"/>
           </a:p>
         </p:txBody>
       </p:sp>
@@ -9387,7 +8902,7 @@
                   <a:schemeClr val="tx1"/>
                 </a:solidFill>
               </a:rPr>
-              <a:t>As a Media Vault user, I want to add manual information (meta data) to a file that I am uploading, so that performing a search with similar meta data will reveal these files.</a:t>
+              <a:t>As a Media Vault user, I want to add/edit user friendly meta data to a file I have uploaded so that this file will appear when I search my files with similar meta data.</a:t>
             </a:r>
           </a:p>
         </p:txBody>
@@ -9400,7 +8915,7 @@
         </p:nvSpPr>
         <p:spPr>
           <a:xfrm>
-            <a:off x="39153" y="3348593"/>
+            <a:off x="39153" y="3335530"/>
             <a:ext cx="9828000" cy="1620000"/>
           </a:xfrm>
           <a:prstGeom prst="rect">
@@ -9460,7 +8975,7 @@
                   <a:schemeClr val="tx1"/>
                 </a:solidFill>
               </a:rPr>
-              <a:t>The user will be asked if they want to add meta data manually once they upload the file</a:t>
+              <a:t>The user can add certain information (meta data) to uploaded files when clicking the “category button”</a:t>
             </a:r>
           </a:p>
           <a:p>
@@ -9533,7 +9048,7 @@
                   <a:schemeClr val="tx1"/>
                 </a:solidFill>
               </a:rPr>
-              <a:t>1</a:t>
+              <a:t>2</a:t>
             </a:r>
             <a:endParaRPr lang="en-AU" sz="2000" dirty="0">
               <a:solidFill>
@@ -9686,7 +9201,7 @@
     </p:spTree>
     <p:extLst>
       <p:ext uri="{BB962C8B-B14F-4D97-AF65-F5344CB8AC3E}">
-        <p14:creationId xmlns:p14="http://schemas.microsoft.com/office/powerpoint/2010/main" val="1524660529"/>
+        <p14:creationId xmlns:p14="http://schemas.microsoft.com/office/powerpoint/2010/main" val="953932189"/>
       </p:ext>
     </p:extLst>
   </p:cSld>
@@ -9768,7 +9283,7 @@
                   <a:schemeClr val="tx1"/>
                 </a:solidFill>
               </a:rPr>
-              <a:t>Story 16B</a:t>
+              <a:t>Story 16</a:t>
             </a:r>
             <a:endParaRPr lang="en-AU" sz="2000" dirty="0">
               <a:solidFill>
@@ -9823,7 +9338,7 @@
             <a:pPr algn="ctr"/>
             <a:r>
               <a:rPr lang="en-AU" sz="2000" dirty="0" smtClean="0"/>
-              <a:t>Automatically Add Meta Data when Uploading File</a:t>
+              <a:t>Manually Add Meta Data when Uploading File</a:t>
             </a:r>
             <a:endParaRPr lang="en-AU" sz="2000" dirty="0"/>
           </a:p>
@@ -9883,7 +9398,7 @@
                   <a:schemeClr val="tx1"/>
                 </a:solidFill>
               </a:rPr>
-              <a:t>As a Media Vault user, I want to automatically add information (meta data) to a file that I am uploading, so that performing a search with similar meta data will reveal these files.</a:t>
+              <a:t>As a Media Vault user, I want to add manual information (meta data) to a file that I am uploading, so that performing a search with similar meta data will reveal these files.</a:t>
             </a:r>
           </a:p>
         </p:txBody>
@@ -9896,7 +9411,7 @@
         </p:nvSpPr>
         <p:spPr>
           <a:xfrm>
-            <a:off x="39153" y="3335530"/>
+            <a:off x="39153" y="3348593"/>
             <a:ext cx="9828000" cy="1620000"/>
           </a:xfrm>
           <a:prstGeom prst="rect">
@@ -9956,7 +9471,7 @@
                   <a:schemeClr val="tx1"/>
                 </a:solidFill>
               </a:rPr>
-              <a:t>The meta data will automatically be grabbed off the file details that are being uploaded</a:t>
+              <a:t>The user will be asked if they want to add meta data manually once they upload the file</a:t>
             </a:r>
           </a:p>
           <a:p>
@@ -10029,7 +9544,7 @@
                   <a:schemeClr val="tx1"/>
                 </a:solidFill>
               </a:rPr>
-              <a:t>2</a:t>
+              <a:t>1</a:t>
             </a:r>
             <a:endParaRPr lang="en-AU" sz="2000" dirty="0">
               <a:solidFill>
@@ -10182,7 +9697,7 @@
     </p:spTree>
     <p:extLst>
       <p:ext uri="{BB962C8B-B14F-4D97-AF65-F5344CB8AC3E}">
-        <p14:creationId xmlns:p14="http://schemas.microsoft.com/office/powerpoint/2010/main" val="1565425150"/>
+        <p14:creationId xmlns:p14="http://schemas.microsoft.com/office/powerpoint/2010/main" val="1524660529"/>
       </p:ext>
     </p:extLst>
   </p:cSld>
@@ -10264,7 +9779,7 @@
                   <a:schemeClr val="tx1"/>
                 </a:solidFill>
               </a:rPr>
-              <a:t>Story 17</a:t>
+              <a:t>Story 16B</a:t>
             </a:r>
             <a:endParaRPr lang="en-AU" sz="2000" dirty="0">
               <a:solidFill>
@@ -10318,18 +9833,10 @@
           <a:p>
             <a:pPr algn="ctr"/>
             <a:r>
-              <a:rPr lang="en-AU" sz="2800" dirty="0" smtClean="0"/>
-              <a:t>Sort my Files </a:t>
-            </a:r>
-            <a:r>
-              <a:rPr lang="mr-IN" sz="2800" dirty="0" smtClean="0"/>
-              <a:t>–</a:t>
-            </a:r>
-            <a:r>
-              <a:rPr lang="en-AU" sz="2800" dirty="0" smtClean="0"/>
-              <a:t> By Meta Data</a:t>
-            </a:r>
-            <a:endParaRPr lang="en-AU" sz="2800" dirty="0"/>
+              <a:rPr lang="en-AU" sz="2000" dirty="0" smtClean="0"/>
+              <a:t>Automatically Add Meta Data when Uploading File</a:t>
+            </a:r>
+            <a:endParaRPr lang="en-AU" sz="2000" dirty="0"/>
           </a:p>
         </p:txBody>
       </p:sp>
@@ -10387,7 +9894,7 @@
                   <a:schemeClr val="tx1"/>
                 </a:solidFill>
               </a:rPr>
-              <a:t>As a Media Vault user, I want to sort my files by meta data, so that I can organise and easily access specific files.</a:t>
+              <a:t>As a Media Vault user, I want to automatically add information (meta data) to a file that I am uploading, so that performing a search with similar meta data will reveal these files.</a:t>
             </a:r>
           </a:p>
         </p:txBody>
@@ -10460,7 +9967,7 @@
                   <a:schemeClr val="tx1"/>
                 </a:solidFill>
               </a:rPr>
-              <a:t>The user will click a sort by meta data button</a:t>
+              <a:t>The meta data will automatically be grabbed off the file details that are being uploaded</a:t>
             </a:r>
           </a:p>
           <a:p>
@@ -10474,7 +9981,7 @@
                   <a:schemeClr val="tx1"/>
                 </a:solidFill>
               </a:rPr>
-              <a:t>The files should be sorted by the meta data</a:t>
+              <a:t>Performing a search with similar meta data should reveal the relevant files</a:t>
             </a:r>
           </a:p>
         </p:txBody>
@@ -10533,7 +10040,7 @@
                   <a:schemeClr val="tx1"/>
                 </a:solidFill>
               </a:rPr>
-              <a:t>1</a:t>
+              <a:t>2</a:t>
             </a:r>
             <a:endParaRPr lang="en-AU" sz="2000" dirty="0">
               <a:solidFill>
@@ -10598,7 +10105,7 @@
                   <a:schemeClr val="tx1"/>
                 </a:solidFill>
               </a:rPr>
-              <a:t>Should</a:t>
+              <a:t>Must</a:t>
             </a:r>
             <a:endParaRPr lang="en-AU" sz="2000" dirty="0">
               <a:solidFill>
@@ -10686,7 +10193,7 @@
     </p:spTree>
     <p:extLst>
       <p:ext uri="{BB962C8B-B14F-4D97-AF65-F5344CB8AC3E}">
-        <p14:creationId xmlns:p14="http://schemas.microsoft.com/office/powerpoint/2010/main" val="2005386061"/>
+        <p14:creationId xmlns:p14="http://schemas.microsoft.com/office/powerpoint/2010/main" val="1565425150"/>
       </p:ext>
     </p:extLst>
   </p:cSld>
@@ -10768,7 +10275,7 @@
                   <a:schemeClr val="tx1"/>
                 </a:solidFill>
               </a:rPr>
-              <a:t>Story 17B</a:t>
+              <a:t>Story 17</a:t>
             </a:r>
             <a:endParaRPr lang="en-AU" sz="2000" dirty="0">
               <a:solidFill>
@@ -10823,7 +10330,15 @@
             <a:pPr algn="ctr"/>
             <a:r>
               <a:rPr lang="en-AU" sz="2800" dirty="0" smtClean="0"/>
-              <a:t>Sort my Files - By Name</a:t>
+              <a:t>Sort my Files </a:t>
+            </a:r>
+            <a:r>
+              <a:rPr lang="mr-IN" sz="2800" dirty="0" smtClean="0"/>
+              <a:t>–</a:t>
+            </a:r>
+            <a:r>
+              <a:rPr lang="en-AU" sz="2800" dirty="0" smtClean="0"/>
+              <a:t> By Meta Data</a:t>
             </a:r>
             <a:endParaRPr lang="en-AU" sz="2800" dirty="0"/>
           </a:p>
@@ -10883,7 +10398,7 @@
                   <a:schemeClr val="tx1"/>
                 </a:solidFill>
               </a:rPr>
-              <a:t>As a Media Vault user, I want to sort my files by file name, so that I can organise and easily access specific files.</a:t>
+              <a:t>As a Media Vault user, I want to sort my files by meta data, so that I can organise and easily access specific files.</a:t>
             </a:r>
           </a:p>
         </p:txBody>
@@ -10951,20 +10466,85 @@
               <a:buChar char="•"/>
             </a:pPr>
             <a:r>
-              <a:rPr lang="en-AU" sz="2000" dirty="0">
-                <a:solidFill>
-                  <a:schemeClr val="tx1"/>
-                </a:solidFill>
-              </a:rPr>
-              <a:t>The user will click a sort by </a:t>
-            </a:r>
-            <a:r>
-              <a:rPr lang="en-AU" sz="2000" dirty="0" smtClean="0">
-                <a:solidFill>
-                  <a:schemeClr val="tx1"/>
-                </a:solidFill>
-              </a:rPr>
-              <a:t>name button</a:t>
+              <a:rPr lang="en-AU" sz="2000" dirty="0" smtClean="0">
+                <a:solidFill>
+                  <a:schemeClr val="tx1"/>
+                </a:solidFill>
+              </a:rPr>
+              <a:t>The user will click a sort by meta data button</a:t>
+            </a:r>
+          </a:p>
+          <a:p>
+            <a:pPr marL="179388" indent="-179388">
+              <a:buFont typeface="Arial" pitchFamily="34" charset="0"/>
+              <a:buChar char="•"/>
+            </a:pPr>
+            <a:r>
+              <a:rPr lang="en-AU" sz="2000" dirty="0" smtClean="0">
+                <a:solidFill>
+                  <a:schemeClr val="tx1"/>
+                </a:solidFill>
+              </a:rPr>
+              <a:t>The files should be sorted by the meta data</a:t>
+            </a:r>
+          </a:p>
+        </p:txBody>
+      </p:sp>
+      <p:sp>
+        <p:nvSpPr>
+          <p:cNvPr id="11" name="Rectangle 10"/>
+          <p:cNvSpPr/>
+          <p:nvPr/>
+        </p:nvSpPr>
+        <p:spPr>
+          <a:xfrm>
+            <a:off x="9147153" y="109410"/>
+            <a:ext cx="720000" cy="540000"/>
+          </a:xfrm>
+          <a:prstGeom prst="rect">
+            <a:avLst/>
+          </a:prstGeom>
+          <a:solidFill>
+            <a:srgbClr val="CCF0CD">
+              <a:alpha val="20000"/>
+            </a:srgbClr>
+          </a:solidFill>
+          <a:ln>
+            <a:solidFill>
+              <a:schemeClr val="accent1">
+                <a:lumMod val="50000"/>
+              </a:schemeClr>
+            </a:solidFill>
+          </a:ln>
+        </p:spPr>
+        <p:style>
+          <a:lnRef idx="2">
+            <a:schemeClr val="accent1">
+              <a:shade val="50000"/>
+            </a:schemeClr>
+          </a:lnRef>
+          <a:fillRef idx="1">
+            <a:schemeClr val="accent1"/>
+          </a:fillRef>
+          <a:effectRef idx="0">
+            <a:schemeClr val="accent1"/>
+          </a:effectRef>
+          <a:fontRef idx="minor">
+            <a:schemeClr val="lt1"/>
+          </a:fontRef>
+        </p:style>
+        <p:txBody>
+          <a:bodyPr wrap="square" lIns="0" rIns="0" rtlCol="0" anchor="ctr"/>
+          <a:lstStyle/>
+          <a:p>
+            <a:pPr algn="ctr"/>
+            <a:r>
+              <a:rPr lang="en-AU" sz="2000" dirty="0" smtClean="0">
+                <a:solidFill>
+                  <a:schemeClr val="tx1"/>
+                </a:solidFill>
+              </a:rPr>
+              <a:t>1</a:t>
             </a:r>
             <a:endParaRPr lang="en-AU" sz="2000" dirty="0">
               <a:solidFill>
@@ -10972,26 +10552,64 @@
               </a:solidFill>
             </a:endParaRPr>
           </a:p>
-          <a:p>
-            <a:pPr marL="179388" indent="-179388">
-              <a:buFont typeface="Arial" pitchFamily="34" charset="0"/>
-              <a:buChar char="•"/>
-            </a:pPr>
-            <a:r>
-              <a:rPr lang="en-AU" sz="2000" dirty="0">
-                <a:solidFill>
-                  <a:schemeClr val="tx1"/>
-                </a:solidFill>
-              </a:rPr>
-              <a:t>The files should be sorted by the </a:t>
-            </a:r>
-            <a:r>
-              <a:rPr lang="en-AU" sz="2000" dirty="0" smtClean="0">
-                <a:solidFill>
-                  <a:schemeClr val="tx1"/>
-                </a:solidFill>
-              </a:rPr>
-              <a:t>name</a:t>
+        </p:txBody>
+      </p:sp>
+      <p:sp>
+        <p:nvSpPr>
+          <p:cNvPr id="12" name="Rectangle 11"/>
+          <p:cNvSpPr/>
+          <p:nvPr/>
+        </p:nvSpPr>
+        <p:spPr>
+          <a:xfrm>
+            <a:off x="8283153" y="109410"/>
+            <a:ext cx="792000" cy="540000"/>
+          </a:xfrm>
+          <a:prstGeom prst="rect">
+            <a:avLst/>
+          </a:prstGeom>
+          <a:solidFill>
+            <a:schemeClr val="accent4">
+              <a:lumMod val="20000"/>
+              <a:lumOff val="80000"/>
+            </a:schemeClr>
+          </a:solidFill>
+          <a:ln>
+            <a:solidFill>
+              <a:schemeClr val="accent1">
+                <a:lumMod val="50000"/>
+              </a:schemeClr>
+            </a:solidFill>
+          </a:ln>
+        </p:spPr>
+        <p:style>
+          <a:lnRef idx="2">
+            <a:schemeClr val="accent1">
+              <a:shade val="50000"/>
+            </a:schemeClr>
+          </a:lnRef>
+          <a:fillRef idx="1">
+            <a:schemeClr val="accent1"/>
+          </a:fillRef>
+          <a:effectRef idx="0">
+            <a:schemeClr val="accent1"/>
+          </a:effectRef>
+          <a:fontRef idx="minor">
+            <a:schemeClr val="lt1"/>
+          </a:fontRef>
+        </p:style>
+        <p:txBody>
+          <a:bodyPr wrap="none" lIns="0" rIns="0" rtlCol="0" anchor="ctr"/>
+          <a:lstStyle/>
+          <a:p>
+            <a:pPr algn="ctr"/>
+            <a:r>
+              <a:rPr lang="en-AU" sz="2000" dirty="0" smtClean="0">
+                <a:solidFill>
+                  <a:schemeClr val="tx1"/>
+                </a:solidFill>
+              </a:rPr>
+              <a:t>Should</a:t>
             </a:r>
             <a:endParaRPr lang="en-AU" sz="2000" dirty="0">
               <a:solidFill>
@@ -10999,74 +10617,74 @@
               </a:solidFill>
             </a:endParaRPr>
           </a:p>
-          <a:p>
-            <a:pPr marL="636588" lvl="1" indent="-179388">
+        </p:txBody>
+      </p:sp>
+      <p:sp>
+        <p:nvSpPr>
+          <p:cNvPr id="13" name="Rectangle 12"/>
+          <p:cNvSpPr/>
+          <p:nvPr/>
+        </p:nvSpPr>
+        <p:spPr>
+          <a:xfrm>
+            <a:off x="39153" y="5128590"/>
+            <a:ext cx="9828000" cy="1620000"/>
+          </a:xfrm>
+          <a:prstGeom prst="rect">
+            <a:avLst/>
+          </a:prstGeom>
+          <a:solidFill>
+            <a:schemeClr val="bg1"/>
+          </a:solidFill>
+          <a:ln>
+            <a:solidFill>
+              <a:schemeClr val="accent1">
+                <a:lumMod val="50000"/>
+              </a:schemeClr>
+            </a:solidFill>
+          </a:ln>
+        </p:spPr>
+        <p:style>
+          <a:lnRef idx="2">
+            <a:schemeClr val="accent1">
+              <a:shade val="50000"/>
+            </a:schemeClr>
+          </a:lnRef>
+          <a:fillRef idx="1">
+            <a:schemeClr val="accent1"/>
+          </a:fillRef>
+          <a:effectRef idx="0">
+            <a:schemeClr val="accent1"/>
+          </a:effectRef>
+          <a:fontRef idx="minor">
+            <a:schemeClr val="lt1"/>
+          </a:fontRef>
+        </p:style>
+        <p:txBody>
+          <a:bodyPr tIns="36000" rtlCol="0" anchor="t" anchorCtr="0"/>
+          <a:lstStyle/>
+          <a:p>
+            <a:r>
+              <a:rPr lang="en-AU" sz="2000" dirty="0" smtClean="0">
+                <a:solidFill>
+                  <a:schemeClr val="tx1"/>
+                </a:solidFill>
+              </a:rPr>
+              <a:t>Notes</a:t>
+            </a:r>
+          </a:p>
+          <a:p>
+            <a:pPr marL="179388" indent="-179388">
               <a:buFont typeface="Arial" pitchFamily="34" charset="0"/>
               <a:buChar char="•"/>
             </a:pPr>
-            <a:endParaRPr lang="en-AU" sz="2000" dirty="0" smtClean="0">
-              <a:solidFill>
-                <a:schemeClr val="tx1"/>
-              </a:solidFill>
-            </a:endParaRPr>
-          </a:p>
-        </p:txBody>
-      </p:sp>
-      <p:sp>
-        <p:nvSpPr>
-          <p:cNvPr id="11" name="Rectangle 10"/>
-          <p:cNvSpPr/>
-          <p:nvPr/>
-        </p:nvSpPr>
-        <p:spPr>
-          <a:xfrm>
-            <a:off x="9147153" y="109410"/>
-            <a:ext cx="720000" cy="540000"/>
-          </a:xfrm>
-          <a:prstGeom prst="rect">
-            <a:avLst/>
-          </a:prstGeom>
-          <a:solidFill>
-            <a:srgbClr val="CCF0CD">
-              <a:alpha val="20000"/>
-            </a:srgbClr>
-          </a:solidFill>
-          <a:ln>
-            <a:solidFill>
-              <a:schemeClr val="accent1">
-                <a:lumMod val="50000"/>
-              </a:schemeClr>
-            </a:solidFill>
-          </a:ln>
-        </p:spPr>
-        <p:style>
-          <a:lnRef idx="2">
-            <a:schemeClr val="accent1">
-              <a:shade val="50000"/>
-            </a:schemeClr>
-          </a:lnRef>
-          <a:fillRef idx="1">
-            <a:schemeClr val="accent1"/>
-          </a:fillRef>
-          <a:effectRef idx="0">
-            <a:schemeClr val="accent1"/>
-          </a:effectRef>
-          <a:fontRef idx="minor">
-            <a:schemeClr val="lt1"/>
-          </a:fontRef>
-        </p:style>
-        <p:txBody>
-          <a:bodyPr wrap="square" lIns="0" rIns="0" rtlCol="0" anchor="ctr"/>
-          <a:lstStyle/>
-          <a:p>
-            <a:pPr algn="ctr"/>
-            <a:r>
-              <a:rPr lang="en-AU" sz="2000" dirty="0" smtClean="0">
-                <a:solidFill>
-                  <a:schemeClr val="tx1"/>
-                </a:solidFill>
-              </a:rPr>
-              <a:t>1</a:t>
+            <a:r>
+              <a:rPr lang="en-AU" sz="2000" dirty="0" smtClean="0">
+                <a:solidFill>
+                  <a:schemeClr val="tx1"/>
+                </a:solidFill>
+              </a:rPr>
+              <a:t> </a:t>
             </a:r>
             <a:endParaRPr lang="en-AU" sz="2000" dirty="0">
               <a:solidFill>
@@ -11076,150 +10694,10 @@
           </a:p>
         </p:txBody>
       </p:sp>
-      <p:sp>
-        <p:nvSpPr>
-          <p:cNvPr id="12" name="Rectangle 11"/>
-          <p:cNvSpPr/>
-          <p:nvPr/>
-        </p:nvSpPr>
-        <p:spPr>
-          <a:xfrm>
-            <a:off x="8283153" y="109410"/>
-            <a:ext cx="792000" cy="540000"/>
-          </a:xfrm>
-          <a:prstGeom prst="rect">
-            <a:avLst/>
-          </a:prstGeom>
-          <a:solidFill>
-            <a:schemeClr val="accent4">
-              <a:lumMod val="20000"/>
-              <a:lumOff val="80000"/>
-            </a:schemeClr>
-          </a:solidFill>
-          <a:ln>
-            <a:solidFill>
-              <a:schemeClr val="accent1">
-                <a:lumMod val="50000"/>
-              </a:schemeClr>
-            </a:solidFill>
-          </a:ln>
-        </p:spPr>
-        <p:style>
-          <a:lnRef idx="2">
-            <a:schemeClr val="accent1">
-              <a:shade val="50000"/>
-            </a:schemeClr>
-          </a:lnRef>
-          <a:fillRef idx="1">
-            <a:schemeClr val="accent1"/>
-          </a:fillRef>
-          <a:effectRef idx="0">
-            <a:schemeClr val="accent1"/>
-          </a:effectRef>
-          <a:fontRef idx="minor">
-            <a:schemeClr val="lt1"/>
-          </a:fontRef>
-        </p:style>
-        <p:txBody>
-          <a:bodyPr wrap="none" lIns="0" rIns="0" rtlCol="0" anchor="ctr"/>
-          <a:lstStyle/>
-          <a:p>
-            <a:pPr algn="ctr"/>
-            <a:r>
-              <a:rPr lang="en-AU" sz="2000" dirty="0" smtClean="0">
-                <a:solidFill>
-                  <a:schemeClr val="tx1"/>
-                </a:solidFill>
-              </a:rPr>
-              <a:t>Should</a:t>
-            </a:r>
-            <a:endParaRPr lang="en-AU" sz="2000" dirty="0">
-              <a:solidFill>
-                <a:schemeClr val="tx1"/>
-              </a:solidFill>
-            </a:endParaRPr>
-          </a:p>
-        </p:txBody>
-      </p:sp>
-      <p:sp>
-        <p:nvSpPr>
-          <p:cNvPr id="13" name="Rectangle 12"/>
-          <p:cNvSpPr/>
-          <p:nvPr/>
-        </p:nvSpPr>
-        <p:spPr>
-          <a:xfrm>
-            <a:off x="39153" y="5128590"/>
-            <a:ext cx="9828000" cy="1620000"/>
-          </a:xfrm>
-          <a:prstGeom prst="rect">
-            <a:avLst/>
-          </a:prstGeom>
-          <a:solidFill>
-            <a:schemeClr val="bg1"/>
-          </a:solidFill>
-          <a:ln>
-            <a:solidFill>
-              <a:schemeClr val="accent1">
-                <a:lumMod val="50000"/>
-              </a:schemeClr>
-            </a:solidFill>
-          </a:ln>
-        </p:spPr>
-        <p:style>
-          <a:lnRef idx="2">
-            <a:schemeClr val="accent1">
-              <a:shade val="50000"/>
-            </a:schemeClr>
-          </a:lnRef>
-          <a:fillRef idx="1">
-            <a:schemeClr val="accent1"/>
-          </a:fillRef>
-          <a:effectRef idx="0">
-            <a:schemeClr val="accent1"/>
-          </a:effectRef>
-          <a:fontRef idx="minor">
-            <a:schemeClr val="lt1"/>
-          </a:fontRef>
-        </p:style>
-        <p:txBody>
-          <a:bodyPr tIns="36000" rtlCol="0" anchor="t" anchorCtr="0"/>
-          <a:lstStyle/>
-          <a:p>
-            <a:r>
-              <a:rPr lang="en-AU" sz="2000" dirty="0" smtClean="0">
-                <a:solidFill>
-                  <a:schemeClr val="tx1"/>
-                </a:solidFill>
-              </a:rPr>
-              <a:t>Notes</a:t>
-            </a:r>
-          </a:p>
-          <a:p>
-            <a:pPr marL="179388" indent="-179388">
-              <a:buFont typeface="Arial" pitchFamily="34" charset="0"/>
-              <a:buChar char="•"/>
-            </a:pPr>
-            <a:r>
-              <a:rPr lang="en-AU" sz="2000" dirty="0" smtClean="0">
-                <a:solidFill>
-                  <a:schemeClr val="tx1"/>
-                </a:solidFill>
-              </a:rPr>
-              <a:t> </a:t>
-            </a:r>
-            <a:endParaRPr lang="en-AU" sz="2000" dirty="0">
-              <a:solidFill>
-                <a:schemeClr val="tx1"/>
-              </a:solidFill>
-            </a:endParaRPr>
-          </a:p>
-        </p:txBody>
-      </p:sp>
     </p:spTree>
     <p:extLst>
       <p:ext uri="{BB962C8B-B14F-4D97-AF65-F5344CB8AC3E}">
-        <p14:creationId xmlns:p14="http://schemas.microsoft.com/office/powerpoint/2010/main" val="846654825"/>
+        <p14:creationId xmlns:p14="http://schemas.microsoft.com/office/powerpoint/2010/main" val="2005386061"/>
       </p:ext>
     </p:extLst>
   </p:cSld>
@@ -11301,7 +10779,7 @@
                   <a:schemeClr val="tx1"/>
                 </a:solidFill>
               </a:rPr>
-              <a:t>Story 17C</a:t>
+              <a:t>Story 17B</a:t>
             </a:r>
             <a:endParaRPr lang="en-AU" sz="2000" dirty="0">
               <a:solidFill>
@@ -11356,15 +10834,7 @@
             <a:pPr algn="ctr"/>
             <a:r>
               <a:rPr lang="en-AU" sz="2800" dirty="0" smtClean="0"/>
-              <a:t>Sort my Files </a:t>
-            </a:r>
-            <a:r>
-              <a:rPr lang="mr-IN" sz="2800" dirty="0" smtClean="0"/>
-              <a:t>–</a:t>
-            </a:r>
-            <a:r>
-              <a:rPr lang="en-AU" sz="2800" dirty="0" smtClean="0"/>
-              <a:t> By Date</a:t>
+              <a:t>Sort my Files - By Name</a:t>
             </a:r>
             <a:endParaRPr lang="en-AU" sz="2800" dirty="0"/>
           </a:p>
@@ -11424,7 +10894,7 @@
                   <a:schemeClr val="tx1"/>
                 </a:solidFill>
               </a:rPr>
-              <a:t>As a Media Vault user, I want to sort my files by date uploaded, so that I can organise and easily access specific files.</a:t>
+              <a:t>As a Media Vault user, I want to sort my files by file name, so that I can organise and easily access specific files.</a:t>
             </a:r>
           </a:p>
         </p:txBody>
@@ -11505,7 +10975,7 @@
                   <a:schemeClr val="tx1"/>
                 </a:solidFill>
               </a:rPr>
-              <a:t>date button</a:t>
+              <a:t>name button</a:t>
             </a:r>
             <a:endParaRPr lang="en-AU" sz="2000" dirty="0">
               <a:solidFill>
@@ -11524,15 +10994,15 @@
                   <a:schemeClr val="tx1"/>
                 </a:solidFill>
               </a:rPr>
-              <a:t>The files should be sorted by </a:t>
-            </a:r>
-            <a:r>
-              <a:rPr lang="en-AU" sz="2000" dirty="0" smtClean="0">
-                <a:solidFill>
-                  <a:schemeClr val="tx1"/>
-                </a:solidFill>
-              </a:rPr>
-              <a:t>the date</a:t>
+              <a:t>The files should be sorted by the </a:t>
+            </a:r>
+            <a:r>
+              <a:rPr lang="en-AU" sz="2000" dirty="0" smtClean="0">
+                <a:solidFill>
+                  <a:schemeClr val="tx1"/>
+                </a:solidFill>
+              </a:rPr>
+              <a:t>name</a:t>
             </a:r>
             <a:endParaRPr lang="en-AU" sz="2000" dirty="0">
               <a:solidFill>
@@ -11540,6 +11010,17 @@
               </a:solidFill>
             </a:endParaRPr>
           </a:p>
+          <a:p>
+            <a:pPr marL="636588" lvl="1" indent="-179388">
+              <a:buFont typeface="Arial" pitchFamily="34" charset="0"/>
+              <a:buChar char="•"/>
+            </a:pPr>
+            <a:endParaRPr lang="en-AU" sz="2000" dirty="0" smtClean="0">
+              <a:solidFill>
+                <a:schemeClr val="tx1"/>
+              </a:solidFill>
+            </a:endParaRPr>
+          </a:p>
         </p:txBody>
       </p:sp>
       <p:sp>
@@ -11749,7 +11230,7 @@
     </p:spTree>
     <p:extLst>
       <p:ext uri="{BB962C8B-B14F-4D97-AF65-F5344CB8AC3E}">
-        <p14:creationId xmlns:p14="http://schemas.microsoft.com/office/powerpoint/2010/main" val="500998753"/>
+        <p14:creationId xmlns:p14="http://schemas.microsoft.com/office/powerpoint/2010/main" val="846654825"/>
       </p:ext>
     </p:extLst>
   </p:cSld>
@@ -11831,7 +11312,7 @@
                   <a:schemeClr val="tx1"/>
                 </a:solidFill>
               </a:rPr>
-              <a:t>Story 18</a:t>
+              <a:t>Story 17C</a:t>
             </a:r>
             <a:endParaRPr lang="en-AU" sz="2000" dirty="0">
               <a:solidFill>
@@ -11886,7 +11367,15 @@
             <a:pPr algn="ctr"/>
             <a:r>
               <a:rPr lang="en-AU" sz="2800" dirty="0" smtClean="0"/>
-              <a:t>View/Edit Account Details</a:t>
+              <a:t>Sort my Files </a:t>
+            </a:r>
+            <a:r>
+              <a:rPr lang="mr-IN" sz="2800" dirty="0" smtClean="0"/>
+              <a:t>–</a:t>
+            </a:r>
+            <a:r>
+              <a:rPr lang="en-AU" sz="2800" dirty="0" smtClean="0"/>
+              <a:t> By Date</a:t>
             </a:r>
             <a:endParaRPr lang="en-AU" sz="2800" dirty="0"/>
           </a:p>
@@ -11946,7 +11435,7 @@
                   <a:schemeClr val="tx1"/>
                 </a:solidFill>
               </a:rPr>
-              <a:t>As a Media Vault user, I want to update my password and email, so that I can have my credentials up to date.</a:t>
+              <a:t>As a Media Vault user, I want to sort my files by date uploaded, so that I can organise and easily access specific files.</a:t>
             </a:r>
           </a:p>
         </p:txBody>
@@ -12014,85 +11503,20 @@
               <a:buChar char="•"/>
             </a:pPr>
             <a:r>
-              <a:rPr lang="en-AU" sz="2000" dirty="0" smtClean="0">
-                <a:solidFill>
-                  <a:schemeClr val="tx1"/>
-                </a:solidFill>
-              </a:rPr>
-              <a:t> The user can click a button that takes them to see the details of their account</a:t>
-            </a:r>
-          </a:p>
-          <a:p>
-            <a:pPr marL="179388" indent="-179388">
-              <a:buFont typeface="Arial" pitchFamily="34" charset="0"/>
-              <a:buChar char="•"/>
-            </a:pPr>
-            <a:r>
-              <a:rPr lang="en-AU" sz="2000" dirty="0" smtClean="0">
-                <a:solidFill>
-                  <a:schemeClr val="tx1"/>
-                </a:solidFill>
-              </a:rPr>
-              <a:t>The user can edit their email and password here</a:t>
-            </a:r>
-          </a:p>
-        </p:txBody>
-      </p:sp>
-      <p:sp>
-        <p:nvSpPr>
-          <p:cNvPr id="11" name="Rectangle 10"/>
-          <p:cNvSpPr/>
-          <p:nvPr/>
-        </p:nvSpPr>
-        <p:spPr>
-          <a:xfrm>
-            <a:off x="9147153" y="109410"/>
-            <a:ext cx="720000" cy="540000"/>
-          </a:xfrm>
-          <a:prstGeom prst="rect">
-            <a:avLst/>
-          </a:prstGeom>
-          <a:solidFill>
-            <a:srgbClr val="CCF0CD">
-              <a:alpha val="20000"/>
-            </a:srgbClr>
-          </a:solidFill>
-          <a:ln>
-            <a:solidFill>
-              <a:schemeClr val="accent1">
-                <a:lumMod val="50000"/>
-              </a:schemeClr>
-            </a:solidFill>
-          </a:ln>
-        </p:spPr>
-        <p:style>
-          <a:lnRef idx="2">
-            <a:schemeClr val="accent1">
-              <a:shade val="50000"/>
-            </a:schemeClr>
-          </a:lnRef>
-          <a:fillRef idx="1">
-            <a:schemeClr val="accent1"/>
-          </a:fillRef>
-          <a:effectRef idx="0">
-            <a:schemeClr val="accent1"/>
-          </a:effectRef>
-          <a:fontRef idx="minor">
-            <a:schemeClr val="lt1"/>
-          </a:fontRef>
-        </p:style>
-        <p:txBody>
-          <a:bodyPr wrap="square" lIns="0" rIns="0" rtlCol="0" anchor="ctr"/>
-          <a:lstStyle/>
-          <a:p>
-            <a:pPr algn="ctr"/>
-            <a:r>
-              <a:rPr lang="en-AU" sz="2000" dirty="0" smtClean="0">
-                <a:solidFill>
-                  <a:schemeClr val="tx1"/>
-                </a:solidFill>
-              </a:rPr>
-              <a:t>1</a:t>
+              <a:rPr lang="en-AU" sz="2000" dirty="0">
+                <a:solidFill>
+                  <a:schemeClr val="tx1"/>
+                </a:solidFill>
+              </a:rPr>
+              <a:t>The user will click a sort by </a:t>
+            </a:r>
+            <a:r>
+              <a:rPr lang="en-AU" sz="2000" dirty="0" smtClean="0">
+                <a:solidFill>
+                  <a:schemeClr val="tx1"/>
+                </a:solidFill>
+              </a:rPr>
+              <a:t>date button</a:t>
             </a:r>
             <a:endParaRPr lang="en-AU" sz="2000" dirty="0">
               <a:solidFill>
@@ -12100,64 +11524,26 @@
               </a:solidFill>
             </a:endParaRPr>
           </a:p>
-        </p:txBody>
-      </p:sp>
-      <p:sp>
-        <p:nvSpPr>
-          <p:cNvPr id="12" name="Rectangle 11"/>
-          <p:cNvSpPr/>
-          <p:nvPr/>
-        </p:nvSpPr>
-        <p:spPr>
-          <a:xfrm>
-            <a:off x="8283153" y="109410"/>
-            <a:ext cx="792000" cy="540000"/>
-          </a:xfrm>
-          <a:prstGeom prst="rect">
-            <a:avLst/>
-          </a:prstGeom>
-          <a:solidFill>
-            <a:schemeClr val="accent4">
-              <a:lumMod val="20000"/>
-              <a:lumOff val="80000"/>
-            </a:schemeClr>
-          </a:solidFill>
-          <a:ln>
-            <a:solidFill>
-              <a:schemeClr val="accent1">
-                <a:lumMod val="50000"/>
-              </a:schemeClr>
-            </a:solidFill>
-          </a:ln>
-        </p:spPr>
-        <p:style>
-          <a:lnRef idx="2">
-            <a:schemeClr val="accent1">
-              <a:shade val="50000"/>
-            </a:schemeClr>
-          </a:lnRef>
-          <a:fillRef idx="1">
-            <a:schemeClr val="accent1"/>
-          </a:fillRef>
-          <a:effectRef idx="0">
-            <a:schemeClr val="accent1"/>
-          </a:effectRef>
-          <a:fontRef idx="minor">
-            <a:schemeClr val="lt1"/>
-          </a:fontRef>
-        </p:style>
-        <p:txBody>
-          <a:bodyPr wrap="none" lIns="0" rIns="0" rtlCol="0" anchor="ctr"/>
-          <a:lstStyle/>
-          <a:p>
-            <a:pPr algn="ctr"/>
-            <a:r>
-              <a:rPr lang="en-AU" sz="2000" dirty="0" smtClean="0">
-                <a:solidFill>
-                  <a:schemeClr val="tx1"/>
-                </a:solidFill>
-              </a:rPr>
-              <a:t>Could</a:t>
+          <a:p>
+            <a:pPr marL="179388" indent="-179388">
+              <a:buFont typeface="Arial" pitchFamily="34" charset="0"/>
+              <a:buChar char="•"/>
+            </a:pPr>
+            <a:r>
+              <a:rPr lang="en-AU" sz="2000" dirty="0">
+                <a:solidFill>
+                  <a:schemeClr val="tx1"/>
+                </a:solidFill>
+              </a:rPr>
+              <a:t>The files should be sorted by </a:t>
+            </a:r>
+            <a:r>
+              <a:rPr lang="en-AU" sz="2000" dirty="0" smtClean="0">
+                <a:solidFill>
+                  <a:schemeClr val="tx1"/>
+                </a:solidFill>
+              </a:rPr>
+              <a:t>the date</a:t>
             </a:r>
             <a:endParaRPr lang="en-AU" sz="2000" dirty="0">
               <a:solidFill>
@@ -12169,70 +11555,59 @@
       </p:sp>
       <p:sp>
         <p:nvSpPr>
-          <p:cNvPr id="13" name="Rectangle 12"/>
-          <p:cNvSpPr/>
-          <p:nvPr/>
-        </p:nvSpPr>
-        <p:spPr>
-          <a:xfrm>
-            <a:off x="39153" y="5128590"/>
-            <a:ext cx="9828000" cy="1620000"/>
-          </a:xfrm>
-          <a:prstGeom prst="rect">
-            <a:avLst/>
-          </a:prstGeom>
-          <a:solidFill>
-            <a:schemeClr val="bg1"/>
-          </a:solidFill>
-          <a:ln>
-            <a:solidFill>
-              <a:schemeClr val="accent1">
-                <a:lumMod val="50000"/>
-              </a:schemeClr>
-            </a:solidFill>
-          </a:ln>
-        </p:spPr>
-        <p:style>
-          <a:lnRef idx="2">
-            <a:schemeClr val="accent1">
-              <a:shade val="50000"/>
-            </a:schemeClr>
-          </a:lnRef>
-          <a:fillRef idx="1">
-            <a:schemeClr val="accent1"/>
-          </a:fillRef>
-          <a:effectRef idx="0">
-            <a:schemeClr val="accent1"/>
-          </a:effectRef>
-          <a:fontRef idx="minor">
-            <a:schemeClr val="lt1"/>
-          </a:fontRef>
-        </p:style>
-        <p:txBody>
-          <a:bodyPr tIns="36000" rtlCol="0" anchor="t" anchorCtr="0"/>
-          <a:lstStyle/>
-          <a:p>
-            <a:r>
-              <a:rPr lang="en-AU" sz="2000" dirty="0" smtClean="0">
-                <a:solidFill>
-                  <a:schemeClr val="tx1"/>
-                </a:solidFill>
-              </a:rPr>
-              <a:t>Notes</a:t>
-            </a:r>
-          </a:p>
-          <a:p>
-            <a:pPr marL="179388" indent="-179388">
-              <a:buFont typeface="Arial" pitchFamily="34" charset="0"/>
-              <a:buChar char="•"/>
-            </a:pPr>
-            <a:r>
-              <a:rPr lang="en-AU" sz="2000" dirty="0" smtClean="0">
-                <a:solidFill>
-                  <a:schemeClr val="tx1"/>
-                </a:solidFill>
-              </a:rPr>
-              <a:t> </a:t>
+          <p:cNvPr id="11" name="Rectangle 10"/>
+          <p:cNvSpPr/>
+          <p:nvPr/>
+        </p:nvSpPr>
+        <p:spPr>
+          <a:xfrm>
+            <a:off x="9147153" y="109410"/>
+            <a:ext cx="720000" cy="540000"/>
+          </a:xfrm>
+          <a:prstGeom prst="rect">
+            <a:avLst/>
+          </a:prstGeom>
+          <a:solidFill>
+            <a:srgbClr val="CCF0CD">
+              <a:alpha val="20000"/>
+            </a:srgbClr>
+          </a:solidFill>
+          <a:ln>
+            <a:solidFill>
+              <a:schemeClr val="accent1">
+                <a:lumMod val="50000"/>
+              </a:schemeClr>
+            </a:solidFill>
+          </a:ln>
+        </p:spPr>
+        <p:style>
+          <a:lnRef idx="2">
+            <a:schemeClr val="accent1">
+              <a:shade val="50000"/>
+            </a:schemeClr>
+          </a:lnRef>
+          <a:fillRef idx="1">
+            <a:schemeClr val="accent1"/>
+          </a:fillRef>
+          <a:effectRef idx="0">
+            <a:schemeClr val="accent1"/>
+          </a:effectRef>
+          <a:fontRef idx="minor">
+            <a:schemeClr val="lt1"/>
+          </a:fontRef>
+        </p:style>
+        <p:txBody>
+          <a:bodyPr wrap="square" lIns="0" rIns="0" rtlCol="0" anchor="ctr"/>
+          <a:lstStyle/>
+          <a:p>
+            <a:pPr algn="ctr"/>
+            <a:r>
+              <a:rPr lang="en-AU" sz="2000" dirty="0" smtClean="0">
+                <a:solidFill>
+                  <a:schemeClr val="tx1"/>
+                </a:solidFill>
+              </a:rPr>
+              <a:t>1</a:t>
             </a:r>
             <a:endParaRPr lang="en-AU" sz="2000" dirty="0">
               <a:solidFill>
@@ -12242,10 +11617,150 @@
           </a:p>
         </p:txBody>
       </p:sp>
+      <p:sp>
+        <p:nvSpPr>
+          <p:cNvPr id="12" name="Rectangle 11"/>
+          <p:cNvSpPr/>
+          <p:nvPr/>
+        </p:nvSpPr>
+        <p:spPr>
+          <a:xfrm>
+            <a:off x="8283153" y="109410"/>
+            <a:ext cx="792000" cy="540000"/>
+          </a:xfrm>
+          <a:prstGeom prst="rect">
+            <a:avLst/>
+          </a:prstGeom>
+          <a:solidFill>
+            <a:schemeClr val="accent4">
+              <a:lumMod val="20000"/>
+              <a:lumOff val="80000"/>
+            </a:schemeClr>
+          </a:solidFill>
+          <a:ln>
+            <a:solidFill>
+              <a:schemeClr val="accent1">
+                <a:lumMod val="50000"/>
+              </a:schemeClr>
+            </a:solidFill>
+          </a:ln>
+        </p:spPr>
+        <p:style>
+          <a:lnRef idx="2">
+            <a:schemeClr val="accent1">
+              <a:shade val="50000"/>
+            </a:schemeClr>
+          </a:lnRef>
+          <a:fillRef idx="1">
+            <a:schemeClr val="accent1"/>
+          </a:fillRef>
+          <a:effectRef idx="0">
+            <a:schemeClr val="accent1"/>
+          </a:effectRef>
+          <a:fontRef idx="minor">
+            <a:schemeClr val="lt1"/>
+          </a:fontRef>
+        </p:style>
+        <p:txBody>
+          <a:bodyPr wrap="none" lIns="0" rIns="0" rtlCol="0" anchor="ctr"/>
+          <a:lstStyle/>
+          <a:p>
+            <a:pPr algn="ctr"/>
+            <a:r>
+              <a:rPr lang="en-AU" sz="2000" dirty="0" smtClean="0">
+                <a:solidFill>
+                  <a:schemeClr val="tx1"/>
+                </a:solidFill>
+              </a:rPr>
+              <a:t>Should</a:t>
+            </a:r>
+            <a:endParaRPr lang="en-AU" sz="2000" dirty="0">
+              <a:solidFill>
+                <a:schemeClr val="tx1"/>
+              </a:solidFill>
+            </a:endParaRPr>
+          </a:p>
+        </p:txBody>
+      </p:sp>
+      <p:sp>
+        <p:nvSpPr>
+          <p:cNvPr id="13" name="Rectangle 12"/>
+          <p:cNvSpPr/>
+          <p:nvPr/>
+        </p:nvSpPr>
+        <p:spPr>
+          <a:xfrm>
+            <a:off x="39153" y="5128590"/>
+            <a:ext cx="9828000" cy="1620000"/>
+          </a:xfrm>
+          <a:prstGeom prst="rect">
+            <a:avLst/>
+          </a:prstGeom>
+          <a:solidFill>
+            <a:schemeClr val="bg1"/>
+          </a:solidFill>
+          <a:ln>
+            <a:solidFill>
+              <a:schemeClr val="accent1">
+                <a:lumMod val="50000"/>
+              </a:schemeClr>
+            </a:solidFill>
+          </a:ln>
+        </p:spPr>
+        <p:style>
+          <a:lnRef idx="2">
+            <a:schemeClr val="accent1">
+              <a:shade val="50000"/>
+            </a:schemeClr>
+          </a:lnRef>
+          <a:fillRef idx="1">
+            <a:schemeClr val="accent1"/>
+          </a:fillRef>
+          <a:effectRef idx="0">
+            <a:schemeClr val="accent1"/>
+          </a:effectRef>
+          <a:fontRef idx="minor">
+            <a:schemeClr val="lt1"/>
+          </a:fontRef>
+        </p:style>
+        <p:txBody>
+          <a:bodyPr tIns="36000" rtlCol="0" anchor="t" anchorCtr="0"/>
+          <a:lstStyle/>
+          <a:p>
+            <a:r>
+              <a:rPr lang="en-AU" sz="2000" dirty="0" smtClean="0">
+                <a:solidFill>
+                  <a:schemeClr val="tx1"/>
+                </a:solidFill>
+              </a:rPr>
+              <a:t>Notes</a:t>
+            </a:r>
+          </a:p>
+          <a:p>
+            <a:pPr marL="179388" indent="-179388">
+              <a:buFont typeface="Arial" pitchFamily="34" charset="0"/>
+              <a:buChar char="•"/>
+            </a:pPr>
+            <a:r>
+              <a:rPr lang="en-AU" sz="2000" dirty="0" smtClean="0">
+                <a:solidFill>
+                  <a:schemeClr val="tx1"/>
+                </a:solidFill>
+              </a:rPr>
+              <a:t> </a:t>
+            </a:r>
+            <a:endParaRPr lang="en-AU" sz="2000" dirty="0">
+              <a:solidFill>
+                <a:schemeClr val="tx1"/>
+              </a:solidFill>
+            </a:endParaRPr>
+          </a:p>
+        </p:txBody>
+      </p:sp>
     </p:spTree>
     <p:extLst>
       <p:ext uri="{BB962C8B-B14F-4D97-AF65-F5344CB8AC3E}">
-        <p14:creationId xmlns:p14="http://schemas.microsoft.com/office/powerpoint/2010/main" val="375447048"/>
+        <p14:creationId xmlns:p14="http://schemas.microsoft.com/office/powerpoint/2010/main" val="500998753"/>
       </p:ext>
     </p:extLst>
   </p:cSld>
@@ -12327,7 +11842,7 @@
                   <a:schemeClr val="tx1"/>
                 </a:solidFill>
               </a:rPr>
-              <a:t>Story 19</a:t>
+              <a:t>Story 18</a:t>
             </a:r>
             <a:endParaRPr lang="en-AU" sz="2000" dirty="0">
               <a:solidFill>
@@ -12382,7 +11897,7 @@
             <a:pPr algn="ctr"/>
             <a:r>
               <a:rPr lang="en-AU" sz="2800" dirty="0" smtClean="0"/>
-              <a:t>Reset Forgotten Password</a:t>
+              <a:t>View/Edit Account Details</a:t>
             </a:r>
             <a:endParaRPr lang="en-AU" sz="2800" dirty="0"/>
           </a:p>
@@ -12396,7 +11911,7 @@
         </p:nvSpPr>
         <p:spPr>
           <a:xfrm>
-            <a:off x="39153" y="803997"/>
+            <a:off x="39153" y="822470"/>
             <a:ext cx="9828000" cy="2340000"/>
           </a:xfrm>
           <a:prstGeom prst="rect">
@@ -12442,7 +11957,7 @@
                   <a:schemeClr val="tx1"/>
                 </a:solidFill>
               </a:rPr>
-              <a:t>As a Media Vault user, I want to reset my password if I have forgotten it, so I can change it to a new password and log into my Media Vault to access my files.</a:t>
+              <a:t>As a Media Vault user, I want to update my password and email, so that I can have my credentials up to date.</a:t>
             </a:r>
           </a:p>
         </p:txBody>
@@ -12515,7 +12030,80 @@
                   <a:schemeClr val="tx1"/>
                 </a:solidFill>
               </a:rPr>
-              <a:t>The user can click a button that takes them to a page that requires them to enter their email</a:t>
+              <a:t> The user can click a button that takes them to see the details of their account</a:t>
+            </a:r>
+          </a:p>
+          <a:p>
+            <a:pPr marL="179388" indent="-179388">
+              <a:buFont typeface="Arial" pitchFamily="34" charset="0"/>
+              <a:buChar char="•"/>
+            </a:pPr>
+            <a:r>
+              <a:rPr lang="en-AU" sz="2000" dirty="0" smtClean="0">
+                <a:solidFill>
+                  <a:schemeClr val="tx1"/>
+                </a:solidFill>
+              </a:rPr>
+              <a:t>The user can edit their email and password here</a:t>
+            </a:r>
+          </a:p>
+        </p:txBody>
+      </p:sp>
+      <p:sp>
+        <p:nvSpPr>
+          <p:cNvPr id="11" name="Rectangle 10"/>
+          <p:cNvSpPr/>
+          <p:nvPr/>
+        </p:nvSpPr>
+        <p:spPr>
+          <a:xfrm>
+            <a:off x="9147153" y="109410"/>
+            <a:ext cx="720000" cy="540000"/>
+          </a:xfrm>
+          <a:prstGeom prst="rect">
+            <a:avLst/>
+          </a:prstGeom>
+          <a:solidFill>
+            <a:srgbClr val="CCF0CD">
+              <a:alpha val="20000"/>
+            </a:srgbClr>
+          </a:solidFill>
+          <a:ln>
+            <a:solidFill>
+              <a:schemeClr val="accent1">
+                <a:lumMod val="50000"/>
+              </a:schemeClr>
+            </a:solidFill>
+          </a:ln>
+        </p:spPr>
+        <p:style>
+          <a:lnRef idx="2">
+            <a:schemeClr val="accent1">
+              <a:shade val="50000"/>
+            </a:schemeClr>
+          </a:lnRef>
+          <a:fillRef idx="1">
+            <a:schemeClr val="accent1"/>
+          </a:fillRef>
+          <a:effectRef idx="0">
+            <a:schemeClr val="accent1"/>
+          </a:effectRef>
+          <a:fontRef idx="minor">
+            <a:schemeClr val="lt1"/>
+          </a:fontRef>
+        </p:style>
+        <p:txBody>
+          <a:bodyPr wrap="square" lIns="0" rIns="0" rtlCol="0" anchor="ctr"/>
+          <a:lstStyle/>
+          <a:p>
+            <a:pPr algn="ctr"/>
+            <a:r>
+              <a:rPr lang="en-AU" sz="2000" dirty="0" smtClean="0">
+                <a:solidFill>
+                  <a:schemeClr val="tx1"/>
+                </a:solidFill>
+              </a:rPr>
+              <a:t>1</a:t>
             </a:r>
             <a:endParaRPr lang="en-AU" sz="2000" dirty="0">
               <a:solidFill>
@@ -12523,81 +12111,54 @@
               </a:solidFill>
             </a:endParaRPr>
           </a:p>
-          <a:p>
-            <a:pPr marL="179388" indent="-179388">
-              <a:buFont typeface="Arial" pitchFamily="34" charset="0"/>
-              <a:buChar char="•"/>
-            </a:pPr>
-            <a:r>
-              <a:rPr lang="en-AU" sz="2000" dirty="0" smtClean="0">
-                <a:solidFill>
-                  <a:schemeClr val="tx1"/>
-                </a:solidFill>
-              </a:rPr>
-              <a:t>The user will receive a reset password link to their email, letting them pick a new password</a:t>
-            </a:r>
-          </a:p>
-          <a:p>
-            <a:pPr marL="179388" indent="-179388">
-              <a:buFont typeface="Arial" pitchFamily="34" charset="0"/>
-              <a:buChar char="•"/>
-            </a:pPr>
-            <a:r>
-              <a:rPr lang="en-AU" sz="2000" dirty="0" smtClean="0">
-                <a:solidFill>
-                  <a:schemeClr val="tx1"/>
-                </a:solidFill>
-              </a:rPr>
-              <a:t>They can then log in</a:t>
-            </a:r>
-          </a:p>
-        </p:txBody>
-      </p:sp>
-      <p:sp>
-        <p:nvSpPr>
-          <p:cNvPr id="11" name="Rectangle 10"/>
-          <p:cNvSpPr/>
-          <p:nvPr/>
-        </p:nvSpPr>
-        <p:spPr>
-          <a:xfrm>
-            <a:off x="9147153" y="109410"/>
-            <a:ext cx="720000" cy="540000"/>
-          </a:xfrm>
-          <a:prstGeom prst="rect">
-            <a:avLst/>
-          </a:prstGeom>
-          <a:solidFill>
-            <a:srgbClr val="CCF0CD">
-              <a:alpha val="20000"/>
-            </a:srgbClr>
-          </a:solidFill>
-          <a:ln>
-            <a:solidFill>
-              <a:schemeClr val="accent1">
-                <a:lumMod val="50000"/>
-              </a:schemeClr>
-            </a:solidFill>
-          </a:ln>
-        </p:spPr>
-        <p:style>
-          <a:lnRef idx="2">
-            <a:schemeClr val="accent1">
-              <a:shade val="50000"/>
-            </a:schemeClr>
-          </a:lnRef>
-          <a:fillRef idx="1">
-            <a:schemeClr val="accent1"/>
-          </a:fillRef>
-          <a:effectRef idx="0">
-            <a:schemeClr val="accent1"/>
-          </a:effectRef>
-          <a:fontRef idx="minor">
-            <a:schemeClr val="lt1"/>
-          </a:fontRef>
-        </p:style>
-        <p:txBody>
-          <a:bodyPr wrap="square" lIns="0" rIns="0" rtlCol="0" anchor="ctr"/>
+        </p:txBody>
+      </p:sp>
+      <p:sp>
+        <p:nvSpPr>
+          <p:cNvPr id="12" name="Rectangle 11"/>
+          <p:cNvSpPr/>
+          <p:nvPr/>
+        </p:nvSpPr>
+        <p:spPr>
+          <a:xfrm>
+            <a:off x="8283153" y="109410"/>
+            <a:ext cx="792000" cy="540000"/>
+          </a:xfrm>
+          <a:prstGeom prst="rect">
+            <a:avLst/>
+          </a:prstGeom>
+          <a:solidFill>
+            <a:schemeClr val="accent4">
+              <a:lumMod val="20000"/>
+              <a:lumOff val="80000"/>
+            </a:schemeClr>
+          </a:solidFill>
+          <a:ln>
+            <a:solidFill>
+              <a:schemeClr val="accent1">
+                <a:lumMod val="50000"/>
+              </a:schemeClr>
+            </a:solidFill>
+          </a:ln>
+        </p:spPr>
+        <p:style>
+          <a:lnRef idx="2">
+            <a:schemeClr val="accent1">
+              <a:shade val="50000"/>
+            </a:schemeClr>
+          </a:lnRef>
+          <a:fillRef idx="1">
+            <a:schemeClr val="accent1"/>
+          </a:fillRef>
+          <a:effectRef idx="0">
+            <a:schemeClr val="accent1"/>
+          </a:effectRef>
+          <a:fontRef idx="minor">
+            <a:schemeClr val="lt1"/>
+          </a:fontRef>
+        </p:style>
+        <p:txBody>
+          <a:bodyPr wrap="none" lIns="0" rIns="0" rtlCol="0" anchor="ctr"/>
           <a:lstStyle/>
           <a:p>
             <a:pPr algn="ctr"/>
@@ -12607,7 +12168,7 @@
                   <a:schemeClr val="tx1"/>
                 </a:solidFill>
               </a:rPr>
-              <a:t>2</a:t>
+              <a:t>Could</a:t>
             </a:r>
             <a:endParaRPr lang="en-AU" sz="2000" dirty="0">
               <a:solidFill>
@@ -12619,60 +12180,70 @@
       </p:sp>
       <p:sp>
         <p:nvSpPr>
-          <p:cNvPr id="12" name="Rectangle 11"/>
-          <p:cNvSpPr/>
-          <p:nvPr/>
-        </p:nvSpPr>
-        <p:spPr>
-          <a:xfrm>
-            <a:off x="8283153" y="109410"/>
-            <a:ext cx="792000" cy="540000"/>
-          </a:xfrm>
-          <a:prstGeom prst="rect">
-            <a:avLst/>
-          </a:prstGeom>
-          <a:solidFill>
-            <a:schemeClr val="accent4">
-              <a:lumMod val="20000"/>
-              <a:lumOff val="80000"/>
-            </a:schemeClr>
-          </a:solidFill>
-          <a:ln>
-            <a:solidFill>
-              <a:schemeClr val="accent1">
-                <a:lumMod val="50000"/>
-              </a:schemeClr>
-            </a:solidFill>
-          </a:ln>
-        </p:spPr>
-        <p:style>
-          <a:lnRef idx="2">
-            <a:schemeClr val="accent1">
-              <a:shade val="50000"/>
-            </a:schemeClr>
-          </a:lnRef>
-          <a:fillRef idx="1">
-            <a:schemeClr val="accent1"/>
-          </a:fillRef>
-          <a:effectRef idx="0">
-            <a:schemeClr val="accent1"/>
-          </a:effectRef>
-          <a:fontRef idx="minor">
-            <a:schemeClr val="lt1"/>
-          </a:fontRef>
-        </p:style>
-        <p:txBody>
-          <a:bodyPr wrap="none" lIns="0" rIns="0" rtlCol="0" anchor="ctr"/>
-          <a:lstStyle/>
-          <a:p>
-            <a:pPr algn="ctr"/>
-            <a:r>
-              <a:rPr lang="en-AU" sz="2000" dirty="0" smtClean="0">
-                <a:solidFill>
-                  <a:schemeClr val="tx1"/>
-                </a:solidFill>
-              </a:rPr>
-              <a:t>Should</a:t>
+          <p:cNvPr id="13" name="Rectangle 12"/>
+          <p:cNvSpPr/>
+          <p:nvPr/>
+        </p:nvSpPr>
+        <p:spPr>
+          <a:xfrm>
+            <a:off x="39153" y="5128590"/>
+            <a:ext cx="9828000" cy="1620000"/>
+          </a:xfrm>
+          <a:prstGeom prst="rect">
+            <a:avLst/>
+          </a:prstGeom>
+          <a:solidFill>
+            <a:schemeClr val="bg1"/>
+          </a:solidFill>
+          <a:ln>
+            <a:solidFill>
+              <a:schemeClr val="accent1">
+                <a:lumMod val="50000"/>
+              </a:schemeClr>
+            </a:solidFill>
+          </a:ln>
+        </p:spPr>
+        <p:style>
+          <a:lnRef idx="2">
+            <a:schemeClr val="accent1">
+              <a:shade val="50000"/>
+            </a:schemeClr>
+          </a:lnRef>
+          <a:fillRef idx="1">
+            <a:schemeClr val="accent1"/>
+          </a:fillRef>
+          <a:effectRef idx="0">
+            <a:schemeClr val="accent1"/>
+          </a:effectRef>
+          <a:fontRef idx="minor">
+            <a:schemeClr val="lt1"/>
+          </a:fontRef>
+        </p:style>
+        <p:txBody>
+          <a:bodyPr tIns="36000" rtlCol="0" anchor="t" anchorCtr="0"/>
+          <a:lstStyle/>
+          <a:p>
+            <a:r>
+              <a:rPr lang="en-AU" sz="2000" dirty="0" smtClean="0">
+                <a:solidFill>
+                  <a:schemeClr val="tx1"/>
+                </a:solidFill>
+              </a:rPr>
+              <a:t>Notes</a:t>
+            </a:r>
+          </a:p>
+          <a:p>
+            <a:pPr marL="179388" indent="-179388">
+              <a:buFont typeface="Arial" pitchFamily="34" charset="0"/>
+              <a:buChar char="•"/>
+            </a:pPr>
+            <a:r>
+              <a:rPr lang="en-AU" sz="2000" dirty="0" smtClean="0">
+                <a:solidFill>
+                  <a:schemeClr val="tx1"/>
+                </a:solidFill>
+              </a:rPr>
+              <a:t> </a:t>
             </a:r>
             <a:endParaRPr lang="en-AU" sz="2000" dirty="0">
               <a:solidFill>
@@ -12682,85 +12253,10 @@
           </a:p>
         </p:txBody>
       </p:sp>
-      <p:sp>
-        <p:nvSpPr>
-          <p:cNvPr id="13" name="Rectangle 12"/>
-          <p:cNvSpPr/>
-          <p:nvPr/>
-        </p:nvSpPr>
-        <p:spPr>
-          <a:xfrm>
-            <a:off x="39153" y="5128590"/>
-            <a:ext cx="9828000" cy="1620000"/>
-          </a:xfrm>
-          <a:prstGeom prst="rect">
-            <a:avLst/>
-          </a:prstGeom>
-          <a:solidFill>
-            <a:schemeClr val="bg1"/>
-          </a:solidFill>
-          <a:ln>
-            <a:solidFill>
-              <a:schemeClr val="accent1">
-                <a:lumMod val="50000"/>
-              </a:schemeClr>
-            </a:solidFill>
-          </a:ln>
-        </p:spPr>
-        <p:style>
-          <a:lnRef idx="2">
-            <a:schemeClr val="accent1">
-              <a:shade val="50000"/>
-            </a:schemeClr>
-          </a:lnRef>
-          <a:fillRef idx="1">
-            <a:schemeClr val="accent1"/>
-          </a:fillRef>
-          <a:effectRef idx="0">
-            <a:schemeClr val="accent1"/>
-          </a:effectRef>
-          <a:fontRef idx="minor">
-            <a:schemeClr val="lt1"/>
-          </a:fontRef>
-        </p:style>
-        <p:txBody>
-          <a:bodyPr tIns="36000" rtlCol="0" anchor="t" anchorCtr="0"/>
-          <a:lstStyle/>
-          <a:p>
-            <a:r>
-              <a:rPr lang="en-AU" sz="2000" dirty="0" smtClean="0">
-                <a:solidFill>
-                  <a:schemeClr val="tx1"/>
-                </a:solidFill>
-              </a:rPr>
-              <a:t>Notes</a:t>
-            </a:r>
-          </a:p>
-          <a:p>
-            <a:pPr marL="179388" indent="-179388">
-              <a:buFont typeface="Arial" pitchFamily="34" charset="0"/>
-              <a:buChar char="•"/>
-            </a:pPr>
-            <a:r>
-              <a:rPr lang="en-AU" sz="2000" dirty="0" smtClean="0">
-                <a:solidFill>
-                  <a:schemeClr val="tx1"/>
-                </a:solidFill>
-              </a:rPr>
-              <a:t> </a:t>
-            </a:r>
-            <a:endParaRPr lang="en-AU" sz="2000" dirty="0">
-              <a:solidFill>
-                <a:schemeClr val="tx1"/>
-              </a:solidFill>
-            </a:endParaRPr>
-          </a:p>
-        </p:txBody>
-      </p:sp>
     </p:spTree>
     <p:extLst>
       <p:ext uri="{BB962C8B-B14F-4D97-AF65-F5344CB8AC3E}">
-        <p14:creationId xmlns:p14="http://schemas.microsoft.com/office/powerpoint/2010/main" val="507449682"/>
+        <p14:creationId xmlns:p14="http://schemas.microsoft.com/office/powerpoint/2010/main" val="375447048"/>
       </p:ext>
     </p:extLst>
   </p:cSld>
@@ -12842,7 +12338,7 @@
                   <a:schemeClr val="tx1"/>
                 </a:solidFill>
               </a:rPr>
-              <a:t>Story 20</a:t>
+              <a:t>Story 19</a:t>
             </a:r>
             <a:endParaRPr lang="en-AU" sz="2000" dirty="0">
               <a:solidFill>
@@ -12897,7 +12393,7 @@
             <a:pPr algn="ctr"/>
             <a:r>
               <a:rPr lang="en-AU" sz="2800" dirty="0" smtClean="0"/>
-              <a:t>Log Out</a:t>
+              <a:t>Reset Forgotten Password</a:t>
             </a:r>
             <a:endParaRPr lang="en-AU" sz="2800" dirty="0"/>
           </a:p>
@@ -12911,7 +12407,7 @@
         </p:nvSpPr>
         <p:spPr>
           <a:xfrm>
-            <a:off x="39153" y="822470"/>
+            <a:off x="39153" y="803997"/>
             <a:ext cx="9828000" cy="2340000"/>
           </a:xfrm>
           <a:prstGeom prst="rect">
@@ -12957,7 +12453,7 @@
                   <a:schemeClr val="tx1"/>
                 </a:solidFill>
               </a:rPr>
-              <a:t>As a Media Vault user, I want to log out of my account, so that nobody else can access my files when I have finished with Media Vault</a:t>
+              <a:t>As a Media Vault user, I want to reset my password if I have forgotten it, so I can change it to a new password and log into my Media Vault to access my files.</a:t>
             </a:r>
           </a:p>
         </p:txBody>
@@ -13030,8 +12526,558 @@
                   <a:schemeClr val="tx1"/>
                 </a:solidFill>
               </a:rPr>
-              <a:t> The User can no longer see their files once they have clicked a log out button</a:t>
-            </a:r>
+              <a:t>The user can click a button that takes them to a page that requires them to enter their email</a:t>
+            </a:r>
+            <a:endParaRPr lang="en-AU" sz="2000" dirty="0">
+              <a:solidFill>
+                <a:schemeClr val="tx1"/>
+              </a:solidFill>
+            </a:endParaRPr>
+          </a:p>
+          <a:p>
+            <a:pPr marL="179388" indent="-179388">
+              <a:buFont typeface="Arial" pitchFamily="34" charset="0"/>
+              <a:buChar char="•"/>
+            </a:pPr>
+            <a:r>
+              <a:rPr lang="en-AU" sz="2000" dirty="0" smtClean="0">
+                <a:solidFill>
+                  <a:schemeClr val="tx1"/>
+                </a:solidFill>
+              </a:rPr>
+              <a:t>The user will receive a reset password link to their email, letting them pick a new password</a:t>
+            </a:r>
+          </a:p>
+          <a:p>
+            <a:pPr marL="179388" indent="-179388">
+              <a:buFont typeface="Arial" pitchFamily="34" charset="0"/>
+              <a:buChar char="•"/>
+            </a:pPr>
+            <a:r>
+              <a:rPr lang="en-AU" sz="2000" dirty="0" smtClean="0">
+                <a:solidFill>
+                  <a:schemeClr val="tx1"/>
+                </a:solidFill>
+              </a:rPr>
+              <a:t>They can then log in</a:t>
+            </a:r>
+          </a:p>
+        </p:txBody>
+      </p:sp>
+      <p:sp>
+        <p:nvSpPr>
+          <p:cNvPr id="11" name="Rectangle 10"/>
+          <p:cNvSpPr/>
+          <p:nvPr/>
+        </p:nvSpPr>
+        <p:spPr>
+          <a:xfrm>
+            <a:off x="9147153" y="109410"/>
+            <a:ext cx="720000" cy="540000"/>
+          </a:xfrm>
+          <a:prstGeom prst="rect">
+            <a:avLst/>
+          </a:prstGeom>
+          <a:solidFill>
+            <a:srgbClr val="CCF0CD">
+              <a:alpha val="20000"/>
+            </a:srgbClr>
+          </a:solidFill>
+          <a:ln>
+            <a:solidFill>
+              <a:schemeClr val="accent1">
+                <a:lumMod val="50000"/>
+              </a:schemeClr>
+            </a:solidFill>
+          </a:ln>
+        </p:spPr>
+        <p:style>
+          <a:lnRef idx="2">
+            <a:schemeClr val="accent1">
+              <a:shade val="50000"/>
+            </a:schemeClr>
+          </a:lnRef>
+          <a:fillRef idx="1">
+            <a:schemeClr val="accent1"/>
+          </a:fillRef>
+          <a:effectRef idx="0">
+            <a:schemeClr val="accent1"/>
+          </a:effectRef>
+          <a:fontRef idx="minor">
+            <a:schemeClr val="lt1"/>
+          </a:fontRef>
+        </p:style>
+        <p:txBody>
+          <a:bodyPr wrap="square" lIns="0" rIns="0" rtlCol="0" anchor="ctr"/>
+          <a:lstStyle/>
+          <a:p>
+            <a:pPr algn="ctr"/>
+            <a:r>
+              <a:rPr lang="en-AU" sz="2000" dirty="0" smtClean="0">
+                <a:solidFill>
+                  <a:schemeClr val="tx1"/>
+                </a:solidFill>
+              </a:rPr>
+              <a:t>2</a:t>
+            </a:r>
+            <a:endParaRPr lang="en-AU" sz="2000" dirty="0">
+              <a:solidFill>
+                <a:schemeClr val="tx1"/>
+              </a:solidFill>
+            </a:endParaRPr>
+          </a:p>
+        </p:txBody>
+      </p:sp>
+      <p:sp>
+        <p:nvSpPr>
+          <p:cNvPr id="12" name="Rectangle 11"/>
+          <p:cNvSpPr/>
+          <p:nvPr/>
+        </p:nvSpPr>
+        <p:spPr>
+          <a:xfrm>
+            <a:off x="8283153" y="109410"/>
+            <a:ext cx="792000" cy="540000"/>
+          </a:xfrm>
+          <a:prstGeom prst="rect">
+            <a:avLst/>
+          </a:prstGeom>
+          <a:solidFill>
+            <a:schemeClr val="accent4">
+              <a:lumMod val="20000"/>
+              <a:lumOff val="80000"/>
+            </a:schemeClr>
+          </a:solidFill>
+          <a:ln>
+            <a:solidFill>
+              <a:schemeClr val="accent1">
+                <a:lumMod val="50000"/>
+              </a:schemeClr>
+            </a:solidFill>
+          </a:ln>
+        </p:spPr>
+        <p:style>
+          <a:lnRef idx="2">
+            <a:schemeClr val="accent1">
+              <a:shade val="50000"/>
+            </a:schemeClr>
+          </a:lnRef>
+          <a:fillRef idx="1">
+            <a:schemeClr val="accent1"/>
+          </a:fillRef>
+          <a:effectRef idx="0">
+            <a:schemeClr val="accent1"/>
+          </a:effectRef>
+          <a:fontRef idx="minor">
+            <a:schemeClr val="lt1"/>
+          </a:fontRef>
+        </p:style>
+        <p:txBody>
+          <a:bodyPr wrap="none" lIns="0" rIns="0" rtlCol="0" anchor="ctr"/>
+          <a:lstStyle/>
+          <a:p>
+            <a:pPr algn="ctr"/>
+            <a:r>
+              <a:rPr lang="en-AU" sz="2000" dirty="0" smtClean="0">
+                <a:solidFill>
+                  <a:schemeClr val="tx1"/>
+                </a:solidFill>
+              </a:rPr>
+              <a:t>Should</a:t>
+            </a:r>
+            <a:endParaRPr lang="en-AU" sz="2000" dirty="0">
+              <a:solidFill>
+                <a:schemeClr val="tx1"/>
+              </a:solidFill>
+            </a:endParaRPr>
+          </a:p>
+        </p:txBody>
+      </p:sp>
+      <p:sp>
+        <p:nvSpPr>
+          <p:cNvPr id="13" name="Rectangle 12"/>
+          <p:cNvSpPr/>
+          <p:nvPr/>
+        </p:nvSpPr>
+        <p:spPr>
+          <a:xfrm>
+            <a:off x="39153" y="5128590"/>
+            <a:ext cx="9828000" cy="1620000"/>
+          </a:xfrm>
+          <a:prstGeom prst="rect">
+            <a:avLst/>
+          </a:prstGeom>
+          <a:solidFill>
+            <a:schemeClr val="bg1"/>
+          </a:solidFill>
+          <a:ln>
+            <a:solidFill>
+              <a:schemeClr val="accent1">
+                <a:lumMod val="50000"/>
+              </a:schemeClr>
+            </a:solidFill>
+          </a:ln>
+        </p:spPr>
+        <p:style>
+          <a:lnRef idx="2">
+            <a:schemeClr val="accent1">
+              <a:shade val="50000"/>
+            </a:schemeClr>
+          </a:lnRef>
+          <a:fillRef idx="1">
+            <a:schemeClr val="accent1"/>
+          </a:fillRef>
+          <a:effectRef idx="0">
+            <a:schemeClr val="accent1"/>
+          </a:effectRef>
+          <a:fontRef idx="minor">
+            <a:schemeClr val="lt1"/>
+          </a:fontRef>
+        </p:style>
+        <p:txBody>
+          <a:bodyPr tIns="36000" rtlCol="0" anchor="t" anchorCtr="0"/>
+          <a:lstStyle/>
+          <a:p>
+            <a:r>
+              <a:rPr lang="en-AU" sz="2000" dirty="0" smtClean="0">
+                <a:solidFill>
+                  <a:schemeClr val="tx1"/>
+                </a:solidFill>
+              </a:rPr>
+              <a:t>Notes</a:t>
+            </a:r>
+          </a:p>
+          <a:p>
+            <a:pPr marL="179388" indent="-179388">
+              <a:buFont typeface="Arial" pitchFamily="34" charset="0"/>
+              <a:buChar char="•"/>
+            </a:pPr>
+            <a:r>
+              <a:rPr lang="en-AU" sz="2000" dirty="0" smtClean="0">
+                <a:solidFill>
+                  <a:schemeClr val="tx1"/>
+                </a:solidFill>
+              </a:rPr>
+              <a:t> </a:t>
+            </a:r>
+            <a:endParaRPr lang="en-AU" sz="2000" dirty="0">
+              <a:solidFill>
+                <a:schemeClr val="tx1"/>
+              </a:solidFill>
+            </a:endParaRPr>
+          </a:p>
+        </p:txBody>
+      </p:sp>
+    </p:spTree>
+    <p:extLst>
+      <p:ext uri="{BB962C8B-B14F-4D97-AF65-F5344CB8AC3E}">
+        <p14:creationId xmlns:p14="http://schemas.microsoft.com/office/powerpoint/2010/main" val="507449682"/>
+      </p:ext>
+    </p:extLst>
+  </p:cSld>
+  <p:clrMapOvr>
+    <a:masterClrMapping/>
+  </p:clrMapOvr>
+</p:sld>
+</file>
+
+<file path=ppt/slides/slide28.xml><?xml version="1.0" encoding="utf-8"?>
+<p:sld xmlns:a="http://schemas.openxmlformats.org/drawingml/2006/main" xmlns:r="http://schemas.openxmlformats.org/officeDocument/2006/relationships" xmlns:p="http://schemas.openxmlformats.org/presentationml/2006/main">
+  <p:cSld>
+    <p:spTree>
+      <p:nvGrpSpPr>
+        <p:cNvPr id="1" name=""/>
+        <p:cNvGrpSpPr/>
+        <p:nvPr/>
+      </p:nvGrpSpPr>
+      <p:grpSpPr>
+        <a:xfrm>
+          <a:off x="0" y="0"/>
+          <a:ext cx="0" cy="0"/>
+          <a:chOff x="0" y="0"/>
+          <a:chExt cx="0" cy="0"/>
+        </a:xfrm>
+      </p:grpSpPr>
+      <p:sp>
+        <p:nvSpPr>
+          <p:cNvPr id="4" name="Rectangle 3"/>
+          <p:cNvSpPr/>
+          <p:nvPr/>
+        </p:nvSpPr>
+        <p:spPr>
+          <a:xfrm>
+            <a:off x="39153" y="109410"/>
+            <a:ext cx="720000" cy="540000"/>
+          </a:xfrm>
+          <a:prstGeom prst="rect">
+            <a:avLst/>
+          </a:prstGeom>
+          <a:solidFill>
+            <a:schemeClr val="accent1">
+              <a:lumMod val="40000"/>
+              <a:lumOff val="60000"/>
+            </a:schemeClr>
+          </a:solidFill>
+          <a:ln>
+            <a:solidFill>
+              <a:schemeClr val="accent1">
+                <a:lumMod val="50000"/>
+              </a:schemeClr>
+            </a:solidFill>
+          </a:ln>
+        </p:spPr>
+        <p:style>
+          <a:lnRef idx="2">
+            <a:schemeClr val="accent1">
+              <a:shade val="50000"/>
+            </a:schemeClr>
+          </a:lnRef>
+          <a:fillRef idx="1">
+            <a:schemeClr val="accent1"/>
+          </a:fillRef>
+          <a:effectRef idx="0">
+            <a:schemeClr val="accent1"/>
+          </a:effectRef>
+          <a:fontRef idx="minor">
+            <a:schemeClr val="lt1"/>
+          </a:fontRef>
+        </p:style>
+        <p:txBody>
+          <a:bodyPr wrap="square" lIns="0" rIns="0" rtlCol="0" anchor="ctr"/>
+          <a:lstStyle/>
+          <a:p>
+            <a:pPr algn="ctr"/>
+            <a:r>
+              <a:rPr lang="en-AU" sz="2000" dirty="0" smtClean="0">
+                <a:solidFill>
+                  <a:schemeClr val="tx1"/>
+                </a:solidFill>
+              </a:rPr>
+              <a:t>Story 20</a:t>
+            </a:r>
+            <a:endParaRPr lang="en-AU" sz="2000" dirty="0">
+              <a:solidFill>
+                <a:schemeClr val="tx1"/>
+              </a:solidFill>
+            </a:endParaRPr>
+          </a:p>
+        </p:txBody>
+      </p:sp>
+      <p:sp>
+        <p:nvSpPr>
+          <p:cNvPr id="6" name="Rectangle 5"/>
+          <p:cNvSpPr/>
+          <p:nvPr/>
+        </p:nvSpPr>
+        <p:spPr>
+          <a:xfrm>
+            <a:off x="831153" y="109410"/>
+            <a:ext cx="7380000" cy="540000"/>
+          </a:xfrm>
+          <a:prstGeom prst="rect">
+            <a:avLst/>
+          </a:prstGeom>
+          <a:ln>
+            <a:solidFill>
+              <a:schemeClr val="accent1">
+                <a:lumMod val="50000"/>
+              </a:schemeClr>
+            </a:solidFill>
+          </a:ln>
+        </p:spPr>
+        <p:style>
+          <a:lnRef idx="2">
+            <a:schemeClr val="accent1">
+              <a:shade val="50000"/>
+            </a:schemeClr>
+          </a:lnRef>
+          <a:fillRef idx="1">
+            <a:schemeClr val="accent1"/>
+          </a:fillRef>
+          <a:effectRef idx="0">
+            <a:schemeClr val="accent1"/>
+          </a:effectRef>
+          <a:fontRef idx="minor">
+            <a:schemeClr val="lt1"/>
+          </a:fontRef>
+        </p:style>
+        <p:txBody>
+          <a:bodyPr rtlCol="0" anchor="ctr"/>
+          <a:lstStyle/>
+          <a:p>
+            <a:pPr algn="ctr"/>
+            <a:r>
+              <a:rPr lang="en-AU" sz="2800" dirty="0" smtClean="0"/>
+              <a:t>Log Out</a:t>
+            </a:r>
+            <a:endParaRPr lang="en-AU" sz="2800" dirty="0"/>
+          </a:p>
+        </p:txBody>
+      </p:sp>
+      <p:sp>
+        <p:nvSpPr>
+          <p:cNvPr id="7" name="Rectangle 6"/>
+          <p:cNvSpPr/>
+          <p:nvPr/>
+        </p:nvSpPr>
+        <p:spPr>
+          <a:xfrm>
+            <a:off x="39153" y="822470"/>
+            <a:ext cx="9828000" cy="2340000"/>
+          </a:xfrm>
+          <a:prstGeom prst="rect">
+            <a:avLst/>
+          </a:prstGeom>
+          <a:solidFill>
+            <a:schemeClr val="tx2">
+              <a:lumMod val="20000"/>
+              <a:lumOff val="80000"/>
+            </a:schemeClr>
+          </a:solidFill>
+          <a:ln>
+            <a:solidFill>
+              <a:schemeClr val="accent1">
+                <a:lumMod val="50000"/>
+              </a:schemeClr>
+            </a:solidFill>
+          </a:ln>
+        </p:spPr>
+        <p:style>
+          <a:lnRef idx="2">
+            <a:schemeClr val="accent1">
+              <a:shade val="50000"/>
+            </a:schemeClr>
+          </a:lnRef>
+          <a:fillRef idx="1">
+            <a:schemeClr val="accent1"/>
+          </a:fillRef>
+          <a:effectRef idx="0">
+            <a:schemeClr val="accent1"/>
+          </a:effectRef>
+          <a:fontRef idx="minor">
+            <a:schemeClr val="lt1"/>
+          </a:fontRef>
+        </p:style>
+        <p:txBody>
+          <a:bodyPr rtlCol="0" anchor="t" anchorCtr="0"/>
+          <a:lstStyle/>
+          <a:p>
+            <a:r>
+              <a:rPr lang="en-AU" sz="2400" dirty="0" smtClean="0">
+                <a:solidFill>
+                  <a:schemeClr val="tx1"/>
+                </a:solidFill>
+              </a:rPr>
+              <a:t>As a Media Vault user, I want to log out of my account, so that nobody else can access my files when I have finished with Media Vault</a:t>
+            </a:r>
+          </a:p>
+        </p:txBody>
+      </p:sp>
+      <p:sp>
+        <p:nvSpPr>
+          <p:cNvPr id="8" name="Rectangle 7"/>
+          <p:cNvSpPr/>
+          <p:nvPr/>
+        </p:nvSpPr>
+        <p:spPr>
+          <a:xfrm>
+            <a:off x="39153" y="3335530"/>
+            <a:ext cx="9828000" cy="1620000"/>
+          </a:xfrm>
+          <a:prstGeom prst="rect">
+            <a:avLst/>
+          </a:prstGeom>
+          <a:solidFill>
+            <a:schemeClr val="accent1">
+              <a:lumMod val="20000"/>
+              <a:lumOff val="80000"/>
+            </a:schemeClr>
+          </a:solidFill>
+          <a:ln>
+            <a:solidFill>
+              <a:schemeClr val="accent1">
+                <a:lumMod val="50000"/>
+              </a:schemeClr>
+            </a:solidFill>
+          </a:ln>
+        </p:spPr>
+        <p:style>
+          <a:lnRef idx="2">
+            <a:schemeClr val="accent1">
+              <a:shade val="50000"/>
+            </a:schemeClr>
+          </a:lnRef>
+          <a:fillRef idx="1">
+            <a:schemeClr val="accent1"/>
+          </a:fillRef>
+          <a:effectRef idx="0">
+            <a:schemeClr val="accent1"/>
+          </a:effectRef>
+          <a:fontRef idx="minor">
+            <a:schemeClr val="lt1"/>
+          </a:fontRef>
+        </p:style>
+        <p:txBody>
+          <a:bodyPr tIns="36000" rtlCol="0" anchor="t" anchorCtr="0"/>
+          <a:lstStyle/>
+          <a:p>
+            <a:r>
+              <a:rPr lang="en-AU" sz="2000" dirty="0" smtClean="0">
+                <a:solidFill>
+                  <a:schemeClr val="tx1"/>
+                </a:solidFill>
+              </a:rPr>
+              <a:t>Acceptance Criteria</a:t>
+            </a:r>
+          </a:p>
+          <a:p>
+            <a:pPr marL="179388" indent="-179388">
+              <a:buFont typeface="Arial" pitchFamily="34" charset="0"/>
+              <a:buChar char="•"/>
+            </a:pPr>
+            <a:r>
+              <a:rPr lang="en-AU" sz="2000" dirty="0" smtClean="0">
+                <a:solidFill>
+                  <a:schemeClr val="tx1"/>
+                </a:solidFill>
+              </a:rPr>
+              <a:t> The User can no longer see their </a:t>
+            </a:r>
+            <a:r>
+              <a:rPr lang="en-AU" sz="2000" dirty="0" smtClean="0">
+                <a:solidFill>
+                  <a:schemeClr val="tx1"/>
+                </a:solidFill>
+              </a:rPr>
+              <a:t>files and access their account </a:t>
+            </a:r>
+            <a:r>
+              <a:rPr lang="en-AU" sz="2000" dirty="0" smtClean="0">
+                <a:solidFill>
+                  <a:schemeClr val="tx1"/>
+                </a:solidFill>
+              </a:rPr>
+              <a:t>once they have clicked a log out </a:t>
+            </a:r>
+            <a:r>
+              <a:rPr lang="en-AU" sz="2000" dirty="0" smtClean="0">
+                <a:solidFill>
+                  <a:schemeClr val="tx1"/>
+                </a:solidFill>
+              </a:rPr>
+              <a:t>button</a:t>
+            </a:r>
+          </a:p>
+          <a:p>
+            <a:pPr marL="179388" indent="-179388">
+              <a:buFont typeface="Arial" pitchFamily="34" charset="0"/>
+              <a:buChar char="•"/>
+            </a:pPr>
+            <a:endParaRPr lang="en-AU" sz="2000" dirty="0" smtClean="0">
+              <a:solidFill>
+                <a:schemeClr val="tx1"/>
+              </a:solidFill>
+            </a:endParaRPr>
           </a:p>
         </p:txBody>
       </p:sp>
@@ -13271,38 +13317,104 @@
       </p:grpSpPr>
       <p:sp>
         <p:nvSpPr>
-          <p:cNvPr id="2" name="Title 1"/>
+          <p:cNvPr id="3" name="Content Placeholder 2"/>
           <p:cNvSpPr>
             <a:spLocks noGrp="1"/>
           </p:cNvSpPr>
           <p:nvPr>
-            <p:ph type="title"/>
+            <p:ph idx="1"/>
           </p:nvPr>
         </p:nvSpPr>
         <p:spPr>
           <a:xfrm>
-            <a:off x="529805" y="2370857"/>
-            <a:ext cx="8915400" cy="1143000"/>
-          </a:xfrm>
-        </p:spPr>
-        <p:txBody>
-          <a:bodyPr/>
-          <a:lstStyle/>
-          <a:p>
-            <a:r>
-              <a:rPr lang="en-US" dirty="0" smtClean="0"/>
-              <a:t>Media Vault User</a:t>
-            </a:r>
-            <a:endParaRPr lang="en-US" dirty="0"/>
+            <a:off x="160215" y="867509"/>
+            <a:ext cx="9585570" cy="5258656"/>
+          </a:xfrm>
+        </p:spPr>
+        <p:txBody>
+          <a:bodyPr>
+            <a:normAutofit/>
+          </a:bodyPr>
+          <a:lstStyle/>
+          <a:p>
+            <a:pPr marL="0" indent="0">
+              <a:spcBef>
+                <a:spcPts val="900"/>
+              </a:spcBef>
+              <a:buNone/>
+            </a:pPr>
+            <a:r>
+              <a:rPr lang="en-AU" sz="2000" u="sng" dirty="0" smtClean="0"/>
+              <a:t>Role 1</a:t>
+            </a:r>
+            <a:r>
+              <a:rPr lang="en-AU" sz="2000" dirty="0" smtClean="0"/>
+              <a:t> – Media Vault User</a:t>
+            </a:r>
+          </a:p>
+          <a:p>
+            <a:pPr marL="0" indent="0">
+              <a:spcBef>
+                <a:spcPts val="900"/>
+              </a:spcBef>
+              <a:buNone/>
+            </a:pPr>
+            <a:endParaRPr lang="en-AU" sz="2000" dirty="0"/>
+          </a:p>
+        </p:txBody>
+      </p:sp>
+      <p:sp>
+        <p:nvSpPr>
+          <p:cNvPr id="4" name="Rectangle 3"/>
+          <p:cNvSpPr/>
+          <p:nvPr/>
+        </p:nvSpPr>
+        <p:spPr>
+          <a:xfrm>
+            <a:off x="101505" y="109410"/>
+            <a:ext cx="9691171" cy="540000"/>
+          </a:xfrm>
+          <a:prstGeom prst="rect">
+            <a:avLst/>
+          </a:prstGeom>
+          <a:ln>
+            <a:solidFill>
+              <a:schemeClr val="accent1">
+                <a:lumMod val="50000"/>
+              </a:schemeClr>
+            </a:solidFill>
+          </a:ln>
+        </p:spPr>
+        <p:style>
+          <a:lnRef idx="2">
+            <a:schemeClr val="accent1">
+              <a:shade val="50000"/>
+            </a:schemeClr>
+          </a:lnRef>
+          <a:fillRef idx="1">
+            <a:schemeClr val="accent1"/>
+          </a:fillRef>
+          <a:effectRef idx="0">
+            <a:schemeClr val="accent1"/>
+          </a:effectRef>
+          <a:fontRef idx="minor">
+            <a:schemeClr val="lt1"/>
+          </a:fontRef>
+        </p:style>
+        <p:txBody>
+          <a:bodyPr rtlCol="0" anchor="ctr"/>
+          <a:lstStyle/>
+          <a:p>
+            <a:pPr algn="ctr"/>
+            <a:r>
+              <a:rPr lang="en-AU" sz="2800" dirty="0" smtClean="0"/>
+              <a:t>System Roles</a:t>
+            </a:r>
+            <a:endParaRPr lang="en-AU" sz="2800" dirty="0"/>
           </a:p>
         </p:txBody>
       </p:sp>
     </p:spTree>
-    <p:extLst>
-      <p:ext uri="{BB962C8B-B14F-4D97-AF65-F5344CB8AC3E}">
-        <p14:creationId xmlns:p14="http://schemas.microsoft.com/office/powerpoint/2010/main" val="1333486067"/>
-      </p:ext>
-    </p:extLst>
   </p:cSld>
   <p:clrMapOvr>
     <a:masterClrMapping/>
@@ -13329,497 +13441,38 @@
       </p:grpSpPr>
       <p:sp>
         <p:nvSpPr>
-          <p:cNvPr id="4" name="Rectangle 3"/>
-          <p:cNvSpPr/>
-          <p:nvPr/>
-        </p:nvSpPr>
-        <p:spPr>
-          <a:xfrm>
-            <a:off x="39153" y="109410"/>
-            <a:ext cx="720000" cy="540000"/>
-          </a:xfrm>
-          <a:prstGeom prst="rect">
-            <a:avLst/>
-          </a:prstGeom>
-          <a:solidFill>
-            <a:schemeClr val="accent1">
-              <a:lumMod val="40000"/>
-              <a:lumOff val="60000"/>
-            </a:schemeClr>
-          </a:solidFill>
-          <a:ln>
-            <a:solidFill>
-              <a:schemeClr val="accent1">
-                <a:lumMod val="50000"/>
-              </a:schemeClr>
-            </a:solidFill>
-          </a:ln>
-        </p:spPr>
-        <p:style>
-          <a:lnRef idx="2">
-            <a:schemeClr val="accent1">
-              <a:shade val="50000"/>
-            </a:schemeClr>
-          </a:lnRef>
-          <a:fillRef idx="1">
-            <a:schemeClr val="accent1"/>
-          </a:fillRef>
-          <a:effectRef idx="0">
-            <a:schemeClr val="accent1"/>
-          </a:effectRef>
-          <a:fontRef idx="minor">
-            <a:schemeClr val="lt1"/>
-          </a:fontRef>
-        </p:style>
-        <p:txBody>
-          <a:bodyPr wrap="square" lIns="0" rIns="0" rtlCol="0" anchor="ctr"/>
-          <a:lstStyle/>
-          <a:p>
-            <a:pPr algn="ctr"/>
-            <a:r>
-              <a:rPr lang="en-AU" sz="2000" dirty="0" smtClean="0">
-                <a:solidFill>
-                  <a:schemeClr val="tx1"/>
-                </a:solidFill>
-              </a:rPr>
-              <a:t>Story </a:t>
-            </a:r>
-            <a:r>
-              <a:rPr lang="en-AU" sz="2000" dirty="0">
-                <a:solidFill>
-                  <a:schemeClr val="tx1"/>
-                </a:solidFill>
-              </a:rPr>
-              <a:t>1</a:t>
-            </a:r>
-          </a:p>
-        </p:txBody>
-      </p:sp>
-      <p:sp>
-        <p:nvSpPr>
-          <p:cNvPr id="6" name="Rectangle 5"/>
-          <p:cNvSpPr/>
-          <p:nvPr/>
-        </p:nvSpPr>
-        <p:spPr>
-          <a:xfrm>
-            <a:off x="831153" y="109410"/>
-            <a:ext cx="7380000" cy="540000"/>
-          </a:xfrm>
-          <a:prstGeom prst="rect">
-            <a:avLst/>
-          </a:prstGeom>
-          <a:ln>
-            <a:solidFill>
-              <a:schemeClr val="accent1">
-                <a:lumMod val="50000"/>
-              </a:schemeClr>
-            </a:solidFill>
-          </a:ln>
-        </p:spPr>
-        <p:style>
-          <a:lnRef idx="2">
-            <a:schemeClr val="accent1">
-              <a:shade val="50000"/>
-            </a:schemeClr>
-          </a:lnRef>
-          <a:fillRef idx="1">
-            <a:schemeClr val="accent1"/>
-          </a:fillRef>
-          <a:effectRef idx="0">
-            <a:schemeClr val="accent1"/>
-          </a:effectRef>
-          <a:fontRef idx="minor">
-            <a:schemeClr val="lt1"/>
-          </a:fontRef>
-        </p:style>
-        <p:txBody>
-          <a:bodyPr rtlCol="0" anchor="ctr"/>
-          <a:lstStyle/>
-          <a:p>
-            <a:pPr algn="ctr"/>
-            <a:r>
-              <a:rPr lang="en-AU" sz="2800" dirty="0" smtClean="0"/>
-              <a:t>Account Registration</a:t>
-            </a:r>
-            <a:endParaRPr lang="en-AU" sz="2800" dirty="0"/>
-          </a:p>
-        </p:txBody>
-      </p:sp>
-      <p:sp>
-        <p:nvSpPr>
-          <p:cNvPr id="7" name="Rectangle 6"/>
-          <p:cNvSpPr/>
-          <p:nvPr/>
-        </p:nvSpPr>
-        <p:spPr>
-          <a:xfrm>
-            <a:off x="39153" y="822470"/>
-            <a:ext cx="9828000" cy="2340000"/>
-          </a:xfrm>
-          <a:prstGeom prst="rect">
-            <a:avLst/>
-          </a:prstGeom>
-          <a:solidFill>
-            <a:schemeClr val="tx2">
-              <a:lumMod val="20000"/>
-              <a:lumOff val="80000"/>
-            </a:schemeClr>
-          </a:solidFill>
-          <a:ln>
-            <a:solidFill>
-              <a:schemeClr val="accent1">
-                <a:lumMod val="50000"/>
-              </a:schemeClr>
-            </a:solidFill>
-          </a:ln>
-        </p:spPr>
-        <p:style>
-          <a:lnRef idx="2">
-            <a:schemeClr val="accent1">
-              <a:shade val="50000"/>
-            </a:schemeClr>
-          </a:lnRef>
-          <a:fillRef idx="1">
-            <a:schemeClr val="accent1"/>
-          </a:fillRef>
-          <a:effectRef idx="0">
-            <a:schemeClr val="accent1"/>
-          </a:effectRef>
-          <a:fontRef idx="minor">
-            <a:schemeClr val="lt1"/>
-          </a:fontRef>
-        </p:style>
-        <p:txBody>
-          <a:bodyPr rtlCol="0" anchor="t" anchorCtr="0"/>
-          <a:lstStyle/>
-          <a:p>
-            <a:r>
-              <a:rPr lang="en-AU" sz="2400" dirty="0" smtClean="0">
-                <a:solidFill>
-                  <a:schemeClr val="tx1"/>
-                </a:solidFill>
-              </a:rPr>
-              <a:t>As a Media Vault user, I want to register for an account so that I can log into Media Vault on any device.</a:t>
-            </a:r>
-          </a:p>
-        </p:txBody>
-      </p:sp>
-      <p:sp>
-        <p:nvSpPr>
-          <p:cNvPr id="8" name="Rectangle 7"/>
-          <p:cNvSpPr/>
-          <p:nvPr/>
-        </p:nvSpPr>
-        <p:spPr>
-          <a:xfrm>
-            <a:off x="39153" y="3335530"/>
-            <a:ext cx="9828000" cy="1620000"/>
-          </a:xfrm>
-          <a:prstGeom prst="rect">
-            <a:avLst/>
-          </a:prstGeom>
-          <a:solidFill>
-            <a:schemeClr val="accent1">
-              <a:lumMod val="20000"/>
-              <a:lumOff val="80000"/>
-            </a:schemeClr>
-          </a:solidFill>
-          <a:ln>
-            <a:solidFill>
-              <a:schemeClr val="accent1">
-                <a:lumMod val="50000"/>
-              </a:schemeClr>
-            </a:solidFill>
-          </a:ln>
-        </p:spPr>
-        <p:style>
-          <a:lnRef idx="2">
-            <a:schemeClr val="accent1">
-              <a:shade val="50000"/>
-            </a:schemeClr>
-          </a:lnRef>
-          <a:fillRef idx="1">
-            <a:schemeClr val="accent1"/>
-          </a:fillRef>
-          <a:effectRef idx="0">
-            <a:schemeClr val="accent1"/>
-          </a:effectRef>
-          <a:fontRef idx="minor">
-            <a:schemeClr val="lt1"/>
-          </a:fontRef>
-        </p:style>
-        <p:txBody>
-          <a:bodyPr tIns="36000" rtlCol="0" anchor="t" anchorCtr="0"/>
-          <a:lstStyle/>
-          <a:p>
-            <a:r>
-              <a:rPr lang="en-AU" sz="2000" dirty="0" smtClean="0">
-                <a:solidFill>
-                  <a:schemeClr val="tx1"/>
-                </a:solidFill>
-              </a:rPr>
-              <a:t>Acceptance Criteria</a:t>
-            </a:r>
-          </a:p>
-          <a:p>
-            <a:pPr marL="179388" indent="-179388">
-              <a:buFont typeface="Arial" pitchFamily="34" charset="0"/>
-              <a:buChar char="•"/>
-            </a:pPr>
-            <a:r>
-              <a:rPr lang="en-AU" sz="2000" dirty="0" smtClean="0">
-                <a:solidFill>
-                  <a:schemeClr val="tx1"/>
-                </a:solidFill>
-              </a:rPr>
-              <a:t> The home page has a register account button</a:t>
-            </a:r>
-          </a:p>
-          <a:p>
-            <a:pPr marL="179388" indent="-179388">
-              <a:buFont typeface="Arial" pitchFamily="34" charset="0"/>
-              <a:buChar char="•"/>
-            </a:pPr>
-            <a:r>
-              <a:rPr lang="en-AU" sz="2000" dirty="0" smtClean="0">
-                <a:solidFill>
-                  <a:schemeClr val="tx1"/>
-                </a:solidFill>
-              </a:rPr>
-              <a:t>The Media Vault user can enter in their username, email and password</a:t>
-            </a:r>
-          </a:p>
-          <a:p>
-            <a:pPr marL="179388" indent="-179388">
-              <a:buFont typeface="Arial" pitchFamily="34" charset="0"/>
-              <a:buChar char="•"/>
-            </a:pPr>
-            <a:r>
-              <a:rPr lang="en-AU" sz="2000" dirty="0" smtClean="0">
-                <a:solidFill>
-                  <a:schemeClr val="tx1"/>
-                </a:solidFill>
-              </a:rPr>
-              <a:t>A verification email will be sent to that email</a:t>
-            </a:r>
-          </a:p>
-          <a:p>
-            <a:pPr marL="179388" indent="-179388">
-              <a:buFont typeface="Arial" pitchFamily="34" charset="0"/>
-              <a:buChar char="•"/>
-            </a:pPr>
-            <a:r>
-              <a:rPr lang="en-AU" sz="2000" dirty="0" smtClean="0">
-                <a:solidFill>
-                  <a:schemeClr val="tx1"/>
-                </a:solidFill>
-              </a:rPr>
-              <a:t>The Media Vault user can log in</a:t>
-            </a:r>
-          </a:p>
-        </p:txBody>
-      </p:sp>
-      <p:sp>
-        <p:nvSpPr>
-          <p:cNvPr id="11" name="Rectangle 10"/>
-          <p:cNvSpPr/>
-          <p:nvPr/>
-        </p:nvSpPr>
-        <p:spPr>
-          <a:xfrm>
-            <a:off x="9147153" y="109410"/>
-            <a:ext cx="720000" cy="540000"/>
-          </a:xfrm>
-          <a:prstGeom prst="rect">
-            <a:avLst/>
-          </a:prstGeom>
-          <a:solidFill>
-            <a:srgbClr val="CCF0CD">
-              <a:alpha val="20000"/>
-            </a:srgbClr>
-          </a:solidFill>
-          <a:ln>
-            <a:solidFill>
-              <a:schemeClr val="accent1">
-                <a:lumMod val="50000"/>
-              </a:schemeClr>
-            </a:solidFill>
-          </a:ln>
-        </p:spPr>
-        <p:style>
-          <a:lnRef idx="2">
-            <a:schemeClr val="accent1">
-              <a:shade val="50000"/>
-            </a:schemeClr>
-          </a:lnRef>
-          <a:fillRef idx="1">
-            <a:schemeClr val="accent1"/>
-          </a:fillRef>
-          <a:effectRef idx="0">
-            <a:schemeClr val="accent1"/>
-          </a:effectRef>
-          <a:fontRef idx="minor">
-            <a:schemeClr val="lt1"/>
-          </a:fontRef>
-        </p:style>
-        <p:txBody>
-          <a:bodyPr wrap="square" lIns="0" rIns="0" rtlCol="0" anchor="ctr"/>
-          <a:lstStyle/>
-          <a:p>
-            <a:pPr algn="ctr"/>
-            <a:r>
-              <a:rPr lang="en-AU" sz="2000" dirty="0">
-                <a:solidFill>
-                  <a:schemeClr val="tx1"/>
-                </a:solidFill>
-              </a:rPr>
-              <a:t>1</a:t>
-            </a:r>
-          </a:p>
-        </p:txBody>
-      </p:sp>
-      <p:sp>
-        <p:nvSpPr>
-          <p:cNvPr id="12" name="Rectangle 11"/>
-          <p:cNvSpPr/>
-          <p:nvPr/>
-        </p:nvSpPr>
-        <p:spPr>
-          <a:xfrm>
-            <a:off x="8283153" y="109410"/>
-            <a:ext cx="792000" cy="540000"/>
-          </a:xfrm>
-          <a:prstGeom prst="rect">
-            <a:avLst/>
-          </a:prstGeom>
-          <a:solidFill>
-            <a:schemeClr val="accent4">
-              <a:lumMod val="20000"/>
-              <a:lumOff val="80000"/>
-            </a:schemeClr>
-          </a:solidFill>
-          <a:ln>
-            <a:solidFill>
-              <a:schemeClr val="accent1">
-                <a:lumMod val="50000"/>
-              </a:schemeClr>
-            </a:solidFill>
-          </a:ln>
-        </p:spPr>
-        <p:style>
-          <a:lnRef idx="2">
-            <a:schemeClr val="accent1">
-              <a:shade val="50000"/>
-            </a:schemeClr>
-          </a:lnRef>
-          <a:fillRef idx="1">
-            <a:schemeClr val="accent1"/>
-          </a:fillRef>
-          <a:effectRef idx="0">
-            <a:schemeClr val="accent1"/>
-          </a:effectRef>
-          <a:fontRef idx="minor">
-            <a:schemeClr val="lt1"/>
-          </a:fontRef>
-        </p:style>
-        <p:txBody>
-          <a:bodyPr wrap="none" lIns="0" rIns="0" rtlCol="0" anchor="ctr"/>
-          <a:lstStyle/>
-          <a:p>
-            <a:pPr algn="ctr"/>
-            <a:r>
-              <a:rPr lang="en-AU" sz="2000" dirty="0" smtClean="0">
-                <a:solidFill>
-                  <a:schemeClr val="tx1"/>
-                </a:solidFill>
-              </a:rPr>
-              <a:t>Must</a:t>
-            </a:r>
-            <a:endParaRPr lang="en-AU" sz="2000" dirty="0">
-              <a:solidFill>
-                <a:schemeClr val="tx1"/>
-              </a:solidFill>
-            </a:endParaRPr>
-          </a:p>
-        </p:txBody>
-      </p:sp>
-      <p:sp>
-        <p:nvSpPr>
-          <p:cNvPr id="13" name="Rectangle 12"/>
-          <p:cNvSpPr/>
-          <p:nvPr/>
-        </p:nvSpPr>
-        <p:spPr>
-          <a:xfrm>
-            <a:off x="39153" y="5128590"/>
-            <a:ext cx="9828000" cy="1620000"/>
-          </a:xfrm>
-          <a:prstGeom prst="rect">
-            <a:avLst/>
-          </a:prstGeom>
-          <a:solidFill>
-            <a:schemeClr val="bg1"/>
-          </a:solidFill>
-          <a:ln>
-            <a:solidFill>
-              <a:schemeClr val="accent1">
-                <a:lumMod val="50000"/>
-              </a:schemeClr>
-            </a:solidFill>
-          </a:ln>
-        </p:spPr>
-        <p:style>
-          <a:lnRef idx="2">
-            <a:schemeClr val="accent1">
-              <a:shade val="50000"/>
-            </a:schemeClr>
-          </a:lnRef>
-          <a:fillRef idx="1">
-            <a:schemeClr val="accent1"/>
-          </a:fillRef>
-          <a:effectRef idx="0">
-            <a:schemeClr val="accent1"/>
-          </a:effectRef>
-          <a:fontRef idx="minor">
-            <a:schemeClr val="lt1"/>
-          </a:fontRef>
-        </p:style>
-        <p:txBody>
-          <a:bodyPr tIns="36000" rtlCol="0" anchor="t" anchorCtr="0"/>
-          <a:lstStyle/>
-          <a:p>
-            <a:r>
-              <a:rPr lang="en-AU" sz="2000" dirty="0" smtClean="0">
-                <a:solidFill>
-                  <a:schemeClr val="tx1"/>
-                </a:solidFill>
-              </a:rPr>
-              <a:t>Notes</a:t>
-            </a:r>
-          </a:p>
-          <a:p>
-            <a:pPr marL="179388" indent="-179388">
-              <a:buFont typeface="Arial" pitchFamily="34" charset="0"/>
-              <a:buChar char="•"/>
-            </a:pPr>
-            <a:r>
-              <a:rPr lang="en-AU" sz="2000" dirty="0" smtClean="0">
-                <a:solidFill>
-                  <a:schemeClr val="tx1"/>
-                </a:solidFill>
-              </a:rPr>
-              <a:t> Duplicate accounts and emails cannot be registered</a:t>
-            </a:r>
-            <a:endParaRPr lang="en-AU" sz="2000" dirty="0">
-              <a:solidFill>
-                <a:schemeClr val="tx1"/>
-              </a:solidFill>
-            </a:endParaRPr>
+          <p:cNvPr id="2" name="Title 1"/>
+          <p:cNvSpPr>
+            <a:spLocks noGrp="1"/>
+          </p:cNvSpPr>
+          <p:nvPr>
+            <p:ph type="title"/>
+          </p:nvPr>
+        </p:nvSpPr>
+        <p:spPr>
+          <a:xfrm>
+            <a:off x="529805" y="2370857"/>
+            <a:ext cx="8915400" cy="1143000"/>
+          </a:xfrm>
+        </p:spPr>
+        <p:txBody>
+          <a:bodyPr/>
+          <a:lstStyle/>
+          <a:p>
+            <a:r>
+              <a:rPr lang="en-US" dirty="0" smtClean="0"/>
+              <a:t>Media Vault User</a:t>
+            </a:r>
+            <a:endParaRPr lang="en-US" dirty="0"/>
           </a:p>
         </p:txBody>
       </p:sp>
     </p:spTree>
+    <p:extLst>
+      <p:ext uri="{BB962C8B-B14F-4D97-AF65-F5344CB8AC3E}">
+        <p14:creationId xmlns:p14="http://schemas.microsoft.com/office/powerpoint/2010/main" val="1333486067"/>
+      </p:ext>
+    </p:extLst>
   </p:cSld>
   <p:clrMapOvr>
     <a:masterClrMapping/>
@@ -13899,7 +13552,359 @@
                   <a:schemeClr val="tx1"/>
                 </a:solidFill>
               </a:rPr>
-              <a:t>Story 3</a:t>
+              <a:t>Story </a:t>
+            </a:r>
+            <a:r>
+              <a:rPr lang="en-AU" sz="2000" dirty="0">
+                <a:solidFill>
+                  <a:schemeClr val="tx1"/>
+                </a:solidFill>
+              </a:rPr>
+              <a:t>1</a:t>
+            </a:r>
+          </a:p>
+        </p:txBody>
+      </p:sp>
+      <p:sp>
+        <p:nvSpPr>
+          <p:cNvPr id="6" name="Rectangle 5"/>
+          <p:cNvSpPr/>
+          <p:nvPr/>
+        </p:nvSpPr>
+        <p:spPr>
+          <a:xfrm>
+            <a:off x="831153" y="109410"/>
+            <a:ext cx="7380000" cy="540000"/>
+          </a:xfrm>
+          <a:prstGeom prst="rect">
+            <a:avLst/>
+          </a:prstGeom>
+          <a:ln>
+            <a:solidFill>
+              <a:schemeClr val="accent1">
+                <a:lumMod val="50000"/>
+              </a:schemeClr>
+            </a:solidFill>
+          </a:ln>
+        </p:spPr>
+        <p:style>
+          <a:lnRef idx="2">
+            <a:schemeClr val="accent1">
+              <a:shade val="50000"/>
+            </a:schemeClr>
+          </a:lnRef>
+          <a:fillRef idx="1">
+            <a:schemeClr val="accent1"/>
+          </a:fillRef>
+          <a:effectRef idx="0">
+            <a:schemeClr val="accent1"/>
+          </a:effectRef>
+          <a:fontRef idx="minor">
+            <a:schemeClr val="lt1"/>
+          </a:fontRef>
+        </p:style>
+        <p:txBody>
+          <a:bodyPr rtlCol="0" anchor="ctr"/>
+          <a:lstStyle/>
+          <a:p>
+            <a:pPr algn="ctr"/>
+            <a:r>
+              <a:rPr lang="en-AU" sz="2800" dirty="0" smtClean="0"/>
+              <a:t>Account Registration</a:t>
+            </a:r>
+            <a:endParaRPr lang="en-AU" sz="2800" dirty="0"/>
+          </a:p>
+        </p:txBody>
+      </p:sp>
+      <p:sp>
+        <p:nvSpPr>
+          <p:cNvPr id="7" name="Rectangle 6"/>
+          <p:cNvSpPr/>
+          <p:nvPr/>
+        </p:nvSpPr>
+        <p:spPr>
+          <a:xfrm>
+            <a:off x="39153" y="822470"/>
+            <a:ext cx="9828000" cy="2340000"/>
+          </a:xfrm>
+          <a:prstGeom prst="rect">
+            <a:avLst/>
+          </a:prstGeom>
+          <a:solidFill>
+            <a:schemeClr val="tx2">
+              <a:lumMod val="20000"/>
+              <a:lumOff val="80000"/>
+            </a:schemeClr>
+          </a:solidFill>
+          <a:ln>
+            <a:solidFill>
+              <a:schemeClr val="accent1">
+                <a:lumMod val="50000"/>
+              </a:schemeClr>
+            </a:solidFill>
+          </a:ln>
+        </p:spPr>
+        <p:style>
+          <a:lnRef idx="2">
+            <a:schemeClr val="accent1">
+              <a:shade val="50000"/>
+            </a:schemeClr>
+          </a:lnRef>
+          <a:fillRef idx="1">
+            <a:schemeClr val="accent1"/>
+          </a:fillRef>
+          <a:effectRef idx="0">
+            <a:schemeClr val="accent1"/>
+          </a:effectRef>
+          <a:fontRef idx="minor">
+            <a:schemeClr val="lt1"/>
+          </a:fontRef>
+        </p:style>
+        <p:txBody>
+          <a:bodyPr rtlCol="0" anchor="t" anchorCtr="0"/>
+          <a:lstStyle/>
+          <a:p>
+            <a:r>
+              <a:rPr lang="en-AU" sz="2400" dirty="0" smtClean="0">
+                <a:solidFill>
+                  <a:schemeClr val="tx1"/>
+                </a:solidFill>
+              </a:rPr>
+              <a:t>As a Media Vault user, I want to register for an account so that I can log into Media Vault on any device.</a:t>
+            </a:r>
+          </a:p>
+        </p:txBody>
+      </p:sp>
+      <p:sp>
+        <p:nvSpPr>
+          <p:cNvPr id="8" name="Rectangle 7"/>
+          <p:cNvSpPr/>
+          <p:nvPr/>
+        </p:nvSpPr>
+        <p:spPr>
+          <a:xfrm>
+            <a:off x="39153" y="3335530"/>
+            <a:ext cx="9828000" cy="1620000"/>
+          </a:xfrm>
+          <a:prstGeom prst="rect">
+            <a:avLst/>
+          </a:prstGeom>
+          <a:solidFill>
+            <a:schemeClr val="accent1">
+              <a:lumMod val="20000"/>
+              <a:lumOff val="80000"/>
+            </a:schemeClr>
+          </a:solidFill>
+          <a:ln>
+            <a:solidFill>
+              <a:schemeClr val="accent1">
+                <a:lumMod val="50000"/>
+              </a:schemeClr>
+            </a:solidFill>
+          </a:ln>
+        </p:spPr>
+        <p:style>
+          <a:lnRef idx="2">
+            <a:schemeClr val="accent1">
+              <a:shade val="50000"/>
+            </a:schemeClr>
+          </a:lnRef>
+          <a:fillRef idx="1">
+            <a:schemeClr val="accent1"/>
+          </a:fillRef>
+          <a:effectRef idx="0">
+            <a:schemeClr val="accent1"/>
+          </a:effectRef>
+          <a:fontRef idx="minor">
+            <a:schemeClr val="lt1"/>
+          </a:fontRef>
+        </p:style>
+        <p:txBody>
+          <a:bodyPr tIns="36000" rtlCol="0" anchor="t" anchorCtr="0"/>
+          <a:lstStyle/>
+          <a:p>
+            <a:r>
+              <a:rPr lang="en-AU" sz="2000" dirty="0" smtClean="0">
+                <a:solidFill>
+                  <a:schemeClr val="tx1"/>
+                </a:solidFill>
+              </a:rPr>
+              <a:t>Acceptance Criteria</a:t>
+            </a:r>
+          </a:p>
+          <a:p>
+            <a:pPr marL="179388" indent="-179388">
+              <a:buFont typeface="Arial" pitchFamily="34" charset="0"/>
+              <a:buChar char="•"/>
+            </a:pPr>
+            <a:r>
+              <a:rPr lang="en-AU" sz="2000" dirty="0" smtClean="0">
+                <a:solidFill>
+                  <a:schemeClr val="tx1"/>
+                </a:solidFill>
+              </a:rPr>
+              <a:t> The home page has a register account button</a:t>
+            </a:r>
+          </a:p>
+          <a:p>
+            <a:pPr marL="179388" indent="-179388">
+              <a:buFont typeface="Arial" pitchFamily="34" charset="0"/>
+              <a:buChar char="•"/>
+            </a:pPr>
+            <a:r>
+              <a:rPr lang="en-AU" sz="2000" dirty="0" smtClean="0">
+                <a:solidFill>
+                  <a:schemeClr val="tx1"/>
+                </a:solidFill>
+              </a:rPr>
+              <a:t>The Media Vault user can enter in their username, email and password</a:t>
+            </a:r>
+          </a:p>
+          <a:p>
+            <a:pPr marL="179388" indent="-179388">
+              <a:buFont typeface="Arial" pitchFamily="34" charset="0"/>
+              <a:buChar char="•"/>
+            </a:pPr>
+            <a:r>
+              <a:rPr lang="en-AU" sz="2000" dirty="0" smtClean="0">
+                <a:solidFill>
+                  <a:schemeClr val="tx1"/>
+                </a:solidFill>
+              </a:rPr>
+              <a:t>A verification email will be sent to that email</a:t>
+            </a:r>
+          </a:p>
+          <a:p>
+            <a:pPr marL="179388" indent="-179388">
+              <a:buFont typeface="Arial" pitchFamily="34" charset="0"/>
+              <a:buChar char="•"/>
+            </a:pPr>
+            <a:r>
+              <a:rPr lang="en-AU" sz="2000" dirty="0" smtClean="0">
+                <a:solidFill>
+                  <a:schemeClr val="tx1"/>
+                </a:solidFill>
+              </a:rPr>
+              <a:t>The Media Vault user can log in</a:t>
+            </a:r>
+          </a:p>
+        </p:txBody>
+      </p:sp>
+      <p:sp>
+        <p:nvSpPr>
+          <p:cNvPr id="11" name="Rectangle 10"/>
+          <p:cNvSpPr/>
+          <p:nvPr/>
+        </p:nvSpPr>
+        <p:spPr>
+          <a:xfrm>
+            <a:off x="9147153" y="109410"/>
+            <a:ext cx="720000" cy="540000"/>
+          </a:xfrm>
+          <a:prstGeom prst="rect">
+            <a:avLst/>
+          </a:prstGeom>
+          <a:solidFill>
+            <a:srgbClr val="CCF0CD">
+              <a:alpha val="20000"/>
+            </a:srgbClr>
+          </a:solidFill>
+          <a:ln>
+            <a:solidFill>
+              <a:schemeClr val="accent1">
+                <a:lumMod val="50000"/>
+              </a:schemeClr>
+            </a:solidFill>
+          </a:ln>
+        </p:spPr>
+        <p:style>
+          <a:lnRef idx="2">
+            <a:schemeClr val="accent1">
+              <a:shade val="50000"/>
+            </a:schemeClr>
+          </a:lnRef>
+          <a:fillRef idx="1">
+            <a:schemeClr val="accent1"/>
+          </a:fillRef>
+          <a:effectRef idx="0">
+            <a:schemeClr val="accent1"/>
+          </a:effectRef>
+          <a:fontRef idx="minor">
+            <a:schemeClr val="lt1"/>
+          </a:fontRef>
+        </p:style>
+        <p:txBody>
+          <a:bodyPr wrap="square" lIns="0" rIns="0" rtlCol="0" anchor="ctr"/>
+          <a:lstStyle/>
+          <a:p>
+            <a:pPr algn="ctr"/>
+            <a:r>
+              <a:rPr lang="en-AU" sz="2000" dirty="0">
+                <a:solidFill>
+                  <a:schemeClr val="tx1"/>
+                </a:solidFill>
+              </a:rPr>
+              <a:t>1</a:t>
+            </a:r>
+          </a:p>
+        </p:txBody>
+      </p:sp>
+      <p:sp>
+        <p:nvSpPr>
+          <p:cNvPr id="12" name="Rectangle 11"/>
+          <p:cNvSpPr/>
+          <p:nvPr/>
+        </p:nvSpPr>
+        <p:spPr>
+          <a:xfrm>
+            <a:off x="8283153" y="109410"/>
+            <a:ext cx="792000" cy="540000"/>
+          </a:xfrm>
+          <a:prstGeom prst="rect">
+            <a:avLst/>
+          </a:prstGeom>
+          <a:solidFill>
+            <a:schemeClr val="accent4">
+              <a:lumMod val="20000"/>
+              <a:lumOff val="80000"/>
+            </a:schemeClr>
+          </a:solidFill>
+          <a:ln>
+            <a:solidFill>
+              <a:schemeClr val="accent1">
+                <a:lumMod val="50000"/>
+              </a:schemeClr>
+            </a:solidFill>
+          </a:ln>
+        </p:spPr>
+        <p:style>
+          <a:lnRef idx="2">
+            <a:schemeClr val="accent1">
+              <a:shade val="50000"/>
+            </a:schemeClr>
+          </a:lnRef>
+          <a:fillRef idx="1">
+            <a:schemeClr val="accent1"/>
+          </a:fillRef>
+          <a:effectRef idx="0">
+            <a:schemeClr val="accent1"/>
+          </a:effectRef>
+          <a:fontRef idx="minor">
+            <a:schemeClr val="lt1"/>
+          </a:fontRef>
+        </p:style>
+        <p:txBody>
+          <a:bodyPr wrap="none" lIns="0" rIns="0" rtlCol="0" anchor="ctr"/>
+          <a:lstStyle/>
+          <a:p>
+            <a:pPr algn="ctr"/>
+            <a:r>
+              <a:rPr lang="en-AU" sz="2000" dirty="0" smtClean="0">
+                <a:solidFill>
+                  <a:schemeClr val="tx1"/>
+                </a:solidFill>
+              </a:rPr>
+              <a:t>Must</a:t>
             </a:r>
             <a:endParaRPr lang="en-AU" sz="2000" dirty="0">
               <a:solidFill>
@@ -13911,144 +13916,20 @@
       </p:sp>
       <p:sp>
         <p:nvSpPr>
-          <p:cNvPr id="6" name="Rectangle 5"/>
-          <p:cNvSpPr/>
-          <p:nvPr/>
-        </p:nvSpPr>
-        <p:spPr>
-          <a:xfrm>
-            <a:off x="831153" y="109410"/>
-            <a:ext cx="7380000" cy="540000"/>
-          </a:xfrm>
-          <a:prstGeom prst="rect">
-            <a:avLst/>
-          </a:prstGeom>
-          <a:ln>
-            <a:solidFill>
-              <a:schemeClr val="accent1">
-                <a:lumMod val="50000"/>
-              </a:schemeClr>
-            </a:solidFill>
-          </a:ln>
-        </p:spPr>
-        <p:style>
-          <a:lnRef idx="2">
-            <a:schemeClr val="accent1">
-              <a:shade val="50000"/>
-            </a:schemeClr>
-          </a:lnRef>
-          <a:fillRef idx="1">
-            <a:schemeClr val="accent1"/>
-          </a:fillRef>
-          <a:effectRef idx="0">
-            <a:schemeClr val="accent1"/>
-          </a:effectRef>
-          <a:fontRef idx="minor">
-            <a:schemeClr val="lt1"/>
-          </a:fontRef>
-        </p:style>
-        <p:txBody>
-          <a:bodyPr rtlCol="0" anchor="ctr"/>
-          <a:lstStyle/>
-          <a:p>
-            <a:pPr algn="ctr"/>
-            <a:r>
-              <a:rPr lang="en-AU" sz="2800" dirty="0" smtClean="0"/>
-              <a:t>Media Vault Login</a:t>
-            </a:r>
-            <a:endParaRPr lang="en-AU" sz="2800" dirty="0"/>
-          </a:p>
-        </p:txBody>
-      </p:sp>
-      <p:sp>
-        <p:nvSpPr>
-          <p:cNvPr id="7" name="Rectangle 6"/>
-          <p:cNvSpPr/>
-          <p:nvPr/>
-        </p:nvSpPr>
-        <p:spPr>
-          <a:xfrm>
-            <a:off x="39153" y="822470"/>
-            <a:ext cx="9828000" cy="2340000"/>
-          </a:xfrm>
-          <a:prstGeom prst="rect">
-            <a:avLst/>
-          </a:prstGeom>
-          <a:solidFill>
-            <a:schemeClr val="tx2">
-              <a:lumMod val="20000"/>
-              <a:lumOff val="80000"/>
-            </a:schemeClr>
-          </a:solidFill>
-          <a:ln>
-            <a:solidFill>
-              <a:schemeClr val="accent1">
-                <a:lumMod val="50000"/>
-              </a:schemeClr>
-            </a:solidFill>
-          </a:ln>
-        </p:spPr>
-        <p:style>
-          <a:lnRef idx="2">
-            <a:schemeClr val="accent1">
-              <a:shade val="50000"/>
-            </a:schemeClr>
-          </a:lnRef>
-          <a:fillRef idx="1">
-            <a:schemeClr val="accent1"/>
-          </a:fillRef>
-          <a:effectRef idx="0">
-            <a:schemeClr val="accent1"/>
-          </a:effectRef>
-          <a:fontRef idx="minor">
-            <a:schemeClr val="lt1"/>
-          </a:fontRef>
-        </p:style>
-        <p:txBody>
-          <a:bodyPr rtlCol="0" anchor="t" anchorCtr="0"/>
-          <a:lstStyle/>
-          <a:p>
-            <a:r>
-              <a:rPr lang="en-AU" sz="2400" dirty="0" smtClean="0">
-                <a:solidFill>
-                  <a:schemeClr val="tx1"/>
-                </a:solidFill>
-              </a:rPr>
-              <a:t>As a Media Vault user, I want to sign in with my account, so that I can use it.</a:t>
-            </a:r>
-          </a:p>
-          <a:p>
-            <a:pPr marL="342900" indent="-342900">
-              <a:buFont typeface="Arial" charset="0"/>
-              <a:buChar char="•"/>
-            </a:pPr>
-            <a:endParaRPr lang="en-AU" sz="2400" dirty="0" smtClean="0">
-              <a:solidFill>
-                <a:schemeClr val="tx1"/>
-              </a:solidFill>
-            </a:endParaRPr>
-          </a:p>
-        </p:txBody>
-      </p:sp>
-      <p:sp>
-        <p:nvSpPr>
-          <p:cNvPr id="8" name="Rectangle 7"/>
-          <p:cNvSpPr/>
-          <p:nvPr/>
-        </p:nvSpPr>
-        <p:spPr>
-          <a:xfrm>
-            <a:off x="39153" y="3335530"/>
+          <p:cNvPr id="13" name="Rectangle 12"/>
+          <p:cNvSpPr/>
+          <p:nvPr/>
+        </p:nvSpPr>
+        <p:spPr>
+          <a:xfrm>
+            <a:off x="39153" y="5128590"/>
             <a:ext cx="9828000" cy="1620000"/>
           </a:xfrm>
           <a:prstGeom prst="rect">
             <a:avLst/>
           </a:prstGeom>
           <a:solidFill>
-            <a:schemeClr val="accent1">
-              <a:lumMod val="20000"/>
-              <a:lumOff val="80000"/>
-            </a:schemeClr>
+            <a:schemeClr val="bg1"/>
           </a:solidFill>
           <a:ln>
             <a:solidFill>
@@ -14084,7 +13965,7 @@
                   <a:schemeClr val="tx1"/>
                 </a:solidFill>
               </a:rPr>
-              <a:t>Acceptance Criteria</a:t>
+              <a:t>Notes</a:t>
             </a:r>
           </a:p>
           <a:p>
@@ -14098,140 +13979,7 @@
                   <a:schemeClr val="tx1"/>
                 </a:solidFill>
               </a:rPr>
-              <a:t> The Media Vault user will be taken to the main dashboard after logging in with their username and password</a:t>
-            </a:r>
-          </a:p>
-          <a:p>
-            <a:pPr marL="179388" indent="-179388">
-              <a:buFont typeface="Arial" pitchFamily="34" charset="0"/>
-              <a:buChar char="•"/>
-            </a:pPr>
-            <a:r>
-              <a:rPr lang="en-AU" sz="2000" dirty="0" smtClean="0">
-                <a:solidFill>
-                  <a:schemeClr val="tx1"/>
-                </a:solidFill>
-              </a:rPr>
-              <a:t>If the details are incorrect, an error message will display</a:t>
-            </a:r>
-          </a:p>
-        </p:txBody>
-      </p:sp>
-      <p:sp>
-        <p:nvSpPr>
-          <p:cNvPr id="11" name="Rectangle 10"/>
-          <p:cNvSpPr/>
-          <p:nvPr/>
-        </p:nvSpPr>
-        <p:spPr>
-          <a:xfrm>
-            <a:off x="9147153" y="109410"/>
-            <a:ext cx="720000" cy="540000"/>
-          </a:xfrm>
-          <a:prstGeom prst="rect">
-            <a:avLst/>
-          </a:prstGeom>
-          <a:solidFill>
-            <a:srgbClr val="CCF0CD">
-              <a:alpha val="20000"/>
-            </a:srgbClr>
-          </a:solidFill>
-          <a:ln>
-            <a:solidFill>
-              <a:schemeClr val="accent1">
-                <a:lumMod val="50000"/>
-              </a:schemeClr>
-            </a:solidFill>
-          </a:ln>
-        </p:spPr>
-        <p:style>
-          <a:lnRef idx="2">
-            <a:schemeClr val="accent1">
-              <a:shade val="50000"/>
-            </a:schemeClr>
-          </a:lnRef>
-          <a:fillRef idx="1">
-            <a:schemeClr val="accent1"/>
-          </a:fillRef>
-          <a:effectRef idx="0">
-            <a:schemeClr val="accent1"/>
-          </a:effectRef>
-          <a:fontRef idx="minor">
-            <a:schemeClr val="lt1"/>
-          </a:fontRef>
-        </p:style>
-        <p:txBody>
-          <a:bodyPr wrap="square" lIns="0" rIns="0" rtlCol="0" anchor="ctr"/>
-          <a:lstStyle/>
-          <a:p>
-            <a:pPr algn="ctr"/>
-            <a:r>
-              <a:rPr lang="en-AU" sz="2000" dirty="0">
-                <a:solidFill>
-                  <a:schemeClr val="tx1"/>
-                </a:solidFill>
-              </a:rPr>
-              <a:t>1</a:t>
-            </a:r>
-          </a:p>
-        </p:txBody>
-      </p:sp>
-      <p:sp>
-        <p:nvSpPr>
-          <p:cNvPr id="12" name="Rectangle 11"/>
-          <p:cNvSpPr/>
-          <p:nvPr/>
-        </p:nvSpPr>
-        <p:spPr>
-          <a:xfrm>
-            <a:off x="8283153" y="109410"/>
-            <a:ext cx="792000" cy="540000"/>
-          </a:xfrm>
-          <a:prstGeom prst="rect">
-            <a:avLst/>
-          </a:prstGeom>
-          <a:solidFill>
-            <a:schemeClr val="accent4">
-              <a:lumMod val="20000"/>
-              <a:lumOff val="80000"/>
-            </a:schemeClr>
-          </a:solidFill>
-          <a:ln>
-            <a:solidFill>
-              <a:schemeClr val="accent1">
-                <a:lumMod val="50000"/>
-              </a:schemeClr>
-            </a:solidFill>
-          </a:ln>
-        </p:spPr>
-        <p:style>
-          <a:lnRef idx="2">
-            <a:schemeClr val="accent1">
-              <a:shade val="50000"/>
-            </a:schemeClr>
-          </a:lnRef>
-          <a:fillRef idx="1">
-            <a:schemeClr val="accent1"/>
-          </a:fillRef>
-          <a:effectRef idx="0">
-            <a:schemeClr val="accent1"/>
-          </a:effectRef>
-          <a:fontRef idx="minor">
-            <a:schemeClr val="lt1"/>
-          </a:fontRef>
-        </p:style>
-        <p:txBody>
-          <a:bodyPr wrap="none" lIns="0" rIns="0" rtlCol="0" anchor="ctr"/>
-          <a:lstStyle/>
-          <a:p>
-            <a:pPr algn="ctr"/>
-            <a:r>
-              <a:rPr lang="en-AU" sz="2000" dirty="0" smtClean="0">
-                <a:solidFill>
-                  <a:schemeClr val="tx1"/>
-                </a:solidFill>
-              </a:rPr>
-              <a:t>Must</a:t>
+              <a:t> Duplicate accounts and emails cannot be registered</a:t>
             </a:r>
             <a:endParaRPr lang="en-AU" sz="2000" dirty="0">
               <a:solidFill>
@@ -14241,87 +13989,7 @@
           </a:p>
         </p:txBody>
       </p:sp>
-      <p:sp>
-        <p:nvSpPr>
-          <p:cNvPr id="13" name="Rectangle 12"/>
-          <p:cNvSpPr/>
-          <p:nvPr/>
-        </p:nvSpPr>
-        <p:spPr>
-          <a:xfrm>
-            <a:off x="39153" y="5128590"/>
-            <a:ext cx="9828000" cy="1620000"/>
-          </a:xfrm>
-          <a:prstGeom prst="rect">
-            <a:avLst/>
-          </a:prstGeom>
-          <a:solidFill>
-            <a:schemeClr val="bg1"/>
-          </a:solidFill>
-          <a:ln>
-            <a:solidFill>
-              <a:schemeClr val="accent1">
-                <a:lumMod val="50000"/>
-              </a:schemeClr>
-            </a:solidFill>
-          </a:ln>
-        </p:spPr>
-        <p:style>
-          <a:lnRef idx="2">
-            <a:schemeClr val="accent1">
-              <a:shade val="50000"/>
-            </a:schemeClr>
-          </a:lnRef>
-          <a:fillRef idx="1">
-            <a:schemeClr val="accent1"/>
-          </a:fillRef>
-          <a:effectRef idx="0">
-            <a:schemeClr val="accent1"/>
-          </a:effectRef>
-          <a:fontRef idx="minor">
-            <a:schemeClr val="lt1"/>
-          </a:fontRef>
-        </p:style>
-        <p:txBody>
-          <a:bodyPr tIns="36000" rtlCol="0" anchor="t" anchorCtr="0"/>
-          <a:lstStyle/>
-          <a:p>
-            <a:r>
-              <a:rPr lang="en-AU" sz="2000" dirty="0" smtClean="0">
-                <a:solidFill>
-                  <a:schemeClr val="tx1"/>
-                </a:solidFill>
-              </a:rPr>
-              <a:t>Notes</a:t>
-            </a:r>
-            <a:endParaRPr lang="en-AU" sz="2000" dirty="0">
-              <a:solidFill>
-                <a:schemeClr val="tx1"/>
-              </a:solidFill>
-            </a:endParaRPr>
-          </a:p>
-          <a:p>
-            <a:pPr marL="342900" indent="-342900">
-              <a:buFont typeface="Arial" charset="0"/>
-              <a:buChar char="•"/>
-            </a:pPr>
-            <a:r>
-              <a:rPr lang="en-AU" sz="2000" dirty="0" smtClean="0">
-                <a:solidFill>
-                  <a:schemeClr val="tx1"/>
-                </a:solidFill>
-              </a:rPr>
-              <a:t>The user will need to be able to make an account first, story card 1 needs to be complete</a:t>
-            </a:r>
-          </a:p>
-        </p:txBody>
-      </p:sp>
     </p:spTree>
-    <p:extLst>
-      <p:ext uri="{BB962C8B-B14F-4D97-AF65-F5344CB8AC3E}">
-        <p14:creationId xmlns:p14="http://schemas.microsoft.com/office/powerpoint/2010/main" val="1478449238"/>
-      </p:ext>
-    </p:extLst>
   </p:cSld>
   <p:clrMapOvr>
     <a:masterClrMapping/>
@@ -14401,7 +14069,7 @@
                   <a:schemeClr val="tx1"/>
                 </a:solidFill>
               </a:rPr>
-              <a:t>Story 4</a:t>
+              <a:t>Story 3</a:t>
             </a:r>
             <a:endParaRPr lang="en-AU" sz="2000" dirty="0">
               <a:solidFill>
@@ -14456,7 +14124,7 @@
             <a:pPr algn="ctr"/>
             <a:r>
               <a:rPr lang="en-AU" sz="2800" dirty="0" smtClean="0"/>
-              <a:t>View my Files</a:t>
+              <a:t>Media Vault Login</a:t>
             </a:r>
             <a:endParaRPr lang="en-AU" sz="2800" dirty="0"/>
           </a:p>
@@ -14471,7 +14139,7 @@
         <p:spPr>
           <a:xfrm>
             <a:off x="39153" y="822470"/>
-            <a:ext cx="9828000" cy="2772906"/>
+            <a:ext cx="9828000" cy="2340000"/>
           </a:xfrm>
           <a:prstGeom prst="rect">
             <a:avLst/>
@@ -14516,7 +14184,7 @@
                   <a:schemeClr val="tx1"/>
                 </a:solidFill>
               </a:rPr>
-              <a:t>As a Media Vault user, I want to see all my files that I have uploaded to Media Vault, so that I can access them.</a:t>
+              <a:t>As a Media Vault user, I want to sign in with my account, so that I can use it.</a:t>
             </a:r>
           </a:p>
           <a:p>
@@ -14540,8 +14208,8 @@
         </p:nvSpPr>
         <p:spPr>
           <a:xfrm>
-            <a:off x="39153" y="3768436"/>
-            <a:ext cx="9828000" cy="1744090"/>
+            <a:off x="39153" y="3335530"/>
+            <a:ext cx="9828000" cy="1620000"/>
           </a:xfrm>
           <a:prstGeom prst="rect">
             <a:avLst/>
@@ -14600,7 +14268,7 @@
                   <a:schemeClr val="tx1"/>
                 </a:solidFill>
               </a:rPr>
-              <a:t> After login, the Media Vault user will be taken to a webpage that will display all the files they have uploaded</a:t>
+              <a:t> The Media Vault user will be taken to the main dashboard after logging in with their username and password</a:t>
             </a:r>
           </a:p>
           <a:p>
@@ -14614,7 +14282,7 @@
                   <a:schemeClr val="tx1"/>
                 </a:solidFill>
               </a:rPr>
-              <a:t>The files should only be the files that belong to that user</a:t>
+              <a:t>If the details are incorrect, an error message will display</a:t>
             </a:r>
           </a:p>
         </p:txBody>
@@ -14673,7 +14341,7 @@
                   <a:schemeClr val="tx1"/>
                 </a:solidFill>
               </a:rPr>
-              <a:t>2</a:t>
+              <a:t>1</a:t>
             </a:r>
           </a:p>
         </p:txBody>
@@ -14751,8 +14419,8 @@
         </p:nvSpPr>
         <p:spPr>
           <a:xfrm>
-            <a:off x="39153" y="5630090"/>
-            <a:ext cx="9828000" cy="1118499"/>
+            <a:off x="39153" y="5128590"/>
+            <a:ext cx="9828000" cy="1620000"/>
           </a:xfrm>
           <a:prstGeom prst="rect">
             <a:avLst/>
@@ -14796,30 +14464,32 @@
               </a:rPr>
               <a:t>Notes</a:t>
             </a:r>
-          </a:p>
-          <a:p>
-            <a:r>
-              <a:rPr lang="en-AU" sz="2000" dirty="0">
-                <a:solidFill>
-                  <a:schemeClr val="tx1"/>
-                </a:solidFill>
-              </a:rPr>
-              <a:t>The user will need to be able to make an account first, story card 1 needs to be complete</a:t>
-            </a:r>
-          </a:p>
-          <a:p>
-            <a:endParaRPr lang="en-AU" sz="2000" dirty="0" smtClean="0">
+            <a:endParaRPr lang="en-AU" sz="2000" dirty="0">
               <a:solidFill>
                 <a:schemeClr val="tx1"/>
               </a:solidFill>
             </a:endParaRPr>
           </a:p>
+          <a:p>
+            <a:pPr marL="342900" indent="-342900">
+              <a:buFont typeface="Arial" charset="0"/>
+              <a:buChar char="•"/>
+            </a:pPr>
+            <a:r>
+              <a:rPr lang="en-AU" sz="2000" dirty="0" smtClean="0">
+                <a:solidFill>
+                  <a:schemeClr val="tx1"/>
+                </a:solidFill>
+              </a:rPr>
+              <a:t>The user will need to be able to make an account first, story card 1 needs to be complete</a:t>
+            </a:r>
+          </a:p>
         </p:txBody>
       </p:sp>
     </p:spTree>
     <p:extLst>
       <p:ext uri="{BB962C8B-B14F-4D97-AF65-F5344CB8AC3E}">
-        <p14:creationId xmlns:p14="http://schemas.microsoft.com/office/powerpoint/2010/main" val="784786289"/>
+        <p14:creationId xmlns:p14="http://schemas.microsoft.com/office/powerpoint/2010/main" val="1478449238"/>
       </p:ext>
     </p:extLst>
   </p:cSld>
@@ -14901,7 +14571,7 @@
                   <a:schemeClr val="tx1"/>
                 </a:solidFill>
               </a:rPr>
-              <a:t>Story 5</a:t>
+              <a:t>Story 4</a:t>
             </a:r>
             <a:endParaRPr lang="en-AU" sz="2000" dirty="0">
               <a:solidFill>
@@ -14925,9 +14595,6 @@
           <a:prstGeom prst="rect">
             <a:avLst/>
           </a:prstGeom>
-          <a:solidFill>
-            <a:schemeClr val="accent3"/>
-          </a:solidFill>
           <a:ln>
             <a:solidFill>
               <a:schemeClr val="accent1">
@@ -14959,7 +14626,7 @@
             <a:pPr algn="ctr"/>
             <a:r>
               <a:rPr lang="en-AU" sz="2800" dirty="0" smtClean="0"/>
-              <a:t>Download my File</a:t>
+              <a:t>View my Files</a:t>
             </a:r>
             <a:endParaRPr lang="en-AU" sz="2800" dirty="0"/>
           </a:p>
@@ -14974,7 +14641,7 @@
         <p:spPr>
           <a:xfrm>
             <a:off x="39153" y="822470"/>
-            <a:ext cx="9828000" cy="2340000"/>
+            <a:ext cx="9828000" cy="2772906"/>
           </a:xfrm>
           <a:prstGeom prst="rect">
             <a:avLst/>
@@ -15019,7 +14686,7 @@
                   <a:schemeClr val="tx1"/>
                 </a:solidFill>
               </a:rPr>
-              <a:t>As a Media Vault user, I want to download a file that I have uploaded, so that I can keep a local version for when I have no internet.</a:t>
+              <a:t>As a Media Vault user, I want to see all my files that I have uploaded to Media Vault, so that I can access them.</a:t>
             </a:r>
           </a:p>
           <a:p>
@@ -15043,8 +14710,8 @@
         </p:nvSpPr>
         <p:spPr>
           <a:xfrm>
-            <a:off x="39153" y="3335530"/>
-            <a:ext cx="9828000" cy="1620000"/>
+            <a:off x="39153" y="3768436"/>
+            <a:ext cx="9828000" cy="1744090"/>
           </a:xfrm>
           <a:prstGeom prst="rect">
             <a:avLst/>
@@ -15103,7 +14770,7 @@
                   <a:schemeClr val="tx1"/>
                 </a:solidFill>
               </a:rPr>
-              <a:t> The file will have a download button</a:t>
+              <a:t> After login, the Media Vault user will be taken to a webpage that will display all the files they have uploaded</a:t>
             </a:r>
           </a:p>
           <a:p>
@@ -15117,21 +14784,7 @@
                   <a:schemeClr val="tx1"/>
                 </a:solidFill>
               </a:rPr>
-              <a:t>After clicking the download button, the file will download to the Media Vault user’s device</a:t>
-            </a:r>
-          </a:p>
-          <a:p>
-            <a:pPr marL="179388" indent="-179388">
-              <a:buFont typeface="Arial" pitchFamily="34" charset="0"/>
-              <a:buChar char="•"/>
-            </a:pPr>
-            <a:r>
-              <a:rPr lang="en-AU" sz="2000" dirty="0" smtClean="0">
-                <a:solidFill>
-                  <a:schemeClr val="tx1"/>
-                </a:solidFill>
-              </a:rPr>
-              <a:t>The file will keep the same name that it has on the website</a:t>
+              <a:t>The files should only be the files that belong to that user</a:t>
             </a:r>
           </a:p>
         </p:txBody>
@@ -15190,7 +14843,7 @@
                   <a:schemeClr val="tx1"/>
                 </a:solidFill>
               </a:rPr>
-              <a:t>1</a:t>
+              <a:t>2</a:t>
             </a:r>
           </a:p>
         </p:txBody>
@@ -15268,8 +14921,8 @@
         </p:nvSpPr>
         <p:spPr>
           <a:xfrm>
-            <a:off x="39153" y="5128590"/>
-            <a:ext cx="9828000" cy="1620000"/>
+            <a:off x="39153" y="5630090"/>
+            <a:ext cx="9828000" cy="1118499"/>
           </a:xfrm>
           <a:prstGeom prst="rect">
             <a:avLst/>
@@ -15313,13 +14966,30 @@
               </a:rPr>
               <a:t>Notes</a:t>
             </a:r>
+          </a:p>
+          <a:p>
+            <a:r>
+              <a:rPr lang="en-AU" sz="2000" dirty="0">
+                <a:solidFill>
+                  <a:schemeClr val="tx1"/>
+                </a:solidFill>
+              </a:rPr>
+              <a:t>The user will need to be able to make an account first, story card 1 needs to be complete</a:t>
+            </a:r>
+          </a:p>
+          <a:p>
+            <a:endParaRPr lang="en-AU" sz="2000" dirty="0" smtClean="0">
+              <a:solidFill>
+                <a:schemeClr val="tx1"/>
+              </a:solidFill>
+            </a:endParaRPr>
           </a:p>
         </p:txBody>
       </p:sp>
     </p:spTree>
     <p:extLst>
       <p:ext uri="{BB962C8B-B14F-4D97-AF65-F5344CB8AC3E}">
-        <p14:creationId xmlns:p14="http://schemas.microsoft.com/office/powerpoint/2010/main" val="1836719830"/>
+        <p14:creationId xmlns:p14="http://schemas.microsoft.com/office/powerpoint/2010/main" val="784786289"/>
       </p:ext>
     </p:extLst>
   </p:cSld>
@@ -15401,7 +15071,7 @@
                   <a:schemeClr val="tx1"/>
                 </a:solidFill>
               </a:rPr>
-              <a:t>Story 6</a:t>
+              <a:t>Story 5</a:t>
             </a:r>
             <a:endParaRPr lang="en-AU" sz="2000" dirty="0">
               <a:solidFill>
@@ -15419,7 +15089,7 @@
         </p:nvSpPr>
         <p:spPr>
           <a:xfrm>
-            <a:off x="840389" y="109410"/>
+            <a:off x="831153" y="109410"/>
             <a:ext cx="7380000" cy="540000"/>
           </a:xfrm>
           <a:prstGeom prst="rect">
@@ -15459,15 +15129,7 @@
             <a:pPr algn="ctr"/>
             <a:r>
               <a:rPr lang="en-AU" sz="2800" dirty="0" smtClean="0"/>
-              <a:t>Upload a File </a:t>
-            </a:r>
-            <a:r>
-              <a:rPr lang="mr-IN" sz="2800" dirty="0" smtClean="0"/>
-              <a:t>–</a:t>
-            </a:r>
-            <a:r>
-              <a:rPr lang="en-AU" sz="2800" dirty="0" smtClean="0"/>
-              <a:t> File Explorer</a:t>
+              <a:t>Download my File</a:t>
             </a:r>
             <a:endParaRPr lang="en-AU" sz="2800" dirty="0"/>
           </a:p>
@@ -15527,15 +15189,8 @@
                   <a:schemeClr val="tx1"/>
                 </a:solidFill>
               </a:rPr>
-              <a:t>As a Media Vault user, I want to upload a file through clicking an upload button that opens a file explorer, so that I can access this file from any device using the Media Vault website.</a:t>
-            </a:r>
-          </a:p>
-          <a:p>
-            <a:endParaRPr lang="en-AU" sz="2400" dirty="0" smtClean="0">
-              <a:solidFill>
-                <a:schemeClr val="tx1"/>
-              </a:solidFill>
-            </a:endParaRPr>
+              <a:t>As a Media Vault user, I want to download a file that I have uploaded, so that I can keep a local version for when I have no internet.</a:t>
+            </a:r>
           </a:p>
           <a:p>
             <a:pPr marL="342900" indent="-342900">
@@ -15558,8 +15213,8 @@
         </p:nvSpPr>
         <p:spPr>
           <a:xfrm>
-            <a:off x="39153" y="3335529"/>
-            <a:ext cx="9828000" cy="2203121"/>
+            <a:off x="39153" y="3335530"/>
+            <a:ext cx="9828000" cy="1620000"/>
           </a:xfrm>
           <a:prstGeom prst="rect">
             <a:avLst/>
@@ -15618,7 +15273,7 @@
                   <a:schemeClr val="tx1"/>
                 </a:solidFill>
               </a:rPr>
-              <a:t>After clicking the upload button, a file explorer will appear</a:t>
+              <a:t> The file will have a download button</a:t>
             </a:r>
           </a:p>
           <a:p>
@@ -15632,7 +15287,7 @@
                   <a:schemeClr val="tx1"/>
                 </a:solidFill>
               </a:rPr>
-              <a:t>The user should only be able to pick one file (not a folder)</a:t>
+              <a:t>After clicking the download button, the file will download to the Media Vault user’s device</a:t>
             </a:r>
           </a:p>
           <a:p>
@@ -15646,21 +15301,7 @@
                   <a:schemeClr val="tx1"/>
                 </a:solidFill>
               </a:rPr>
-              <a:t>That file should now appear in the Media Vault</a:t>
-            </a:r>
-          </a:p>
-          <a:p>
-            <a:pPr marL="179388" indent="-179388">
-              <a:buFont typeface="Arial" pitchFamily="34" charset="0"/>
-              <a:buChar char="•"/>
-            </a:pPr>
-            <a:r>
-              <a:rPr lang="en-AU" sz="2000" dirty="0" smtClean="0">
-                <a:solidFill>
-                  <a:schemeClr val="tx1"/>
-                </a:solidFill>
-              </a:rPr>
-              <a:t>ANY ERRORS SHOULD BE DISPLAYED IN A USER FRIENDLY CONTEXT</a:t>
+              <a:t>The file will keep the same name that it has on the website</a:t>
             </a:r>
           </a:p>
         </p:txBody>
@@ -15719,7 +15360,7 @@
                   <a:schemeClr val="tx1"/>
                 </a:solidFill>
               </a:rPr>
-              <a:t>2</a:t>
+              <a:t>1</a:t>
             </a:r>
           </a:p>
         </p:txBody>
@@ -15797,8 +15438,8 @@
         </p:nvSpPr>
         <p:spPr>
           <a:xfrm>
-            <a:off x="39153" y="5839096"/>
-            <a:ext cx="9828000" cy="909493"/>
+            <a:off x="39153" y="5128590"/>
+            <a:ext cx="9828000" cy="1620000"/>
           </a:xfrm>
           <a:prstGeom prst="rect">
             <a:avLst/>
@@ -15848,7 +15489,7 @@
     </p:spTree>
     <p:extLst>
       <p:ext uri="{BB962C8B-B14F-4D97-AF65-F5344CB8AC3E}">
-        <p14:creationId xmlns:p14="http://schemas.microsoft.com/office/powerpoint/2010/main" val="114075476"/>
+        <p14:creationId xmlns:p14="http://schemas.microsoft.com/office/powerpoint/2010/main" val="1836719830"/>
       </p:ext>
     </p:extLst>
   </p:cSld>
@@ -15930,7 +15571,7 @@
                   <a:schemeClr val="tx1"/>
                 </a:solidFill>
               </a:rPr>
-              <a:t>Story 6B</a:t>
+              <a:t>Story 6</a:t>
             </a:r>
             <a:endParaRPr lang="en-AU" sz="2000" dirty="0">
               <a:solidFill>
@@ -15948,7 +15589,7 @@
         </p:nvSpPr>
         <p:spPr>
           <a:xfrm>
-            <a:off x="831153" y="109410"/>
+            <a:off x="840389" y="109410"/>
             <a:ext cx="7380000" cy="540000"/>
           </a:xfrm>
           <a:prstGeom prst="rect">
@@ -15996,7 +15637,7 @@
             </a:r>
             <a:r>
               <a:rPr lang="en-AU" sz="2800" dirty="0" smtClean="0"/>
-              <a:t> drag and drop</a:t>
+              <a:t> File Explorer</a:t>
             </a:r>
             <a:endParaRPr lang="en-AU" sz="2800" dirty="0"/>
           </a:p>
@@ -16056,7 +15697,7 @@
                   <a:schemeClr val="tx1"/>
                 </a:solidFill>
               </a:rPr>
-              <a:t>As a Media Vault user, I want to upload a file by dragging and dropping them into the website, so that I can access this file from any device using the Media Vault website.</a:t>
+              <a:t>As a Media Vault user, I want to upload a file through clicking an upload button that opens a file explorer, so that I can access this file from any device using the Media Vault website.</a:t>
             </a:r>
           </a:p>
           <a:p>
@@ -16087,8 +15728,8 @@
         </p:nvSpPr>
         <p:spPr>
           <a:xfrm>
-            <a:off x="39153" y="3335530"/>
-            <a:ext cx="9828000" cy="1620000"/>
+            <a:off x="39153" y="3335529"/>
+            <a:ext cx="9828000" cy="2203121"/>
           </a:xfrm>
           <a:prstGeom prst="rect">
             <a:avLst/>
@@ -16147,7 +15788,7 @@
                   <a:schemeClr val="tx1"/>
                 </a:solidFill>
               </a:rPr>
-              <a:t>The user can drag and drop a file to the Media Vault website</a:t>
+              <a:t>After clicking the upload button, a file explorer will appear</a:t>
             </a:r>
           </a:p>
           <a:p>
@@ -16161,7 +15802,7 @@
                   <a:schemeClr val="tx1"/>
                 </a:solidFill>
               </a:rPr>
-              <a:t>This file will upload</a:t>
+              <a:t>The user should only be able to pick one file (not a folder)</a:t>
             </a:r>
           </a:p>
           <a:p>
@@ -16175,6 +15816,20 @@
                   <a:schemeClr val="tx1"/>
                 </a:solidFill>
               </a:rPr>
+              <a:t>That file should now appear in the Media Vault</a:t>
+            </a:r>
+          </a:p>
+          <a:p>
+            <a:pPr marL="179388" indent="-179388">
+              <a:buFont typeface="Arial" pitchFamily="34" charset="0"/>
+              <a:buChar char="•"/>
+            </a:pPr>
+            <a:r>
+              <a:rPr lang="en-AU" sz="2000" dirty="0" smtClean="0">
+                <a:solidFill>
+                  <a:schemeClr val="tx1"/>
+                </a:solidFill>
+              </a:rPr>
               <a:t>ANY ERRORS SHOULD BE DISPLAYED IN A USER FRIENDLY CONTEXT</a:t>
             </a:r>
           </a:p>
@@ -16294,7 +15949,7 @@
                   <a:schemeClr val="tx1"/>
                 </a:solidFill>
               </a:rPr>
-              <a:t>want</a:t>
+              <a:t>Must</a:t>
             </a:r>
             <a:endParaRPr lang="en-AU" sz="2000" dirty="0">
               <a:solidFill>
@@ -16312,8 +15967,8 @@
         </p:nvSpPr>
         <p:spPr>
           <a:xfrm>
-            <a:off x="39153" y="5128590"/>
-            <a:ext cx="9828000" cy="1620000"/>
+            <a:off x="39153" y="5839096"/>
+            <a:ext cx="9828000" cy="909493"/>
           </a:xfrm>
           <a:prstGeom prst="rect">
             <a:avLst/>
@@ -16363,7 +16018,7 @@
     </p:spTree>
     <p:extLst>
       <p:ext uri="{BB962C8B-B14F-4D97-AF65-F5344CB8AC3E}">
-        <p14:creationId xmlns:p14="http://schemas.microsoft.com/office/powerpoint/2010/main" val="865503276"/>
+        <p14:creationId xmlns:p14="http://schemas.microsoft.com/office/powerpoint/2010/main" val="114075476"/>
       </p:ext>
     </p:extLst>
   </p:cSld>

--- a/Stories/Story Cards.pptx
+++ b/Stories/Story Cards.pptx
@@ -235,7 +235,7 @@
           <a:p>
             <a:fld id="{D472050B-ACD1-334A-AA2C-2AACF631EB54}" type="datetimeFigureOut">
               <a:rPr lang="en-US" smtClean="0"/>
-              <a:t>3/28/17</a:t>
+              <a:t>4/6/17</a:t>
             </a:fld>
             <a:endParaRPr lang="en-US"/>
           </a:p>
@@ -685,7 +685,7 @@
             <a:fld id="{1585DAA5-6BE2-467A-90B2-00E985D86198}" type="datetimeFigureOut">
               <a:rPr lang="en-AU" smtClean="0"/>
               <a:pPr/>
-              <a:t>28/3/17</a:t>
+              <a:t>6/4/17</a:t>
             </a:fld>
             <a:endParaRPr lang="en-AU"/>
           </a:p>
@@ -852,7 +852,7 @@
             <a:fld id="{1585DAA5-6BE2-467A-90B2-00E985D86198}" type="datetimeFigureOut">
               <a:rPr lang="en-AU" smtClean="0"/>
               <a:pPr/>
-              <a:t>28/3/17</a:t>
+              <a:t>6/4/17</a:t>
             </a:fld>
             <a:endParaRPr lang="en-AU"/>
           </a:p>
@@ -1029,7 +1029,7 @@
             <a:fld id="{1585DAA5-6BE2-467A-90B2-00E985D86198}" type="datetimeFigureOut">
               <a:rPr lang="en-AU" smtClean="0"/>
               <a:pPr/>
-              <a:t>28/3/17</a:t>
+              <a:t>6/4/17</a:t>
             </a:fld>
             <a:endParaRPr lang="en-AU"/>
           </a:p>
@@ -1196,7 +1196,7 @@
             <a:fld id="{1585DAA5-6BE2-467A-90B2-00E985D86198}" type="datetimeFigureOut">
               <a:rPr lang="en-AU" smtClean="0"/>
               <a:pPr/>
-              <a:t>28/3/17</a:t>
+              <a:t>6/4/17</a:t>
             </a:fld>
             <a:endParaRPr lang="en-AU"/>
           </a:p>
@@ -1439,7 +1439,7 @@
             <a:fld id="{1585DAA5-6BE2-467A-90B2-00E985D86198}" type="datetimeFigureOut">
               <a:rPr lang="en-AU" smtClean="0"/>
               <a:pPr/>
-              <a:t>28/3/17</a:t>
+              <a:t>6/4/17</a:t>
             </a:fld>
             <a:endParaRPr lang="en-AU"/>
           </a:p>
@@ -1724,7 +1724,7 @@
             <a:fld id="{1585DAA5-6BE2-467A-90B2-00E985D86198}" type="datetimeFigureOut">
               <a:rPr lang="en-AU" smtClean="0"/>
               <a:pPr/>
-              <a:t>28/3/17</a:t>
+              <a:t>6/4/17</a:t>
             </a:fld>
             <a:endParaRPr lang="en-AU"/>
           </a:p>
@@ -2143,7 +2143,7 @@
             <a:fld id="{1585DAA5-6BE2-467A-90B2-00E985D86198}" type="datetimeFigureOut">
               <a:rPr lang="en-AU" smtClean="0"/>
               <a:pPr/>
-              <a:t>28/3/17</a:t>
+              <a:t>6/4/17</a:t>
             </a:fld>
             <a:endParaRPr lang="en-AU"/>
           </a:p>
@@ -2258,7 +2258,7 @@
             <a:fld id="{1585DAA5-6BE2-467A-90B2-00E985D86198}" type="datetimeFigureOut">
               <a:rPr lang="en-AU" smtClean="0"/>
               <a:pPr/>
-              <a:t>28/3/17</a:t>
+              <a:t>6/4/17</a:t>
             </a:fld>
             <a:endParaRPr lang="en-AU"/>
           </a:p>
@@ -2350,7 +2350,7 @@
             <a:fld id="{1585DAA5-6BE2-467A-90B2-00E985D86198}" type="datetimeFigureOut">
               <a:rPr lang="en-AU" smtClean="0"/>
               <a:pPr/>
-              <a:t>28/3/17</a:t>
+              <a:t>6/4/17</a:t>
             </a:fld>
             <a:endParaRPr lang="en-AU"/>
           </a:p>
@@ -2624,7 +2624,7 @@
             <a:fld id="{1585DAA5-6BE2-467A-90B2-00E985D86198}" type="datetimeFigureOut">
               <a:rPr lang="en-AU" smtClean="0"/>
               <a:pPr/>
-              <a:t>28/3/17</a:t>
+              <a:t>6/4/17</a:t>
             </a:fld>
             <a:endParaRPr lang="en-AU"/>
           </a:p>
@@ -2874,7 +2874,7 @@
             <a:fld id="{1585DAA5-6BE2-467A-90B2-00E985D86198}" type="datetimeFigureOut">
               <a:rPr lang="en-AU" smtClean="0"/>
               <a:pPr/>
-              <a:t>28/3/17</a:t>
+              <a:t>6/4/17</a:t>
             </a:fld>
             <a:endParaRPr lang="en-AU"/>
           </a:p>
@@ -3084,7 +3084,7 @@
             <a:fld id="{1585DAA5-6BE2-467A-90B2-00E985D86198}" type="datetimeFigureOut">
               <a:rPr lang="en-AU" smtClean="0"/>
               <a:pPr/>
-              <a:t>28/3/17</a:t>
+              <a:t>6/4/17</a:t>
             </a:fld>
             <a:endParaRPr lang="en-AU"/>
           </a:p>
@@ -4369,13 +4369,18 @@
           <a:p>
             <a:pPr algn="ctr"/>
             <a:r>
-              <a:rPr lang="en-AU" sz="2000" dirty="0">
-                <a:solidFill>
-                  <a:schemeClr val="tx1"/>
-                </a:solidFill>
-              </a:rPr>
-              <a:t>2</a:t>
-            </a:r>
+              <a:rPr lang="en-AU" sz="2000" dirty="0" smtClean="0">
+                <a:solidFill>
+                  <a:schemeClr val="tx1"/>
+                </a:solidFill>
+              </a:rPr>
+              <a:t>1</a:t>
+            </a:r>
+            <a:endParaRPr lang="en-AU" sz="2000" dirty="0">
+              <a:solidFill>
+                <a:schemeClr val="tx1"/>
+              </a:solidFill>
+            </a:endParaRPr>
           </a:p>
         </p:txBody>
       </p:sp>
@@ -7444,12 +7449,12 @@
           <a:p>
             <a:pPr algn="ctr"/>
             <a:r>
-              <a:rPr lang="en-AU" sz="2000" dirty="0" smtClean="0">
-                <a:solidFill>
-                  <a:schemeClr val="tx1"/>
-                </a:solidFill>
-              </a:rPr>
-              <a:t>2</a:t>
+              <a:rPr lang="en-AU" sz="2000" dirty="0">
+                <a:solidFill>
+                  <a:schemeClr val="tx1"/>
+                </a:solidFill>
+              </a:rPr>
+              <a:t>1</a:t>
             </a:r>
             <a:endParaRPr lang="en-AU" sz="2000" dirty="0">
               <a:solidFill>
@@ -13041,31 +13046,7 @@
                   <a:schemeClr val="tx1"/>
                 </a:solidFill>
               </a:rPr>
-              <a:t> The User can no longer see their </a:t>
-            </a:r>
-            <a:r>
-              <a:rPr lang="en-AU" sz="2000" dirty="0" smtClean="0">
-                <a:solidFill>
-                  <a:schemeClr val="tx1"/>
-                </a:solidFill>
-              </a:rPr>
-              <a:t>files and access their account </a:t>
-            </a:r>
-            <a:r>
-              <a:rPr lang="en-AU" sz="2000" dirty="0" smtClean="0">
-                <a:solidFill>
-                  <a:schemeClr val="tx1"/>
-                </a:solidFill>
-              </a:rPr>
-              <a:t>once they have clicked a log out </a:t>
-            </a:r>
-            <a:r>
-              <a:rPr lang="en-AU" sz="2000" dirty="0" smtClean="0">
-                <a:solidFill>
-                  <a:schemeClr val="tx1"/>
-                </a:solidFill>
-              </a:rPr>
-              <a:t>button</a:t>
+              <a:t> The User can no longer see their files and access their account once they have clicked a log out button</a:t>
             </a:r>
           </a:p>
           <a:p>
@@ -15884,13 +15865,18 @@
           <a:p>
             <a:pPr algn="ctr"/>
             <a:r>
-              <a:rPr lang="en-AU" sz="2000" dirty="0">
-                <a:solidFill>
-                  <a:schemeClr val="tx1"/>
-                </a:solidFill>
-              </a:rPr>
-              <a:t>2</a:t>
-            </a:r>
+              <a:rPr lang="en-AU" sz="2000" dirty="0" smtClean="0">
+                <a:solidFill>
+                  <a:schemeClr val="tx1"/>
+                </a:solidFill>
+              </a:rPr>
+              <a:t>1</a:t>
+            </a:r>
+            <a:endParaRPr lang="en-AU" sz="2000" dirty="0">
+              <a:solidFill>
+                <a:schemeClr val="tx1"/>
+              </a:solidFill>
+            </a:endParaRPr>
           </a:p>
         </p:txBody>
       </p:sp>

--- a/Stories/Story Cards.pptx
+++ b/Stories/Story Cards.pptx
@@ -10403,8 +10403,29 @@
                   <a:schemeClr val="tx1"/>
                 </a:solidFill>
               </a:rPr>
-              <a:t>As a Media Vault user, I want to sort my files by meta data, so that I can organise and easily access specific files.</a:t>
-            </a:r>
+              <a:t>As a Media Vault user, I want to sort my files by meta data, so that I can organise and easily access specific </a:t>
+            </a:r>
+            <a:r>
+              <a:rPr lang="en-AU" sz="2400" smtClean="0">
+                <a:solidFill>
+                  <a:schemeClr val="tx1"/>
+                </a:solidFill>
+              </a:rPr>
+              <a:t>files</a:t>
+            </a:r>
+            <a:r>
+              <a:rPr lang="en-AU" sz="2400" smtClean="0">
+                <a:solidFill>
+                  <a:schemeClr val="tx1"/>
+                </a:solidFill>
+              </a:rPr>
+              <a:t>. </a:t>
+            </a:r>
+            <a:endParaRPr lang="en-AU" sz="2400" dirty="0" smtClean="0">
+              <a:solidFill>
+                <a:schemeClr val="tx1"/>
+              </a:solidFill>
+            </a:endParaRPr>
           </a:p>
         </p:txBody>
       </p:sp>
